--- a/Gestion/L1 Présentation.pptx
+++ b/Gestion/L1 Présentation.pptx
@@ -4,19 +4,35 @@
   <p:sldMasterIdLst>
     <p:sldMasterId id="2147483754" r:id="rId1"/>
   </p:sldMasterIdLst>
+  <p:notesMasterIdLst>
+    <p:notesMasterId r:id="rId27"/>
+  </p:notesMasterIdLst>
   <p:sldIdLst>
     <p:sldId id="256" r:id="rId2"/>
     <p:sldId id="257" r:id="rId3"/>
     <p:sldId id="296" r:id="rId4"/>
     <p:sldId id="299" r:id="rId5"/>
     <p:sldId id="297" r:id="rId6"/>
-    <p:sldId id="298" r:id="rId7"/>
-    <p:sldId id="300" r:id="rId8"/>
-    <p:sldId id="301" r:id="rId9"/>
-    <p:sldId id="302" r:id="rId10"/>
-    <p:sldId id="303" r:id="rId11"/>
-    <p:sldId id="304" r:id="rId12"/>
-    <p:sldId id="305" r:id="rId13"/>
+    <p:sldId id="306" r:id="rId7"/>
+    <p:sldId id="302" r:id="rId8"/>
+    <p:sldId id="298" r:id="rId9"/>
+    <p:sldId id="305" r:id="rId10"/>
+    <p:sldId id="311" r:id="rId11"/>
+    <p:sldId id="312" r:id="rId12"/>
+    <p:sldId id="313" r:id="rId13"/>
+    <p:sldId id="314" r:id="rId14"/>
+    <p:sldId id="315" r:id="rId15"/>
+    <p:sldId id="316" r:id="rId16"/>
+    <p:sldId id="321" r:id="rId17"/>
+    <p:sldId id="322" r:id="rId18"/>
+    <p:sldId id="301" r:id="rId19"/>
+    <p:sldId id="318" r:id="rId20"/>
+    <p:sldId id="319" r:id="rId21"/>
+    <p:sldId id="320" r:id="rId22"/>
+    <p:sldId id="303" r:id="rId23"/>
+    <p:sldId id="310" r:id="rId24"/>
+    <p:sldId id="317" r:id="rId25"/>
+    <p:sldId id="304" r:id="rId26"/>
   </p:sldIdLst>
   <p:sldSz cx="12192000" cy="6858000"/>
   <p:notesSz cx="6858000" cy="9144000"/>
@@ -121,6 +137,523 @@
     </p:ext>
   </p:extLst>
 </p:presentation>
+</file>
+
+<file path=ppt/notesMasters/notesMaster1.xml><?xml version="1.0" encoding="utf-8"?>
+<p:notesMaster xmlns:a="http://schemas.openxmlformats.org/drawingml/2006/main" xmlns:r="http://schemas.openxmlformats.org/officeDocument/2006/relationships" xmlns:p="http://schemas.openxmlformats.org/presentationml/2006/main">
+  <p:cSld>
+    <p:bg>
+      <p:bgRef idx="1001">
+        <a:schemeClr val="bg1"/>
+      </p:bgRef>
+    </p:bg>
+    <p:spTree>
+      <p:nvGrpSpPr>
+        <p:cNvPr id="1" name=""/>
+        <p:cNvGrpSpPr/>
+        <p:nvPr/>
+      </p:nvGrpSpPr>
+      <p:grpSpPr>
+        <a:xfrm>
+          <a:off x="0" y="0"/>
+          <a:ext cx="0" cy="0"/>
+          <a:chOff x="0" y="0"/>
+          <a:chExt cx="0" cy="0"/>
+        </a:xfrm>
+      </p:grpSpPr>
+      <p:sp>
+        <p:nvSpPr>
+          <p:cNvPr id="2" name="Espace réservé de l'en-tête 1"/>
+          <p:cNvSpPr>
+            <a:spLocks noGrp="1"/>
+          </p:cNvSpPr>
+          <p:nvPr>
+            <p:ph type="hdr" sz="quarter"/>
+          </p:nvPr>
+        </p:nvSpPr>
+        <p:spPr>
+          <a:xfrm>
+            <a:off x="0" y="0"/>
+            <a:ext cx="2971800" cy="458788"/>
+          </a:xfrm>
+          <a:prstGeom prst="rect">
+            <a:avLst/>
+          </a:prstGeom>
+        </p:spPr>
+        <p:txBody>
+          <a:bodyPr vert="horz" lIns="91440" tIns="45720" rIns="91440" bIns="45720" rtlCol="0"/>
+          <a:lstStyle>
+            <a:lvl1pPr algn="l">
+              <a:defRPr sz="1200"/>
+            </a:lvl1pPr>
+          </a:lstStyle>
+          <a:p>
+            <a:endParaRPr lang="fr-FR"/>
+          </a:p>
+        </p:txBody>
+      </p:sp>
+      <p:sp>
+        <p:nvSpPr>
+          <p:cNvPr id="3" name="Espace réservé de la date 2"/>
+          <p:cNvSpPr>
+            <a:spLocks noGrp="1"/>
+          </p:cNvSpPr>
+          <p:nvPr>
+            <p:ph type="dt" idx="1"/>
+          </p:nvPr>
+        </p:nvSpPr>
+        <p:spPr>
+          <a:xfrm>
+            <a:off x="3884613" y="0"/>
+            <a:ext cx="2971800" cy="458788"/>
+          </a:xfrm>
+          <a:prstGeom prst="rect">
+            <a:avLst/>
+          </a:prstGeom>
+        </p:spPr>
+        <p:txBody>
+          <a:bodyPr vert="horz" lIns="91440" tIns="45720" rIns="91440" bIns="45720" rtlCol="0"/>
+          <a:lstStyle>
+            <a:lvl1pPr algn="r">
+              <a:defRPr sz="1200"/>
+            </a:lvl1pPr>
+          </a:lstStyle>
+          <a:p>
+            <a:fld id="{29740D4E-F9FF-4EA1-A38A-170DAFD3415C}" type="datetimeFigureOut">
+              <a:rPr lang="fr-FR"/>
+              <a:t>21/02/2017</a:t>
+            </a:fld>
+            <a:endParaRPr lang="fr-FR"/>
+          </a:p>
+        </p:txBody>
+      </p:sp>
+      <p:sp>
+        <p:nvSpPr>
+          <p:cNvPr id="4" name="Espace réservé de l'image des diapositives 3"/>
+          <p:cNvSpPr>
+            <a:spLocks noGrp="1" noRot="1" noChangeAspect="1"/>
+          </p:cNvSpPr>
+          <p:nvPr>
+            <p:ph type="sldImg" idx="2"/>
+          </p:nvPr>
+        </p:nvSpPr>
+        <p:spPr>
+          <a:xfrm>
+            <a:off x="685800" y="1143000"/>
+            <a:ext cx="5486400" cy="3086100"/>
+          </a:xfrm>
+          <a:prstGeom prst="rect">
+            <a:avLst/>
+          </a:prstGeom>
+          <a:noFill/>
+          <a:ln w="12700">
+            <a:solidFill>
+              <a:prstClr val="black"/>
+            </a:solidFill>
+          </a:ln>
+        </p:spPr>
+        <p:txBody>
+          <a:bodyPr vert="horz" lIns="91440" tIns="45720" rIns="91440" bIns="45720" rtlCol="0" anchor="ctr"/>
+          <a:lstStyle/>
+          <a:p>
+            <a:endParaRPr lang="fr-FR"/>
+          </a:p>
+        </p:txBody>
+      </p:sp>
+      <p:sp>
+        <p:nvSpPr>
+          <p:cNvPr id="5" name="Espace réservé des notes 4"/>
+          <p:cNvSpPr>
+            <a:spLocks noGrp="1"/>
+          </p:cNvSpPr>
+          <p:nvPr>
+            <p:ph type="body" sz="quarter" idx="3"/>
+          </p:nvPr>
+        </p:nvSpPr>
+        <p:spPr>
+          <a:xfrm>
+            <a:off x="685800" y="4400550"/>
+            <a:ext cx="5486400" cy="3600450"/>
+          </a:xfrm>
+          <a:prstGeom prst="rect">
+            <a:avLst/>
+          </a:prstGeom>
+        </p:spPr>
+        <p:txBody>
+          <a:bodyPr vert="horz" lIns="91440" tIns="45720" rIns="91440" bIns="45720" rtlCol="0"/>
+          <a:lstStyle/>
+          <a:p>
+            <a:pPr lvl="0"/>
+            <a:r>
+              <a:rPr lang="fr-FR"/>
+              <a:t>Modifier les styles du texte du masque</a:t>
+            </a:r>
+          </a:p>
+          <a:p>
+            <a:pPr lvl="1"/>
+            <a:r>
+              <a:rPr lang="fr-FR"/>
+              <a:t>Deuxième niveau</a:t>
+            </a:r>
+          </a:p>
+          <a:p>
+            <a:pPr lvl="2"/>
+            <a:r>
+              <a:rPr lang="fr-FR"/>
+              <a:t>Troisième niveau</a:t>
+            </a:r>
+          </a:p>
+          <a:p>
+            <a:pPr lvl="3"/>
+            <a:r>
+              <a:rPr lang="fr-FR"/>
+              <a:t>Quatrième niveau</a:t>
+            </a:r>
+          </a:p>
+          <a:p>
+            <a:pPr lvl="4"/>
+            <a:r>
+              <a:rPr lang="fr-FR"/>
+              <a:t>Cinquième niveau</a:t>
+            </a:r>
+          </a:p>
+        </p:txBody>
+      </p:sp>
+      <p:sp>
+        <p:nvSpPr>
+          <p:cNvPr id="6" name="Espace réservé du pied de page 5"/>
+          <p:cNvSpPr>
+            <a:spLocks noGrp="1"/>
+          </p:cNvSpPr>
+          <p:nvPr>
+            <p:ph type="ftr" sz="quarter" idx="4"/>
+          </p:nvPr>
+        </p:nvSpPr>
+        <p:spPr>
+          <a:xfrm>
+            <a:off x="0" y="8685213"/>
+            <a:ext cx="2971800" cy="458787"/>
+          </a:xfrm>
+          <a:prstGeom prst="rect">
+            <a:avLst/>
+          </a:prstGeom>
+        </p:spPr>
+        <p:txBody>
+          <a:bodyPr vert="horz" lIns="91440" tIns="45720" rIns="91440" bIns="45720" rtlCol="0" anchor="b"/>
+          <a:lstStyle>
+            <a:lvl1pPr algn="l">
+              <a:defRPr sz="1200"/>
+            </a:lvl1pPr>
+          </a:lstStyle>
+          <a:p>
+            <a:endParaRPr lang="fr-FR"/>
+          </a:p>
+        </p:txBody>
+      </p:sp>
+      <p:sp>
+        <p:nvSpPr>
+          <p:cNvPr id="7" name="Espace réservé du numéro de diapositive 6"/>
+          <p:cNvSpPr>
+            <a:spLocks noGrp="1"/>
+          </p:cNvSpPr>
+          <p:nvPr>
+            <p:ph type="sldNum" sz="quarter" idx="5"/>
+          </p:nvPr>
+        </p:nvSpPr>
+        <p:spPr>
+          <a:xfrm>
+            <a:off x="3884613" y="8685213"/>
+            <a:ext cx="2971800" cy="458787"/>
+          </a:xfrm>
+          <a:prstGeom prst="rect">
+            <a:avLst/>
+          </a:prstGeom>
+        </p:spPr>
+        <p:txBody>
+          <a:bodyPr vert="horz" lIns="91440" tIns="45720" rIns="91440" bIns="45720" rtlCol="0" anchor="b"/>
+          <a:lstStyle>
+            <a:lvl1pPr algn="r">
+              <a:defRPr sz="1200"/>
+            </a:lvl1pPr>
+          </a:lstStyle>
+          <a:p>
+            <a:fld id="{78B34485-F086-465C-AC7C-52556F6810CD}" type="slidenum">
+              <a:rPr lang="fr-FR"/>
+              <a:t>‹N°›</a:t>
+            </a:fld>
+            <a:endParaRPr lang="fr-FR"/>
+          </a:p>
+        </p:txBody>
+      </p:sp>
+    </p:spTree>
+    <p:extLst>
+      <p:ext uri="{BB962C8B-B14F-4D97-AF65-F5344CB8AC3E}">
+        <p14:creationId xmlns:p14="http://schemas.microsoft.com/office/powerpoint/2010/main" val="599822829"/>
+      </p:ext>
+    </p:extLst>
+  </p:cSld>
+  <p:clrMap bg1="lt1" tx1="dk1" bg2="lt2" tx2="dk2" accent1="accent1" accent2="accent2" accent3="accent3" accent4="accent4" accent5="accent5" accent6="accent6" hlink="hlink" folHlink="folHlink"/>
+  <p:notesStyle>
+    <a:lvl1pPr marL="0" algn="l" defTabSz="914400" rtl="0" eaLnBrk="1" latinLnBrk="0" hangingPunct="1">
+      <a:defRPr sz="1200" kern="1200">
+        <a:solidFill>
+          <a:schemeClr val="tx1"/>
+        </a:solidFill>
+        <a:latin typeface="+mn-lt"/>
+        <a:ea typeface="+mn-ea"/>
+        <a:cs typeface="+mn-cs"/>
+      </a:defRPr>
+    </a:lvl1pPr>
+    <a:lvl2pPr marL="457200" algn="l" defTabSz="914400" rtl="0" eaLnBrk="1" latinLnBrk="0" hangingPunct="1">
+      <a:defRPr sz="1200" kern="1200">
+        <a:solidFill>
+          <a:schemeClr val="tx1"/>
+        </a:solidFill>
+        <a:latin typeface="+mn-lt"/>
+        <a:ea typeface="+mn-ea"/>
+        <a:cs typeface="+mn-cs"/>
+      </a:defRPr>
+    </a:lvl2pPr>
+    <a:lvl3pPr marL="914400" algn="l" defTabSz="914400" rtl="0" eaLnBrk="1" latinLnBrk="0" hangingPunct="1">
+      <a:defRPr sz="1200" kern="1200">
+        <a:solidFill>
+          <a:schemeClr val="tx1"/>
+        </a:solidFill>
+        <a:latin typeface="+mn-lt"/>
+        <a:ea typeface="+mn-ea"/>
+        <a:cs typeface="+mn-cs"/>
+      </a:defRPr>
+    </a:lvl3pPr>
+    <a:lvl4pPr marL="1371600" algn="l" defTabSz="914400" rtl="0" eaLnBrk="1" latinLnBrk="0" hangingPunct="1">
+      <a:defRPr sz="1200" kern="1200">
+        <a:solidFill>
+          <a:schemeClr val="tx1"/>
+        </a:solidFill>
+        <a:latin typeface="+mn-lt"/>
+        <a:ea typeface="+mn-ea"/>
+        <a:cs typeface="+mn-cs"/>
+      </a:defRPr>
+    </a:lvl4pPr>
+    <a:lvl5pPr marL="1828800" algn="l" defTabSz="914400" rtl="0" eaLnBrk="1" latinLnBrk="0" hangingPunct="1">
+      <a:defRPr sz="1200" kern="1200">
+        <a:solidFill>
+          <a:schemeClr val="tx1"/>
+        </a:solidFill>
+        <a:latin typeface="+mn-lt"/>
+        <a:ea typeface="+mn-ea"/>
+        <a:cs typeface="+mn-cs"/>
+      </a:defRPr>
+    </a:lvl5pPr>
+    <a:lvl6pPr marL="2286000" algn="l" defTabSz="914400" rtl="0" eaLnBrk="1" latinLnBrk="0" hangingPunct="1">
+      <a:defRPr sz="1200" kern="1200">
+        <a:solidFill>
+          <a:schemeClr val="tx1"/>
+        </a:solidFill>
+        <a:latin typeface="+mn-lt"/>
+        <a:ea typeface="+mn-ea"/>
+        <a:cs typeface="+mn-cs"/>
+      </a:defRPr>
+    </a:lvl6pPr>
+    <a:lvl7pPr marL="2743200" algn="l" defTabSz="914400" rtl="0" eaLnBrk="1" latinLnBrk="0" hangingPunct="1">
+      <a:defRPr sz="1200" kern="1200">
+        <a:solidFill>
+          <a:schemeClr val="tx1"/>
+        </a:solidFill>
+        <a:latin typeface="+mn-lt"/>
+        <a:ea typeface="+mn-ea"/>
+        <a:cs typeface="+mn-cs"/>
+      </a:defRPr>
+    </a:lvl7pPr>
+    <a:lvl8pPr marL="3200400" algn="l" defTabSz="914400" rtl="0" eaLnBrk="1" latinLnBrk="0" hangingPunct="1">
+      <a:defRPr sz="1200" kern="1200">
+        <a:solidFill>
+          <a:schemeClr val="tx1"/>
+        </a:solidFill>
+        <a:latin typeface="+mn-lt"/>
+        <a:ea typeface="+mn-ea"/>
+        <a:cs typeface="+mn-cs"/>
+      </a:defRPr>
+    </a:lvl8pPr>
+    <a:lvl9pPr marL="3657600" algn="l" defTabSz="914400" rtl="0" eaLnBrk="1" latinLnBrk="0" hangingPunct="1">
+      <a:defRPr sz="1200" kern="1200">
+        <a:solidFill>
+          <a:schemeClr val="tx1"/>
+        </a:solidFill>
+        <a:latin typeface="+mn-lt"/>
+        <a:ea typeface="+mn-ea"/>
+        <a:cs typeface="+mn-cs"/>
+      </a:defRPr>
+    </a:lvl9pPr>
+  </p:notesStyle>
+</p:notesMaster>
+</file>
+
+<file path=ppt/notesSlides/notesSlide1.xml><?xml version="1.0" encoding="utf-8"?>
+<p:notes xmlns:a="http://schemas.openxmlformats.org/drawingml/2006/main" xmlns:r="http://schemas.openxmlformats.org/officeDocument/2006/relationships" xmlns:p="http://schemas.openxmlformats.org/presentationml/2006/main">
+  <p:cSld>
+    <p:spTree>
+      <p:nvGrpSpPr>
+        <p:cNvPr id="1" name=""/>
+        <p:cNvGrpSpPr/>
+        <p:nvPr/>
+      </p:nvGrpSpPr>
+      <p:grpSpPr>
+        <a:xfrm>
+          <a:off x="0" y="0"/>
+          <a:ext cx="0" cy="0"/>
+          <a:chOff x="0" y="0"/>
+          <a:chExt cx="0" cy="0"/>
+        </a:xfrm>
+      </p:grpSpPr>
+      <p:sp>
+        <p:nvSpPr>
+          <p:cNvPr id="2" name="Espace réservé de l'image des diapositives 1"/>
+          <p:cNvSpPr>
+            <a:spLocks noGrp="1" noRot="1" noChangeAspect="1"/>
+          </p:cNvSpPr>
+          <p:nvPr>
+            <p:ph type="sldImg"/>
+          </p:nvPr>
+        </p:nvSpPr>
+        <p:spPr/>
+      </p:sp>
+      <p:sp>
+        <p:nvSpPr>
+          <p:cNvPr id="3" name="Espace réservé des notes 2"/>
+          <p:cNvSpPr>
+            <a:spLocks noGrp="1"/>
+          </p:cNvSpPr>
+          <p:nvPr>
+            <p:ph type="body" idx="1"/>
+          </p:nvPr>
+        </p:nvSpPr>
+        <p:spPr/>
+        <p:txBody>
+          <a:bodyPr/>
+          <a:lstStyle/>
+          <a:p>
+            <a:endParaRPr lang="fr-FR"/>
+          </a:p>
+        </p:txBody>
+      </p:sp>
+      <p:sp>
+        <p:nvSpPr>
+          <p:cNvPr id="4" name="Espace réservé du numéro de diapositive 3"/>
+          <p:cNvSpPr>
+            <a:spLocks noGrp="1"/>
+          </p:cNvSpPr>
+          <p:nvPr>
+            <p:ph type="sldNum" sz="quarter" idx="10"/>
+          </p:nvPr>
+        </p:nvSpPr>
+        <p:spPr/>
+        <p:txBody>
+          <a:bodyPr/>
+          <a:lstStyle/>
+          <a:p>
+            <a:fld id="{78B34485-F086-465C-AC7C-52556F6810CD}" type="slidenum">
+              <a:rPr lang="fr-FR"/>
+              <a:t>16</a:t>
+            </a:fld>
+            <a:endParaRPr lang="fr-FR"/>
+          </a:p>
+        </p:txBody>
+      </p:sp>
+    </p:spTree>
+    <p:extLst>
+      <p:ext uri="{BB962C8B-B14F-4D97-AF65-F5344CB8AC3E}">
+        <p14:creationId xmlns:p14="http://schemas.microsoft.com/office/powerpoint/2010/main" val="158977580"/>
+      </p:ext>
+    </p:extLst>
+  </p:cSld>
+  <p:clrMapOvr>
+    <a:masterClrMapping/>
+  </p:clrMapOvr>
+</p:notes>
+</file>
+
+<file path=ppt/notesSlides/notesSlide2.xml><?xml version="1.0" encoding="utf-8"?>
+<p:notes xmlns:a="http://schemas.openxmlformats.org/drawingml/2006/main" xmlns:r="http://schemas.openxmlformats.org/officeDocument/2006/relationships" xmlns:p="http://schemas.openxmlformats.org/presentationml/2006/main">
+  <p:cSld>
+    <p:spTree>
+      <p:nvGrpSpPr>
+        <p:cNvPr id="1" name=""/>
+        <p:cNvGrpSpPr/>
+        <p:nvPr/>
+      </p:nvGrpSpPr>
+      <p:grpSpPr>
+        <a:xfrm>
+          <a:off x="0" y="0"/>
+          <a:ext cx="0" cy="0"/>
+          <a:chOff x="0" y="0"/>
+          <a:chExt cx="0" cy="0"/>
+        </a:xfrm>
+      </p:grpSpPr>
+      <p:sp>
+        <p:nvSpPr>
+          <p:cNvPr id="2" name="Espace réservé de l'image des diapositives 1"/>
+          <p:cNvSpPr>
+            <a:spLocks noGrp="1" noRot="1" noChangeAspect="1"/>
+          </p:cNvSpPr>
+          <p:nvPr>
+            <p:ph type="sldImg"/>
+          </p:nvPr>
+        </p:nvSpPr>
+        <p:spPr/>
+      </p:sp>
+      <p:sp>
+        <p:nvSpPr>
+          <p:cNvPr id="3" name="Espace réservé des notes 2"/>
+          <p:cNvSpPr>
+            <a:spLocks noGrp="1"/>
+          </p:cNvSpPr>
+          <p:nvPr>
+            <p:ph type="body" idx="1"/>
+          </p:nvPr>
+        </p:nvSpPr>
+        <p:spPr/>
+        <p:txBody>
+          <a:bodyPr/>
+          <a:lstStyle/>
+          <a:p>
+            <a:endParaRPr lang="fr-FR"/>
+          </a:p>
+        </p:txBody>
+      </p:sp>
+      <p:sp>
+        <p:nvSpPr>
+          <p:cNvPr id="4" name="Espace réservé du numéro de diapositive 3"/>
+          <p:cNvSpPr>
+            <a:spLocks noGrp="1"/>
+          </p:cNvSpPr>
+          <p:nvPr>
+            <p:ph type="sldNum" sz="quarter" idx="10"/>
+          </p:nvPr>
+        </p:nvSpPr>
+        <p:spPr/>
+        <p:txBody>
+          <a:bodyPr/>
+          <a:lstStyle/>
+          <a:p>
+            <a:fld id="{78B34485-F086-465C-AC7C-52556F6810CD}" type="slidenum">
+              <a:rPr lang="fr-FR"/>
+              <a:t>17</a:t>
+            </a:fld>
+            <a:endParaRPr lang="fr-FR"/>
+          </a:p>
+        </p:txBody>
+      </p:sp>
+    </p:spTree>
+    <p:extLst>
+      <p:ext uri="{BB962C8B-B14F-4D97-AF65-F5344CB8AC3E}">
+        <p14:creationId xmlns:p14="http://schemas.microsoft.com/office/powerpoint/2010/main" val="449719417"/>
+      </p:ext>
+    </p:extLst>
+  </p:cSld>
+  <p:clrMapOvr>
+    <a:masterClrMapping/>
+  </p:clrMapOvr>
+</p:notes>
 </file>
 
 <file path=ppt/slideLayouts/slideLayout1.xml><?xml version="1.0" encoding="utf-8"?>
@@ -845,7 +1378,7 @@
           <a:p>
             <a:fld id="{BE28C888-FE49-4D7A-8A13-DC359419DA98}" type="datetimeFigureOut">
               <a:rPr lang="en-CA" smtClean="0"/>
-              <a:t>2017-02-14</a:t>
+              <a:t>2017-02-21</a:t>
             </a:fld>
             <a:endParaRPr lang="en-CA"/>
           </a:p>
@@ -1096,7 +1629,7 @@
           <a:p>
             <a:fld id="{BE28C888-FE49-4D7A-8A13-DC359419DA98}" type="datetimeFigureOut">
               <a:rPr lang="en-CA" smtClean="0"/>
-              <a:t>2017-02-14</a:t>
+              <a:t>2017-02-21</a:t>
             </a:fld>
             <a:endParaRPr lang="en-CA"/>
           </a:p>
@@ -1410,7 +1943,7 @@
           <a:p>
             <a:fld id="{BE28C888-FE49-4D7A-8A13-DC359419DA98}" type="datetimeFigureOut">
               <a:rPr lang="en-CA" smtClean="0"/>
-              <a:t>2017-02-14</a:t>
+              <a:t>2017-02-21</a:t>
             </a:fld>
             <a:endParaRPr lang="en-CA"/>
           </a:p>
@@ -1751,7 +2284,7 @@
           <a:p>
             <a:fld id="{BE28C888-FE49-4D7A-8A13-DC359419DA98}" type="datetimeFigureOut">
               <a:rPr lang="en-CA" smtClean="0"/>
-              <a:t>2017-02-14</a:t>
+              <a:t>2017-02-21</a:t>
             </a:fld>
             <a:endParaRPr lang="en-CA"/>
           </a:p>
@@ -2065,7 +2598,7 @@
           <a:p>
             <a:fld id="{BE28C888-FE49-4D7A-8A13-DC359419DA98}" type="datetimeFigureOut">
               <a:rPr lang="en-CA" smtClean="0"/>
-              <a:t>2017-02-14</a:t>
+              <a:t>2017-02-21</a:t>
             </a:fld>
             <a:endParaRPr lang="en-CA"/>
           </a:p>
@@ -2458,7 +2991,7 @@
           <a:p>
             <a:fld id="{BE28C888-FE49-4D7A-8A13-DC359419DA98}" type="datetimeFigureOut">
               <a:rPr lang="en-CA" smtClean="0"/>
-              <a:t>2017-02-14</a:t>
+              <a:t>2017-02-21</a:t>
             </a:fld>
             <a:endParaRPr lang="en-CA"/>
           </a:p>
@@ -2628,7 +3161,7 @@
           <a:p>
             <a:fld id="{BE28C888-FE49-4D7A-8A13-DC359419DA98}" type="datetimeFigureOut">
               <a:rPr lang="en-CA" smtClean="0"/>
-              <a:t>2017-02-14</a:t>
+              <a:t>2017-02-21</a:t>
             </a:fld>
             <a:endParaRPr lang="en-CA"/>
           </a:p>
@@ -2808,7 +3341,7 @@
           <a:p>
             <a:fld id="{BE28C888-FE49-4D7A-8A13-DC359419DA98}" type="datetimeFigureOut">
               <a:rPr lang="en-CA" smtClean="0"/>
-              <a:t>2017-02-14</a:t>
+              <a:t>2017-02-21</a:t>
             </a:fld>
             <a:endParaRPr lang="en-CA"/>
           </a:p>
@@ -2984,7 +3517,7 @@
           <a:p>
             <a:fld id="{BE28C888-FE49-4D7A-8A13-DC359419DA98}" type="datetimeFigureOut">
               <a:rPr lang="en-CA" smtClean="0"/>
-              <a:t>2017-02-14</a:t>
+              <a:t>2017-02-21</a:t>
             </a:fld>
             <a:endParaRPr lang="en-CA"/>
           </a:p>
@@ -3231,7 +3764,7 @@
           <a:p>
             <a:fld id="{BE28C888-FE49-4D7A-8A13-DC359419DA98}" type="datetimeFigureOut">
               <a:rPr lang="en-CA" smtClean="0"/>
-              <a:t>2017-02-14</a:t>
+              <a:t>2017-02-21</a:t>
             </a:fld>
             <a:endParaRPr lang="en-CA"/>
           </a:p>
@@ -3463,7 +3996,7 @@
           <a:p>
             <a:fld id="{BE28C888-FE49-4D7A-8A13-DC359419DA98}" type="datetimeFigureOut">
               <a:rPr lang="en-CA" smtClean="0"/>
-              <a:t>2017-02-14</a:t>
+              <a:t>2017-02-21</a:t>
             </a:fld>
             <a:endParaRPr lang="en-CA"/>
           </a:p>
@@ -3837,7 +4370,7 @@
           <a:p>
             <a:fld id="{BE28C888-FE49-4D7A-8A13-DC359419DA98}" type="datetimeFigureOut">
               <a:rPr lang="en-CA" smtClean="0"/>
-              <a:t>2017-02-14</a:t>
+              <a:t>2017-02-21</a:t>
             </a:fld>
             <a:endParaRPr lang="en-CA"/>
           </a:p>
@@ -3960,7 +4493,7 @@
           <a:p>
             <a:fld id="{BE28C888-FE49-4D7A-8A13-DC359419DA98}" type="datetimeFigureOut">
               <a:rPr lang="en-CA" smtClean="0"/>
-              <a:t>2017-02-14</a:t>
+              <a:t>2017-02-21</a:t>
             </a:fld>
             <a:endParaRPr lang="en-CA"/>
           </a:p>
@@ -4055,7 +4588,7 @@
           <a:p>
             <a:fld id="{BE28C888-FE49-4D7A-8A13-DC359419DA98}" type="datetimeFigureOut">
               <a:rPr lang="en-CA" smtClean="0"/>
-              <a:t>2017-02-14</a:t>
+              <a:t>2017-02-21</a:t>
             </a:fld>
             <a:endParaRPr lang="en-CA"/>
           </a:p>
@@ -4310,7 +4843,7 @@
           <a:p>
             <a:fld id="{BE28C888-FE49-4D7A-8A13-DC359419DA98}" type="datetimeFigureOut">
               <a:rPr lang="en-CA" smtClean="0"/>
-              <a:t>2017-02-14</a:t>
+              <a:t>2017-02-21</a:t>
             </a:fld>
             <a:endParaRPr lang="en-CA"/>
           </a:p>
@@ -4573,7 +5106,7 @@
           <a:p>
             <a:fld id="{BE28C888-FE49-4D7A-8A13-DC359419DA98}" type="datetimeFigureOut">
               <a:rPr lang="en-CA" smtClean="0"/>
-              <a:t>2017-02-14</a:t>
+              <a:t>2017-02-21</a:t>
             </a:fld>
             <a:endParaRPr lang="en-CA"/>
           </a:p>
@@ -5316,7 +5849,7 @@
           <a:p>
             <a:fld id="{BE28C888-FE49-4D7A-8A13-DC359419DA98}" type="datetimeFigureOut">
               <a:rPr lang="en-CA" smtClean="0"/>
-              <a:t>2017-02-14</a:t>
+              <a:t>2017-02-21</a:t>
             </a:fld>
             <a:endParaRPr lang="en-CA"/>
           </a:p>
@@ -6173,7 +6706,7 @@
           <a:p>
             <a:r>
               <a:rPr lang="fr-CA" sz="3000" dirty="0"/>
-              <a:t>Diagramme de Gantt / outils de gestion</a:t>
+              <a:t>Plan d’Assurance Qualité</a:t>
             </a:r>
             <a:endParaRPr lang="en-CA" sz="3000" dirty="0"/>
           </a:p>
@@ -6191,22 +6724,165 @@
         </p:nvSpPr>
         <p:spPr>
           <a:xfrm>
-            <a:off x="708157" y="2088669"/>
-            <a:ext cx="8596668" cy="3880773"/>
+            <a:off x="708157" y="2393679"/>
+            <a:ext cx="8596668" cy="1492521"/>
           </a:xfrm>
         </p:spPr>
         <p:txBody>
+          <a:bodyPr>
+            <a:noAutofit/>
+          </a:bodyPr>
+          <a:lstStyle/>
+          <a:p>
+            <a:pPr algn="just"/>
+            <a:r>
+              <a:rPr lang="fr-CA" sz="2400" dirty="0"/>
+              <a:t>S’assurer que les spécifications techniques sont respectées.</a:t>
+            </a:r>
+            <a:endParaRPr lang="en-CA" sz="2400" dirty="0"/>
+          </a:p>
+          <a:p>
+            <a:pPr algn="just"/>
+            <a:r>
+              <a:rPr lang="fr-CA" sz="2400" dirty="0"/>
+              <a:t>Faciliter la gestion (et résolutions) d’erreurs des modules techniques.</a:t>
+            </a:r>
+            <a:endParaRPr lang="en-CA" sz="2400" dirty="0"/>
+          </a:p>
+          <a:p>
+            <a:endParaRPr lang="fr-CA" sz="2400" dirty="0"/>
+          </a:p>
+        </p:txBody>
+      </p:sp>
+      <p:sp>
+        <p:nvSpPr>
+          <p:cNvPr id="6" name="Title 1"/>
+          <p:cNvSpPr txBox="1">
+            <a:spLocks/>
+          </p:cNvSpPr>
+          <p:nvPr/>
+        </p:nvSpPr>
+        <p:spPr>
+          <a:xfrm>
+            <a:off x="708157" y="1165197"/>
+            <a:ext cx="11589875" cy="725142"/>
+          </a:xfrm>
+          <a:prstGeom prst="rect">
+            <a:avLst/>
+          </a:prstGeom>
+        </p:spPr>
+        <p:txBody>
+          <a:bodyPr vert="horz" lIns="91440" tIns="45720" rIns="91440" bIns="45720" rtlCol="0" anchor="t">
+            <a:normAutofit/>
+          </a:bodyPr>
+          <a:lstStyle>
+            <a:lvl1pPr algn="l" defTabSz="457200" rtl="0" eaLnBrk="1" latinLnBrk="0" hangingPunct="1">
+              <a:spcBef>
+                <a:spcPct val="0"/>
+              </a:spcBef>
+              <a:buNone/>
+              <a:defRPr sz="3600" kern="1200">
+                <a:solidFill>
+                  <a:schemeClr val="accent1"/>
+                </a:solidFill>
+                <a:latin typeface="+mj-lt"/>
+                <a:ea typeface="+mj-ea"/>
+                <a:cs typeface="+mj-cs"/>
+              </a:defRPr>
+            </a:lvl1pPr>
+            <a:lvl2pPr eaLnBrk="1" hangingPunct="1">
+              <a:defRPr>
+                <a:solidFill>
+                  <a:schemeClr val="tx2"/>
+                </a:solidFill>
+              </a:defRPr>
+            </a:lvl2pPr>
+            <a:lvl3pPr eaLnBrk="1" hangingPunct="1">
+              <a:defRPr>
+                <a:solidFill>
+                  <a:schemeClr val="tx2"/>
+                </a:solidFill>
+              </a:defRPr>
+            </a:lvl3pPr>
+            <a:lvl4pPr eaLnBrk="1" hangingPunct="1">
+              <a:defRPr>
+                <a:solidFill>
+                  <a:schemeClr val="tx2"/>
+                </a:solidFill>
+              </a:defRPr>
+            </a:lvl4pPr>
+            <a:lvl5pPr eaLnBrk="1" hangingPunct="1">
+              <a:defRPr>
+                <a:solidFill>
+                  <a:schemeClr val="tx2"/>
+                </a:solidFill>
+              </a:defRPr>
+            </a:lvl5pPr>
+            <a:lvl6pPr eaLnBrk="1" hangingPunct="1">
+              <a:defRPr>
+                <a:solidFill>
+                  <a:schemeClr val="tx2"/>
+                </a:solidFill>
+              </a:defRPr>
+            </a:lvl6pPr>
+            <a:lvl7pPr eaLnBrk="1" hangingPunct="1">
+              <a:defRPr>
+                <a:solidFill>
+                  <a:schemeClr val="tx2"/>
+                </a:solidFill>
+              </a:defRPr>
+            </a:lvl7pPr>
+            <a:lvl8pPr eaLnBrk="1" hangingPunct="1">
+              <a:defRPr>
+                <a:solidFill>
+                  <a:schemeClr val="tx2"/>
+                </a:solidFill>
+              </a:defRPr>
+            </a:lvl8pPr>
+            <a:lvl9pPr eaLnBrk="1" hangingPunct="1">
+              <a:defRPr>
+                <a:solidFill>
+                  <a:schemeClr val="tx2"/>
+                </a:solidFill>
+              </a:defRPr>
+            </a:lvl9pPr>
+          </a:lstStyle>
+          <a:p>
+            <a:r>
+              <a:rPr lang="fr-FR" sz="3000" dirty="0"/>
+              <a:t>Buts de l’assurance qualité</a:t>
+            </a:r>
+            <a:endParaRPr lang="en-CA" sz="3000" dirty="0"/>
+          </a:p>
+        </p:txBody>
+      </p:sp>
+      <p:sp>
+        <p:nvSpPr>
+          <p:cNvPr id="3" name="Slide Number Placeholder 2"/>
+          <p:cNvSpPr>
+            <a:spLocks noGrp="1"/>
+          </p:cNvSpPr>
+          <p:nvPr>
+            <p:ph type="sldNum" sz="quarter" idx="12"/>
+          </p:nvPr>
+        </p:nvSpPr>
+        <p:spPr/>
+        <p:txBody>
           <a:bodyPr/>
           <a:lstStyle/>
           <a:p>
-            <a:endParaRPr lang="fr-CA" dirty="0"/>
+            <a:fld id="{E733B697-11A6-4686-A4B0-BC7222BD8556}" type="slidenum">
+              <a:rPr lang="en-CA" smtClean="0"/>
+              <a:t>10</a:t>
+            </a:fld>
+            <a:endParaRPr lang="en-CA"/>
           </a:p>
         </p:txBody>
       </p:sp>
     </p:spTree>
     <p:extLst>
       <p:ext uri="{BB962C8B-B14F-4D97-AF65-F5344CB8AC3E}">
-        <p14:creationId xmlns:p14="http://schemas.microsoft.com/office/powerpoint/2010/main" val="881386810"/>
+        <p14:creationId xmlns:p14="http://schemas.microsoft.com/office/powerpoint/2010/main" val="1349163572"/>
       </p:ext>
     </p:extLst>
   </p:cSld>
@@ -6257,7 +6933,7 @@
           <a:p>
             <a:r>
               <a:rPr lang="fr-CA" sz="3000" dirty="0"/>
-              <a:t>Gestion des risques</a:t>
+              <a:t>Plan d’Assurance Qualité</a:t>
             </a:r>
             <a:endParaRPr lang="en-CA" sz="3000" dirty="0"/>
           </a:p>
@@ -6275,22 +6951,360 @@
         </p:nvSpPr>
         <p:spPr>
           <a:xfrm>
-            <a:off x="708157" y="2088669"/>
-            <a:ext cx="8596668" cy="3880773"/>
+            <a:off x="708156" y="2278137"/>
+            <a:ext cx="9106403" cy="3391143"/>
           </a:xfrm>
         </p:spPr>
         <p:txBody>
+          <a:bodyPr>
+            <a:noAutofit/>
+          </a:bodyPr>
+          <a:lstStyle/>
+          <a:p>
+            <a:pPr lvl="0" algn="just"/>
+            <a:r>
+              <a:rPr lang="fr-CA" sz="2800" dirty="0"/>
+              <a:t>L’équipe qui conçoit les tests =/= équipe qui exécute les tests</a:t>
+            </a:r>
+            <a:endParaRPr lang="en-CA" sz="2800" dirty="0"/>
+          </a:p>
+          <a:p>
+            <a:pPr lvl="0" algn="just"/>
+            <a:r>
+              <a:rPr lang="fr-CA" sz="2800" dirty="0"/>
+              <a:t>Chaque test doit contenir les trois sections suivantes :</a:t>
+            </a:r>
+            <a:endParaRPr lang="en-CA" sz="2800" dirty="0"/>
+          </a:p>
+          <a:p>
+            <a:pPr lvl="1" algn="just"/>
+            <a:r>
+              <a:rPr lang="fr-CA" sz="2400" dirty="0"/>
+              <a:t>Étapes préalables (</a:t>
+            </a:r>
+            <a:r>
+              <a:rPr lang="fr-CA" sz="2400" i="1" dirty="0" err="1"/>
+              <a:t>Preconditions</a:t>
+            </a:r>
+            <a:r>
+              <a:rPr lang="fr-CA" sz="2400" dirty="0"/>
+              <a:t>).</a:t>
+            </a:r>
+            <a:endParaRPr lang="en-CA" sz="2400" dirty="0"/>
+          </a:p>
+          <a:p>
+            <a:pPr lvl="1" algn="just"/>
+            <a:r>
+              <a:rPr lang="en-CA" sz="2400" dirty="0" err="1"/>
+              <a:t>Étapes</a:t>
+            </a:r>
+            <a:r>
+              <a:rPr lang="en-CA" sz="2400" dirty="0"/>
+              <a:t> à </a:t>
+            </a:r>
+            <a:r>
+              <a:rPr lang="en-CA" sz="2400" dirty="0" err="1"/>
+              <a:t>exécuter</a:t>
+            </a:r>
+            <a:r>
+              <a:rPr lang="en-CA" sz="2400" dirty="0"/>
+              <a:t> (</a:t>
+            </a:r>
+            <a:r>
+              <a:rPr lang="en-CA" sz="2400" i="1" dirty="0"/>
+              <a:t>Steps to execute</a:t>
+            </a:r>
+            <a:r>
+              <a:rPr lang="en-CA" sz="2400" dirty="0"/>
+              <a:t>).</a:t>
+            </a:r>
+          </a:p>
+          <a:p>
+            <a:pPr lvl="1" algn="just"/>
+            <a:r>
+              <a:rPr lang="fr-CA" sz="2400" dirty="0"/>
+              <a:t>Résultat attend (</a:t>
+            </a:r>
+            <a:r>
+              <a:rPr lang="fr-CA" sz="2400" i="1" dirty="0" err="1"/>
+              <a:t>Expected</a:t>
+            </a:r>
+            <a:r>
+              <a:rPr lang="fr-CA" sz="2400" i="1" dirty="0"/>
+              <a:t> </a:t>
+            </a:r>
+            <a:r>
+              <a:rPr lang="fr-CA" sz="2400" i="1" dirty="0" err="1"/>
+              <a:t>result</a:t>
+            </a:r>
+            <a:r>
+              <a:rPr lang="fr-CA" sz="2400" dirty="0"/>
+              <a:t>).</a:t>
+            </a:r>
+            <a:endParaRPr lang="en-CA" sz="2400" dirty="0"/>
+          </a:p>
+          <a:p>
+            <a:pPr lvl="0" algn="just"/>
+            <a:r>
+              <a:rPr lang="en-CA" sz="2800" dirty="0"/>
+              <a:t>Test de regression (environ 20 % de </a:t>
+            </a:r>
+            <a:r>
+              <a:rPr lang="en-CA" sz="2800" dirty="0" err="1"/>
+              <a:t>tous</a:t>
+            </a:r>
+            <a:r>
+              <a:rPr lang="en-CA" sz="2800" dirty="0"/>
+              <a:t> les tests).</a:t>
+            </a:r>
+          </a:p>
+          <a:p>
+            <a:pPr marL="0" indent="0" algn="just">
+              <a:buNone/>
+            </a:pPr>
+            <a:endParaRPr lang="fr-CA" sz="2400" dirty="0"/>
+          </a:p>
+        </p:txBody>
+      </p:sp>
+      <p:sp>
+        <p:nvSpPr>
+          <p:cNvPr id="6" name="Title 1"/>
+          <p:cNvSpPr txBox="1">
+            <a:spLocks/>
+          </p:cNvSpPr>
+          <p:nvPr/>
+        </p:nvSpPr>
+        <p:spPr>
+          <a:xfrm>
+            <a:off x="449077" y="943185"/>
+            <a:ext cx="11589875" cy="725142"/>
+          </a:xfrm>
+          <a:prstGeom prst="rect">
+            <a:avLst/>
+          </a:prstGeom>
+        </p:spPr>
+        <p:txBody>
+          <a:bodyPr vert="horz" lIns="91440" tIns="45720" rIns="91440" bIns="45720" rtlCol="0" anchor="t">
+            <a:normAutofit/>
+          </a:bodyPr>
+          <a:lstStyle>
+            <a:lvl1pPr algn="l" defTabSz="457200" rtl="0" eaLnBrk="1" latinLnBrk="0" hangingPunct="1">
+              <a:spcBef>
+                <a:spcPct val="0"/>
+              </a:spcBef>
+              <a:buNone/>
+              <a:defRPr sz="3600" kern="1200">
+                <a:solidFill>
+                  <a:schemeClr val="accent1"/>
+                </a:solidFill>
+                <a:latin typeface="+mj-lt"/>
+                <a:ea typeface="+mj-ea"/>
+                <a:cs typeface="+mj-cs"/>
+              </a:defRPr>
+            </a:lvl1pPr>
+            <a:lvl2pPr eaLnBrk="1" hangingPunct="1">
+              <a:defRPr>
+                <a:solidFill>
+                  <a:schemeClr val="tx2"/>
+                </a:solidFill>
+              </a:defRPr>
+            </a:lvl2pPr>
+            <a:lvl3pPr eaLnBrk="1" hangingPunct="1">
+              <a:defRPr>
+                <a:solidFill>
+                  <a:schemeClr val="tx2"/>
+                </a:solidFill>
+              </a:defRPr>
+            </a:lvl3pPr>
+            <a:lvl4pPr eaLnBrk="1" hangingPunct="1">
+              <a:defRPr>
+                <a:solidFill>
+                  <a:schemeClr val="tx2"/>
+                </a:solidFill>
+              </a:defRPr>
+            </a:lvl4pPr>
+            <a:lvl5pPr eaLnBrk="1" hangingPunct="1">
+              <a:defRPr>
+                <a:solidFill>
+                  <a:schemeClr val="tx2"/>
+                </a:solidFill>
+              </a:defRPr>
+            </a:lvl5pPr>
+            <a:lvl6pPr eaLnBrk="1" hangingPunct="1">
+              <a:defRPr>
+                <a:solidFill>
+                  <a:schemeClr val="tx2"/>
+                </a:solidFill>
+              </a:defRPr>
+            </a:lvl6pPr>
+            <a:lvl7pPr eaLnBrk="1" hangingPunct="1">
+              <a:defRPr>
+                <a:solidFill>
+                  <a:schemeClr val="tx2"/>
+                </a:solidFill>
+              </a:defRPr>
+            </a:lvl7pPr>
+            <a:lvl8pPr eaLnBrk="1" hangingPunct="1">
+              <a:defRPr>
+                <a:solidFill>
+                  <a:schemeClr val="tx2"/>
+                </a:solidFill>
+              </a:defRPr>
+            </a:lvl8pPr>
+            <a:lvl9pPr eaLnBrk="1" hangingPunct="1">
+              <a:defRPr>
+                <a:solidFill>
+                  <a:schemeClr val="tx2"/>
+                </a:solidFill>
+              </a:defRPr>
+            </a:lvl9pPr>
+          </a:lstStyle>
+          <a:p>
+            <a:r>
+              <a:rPr lang="fr-FR" sz="3000" dirty="0"/>
+              <a:t>Fonctionnement de l’assurance qualité</a:t>
+            </a:r>
+            <a:endParaRPr lang="en-CA" sz="3000" dirty="0"/>
+          </a:p>
+        </p:txBody>
+      </p:sp>
+      <p:sp>
+        <p:nvSpPr>
+          <p:cNvPr id="7" name="Title 1"/>
+          <p:cNvSpPr txBox="1">
+            <a:spLocks/>
+          </p:cNvSpPr>
+          <p:nvPr/>
+        </p:nvSpPr>
+        <p:spPr>
+          <a:xfrm>
+            <a:off x="708157" y="1552995"/>
+            <a:ext cx="11589875" cy="725142"/>
+          </a:xfrm>
+          <a:prstGeom prst="rect">
+            <a:avLst/>
+          </a:prstGeom>
+        </p:spPr>
+        <p:txBody>
+          <a:bodyPr vert="horz" lIns="91440" tIns="45720" rIns="91440" bIns="45720" rtlCol="0" anchor="t">
+            <a:normAutofit/>
+          </a:bodyPr>
+          <a:lstStyle>
+            <a:lvl1pPr algn="l" defTabSz="457200" rtl="0" eaLnBrk="1" latinLnBrk="0" hangingPunct="1">
+              <a:spcBef>
+                <a:spcPct val="0"/>
+              </a:spcBef>
+              <a:buNone/>
+              <a:defRPr sz="3600" kern="1200">
+                <a:solidFill>
+                  <a:schemeClr val="accent1"/>
+                </a:solidFill>
+                <a:latin typeface="+mj-lt"/>
+                <a:ea typeface="+mj-ea"/>
+                <a:cs typeface="+mj-cs"/>
+              </a:defRPr>
+            </a:lvl1pPr>
+            <a:lvl2pPr eaLnBrk="1" hangingPunct="1">
+              <a:defRPr>
+                <a:solidFill>
+                  <a:schemeClr val="tx2"/>
+                </a:solidFill>
+              </a:defRPr>
+            </a:lvl2pPr>
+            <a:lvl3pPr eaLnBrk="1" hangingPunct="1">
+              <a:defRPr>
+                <a:solidFill>
+                  <a:schemeClr val="tx2"/>
+                </a:solidFill>
+              </a:defRPr>
+            </a:lvl3pPr>
+            <a:lvl4pPr eaLnBrk="1" hangingPunct="1">
+              <a:defRPr>
+                <a:solidFill>
+                  <a:schemeClr val="tx2"/>
+                </a:solidFill>
+              </a:defRPr>
+            </a:lvl4pPr>
+            <a:lvl5pPr eaLnBrk="1" hangingPunct="1">
+              <a:defRPr>
+                <a:solidFill>
+                  <a:schemeClr val="tx2"/>
+                </a:solidFill>
+              </a:defRPr>
+            </a:lvl5pPr>
+            <a:lvl6pPr eaLnBrk="1" hangingPunct="1">
+              <a:defRPr>
+                <a:solidFill>
+                  <a:schemeClr val="tx2"/>
+                </a:solidFill>
+              </a:defRPr>
+            </a:lvl6pPr>
+            <a:lvl7pPr eaLnBrk="1" hangingPunct="1">
+              <a:defRPr>
+                <a:solidFill>
+                  <a:schemeClr val="tx2"/>
+                </a:solidFill>
+              </a:defRPr>
+            </a:lvl7pPr>
+            <a:lvl8pPr eaLnBrk="1" hangingPunct="1">
+              <a:defRPr>
+                <a:solidFill>
+                  <a:schemeClr val="tx2"/>
+                </a:solidFill>
+              </a:defRPr>
+            </a:lvl8pPr>
+            <a:lvl9pPr eaLnBrk="1" hangingPunct="1">
+              <a:defRPr>
+                <a:solidFill>
+                  <a:schemeClr val="tx2"/>
+                </a:solidFill>
+              </a:defRPr>
+            </a:lvl9pPr>
+          </a:lstStyle>
+          <a:p>
+            <a:r>
+              <a:rPr lang="fr-FR" sz="3000" dirty="0">
+                <a:solidFill>
+                  <a:schemeClr val="tx1"/>
+                </a:solidFill>
+              </a:rPr>
+              <a:t>Écriture des tests</a:t>
+            </a:r>
+            <a:endParaRPr lang="en-CA" sz="3000" dirty="0">
+              <a:solidFill>
+                <a:schemeClr val="tx1"/>
+              </a:solidFill>
+            </a:endParaRPr>
+          </a:p>
+        </p:txBody>
+      </p:sp>
+      <p:sp>
+        <p:nvSpPr>
+          <p:cNvPr id="3" name="Slide Number Placeholder 2"/>
+          <p:cNvSpPr>
+            <a:spLocks noGrp="1"/>
+          </p:cNvSpPr>
+          <p:nvPr>
+            <p:ph type="sldNum" sz="quarter" idx="12"/>
+          </p:nvPr>
+        </p:nvSpPr>
+        <p:spPr/>
+        <p:txBody>
           <a:bodyPr/>
           <a:lstStyle/>
           <a:p>
-            <a:endParaRPr lang="fr-CA" dirty="0"/>
+            <a:fld id="{E733B697-11A6-4686-A4B0-BC7222BD8556}" type="slidenum">
+              <a:rPr lang="en-CA" smtClean="0"/>
+              <a:t>11</a:t>
+            </a:fld>
+            <a:endParaRPr lang="en-CA"/>
           </a:p>
         </p:txBody>
       </p:sp>
     </p:spTree>
     <p:extLst>
       <p:ext uri="{BB962C8B-B14F-4D97-AF65-F5344CB8AC3E}">
-        <p14:creationId xmlns:p14="http://schemas.microsoft.com/office/powerpoint/2010/main" val="3737034658"/>
+        <p14:creationId xmlns:p14="http://schemas.microsoft.com/office/powerpoint/2010/main" val="482786153"/>
       </p:ext>
     </p:extLst>
   </p:cSld>
@@ -6341,7 +7355,2329 @@
           <a:p>
             <a:r>
               <a:rPr lang="fr-CA" sz="3000" dirty="0"/>
-              <a:t>Montage matériel</a:t>
+              <a:t>Plan d’Assurance Qualité</a:t>
+            </a:r>
+            <a:endParaRPr lang="en-CA" sz="3000" dirty="0"/>
+          </a:p>
+        </p:txBody>
+      </p:sp>
+      <p:sp>
+        <p:nvSpPr>
+          <p:cNvPr id="5" name="Espace réservé du contenu 4"/>
+          <p:cNvSpPr>
+            <a:spLocks noGrp="1"/>
+          </p:cNvSpPr>
+          <p:nvPr>
+            <p:ph idx="1"/>
+          </p:nvPr>
+        </p:nvSpPr>
+        <p:spPr>
+          <a:xfrm>
+            <a:off x="708156" y="2278137"/>
+            <a:ext cx="9106403" cy="1958583"/>
+          </a:xfrm>
+        </p:spPr>
+        <p:txBody>
+          <a:bodyPr>
+            <a:noAutofit/>
+          </a:bodyPr>
+          <a:lstStyle/>
+          <a:p>
+            <a:pPr lvl="0" algn="just"/>
+            <a:r>
+              <a:rPr lang="fr-CA" sz="3200" dirty="0"/>
+              <a:t>Trois passes d’exécution possibles (par module) :</a:t>
+            </a:r>
+            <a:endParaRPr lang="en-CA" sz="3200" dirty="0"/>
+          </a:p>
+          <a:p>
+            <a:pPr lvl="0" algn="just"/>
+            <a:r>
+              <a:rPr lang="fr-CA" sz="3200" dirty="0"/>
+              <a:t>Lorsqu’un module subit des changements importants, il est essentiel de refaire la première passe.</a:t>
+            </a:r>
+            <a:endParaRPr lang="en-CA" sz="3200" dirty="0"/>
+          </a:p>
+          <a:p>
+            <a:pPr lvl="0" algn="just"/>
+            <a:r>
+              <a:rPr lang="fr-CA" sz="3200" dirty="0"/>
+              <a:t> Laisser un commentaire significatif à la fin du test.</a:t>
+            </a:r>
+            <a:endParaRPr lang="en-CA" sz="3200" dirty="0"/>
+          </a:p>
+        </p:txBody>
+      </p:sp>
+      <p:sp>
+        <p:nvSpPr>
+          <p:cNvPr id="6" name="Title 1"/>
+          <p:cNvSpPr txBox="1">
+            <a:spLocks/>
+          </p:cNvSpPr>
+          <p:nvPr/>
+        </p:nvSpPr>
+        <p:spPr>
+          <a:xfrm>
+            <a:off x="449077" y="943185"/>
+            <a:ext cx="11589875" cy="725142"/>
+          </a:xfrm>
+          <a:prstGeom prst="rect">
+            <a:avLst/>
+          </a:prstGeom>
+        </p:spPr>
+        <p:txBody>
+          <a:bodyPr vert="horz" lIns="91440" tIns="45720" rIns="91440" bIns="45720" rtlCol="0" anchor="t">
+            <a:normAutofit/>
+          </a:bodyPr>
+          <a:lstStyle>
+            <a:lvl1pPr algn="l" defTabSz="457200" rtl="0" eaLnBrk="1" latinLnBrk="0" hangingPunct="1">
+              <a:spcBef>
+                <a:spcPct val="0"/>
+              </a:spcBef>
+              <a:buNone/>
+              <a:defRPr sz="3600" kern="1200">
+                <a:solidFill>
+                  <a:schemeClr val="accent1"/>
+                </a:solidFill>
+                <a:latin typeface="+mj-lt"/>
+                <a:ea typeface="+mj-ea"/>
+                <a:cs typeface="+mj-cs"/>
+              </a:defRPr>
+            </a:lvl1pPr>
+            <a:lvl2pPr eaLnBrk="1" hangingPunct="1">
+              <a:defRPr>
+                <a:solidFill>
+                  <a:schemeClr val="tx2"/>
+                </a:solidFill>
+              </a:defRPr>
+            </a:lvl2pPr>
+            <a:lvl3pPr eaLnBrk="1" hangingPunct="1">
+              <a:defRPr>
+                <a:solidFill>
+                  <a:schemeClr val="tx2"/>
+                </a:solidFill>
+              </a:defRPr>
+            </a:lvl3pPr>
+            <a:lvl4pPr eaLnBrk="1" hangingPunct="1">
+              <a:defRPr>
+                <a:solidFill>
+                  <a:schemeClr val="tx2"/>
+                </a:solidFill>
+              </a:defRPr>
+            </a:lvl4pPr>
+            <a:lvl5pPr eaLnBrk="1" hangingPunct="1">
+              <a:defRPr>
+                <a:solidFill>
+                  <a:schemeClr val="tx2"/>
+                </a:solidFill>
+              </a:defRPr>
+            </a:lvl5pPr>
+            <a:lvl6pPr eaLnBrk="1" hangingPunct="1">
+              <a:defRPr>
+                <a:solidFill>
+                  <a:schemeClr val="tx2"/>
+                </a:solidFill>
+              </a:defRPr>
+            </a:lvl6pPr>
+            <a:lvl7pPr eaLnBrk="1" hangingPunct="1">
+              <a:defRPr>
+                <a:solidFill>
+                  <a:schemeClr val="tx2"/>
+                </a:solidFill>
+              </a:defRPr>
+            </a:lvl7pPr>
+            <a:lvl8pPr eaLnBrk="1" hangingPunct="1">
+              <a:defRPr>
+                <a:solidFill>
+                  <a:schemeClr val="tx2"/>
+                </a:solidFill>
+              </a:defRPr>
+            </a:lvl8pPr>
+            <a:lvl9pPr eaLnBrk="1" hangingPunct="1">
+              <a:defRPr>
+                <a:solidFill>
+                  <a:schemeClr val="tx2"/>
+                </a:solidFill>
+              </a:defRPr>
+            </a:lvl9pPr>
+          </a:lstStyle>
+          <a:p>
+            <a:r>
+              <a:rPr lang="fr-FR" sz="3000" dirty="0"/>
+              <a:t>Fonctionnement de l’assurance qualité</a:t>
+            </a:r>
+            <a:endParaRPr lang="en-CA" sz="3000" dirty="0"/>
+          </a:p>
+        </p:txBody>
+      </p:sp>
+      <p:sp>
+        <p:nvSpPr>
+          <p:cNvPr id="7" name="Title 1"/>
+          <p:cNvSpPr txBox="1">
+            <a:spLocks/>
+          </p:cNvSpPr>
+          <p:nvPr/>
+        </p:nvSpPr>
+        <p:spPr>
+          <a:xfrm>
+            <a:off x="708157" y="1552995"/>
+            <a:ext cx="11589875" cy="725142"/>
+          </a:xfrm>
+          <a:prstGeom prst="rect">
+            <a:avLst/>
+          </a:prstGeom>
+        </p:spPr>
+        <p:txBody>
+          <a:bodyPr vert="horz" lIns="91440" tIns="45720" rIns="91440" bIns="45720" rtlCol="0" anchor="t">
+            <a:normAutofit/>
+          </a:bodyPr>
+          <a:lstStyle>
+            <a:lvl1pPr algn="l" defTabSz="457200" rtl="0" eaLnBrk="1" latinLnBrk="0" hangingPunct="1">
+              <a:spcBef>
+                <a:spcPct val="0"/>
+              </a:spcBef>
+              <a:buNone/>
+              <a:defRPr sz="3600" kern="1200">
+                <a:solidFill>
+                  <a:schemeClr val="accent1"/>
+                </a:solidFill>
+                <a:latin typeface="+mj-lt"/>
+                <a:ea typeface="+mj-ea"/>
+                <a:cs typeface="+mj-cs"/>
+              </a:defRPr>
+            </a:lvl1pPr>
+            <a:lvl2pPr eaLnBrk="1" hangingPunct="1">
+              <a:defRPr>
+                <a:solidFill>
+                  <a:schemeClr val="tx2"/>
+                </a:solidFill>
+              </a:defRPr>
+            </a:lvl2pPr>
+            <a:lvl3pPr eaLnBrk="1" hangingPunct="1">
+              <a:defRPr>
+                <a:solidFill>
+                  <a:schemeClr val="tx2"/>
+                </a:solidFill>
+              </a:defRPr>
+            </a:lvl3pPr>
+            <a:lvl4pPr eaLnBrk="1" hangingPunct="1">
+              <a:defRPr>
+                <a:solidFill>
+                  <a:schemeClr val="tx2"/>
+                </a:solidFill>
+              </a:defRPr>
+            </a:lvl4pPr>
+            <a:lvl5pPr eaLnBrk="1" hangingPunct="1">
+              <a:defRPr>
+                <a:solidFill>
+                  <a:schemeClr val="tx2"/>
+                </a:solidFill>
+              </a:defRPr>
+            </a:lvl5pPr>
+            <a:lvl6pPr eaLnBrk="1" hangingPunct="1">
+              <a:defRPr>
+                <a:solidFill>
+                  <a:schemeClr val="tx2"/>
+                </a:solidFill>
+              </a:defRPr>
+            </a:lvl6pPr>
+            <a:lvl7pPr eaLnBrk="1" hangingPunct="1">
+              <a:defRPr>
+                <a:solidFill>
+                  <a:schemeClr val="tx2"/>
+                </a:solidFill>
+              </a:defRPr>
+            </a:lvl7pPr>
+            <a:lvl8pPr eaLnBrk="1" hangingPunct="1">
+              <a:defRPr>
+                <a:solidFill>
+                  <a:schemeClr val="tx2"/>
+                </a:solidFill>
+              </a:defRPr>
+            </a:lvl8pPr>
+            <a:lvl9pPr eaLnBrk="1" hangingPunct="1">
+              <a:defRPr>
+                <a:solidFill>
+                  <a:schemeClr val="tx2"/>
+                </a:solidFill>
+              </a:defRPr>
+            </a:lvl9pPr>
+          </a:lstStyle>
+          <a:p>
+            <a:r>
+              <a:rPr lang="fr-FR" sz="3000" dirty="0">
+                <a:solidFill>
+                  <a:schemeClr val="tx1"/>
+                </a:solidFill>
+              </a:rPr>
+              <a:t>Exécution des tests</a:t>
+            </a:r>
+            <a:endParaRPr lang="en-CA" sz="3000" dirty="0">
+              <a:solidFill>
+                <a:schemeClr val="tx1"/>
+              </a:solidFill>
+            </a:endParaRPr>
+          </a:p>
+        </p:txBody>
+      </p:sp>
+      <p:sp>
+        <p:nvSpPr>
+          <p:cNvPr id="3" name="Slide Number Placeholder 2"/>
+          <p:cNvSpPr>
+            <a:spLocks noGrp="1"/>
+          </p:cNvSpPr>
+          <p:nvPr>
+            <p:ph type="sldNum" sz="quarter" idx="12"/>
+          </p:nvPr>
+        </p:nvSpPr>
+        <p:spPr/>
+        <p:txBody>
+          <a:bodyPr/>
+          <a:lstStyle/>
+          <a:p>
+            <a:fld id="{E733B697-11A6-4686-A4B0-BC7222BD8556}" type="slidenum">
+              <a:rPr lang="en-CA" smtClean="0"/>
+              <a:t>12</a:t>
+            </a:fld>
+            <a:endParaRPr lang="en-CA"/>
+          </a:p>
+        </p:txBody>
+      </p:sp>
+    </p:spTree>
+    <p:extLst>
+      <p:ext uri="{BB962C8B-B14F-4D97-AF65-F5344CB8AC3E}">
+        <p14:creationId xmlns:p14="http://schemas.microsoft.com/office/powerpoint/2010/main" val="1550627669"/>
+      </p:ext>
+    </p:extLst>
+  </p:cSld>
+  <p:clrMapOvr>
+    <a:masterClrMapping/>
+  </p:clrMapOvr>
+</p:sld>
+</file>
+
+<file path=ppt/slides/slide13.xml><?xml version="1.0" encoding="utf-8"?>
+<p:sld xmlns:a="http://schemas.openxmlformats.org/drawingml/2006/main" xmlns:r="http://schemas.openxmlformats.org/officeDocument/2006/relationships" xmlns:p="http://schemas.openxmlformats.org/presentationml/2006/main">
+  <p:cSld>
+    <p:spTree>
+      <p:nvGrpSpPr>
+        <p:cNvPr id="1" name=""/>
+        <p:cNvGrpSpPr/>
+        <p:nvPr/>
+      </p:nvGrpSpPr>
+      <p:grpSpPr>
+        <a:xfrm>
+          <a:off x="0" y="0"/>
+          <a:ext cx="0" cy="0"/>
+          <a:chOff x="0" y="0"/>
+          <a:chExt cx="0" cy="0"/>
+        </a:xfrm>
+      </p:grpSpPr>
+      <p:sp>
+        <p:nvSpPr>
+          <p:cNvPr id="2" name="Title 1"/>
+          <p:cNvSpPr>
+            <a:spLocks noGrp="1"/>
+          </p:cNvSpPr>
+          <p:nvPr>
+            <p:ph type="title"/>
+          </p:nvPr>
+        </p:nvSpPr>
+        <p:spPr>
+          <a:xfrm>
+            <a:off x="265426" y="333375"/>
+            <a:ext cx="11589875" cy="725142"/>
+          </a:xfrm>
+        </p:spPr>
+        <p:txBody>
+          <a:bodyPr>
+            <a:normAutofit/>
+          </a:bodyPr>
+          <a:lstStyle/>
+          <a:p>
+            <a:r>
+              <a:rPr lang="fr-CA" sz="3000" dirty="0"/>
+              <a:t>Plan d’Assurance Qualité</a:t>
+            </a:r>
+            <a:endParaRPr lang="en-CA" sz="3000" dirty="0"/>
+          </a:p>
+        </p:txBody>
+      </p:sp>
+      <p:sp>
+        <p:nvSpPr>
+          <p:cNvPr id="5" name="Espace réservé du contenu 4"/>
+          <p:cNvSpPr>
+            <a:spLocks noGrp="1"/>
+          </p:cNvSpPr>
+          <p:nvPr>
+            <p:ph idx="1"/>
+          </p:nvPr>
+        </p:nvSpPr>
+        <p:spPr>
+          <a:xfrm>
+            <a:off x="708156" y="2278137"/>
+            <a:ext cx="9106403" cy="1958583"/>
+          </a:xfrm>
+        </p:spPr>
+        <p:txBody>
+          <a:bodyPr>
+            <a:noAutofit/>
+          </a:bodyPr>
+          <a:lstStyle/>
+          <a:p>
+            <a:pPr lvl="0"/>
+            <a:r>
+              <a:rPr lang="fr-CA" sz="3200" dirty="0"/>
+              <a:t>Trois résultats possibles :</a:t>
+            </a:r>
+            <a:endParaRPr lang="en-CA" sz="3200" dirty="0"/>
+          </a:p>
+          <a:p>
+            <a:pPr lvl="1"/>
+            <a:r>
+              <a:rPr lang="fr-CA" sz="2800" dirty="0"/>
+              <a:t>Réussite (</a:t>
+            </a:r>
+            <a:r>
+              <a:rPr lang="fr-CA" sz="2800" i="1" dirty="0" err="1"/>
+              <a:t>Pass</a:t>
+            </a:r>
+            <a:r>
+              <a:rPr lang="fr-CA" sz="2800" dirty="0"/>
+              <a:t>).</a:t>
+            </a:r>
+            <a:endParaRPr lang="en-CA" sz="2800" dirty="0"/>
+          </a:p>
+          <a:p>
+            <a:pPr lvl="1"/>
+            <a:r>
+              <a:rPr lang="fr-CA" sz="2800" dirty="0"/>
+              <a:t>Échec (</a:t>
+            </a:r>
+            <a:r>
+              <a:rPr lang="fr-CA" sz="2800" i="1" dirty="0"/>
+              <a:t>Fail</a:t>
+            </a:r>
+            <a:r>
+              <a:rPr lang="fr-CA" sz="2800" dirty="0"/>
+              <a:t>).</a:t>
+            </a:r>
+            <a:endParaRPr lang="en-CA" sz="2800" dirty="0"/>
+          </a:p>
+          <a:p>
+            <a:pPr lvl="1"/>
+            <a:r>
+              <a:rPr lang="fr-CA" sz="2800" dirty="0"/>
+              <a:t>Bloqué (</a:t>
+            </a:r>
+            <a:r>
+              <a:rPr lang="fr-CA" sz="2800" i="1" dirty="0" err="1"/>
+              <a:t>Could</a:t>
+            </a:r>
+            <a:r>
+              <a:rPr lang="fr-CA" sz="2800" i="1" dirty="0"/>
+              <a:t> not test</a:t>
+            </a:r>
+            <a:r>
+              <a:rPr lang="fr-CA" sz="2800" dirty="0"/>
+              <a:t>).</a:t>
+            </a:r>
+            <a:endParaRPr lang="en-CA" sz="2800" dirty="0"/>
+          </a:p>
+          <a:p>
+            <a:pPr lvl="1"/>
+            <a:r>
+              <a:rPr lang="fr-CA" sz="2800" dirty="0"/>
+              <a:t>À tester de nouveau (</a:t>
+            </a:r>
+            <a:r>
+              <a:rPr lang="fr-CA" sz="2800" i="1" dirty="0"/>
+              <a:t>Not applicable</a:t>
+            </a:r>
+            <a:r>
+              <a:rPr lang="fr-CA" sz="2800" dirty="0"/>
+              <a:t>).</a:t>
+            </a:r>
+            <a:endParaRPr lang="en-CA" sz="2800" dirty="0"/>
+          </a:p>
+        </p:txBody>
+      </p:sp>
+      <p:sp>
+        <p:nvSpPr>
+          <p:cNvPr id="6" name="Title 1"/>
+          <p:cNvSpPr txBox="1">
+            <a:spLocks/>
+          </p:cNvSpPr>
+          <p:nvPr/>
+        </p:nvSpPr>
+        <p:spPr>
+          <a:xfrm>
+            <a:off x="449077" y="943185"/>
+            <a:ext cx="11589875" cy="725142"/>
+          </a:xfrm>
+          <a:prstGeom prst="rect">
+            <a:avLst/>
+          </a:prstGeom>
+        </p:spPr>
+        <p:txBody>
+          <a:bodyPr vert="horz" lIns="91440" tIns="45720" rIns="91440" bIns="45720" rtlCol="0" anchor="t">
+            <a:normAutofit/>
+          </a:bodyPr>
+          <a:lstStyle>
+            <a:lvl1pPr algn="l" defTabSz="457200" rtl="0" eaLnBrk="1" latinLnBrk="0" hangingPunct="1">
+              <a:spcBef>
+                <a:spcPct val="0"/>
+              </a:spcBef>
+              <a:buNone/>
+              <a:defRPr sz="3600" kern="1200">
+                <a:solidFill>
+                  <a:schemeClr val="accent1"/>
+                </a:solidFill>
+                <a:latin typeface="+mj-lt"/>
+                <a:ea typeface="+mj-ea"/>
+                <a:cs typeface="+mj-cs"/>
+              </a:defRPr>
+            </a:lvl1pPr>
+            <a:lvl2pPr eaLnBrk="1" hangingPunct="1">
+              <a:defRPr>
+                <a:solidFill>
+                  <a:schemeClr val="tx2"/>
+                </a:solidFill>
+              </a:defRPr>
+            </a:lvl2pPr>
+            <a:lvl3pPr eaLnBrk="1" hangingPunct="1">
+              <a:defRPr>
+                <a:solidFill>
+                  <a:schemeClr val="tx2"/>
+                </a:solidFill>
+              </a:defRPr>
+            </a:lvl3pPr>
+            <a:lvl4pPr eaLnBrk="1" hangingPunct="1">
+              <a:defRPr>
+                <a:solidFill>
+                  <a:schemeClr val="tx2"/>
+                </a:solidFill>
+              </a:defRPr>
+            </a:lvl4pPr>
+            <a:lvl5pPr eaLnBrk="1" hangingPunct="1">
+              <a:defRPr>
+                <a:solidFill>
+                  <a:schemeClr val="tx2"/>
+                </a:solidFill>
+              </a:defRPr>
+            </a:lvl5pPr>
+            <a:lvl6pPr eaLnBrk="1" hangingPunct="1">
+              <a:defRPr>
+                <a:solidFill>
+                  <a:schemeClr val="tx2"/>
+                </a:solidFill>
+              </a:defRPr>
+            </a:lvl6pPr>
+            <a:lvl7pPr eaLnBrk="1" hangingPunct="1">
+              <a:defRPr>
+                <a:solidFill>
+                  <a:schemeClr val="tx2"/>
+                </a:solidFill>
+              </a:defRPr>
+            </a:lvl7pPr>
+            <a:lvl8pPr eaLnBrk="1" hangingPunct="1">
+              <a:defRPr>
+                <a:solidFill>
+                  <a:schemeClr val="tx2"/>
+                </a:solidFill>
+              </a:defRPr>
+            </a:lvl8pPr>
+            <a:lvl9pPr eaLnBrk="1" hangingPunct="1">
+              <a:defRPr>
+                <a:solidFill>
+                  <a:schemeClr val="tx2"/>
+                </a:solidFill>
+              </a:defRPr>
+            </a:lvl9pPr>
+          </a:lstStyle>
+          <a:p>
+            <a:r>
+              <a:rPr lang="fr-FR" sz="3000" dirty="0"/>
+              <a:t>Fonctionnement de l’assurance qualité</a:t>
+            </a:r>
+            <a:endParaRPr lang="en-CA" sz="3000" dirty="0"/>
+          </a:p>
+        </p:txBody>
+      </p:sp>
+      <p:sp>
+        <p:nvSpPr>
+          <p:cNvPr id="7" name="Title 1"/>
+          <p:cNvSpPr txBox="1">
+            <a:spLocks/>
+          </p:cNvSpPr>
+          <p:nvPr/>
+        </p:nvSpPr>
+        <p:spPr>
+          <a:xfrm>
+            <a:off x="708157" y="1552995"/>
+            <a:ext cx="11589875" cy="725142"/>
+          </a:xfrm>
+          <a:prstGeom prst="rect">
+            <a:avLst/>
+          </a:prstGeom>
+        </p:spPr>
+        <p:txBody>
+          <a:bodyPr vert="horz" lIns="91440" tIns="45720" rIns="91440" bIns="45720" rtlCol="0" anchor="t">
+            <a:normAutofit/>
+          </a:bodyPr>
+          <a:lstStyle>
+            <a:lvl1pPr algn="l" defTabSz="457200" rtl="0" eaLnBrk="1" latinLnBrk="0" hangingPunct="1">
+              <a:spcBef>
+                <a:spcPct val="0"/>
+              </a:spcBef>
+              <a:buNone/>
+              <a:defRPr sz="3600" kern="1200">
+                <a:solidFill>
+                  <a:schemeClr val="accent1"/>
+                </a:solidFill>
+                <a:latin typeface="+mj-lt"/>
+                <a:ea typeface="+mj-ea"/>
+                <a:cs typeface="+mj-cs"/>
+              </a:defRPr>
+            </a:lvl1pPr>
+            <a:lvl2pPr eaLnBrk="1" hangingPunct="1">
+              <a:defRPr>
+                <a:solidFill>
+                  <a:schemeClr val="tx2"/>
+                </a:solidFill>
+              </a:defRPr>
+            </a:lvl2pPr>
+            <a:lvl3pPr eaLnBrk="1" hangingPunct="1">
+              <a:defRPr>
+                <a:solidFill>
+                  <a:schemeClr val="tx2"/>
+                </a:solidFill>
+              </a:defRPr>
+            </a:lvl3pPr>
+            <a:lvl4pPr eaLnBrk="1" hangingPunct="1">
+              <a:defRPr>
+                <a:solidFill>
+                  <a:schemeClr val="tx2"/>
+                </a:solidFill>
+              </a:defRPr>
+            </a:lvl4pPr>
+            <a:lvl5pPr eaLnBrk="1" hangingPunct="1">
+              <a:defRPr>
+                <a:solidFill>
+                  <a:schemeClr val="tx2"/>
+                </a:solidFill>
+              </a:defRPr>
+            </a:lvl5pPr>
+            <a:lvl6pPr eaLnBrk="1" hangingPunct="1">
+              <a:defRPr>
+                <a:solidFill>
+                  <a:schemeClr val="tx2"/>
+                </a:solidFill>
+              </a:defRPr>
+            </a:lvl6pPr>
+            <a:lvl7pPr eaLnBrk="1" hangingPunct="1">
+              <a:defRPr>
+                <a:solidFill>
+                  <a:schemeClr val="tx2"/>
+                </a:solidFill>
+              </a:defRPr>
+            </a:lvl7pPr>
+            <a:lvl8pPr eaLnBrk="1" hangingPunct="1">
+              <a:defRPr>
+                <a:solidFill>
+                  <a:schemeClr val="tx2"/>
+                </a:solidFill>
+              </a:defRPr>
+            </a:lvl8pPr>
+            <a:lvl9pPr eaLnBrk="1" hangingPunct="1">
+              <a:defRPr>
+                <a:solidFill>
+                  <a:schemeClr val="tx2"/>
+                </a:solidFill>
+              </a:defRPr>
+            </a:lvl9pPr>
+          </a:lstStyle>
+          <a:p>
+            <a:r>
+              <a:rPr lang="fr-FR" sz="3000" dirty="0">
+                <a:solidFill>
+                  <a:schemeClr val="tx1"/>
+                </a:solidFill>
+              </a:rPr>
+              <a:t>Résultat des tests</a:t>
+            </a:r>
+            <a:endParaRPr lang="en-CA" sz="3000" dirty="0">
+              <a:solidFill>
+                <a:schemeClr val="tx1"/>
+              </a:solidFill>
+            </a:endParaRPr>
+          </a:p>
+        </p:txBody>
+      </p:sp>
+      <p:sp>
+        <p:nvSpPr>
+          <p:cNvPr id="3" name="Slide Number Placeholder 2"/>
+          <p:cNvSpPr>
+            <a:spLocks noGrp="1"/>
+          </p:cNvSpPr>
+          <p:nvPr>
+            <p:ph type="sldNum" sz="quarter" idx="12"/>
+          </p:nvPr>
+        </p:nvSpPr>
+        <p:spPr/>
+        <p:txBody>
+          <a:bodyPr/>
+          <a:lstStyle/>
+          <a:p>
+            <a:fld id="{E733B697-11A6-4686-A4B0-BC7222BD8556}" type="slidenum">
+              <a:rPr lang="en-CA" smtClean="0"/>
+              <a:t>13</a:t>
+            </a:fld>
+            <a:endParaRPr lang="en-CA"/>
+          </a:p>
+        </p:txBody>
+      </p:sp>
+    </p:spTree>
+    <p:extLst>
+      <p:ext uri="{BB962C8B-B14F-4D97-AF65-F5344CB8AC3E}">
+        <p14:creationId xmlns:p14="http://schemas.microsoft.com/office/powerpoint/2010/main" val="3447779285"/>
+      </p:ext>
+    </p:extLst>
+  </p:cSld>
+  <p:clrMapOvr>
+    <a:masterClrMapping/>
+  </p:clrMapOvr>
+</p:sld>
+</file>
+
+<file path=ppt/slides/slide14.xml><?xml version="1.0" encoding="utf-8"?>
+<p:sld xmlns:a="http://schemas.openxmlformats.org/drawingml/2006/main" xmlns:r="http://schemas.openxmlformats.org/officeDocument/2006/relationships" xmlns:p="http://schemas.openxmlformats.org/presentationml/2006/main">
+  <p:cSld>
+    <p:spTree>
+      <p:nvGrpSpPr>
+        <p:cNvPr id="1" name=""/>
+        <p:cNvGrpSpPr/>
+        <p:nvPr/>
+      </p:nvGrpSpPr>
+      <p:grpSpPr>
+        <a:xfrm>
+          <a:off x="0" y="0"/>
+          <a:ext cx="0" cy="0"/>
+          <a:chOff x="0" y="0"/>
+          <a:chExt cx="0" cy="0"/>
+        </a:xfrm>
+      </p:grpSpPr>
+      <p:sp>
+        <p:nvSpPr>
+          <p:cNvPr id="2" name="Title 1"/>
+          <p:cNvSpPr>
+            <a:spLocks noGrp="1"/>
+          </p:cNvSpPr>
+          <p:nvPr>
+            <p:ph type="title"/>
+          </p:nvPr>
+        </p:nvSpPr>
+        <p:spPr>
+          <a:xfrm>
+            <a:off x="265426" y="333375"/>
+            <a:ext cx="11589875" cy="725142"/>
+          </a:xfrm>
+        </p:spPr>
+        <p:txBody>
+          <a:bodyPr>
+            <a:normAutofit/>
+          </a:bodyPr>
+          <a:lstStyle/>
+          <a:p>
+            <a:r>
+              <a:rPr lang="fr-CA" sz="3000" dirty="0"/>
+              <a:t>Plan d’Assurance Qualité</a:t>
+            </a:r>
+            <a:endParaRPr lang="en-CA" sz="3000" dirty="0"/>
+          </a:p>
+        </p:txBody>
+      </p:sp>
+      <p:sp>
+        <p:nvSpPr>
+          <p:cNvPr id="5" name="Espace réservé du contenu 4"/>
+          <p:cNvSpPr>
+            <a:spLocks noGrp="1"/>
+          </p:cNvSpPr>
+          <p:nvPr>
+            <p:ph idx="1"/>
+          </p:nvPr>
+        </p:nvSpPr>
+        <p:spPr>
+          <a:xfrm>
+            <a:off x="708156" y="2278137"/>
+            <a:ext cx="9106404" cy="3421623"/>
+          </a:xfrm>
+        </p:spPr>
+        <p:txBody>
+          <a:bodyPr>
+            <a:noAutofit/>
+          </a:bodyPr>
+          <a:lstStyle/>
+          <a:p>
+            <a:pPr lvl="0" algn="just"/>
+            <a:r>
+              <a:rPr lang="fr-CA" sz="2400" dirty="0"/>
+              <a:t>Lorsqu’il y a un échec, il faut créer un ticket d’erreur (</a:t>
+            </a:r>
+            <a:r>
+              <a:rPr lang="fr-CA" sz="2400" i="1" dirty="0"/>
+              <a:t>bug report</a:t>
+            </a:r>
+            <a:r>
+              <a:rPr lang="fr-CA" sz="2400" dirty="0"/>
+              <a:t>)</a:t>
+            </a:r>
+            <a:r>
+              <a:rPr lang="fr-CA" sz="2400" i="1" dirty="0"/>
+              <a:t>.</a:t>
+            </a:r>
+            <a:endParaRPr lang="en-CA" sz="2400" dirty="0"/>
+          </a:p>
+          <a:p>
+            <a:pPr lvl="0" algn="just"/>
+            <a:r>
+              <a:rPr lang="fr-CA" sz="2400" dirty="0"/>
+              <a:t>La structure d’un ticket d’erreur est la suivante (juste remplir ce qui est listé ici, le reste est facultatif) :</a:t>
+            </a:r>
+            <a:endParaRPr lang="en-CA" sz="2400" dirty="0"/>
+          </a:p>
+          <a:p>
+            <a:pPr lvl="1" algn="just"/>
+            <a:r>
+              <a:rPr lang="fr-CA" sz="2000" dirty="0"/>
+              <a:t>Titre du problème (</a:t>
+            </a:r>
+            <a:r>
+              <a:rPr lang="fr-CA" sz="2000" i="1" dirty="0"/>
+              <a:t>Bug </a:t>
+            </a:r>
+            <a:r>
+              <a:rPr lang="fr-CA" sz="2000" i="1" dirty="0" err="1"/>
+              <a:t>title</a:t>
+            </a:r>
+            <a:r>
+              <a:rPr lang="fr-CA" sz="2000" dirty="0"/>
+              <a:t>).</a:t>
+            </a:r>
+            <a:endParaRPr lang="en-CA" sz="2000" dirty="0"/>
+          </a:p>
+          <a:p>
+            <a:pPr lvl="1" algn="just"/>
+            <a:r>
+              <a:rPr lang="fr-CA" sz="2000" dirty="0"/>
+              <a:t>Priorité (</a:t>
+            </a:r>
+            <a:r>
+              <a:rPr lang="fr-CA" sz="2000" i="1" dirty="0" err="1"/>
+              <a:t>Priority</a:t>
+            </a:r>
+            <a:r>
+              <a:rPr lang="fr-CA" sz="2000" dirty="0"/>
+              <a:t>).</a:t>
+            </a:r>
+          </a:p>
+          <a:p>
+            <a:pPr lvl="1" algn="just"/>
+            <a:r>
+              <a:rPr lang="en-CA" sz="2000" dirty="0"/>
+              <a:t> </a:t>
+            </a:r>
+            <a:r>
+              <a:rPr lang="fr-CA" sz="2000" dirty="0"/>
+              <a:t>Type.</a:t>
+            </a:r>
+            <a:endParaRPr lang="en-CA" sz="2000" dirty="0"/>
+          </a:p>
+          <a:p>
+            <a:pPr lvl="1" algn="just"/>
+            <a:r>
+              <a:rPr lang="fr-CA" sz="2000" dirty="0"/>
+              <a:t>Sévérité (</a:t>
+            </a:r>
+            <a:r>
+              <a:rPr lang="fr-CA" sz="2000" i="1" dirty="0" err="1"/>
+              <a:t>Severity</a:t>
+            </a:r>
+            <a:r>
+              <a:rPr lang="fr-CA" sz="2000" dirty="0"/>
+              <a:t>) </a:t>
+            </a:r>
+            <a:endParaRPr lang="en-CA" sz="2000" dirty="0"/>
+          </a:p>
+          <a:p>
+            <a:pPr lvl="1" algn="just"/>
+            <a:r>
+              <a:rPr lang="fr-CA" sz="2000" dirty="0"/>
+              <a:t>Reproductivité (</a:t>
+            </a:r>
+            <a:r>
+              <a:rPr lang="fr-CA" sz="2000" i="1" dirty="0" err="1"/>
+              <a:t>Reproducibility</a:t>
+            </a:r>
+            <a:r>
+              <a:rPr lang="fr-CA" sz="2000" dirty="0"/>
+              <a:t>)</a:t>
+            </a:r>
+            <a:endParaRPr lang="en-CA" sz="2000" dirty="0"/>
+          </a:p>
+          <a:p>
+            <a:pPr lvl="1" algn="just"/>
+            <a:r>
+              <a:rPr lang="fr-CA" sz="2000" dirty="0"/>
+              <a:t>Description</a:t>
+            </a:r>
+            <a:endParaRPr lang="en-CA" sz="2000" dirty="0"/>
+          </a:p>
+        </p:txBody>
+      </p:sp>
+      <p:sp>
+        <p:nvSpPr>
+          <p:cNvPr id="6" name="Title 1"/>
+          <p:cNvSpPr txBox="1">
+            <a:spLocks/>
+          </p:cNvSpPr>
+          <p:nvPr/>
+        </p:nvSpPr>
+        <p:spPr>
+          <a:xfrm>
+            <a:off x="449077" y="943185"/>
+            <a:ext cx="11589875" cy="725142"/>
+          </a:xfrm>
+          <a:prstGeom prst="rect">
+            <a:avLst/>
+          </a:prstGeom>
+        </p:spPr>
+        <p:txBody>
+          <a:bodyPr vert="horz" lIns="91440" tIns="45720" rIns="91440" bIns="45720" rtlCol="0" anchor="t">
+            <a:normAutofit/>
+          </a:bodyPr>
+          <a:lstStyle>
+            <a:lvl1pPr algn="l" defTabSz="457200" rtl="0" eaLnBrk="1" latinLnBrk="0" hangingPunct="1">
+              <a:spcBef>
+                <a:spcPct val="0"/>
+              </a:spcBef>
+              <a:buNone/>
+              <a:defRPr sz="3600" kern="1200">
+                <a:solidFill>
+                  <a:schemeClr val="accent1"/>
+                </a:solidFill>
+                <a:latin typeface="+mj-lt"/>
+                <a:ea typeface="+mj-ea"/>
+                <a:cs typeface="+mj-cs"/>
+              </a:defRPr>
+            </a:lvl1pPr>
+            <a:lvl2pPr eaLnBrk="1" hangingPunct="1">
+              <a:defRPr>
+                <a:solidFill>
+                  <a:schemeClr val="tx2"/>
+                </a:solidFill>
+              </a:defRPr>
+            </a:lvl2pPr>
+            <a:lvl3pPr eaLnBrk="1" hangingPunct="1">
+              <a:defRPr>
+                <a:solidFill>
+                  <a:schemeClr val="tx2"/>
+                </a:solidFill>
+              </a:defRPr>
+            </a:lvl3pPr>
+            <a:lvl4pPr eaLnBrk="1" hangingPunct="1">
+              <a:defRPr>
+                <a:solidFill>
+                  <a:schemeClr val="tx2"/>
+                </a:solidFill>
+              </a:defRPr>
+            </a:lvl4pPr>
+            <a:lvl5pPr eaLnBrk="1" hangingPunct="1">
+              <a:defRPr>
+                <a:solidFill>
+                  <a:schemeClr val="tx2"/>
+                </a:solidFill>
+              </a:defRPr>
+            </a:lvl5pPr>
+            <a:lvl6pPr eaLnBrk="1" hangingPunct="1">
+              <a:defRPr>
+                <a:solidFill>
+                  <a:schemeClr val="tx2"/>
+                </a:solidFill>
+              </a:defRPr>
+            </a:lvl6pPr>
+            <a:lvl7pPr eaLnBrk="1" hangingPunct="1">
+              <a:defRPr>
+                <a:solidFill>
+                  <a:schemeClr val="tx2"/>
+                </a:solidFill>
+              </a:defRPr>
+            </a:lvl7pPr>
+            <a:lvl8pPr eaLnBrk="1" hangingPunct="1">
+              <a:defRPr>
+                <a:solidFill>
+                  <a:schemeClr val="tx2"/>
+                </a:solidFill>
+              </a:defRPr>
+            </a:lvl8pPr>
+            <a:lvl9pPr eaLnBrk="1" hangingPunct="1">
+              <a:defRPr>
+                <a:solidFill>
+                  <a:schemeClr val="tx2"/>
+                </a:solidFill>
+              </a:defRPr>
+            </a:lvl9pPr>
+          </a:lstStyle>
+          <a:p>
+            <a:r>
+              <a:rPr lang="fr-FR" sz="3000" dirty="0"/>
+              <a:t>Fonctionnement de l’assurance qualité</a:t>
+            </a:r>
+            <a:endParaRPr lang="en-CA" sz="3000" dirty="0"/>
+          </a:p>
+        </p:txBody>
+      </p:sp>
+      <p:sp>
+        <p:nvSpPr>
+          <p:cNvPr id="7" name="Title 1"/>
+          <p:cNvSpPr txBox="1">
+            <a:spLocks/>
+          </p:cNvSpPr>
+          <p:nvPr/>
+        </p:nvSpPr>
+        <p:spPr>
+          <a:xfrm>
+            <a:off x="708157" y="1552995"/>
+            <a:ext cx="11589875" cy="725142"/>
+          </a:xfrm>
+          <a:prstGeom prst="rect">
+            <a:avLst/>
+          </a:prstGeom>
+        </p:spPr>
+        <p:txBody>
+          <a:bodyPr vert="horz" lIns="91440" tIns="45720" rIns="91440" bIns="45720" rtlCol="0" anchor="t">
+            <a:normAutofit/>
+          </a:bodyPr>
+          <a:lstStyle>
+            <a:lvl1pPr algn="l" defTabSz="457200" rtl="0" eaLnBrk="1" latinLnBrk="0" hangingPunct="1">
+              <a:spcBef>
+                <a:spcPct val="0"/>
+              </a:spcBef>
+              <a:buNone/>
+              <a:defRPr sz="3600" kern="1200">
+                <a:solidFill>
+                  <a:schemeClr val="accent1"/>
+                </a:solidFill>
+                <a:latin typeface="+mj-lt"/>
+                <a:ea typeface="+mj-ea"/>
+                <a:cs typeface="+mj-cs"/>
+              </a:defRPr>
+            </a:lvl1pPr>
+            <a:lvl2pPr eaLnBrk="1" hangingPunct="1">
+              <a:defRPr>
+                <a:solidFill>
+                  <a:schemeClr val="tx2"/>
+                </a:solidFill>
+              </a:defRPr>
+            </a:lvl2pPr>
+            <a:lvl3pPr eaLnBrk="1" hangingPunct="1">
+              <a:defRPr>
+                <a:solidFill>
+                  <a:schemeClr val="tx2"/>
+                </a:solidFill>
+              </a:defRPr>
+            </a:lvl3pPr>
+            <a:lvl4pPr eaLnBrk="1" hangingPunct="1">
+              <a:defRPr>
+                <a:solidFill>
+                  <a:schemeClr val="tx2"/>
+                </a:solidFill>
+              </a:defRPr>
+            </a:lvl4pPr>
+            <a:lvl5pPr eaLnBrk="1" hangingPunct="1">
+              <a:defRPr>
+                <a:solidFill>
+                  <a:schemeClr val="tx2"/>
+                </a:solidFill>
+              </a:defRPr>
+            </a:lvl5pPr>
+            <a:lvl6pPr eaLnBrk="1" hangingPunct="1">
+              <a:defRPr>
+                <a:solidFill>
+                  <a:schemeClr val="tx2"/>
+                </a:solidFill>
+              </a:defRPr>
+            </a:lvl6pPr>
+            <a:lvl7pPr eaLnBrk="1" hangingPunct="1">
+              <a:defRPr>
+                <a:solidFill>
+                  <a:schemeClr val="tx2"/>
+                </a:solidFill>
+              </a:defRPr>
+            </a:lvl7pPr>
+            <a:lvl8pPr eaLnBrk="1" hangingPunct="1">
+              <a:defRPr>
+                <a:solidFill>
+                  <a:schemeClr val="tx2"/>
+                </a:solidFill>
+              </a:defRPr>
+            </a:lvl8pPr>
+            <a:lvl9pPr eaLnBrk="1" hangingPunct="1">
+              <a:defRPr>
+                <a:solidFill>
+                  <a:schemeClr val="tx2"/>
+                </a:solidFill>
+              </a:defRPr>
+            </a:lvl9pPr>
+          </a:lstStyle>
+          <a:p>
+            <a:r>
+              <a:rPr lang="fr-FR" sz="3000" dirty="0">
+                <a:solidFill>
+                  <a:schemeClr val="tx1"/>
+                </a:solidFill>
+              </a:rPr>
+              <a:t>Tickets d’erreur</a:t>
+            </a:r>
+            <a:endParaRPr lang="en-CA" sz="3000" dirty="0">
+              <a:solidFill>
+                <a:schemeClr val="tx1"/>
+              </a:solidFill>
+            </a:endParaRPr>
+          </a:p>
+        </p:txBody>
+      </p:sp>
+      <p:sp>
+        <p:nvSpPr>
+          <p:cNvPr id="3" name="Slide Number Placeholder 2"/>
+          <p:cNvSpPr>
+            <a:spLocks noGrp="1"/>
+          </p:cNvSpPr>
+          <p:nvPr>
+            <p:ph type="sldNum" sz="quarter" idx="12"/>
+          </p:nvPr>
+        </p:nvSpPr>
+        <p:spPr/>
+        <p:txBody>
+          <a:bodyPr/>
+          <a:lstStyle/>
+          <a:p>
+            <a:fld id="{E733B697-11A6-4686-A4B0-BC7222BD8556}" type="slidenum">
+              <a:rPr lang="en-CA" smtClean="0"/>
+              <a:t>14</a:t>
+            </a:fld>
+            <a:endParaRPr lang="en-CA"/>
+          </a:p>
+        </p:txBody>
+      </p:sp>
+    </p:spTree>
+    <p:extLst>
+      <p:ext uri="{BB962C8B-B14F-4D97-AF65-F5344CB8AC3E}">
+        <p14:creationId xmlns:p14="http://schemas.microsoft.com/office/powerpoint/2010/main" val="2715059215"/>
+      </p:ext>
+    </p:extLst>
+  </p:cSld>
+  <p:clrMapOvr>
+    <a:masterClrMapping/>
+  </p:clrMapOvr>
+</p:sld>
+</file>
+
+<file path=ppt/slides/slide15.xml><?xml version="1.0" encoding="utf-8"?>
+<p:sld xmlns:a="http://schemas.openxmlformats.org/drawingml/2006/main" xmlns:r="http://schemas.openxmlformats.org/officeDocument/2006/relationships" xmlns:p="http://schemas.openxmlformats.org/presentationml/2006/main">
+  <p:cSld>
+    <p:spTree>
+      <p:nvGrpSpPr>
+        <p:cNvPr id="1" name=""/>
+        <p:cNvGrpSpPr/>
+        <p:nvPr/>
+      </p:nvGrpSpPr>
+      <p:grpSpPr>
+        <a:xfrm>
+          <a:off x="0" y="0"/>
+          <a:ext cx="0" cy="0"/>
+          <a:chOff x="0" y="0"/>
+          <a:chExt cx="0" cy="0"/>
+        </a:xfrm>
+      </p:grpSpPr>
+      <p:sp>
+        <p:nvSpPr>
+          <p:cNvPr id="2" name="Title 1"/>
+          <p:cNvSpPr>
+            <a:spLocks noGrp="1"/>
+          </p:cNvSpPr>
+          <p:nvPr>
+            <p:ph type="title"/>
+          </p:nvPr>
+        </p:nvSpPr>
+        <p:spPr>
+          <a:xfrm>
+            <a:off x="265426" y="333375"/>
+            <a:ext cx="11589875" cy="725142"/>
+          </a:xfrm>
+        </p:spPr>
+        <p:txBody>
+          <a:bodyPr>
+            <a:normAutofit/>
+          </a:bodyPr>
+          <a:lstStyle/>
+          <a:p>
+            <a:r>
+              <a:rPr lang="fr-CA" sz="3000" dirty="0"/>
+              <a:t>Plan d’Assurance Qualité</a:t>
+            </a:r>
+            <a:endParaRPr lang="en-CA" sz="3000" dirty="0"/>
+          </a:p>
+        </p:txBody>
+      </p:sp>
+      <p:sp>
+        <p:nvSpPr>
+          <p:cNvPr id="6" name="Title 1"/>
+          <p:cNvSpPr txBox="1">
+            <a:spLocks/>
+          </p:cNvSpPr>
+          <p:nvPr/>
+        </p:nvSpPr>
+        <p:spPr>
+          <a:xfrm>
+            <a:off x="449077" y="943185"/>
+            <a:ext cx="11589875" cy="725142"/>
+          </a:xfrm>
+          <a:prstGeom prst="rect">
+            <a:avLst/>
+          </a:prstGeom>
+        </p:spPr>
+        <p:txBody>
+          <a:bodyPr vert="horz" lIns="91440" tIns="45720" rIns="91440" bIns="45720" rtlCol="0" anchor="t">
+            <a:normAutofit/>
+          </a:bodyPr>
+          <a:lstStyle>
+            <a:lvl1pPr algn="l" defTabSz="457200" rtl="0" eaLnBrk="1" latinLnBrk="0" hangingPunct="1">
+              <a:spcBef>
+                <a:spcPct val="0"/>
+              </a:spcBef>
+              <a:buNone/>
+              <a:defRPr sz="3600" kern="1200">
+                <a:solidFill>
+                  <a:schemeClr val="accent1"/>
+                </a:solidFill>
+                <a:latin typeface="+mj-lt"/>
+                <a:ea typeface="+mj-ea"/>
+                <a:cs typeface="+mj-cs"/>
+              </a:defRPr>
+            </a:lvl1pPr>
+            <a:lvl2pPr eaLnBrk="1" hangingPunct="1">
+              <a:defRPr>
+                <a:solidFill>
+                  <a:schemeClr val="tx2"/>
+                </a:solidFill>
+              </a:defRPr>
+            </a:lvl2pPr>
+            <a:lvl3pPr eaLnBrk="1" hangingPunct="1">
+              <a:defRPr>
+                <a:solidFill>
+                  <a:schemeClr val="tx2"/>
+                </a:solidFill>
+              </a:defRPr>
+            </a:lvl3pPr>
+            <a:lvl4pPr eaLnBrk="1" hangingPunct="1">
+              <a:defRPr>
+                <a:solidFill>
+                  <a:schemeClr val="tx2"/>
+                </a:solidFill>
+              </a:defRPr>
+            </a:lvl4pPr>
+            <a:lvl5pPr eaLnBrk="1" hangingPunct="1">
+              <a:defRPr>
+                <a:solidFill>
+                  <a:schemeClr val="tx2"/>
+                </a:solidFill>
+              </a:defRPr>
+            </a:lvl5pPr>
+            <a:lvl6pPr eaLnBrk="1" hangingPunct="1">
+              <a:defRPr>
+                <a:solidFill>
+                  <a:schemeClr val="tx2"/>
+                </a:solidFill>
+              </a:defRPr>
+            </a:lvl6pPr>
+            <a:lvl7pPr eaLnBrk="1" hangingPunct="1">
+              <a:defRPr>
+                <a:solidFill>
+                  <a:schemeClr val="tx2"/>
+                </a:solidFill>
+              </a:defRPr>
+            </a:lvl7pPr>
+            <a:lvl8pPr eaLnBrk="1" hangingPunct="1">
+              <a:defRPr>
+                <a:solidFill>
+                  <a:schemeClr val="tx2"/>
+                </a:solidFill>
+              </a:defRPr>
+            </a:lvl8pPr>
+            <a:lvl9pPr eaLnBrk="1" hangingPunct="1">
+              <a:defRPr>
+                <a:solidFill>
+                  <a:schemeClr val="tx2"/>
+                </a:solidFill>
+              </a:defRPr>
+            </a:lvl9pPr>
+          </a:lstStyle>
+          <a:p>
+            <a:r>
+              <a:rPr lang="fr-FR" sz="3000" dirty="0"/>
+              <a:t>Fonctionnement de l’assurance qualité</a:t>
+            </a:r>
+            <a:endParaRPr lang="en-CA" sz="3000" dirty="0"/>
+          </a:p>
+        </p:txBody>
+      </p:sp>
+      <p:sp>
+        <p:nvSpPr>
+          <p:cNvPr id="7" name="Title 1"/>
+          <p:cNvSpPr txBox="1">
+            <a:spLocks/>
+          </p:cNvSpPr>
+          <p:nvPr/>
+        </p:nvSpPr>
+        <p:spPr>
+          <a:xfrm>
+            <a:off x="708157" y="1552995"/>
+            <a:ext cx="11589875" cy="725142"/>
+          </a:xfrm>
+          <a:prstGeom prst="rect">
+            <a:avLst/>
+          </a:prstGeom>
+        </p:spPr>
+        <p:txBody>
+          <a:bodyPr vert="horz" lIns="91440" tIns="45720" rIns="91440" bIns="45720" rtlCol="0" anchor="t">
+            <a:normAutofit/>
+          </a:bodyPr>
+          <a:lstStyle>
+            <a:lvl1pPr algn="l" defTabSz="457200" rtl="0" eaLnBrk="1" latinLnBrk="0" hangingPunct="1">
+              <a:spcBef>
+                <a:spcPct val="0"/>
+              </a:spcBef>
+              <a:buNone/>
+              <a:defRPr sz="3600" kern="1200">
+                <a:solidFill>
+                  <a:schemeClr val="accent1"/>
+                </a:solidFill>
+                <a:latin typeface="+mj-lt"/>
+                <a:ea typeface="+mj-ea"/>
+                <a:cs typeface="+mj-cs"/>
+              </a:defRPr>
+            </a:lvl1pPr>
+            <a:lvl2pPr eaLnBrk="1" hangingPunct="1">
+              <a:defRPr>
+                <a:solidFill>
+                  <a:schemeClr val="tx2"/>
+                </a:solidFill>
+              </a:defRPr>
+            </a:lvl2pPr>
+            <a:lvl3pPr eaLnBrk="1" hangingPunct="1">
+              <a:defRPr>
+                <a:solidFill>
+                  <a:schemeClr val="tx2"/>
+                </a:solidFill>
+              </a:defRPr>
+            </a:lvl3pPr>
+            <a:lvl4pPr eaLnBrk="1" hangingPunct="1">
+              <a:defRPr>
+                <a:solidFill>
+                  <a:schemeClr val="tx2"/>
+                </a:solidFill>
+              </a:defRPr>
+            </a:lvl4pPr>
+            <a:lvl5pPr eaLnBrk="1" hangingPunct="1">
+              <a:defRPr>
+                <a:solidFill>
+                  <a:schemeClr val="tx2"/>
+                </a:solidFill>
+              </a:defRPr>
+            </a:lvl5pPr>
+            <a:lvl6pPr eaLnBrk="1" hangingPunct="1">
+              <a:defRPr>
+                <a:solidFill>
+                  <a:schemeClr val="tx2"/>
+                </a:solidFill>
+              </a:defRPr>
+            </a:lvl6pPr>
+            <a:lvl7pPr eaLnBrk="1" hangingPunct="1">
+              <a:defRPr>
+                <a:solidFill>
+                  <a:schemeClr val="tx2"/>
+                </a:solidFill>
+              </a:defRPr>
+            </a:lvl7pPr>
+            <a:lvl8pPr eaLnBrk="1" hangingPunct="1">
+              <a:defRPr>
+                <a:solidFill>
+                  <a:schemeClr val="tx2"/>
+                </a:solidFill>
+              </a:defRPr>
+            </a:lvl8pPr>
+            <a:lvl9pPr eaLnBrk="1" hangingPunct="1">
+              <a:defRPr>
+                <a:solidFill>
+                  <a:schemeClr val="tx2"/>
+                </a:solidFill>
+              </a:defRPr>
+            </a:lvl9pPr>
+          </a:lstStyle>
+          <a:p>
+            <a:r>
+              <a:rPr lang="fr-FR" sz="3000" dirty="0">
+                <a:solidFill>
+                  <a:schemeClr val="tx1"/>
+                </a:solidFill>
+              </a:rPr>
+              <a:t>Tickets d’erreur</a:t>
+            </a:r>
+            <a:endParaRPr lang="en-CA" sz="3000" dirty="0">
+              <a:solidFill>
+                <a:schemeClr val="tx1"/>
+              </a:solidFill>
+            </a:endParaRPr>
+          </a:p>
+        </p:txBody>
+      </p:sp>
+      <p:sp>
+        <p:nvSpPr>
+          <p:cNvPr id="10" name="Slide Number Placeholder 9"/>
+          <p:cNvSpPr>
+            <a:spLocks noGrp="1"/>
+          </p:cNvSpPr>
+          <p:nvPr>
+            <p:ph type="sldNum" sz="quarter" idx="12"/>
+          </p:nvPr>
+        </p:nvSpPr>
+        <p:spPr/>
+        <p:txBody>
+          <a:bodyPr/>
+          <a:lstStyle/>
+          <a:p>
+            <a:fld id="{E733B697-11A6-4686-A4B0-BC7222BD8556}" type="slidenum">
+              <a:rPr lang="en-CA" smtClean="0"/>
+              <a:t>15</a:t>
+            </a:fld>
+            <a:endParaRPr lang="en-CA" dirty="0"/>
+          </a:p>
+        </p:txBody>
+      </p:sp>
+      <p:pic>
+        <p:nvPicPr>
+          <p:cNvPr id="12" name="Picture 11"/>
+          <p:cNvPicPr>
+            <a:picLocks noChangeAspect="1"/>
+          </p:cNvPicPr>
+          <p:nvPr/>
+        </p:nvPicPr>
+        <p:blipFill>
+          <a:blip r:embed="rId2"/>
+          <a:stretch>
+            <a:fillRect/>
+          </a:stretch>
+        </p:blipFill>
+        <p:spPr>
+          <a:xfrm>
+            <a:off x="708157" y="2319368"/>
+            <a:ext cx="8049651" cy="3904556"/>
+          </a:xfrm>
+          <a:prstGeom prst="rect">
+            <a:avLst/>
+          </a:prstGeom>
+        </p:spPr>
+      </p:pic>
+    </p:spTree>
+    <p:extLst>
+      <p:ext uri="{BB962C8B-B14F-4D97-AF65-F5344CB8AC3E}">
+        <p14:creationId xmlns:p14="http://schemas.microsoft.com/office/powerpoint/2010/main" val="653787267"/>
+      </p:ext>
+    </p:extLst>
+  </p:cSld>
+  <p:clrMapOvr>
+    <a:masterClrMapping/>
+  </p:clrMapOvr>
+</p:sld>
+</file>
+
+<file path=ppt/slides/slide16.xml><?xml version="1.0" encoding="utf-8"?>
+<p:sld xmlns:a="http://schemas.openxmlformats.org/drawingml/2006/main" xmlns:r="http://schemas.openxmlformats.org/officeDocument/2006/relationships" xmlns:p="http://schemas.openxmlformats.org/presentationml/2006/main">
+  <p:cSld>
+    <p:spTree>
+      <p:nvGrpSpPr>
+        <p:cNvPr id="1" name=""/>
+        <p:cNvGrpSpPr/>
+        <p:nvPr/>
+      </p:nvGrpSpPr>
+      <p:grpSpPr>
+        <a:xfrm>
+          <a:off x="0" y="0"/>
+          <a:ext cx="0" cy="0"/>
+          <a:chOff x="0" y="0"/>
+          <a:chExt cx="0" cy="0"/>
+        </a:xfrm>
+      </p:grpSpPr>
+      <p:sp>
+        <p:nvSpPr>
+          <p:cNvPr id="3" name="Espace réservé du contenu 2"/>
+          <p:cNvSpPr>
+            <a:spLocks noGrp="1"/>
+          </p:cNvSpPr>
+          <p:nvPr>
+            <p:ph idx="1"/>
+          </p:nvPr>
+        </p:nvSpPr>
+        <p:spPr/>
+        <p:txBody>
+          <a:bodyPr vert="horz" lIns="91440" tIns="45720" rIns="91440" bIns="45720" rtlCol="0" anchor="t">
+            <a:normAutofit/>
+          </a:bodyPr>
+          <a:lstStyle/>
+          <a:p>
+            <a:r>
+              <a:rPr lang="fr-FR" dirty="0"/>
+              <a:t>L'usager doit être capable d'alterner entre les modes "Enregistrer" et "Rejouer une partition"</a:t>
+            </a:r>
+          </a:p>
+          <a:p>
+            <a:r>
+              <a:rPr lang="fr-FR" dirty="0"/>
+              <a:t>L'usager doit être capable de choisir si l'enregistrement est en mode "accord" ou en mode "note singulière"</a:t>
+            </a:r>
+          </a:p>
+          <a:p>
+            <a:r>
+              <a:rPr lang="fr-FR" dirty="0"/>
+              <a:t>Le mode "Partition" (seulement actif dans le mode "note singulière") doit permettre de choisir un tempo désiré.</a:t>
+            </a:r>
+          </a:p>
+        </p:txBody>
+      </p:sp>
+      <p:sp>
+        <p:nvSpPr>
+          <p:cNvPr id="4" name="Title 1"/>
+          <p:cNvSpPr txBox="1">
+            <a:spLocks/>
+          </p:cNvSpPr>
+          <p:nvPr/>
+        </p:nvSpPr>
+        <p:spPr>
+          <a:xfrm>
+            <a:off x="258792" y="330679"/>
+            <a:ext cx="11589875" cy="725142"/>
+          </a:xfrm>
+          <a:prstGeom prst="rect">
+            <a:avLst/>
+          </a:prstGeom>
+        </p:spPr>
+        <p:txBody>
+          <a:bodyPr vert="horz" lIns="91440" tIns="45720" rIns="91440" bIns="45720" rtlCol="0" anchor="t">
+            <a:normAutofit/>
+          </a:bodyPr>
+          <a:lstStyle>
+            <a:lvl1pPr algn="l" defTabSz="457200" rtl="0" eaLnBrk="1" latinLnBrk="0" hangingPunct="1">
+              <a:spcBef>
+                <a:spcPct val="0"/>
+              </a:spcBef>
+              <a:buNone/>
+              <a:defRPr sz="3600" kern="1200">
+                <a:solidFill>
+                  <a:schemeClr val="accent1"/>
+                </a:solidFill>
+                <a:latin typeface="+mj-lt"/>
+                <a:ea typeface="+mj-ea"/>
+                <a:cs typeface="+mj-cs"/>
+              </a:defRPr>
+            </a:lvl1pPr>
+            <a:lvl2pPr eaLnBrk="1" hangingPunct="1">
+              <a:defRPr>
+                <a:solidFill>
+                  <a:schemeClr val="tx2"/>
+                </a:solidFill>
+              </a:defRPr>
+            </a:lvl2pPr>
+            <a:lvl3pPr eaLnBrk="1" hangingPunct="1">
+              <a:defRPr>
+                <a:solidFill>
+                  <a:schemeClr val="tx2"/>
+                </a:solidFill>
+              </a:defRPr>
+            </a:lvl3pPr>
+            <a:lvl4pPr eaLnBrk="1" hangingPunct="1">
+              <a:defRPr>
+                <a:solidFill>
+                  <a:schemeClr val="tx2"/>
+                </a:solidFill>
+              </a:defRPr>
+            </a:lvl4pPr>
+            <a:lvl5pPr eaLnBrk="1" hangingPunct="1">
+              <a:defRPr>
+                <a:solidFill>
+                  <a:schemeClr val="tx2"/>
+                </a:solidFill>
+              </a:defRPr>
+            </a:lvl5pPr>
+            <a:lvl6pPr eaLnBrk="1" hangingPunct="1">
+              <a:defRPr>
+                <a:solidFill>
+                  <a:schemeClr val="tx2"/>
+                </a:solidFill>
+              </a:defRPr>
+            </a:lvl6pPr>
+            <a:lvl7pPr eaLnBrk="1" hangingPunct="1">
+              <a:defRPr>
+                <a:solidFill>
+                  <a:schemeClr val="tx2"/>
+                </a:solidFill>
+              </a:defRPr>
+            </a:lvl7pPr>
+            <a:lvl8pPr eaLnBrk="1" hangingPunct="1">
+              <a:defRPr>
+                <a:solidFill>
+                  <a:schemeClr val="tx2"/>
+                </a:solidFill>
+              </a:defRPr>
+            </a:lvl8pPr>
+            <a:lvl9pPr eaLnBrk="1" hangingPunct="1">
+              <a:defRPr>
+                <a:solidFill>
+                  <a:schemeClr val="tx2"/>
+                </a:solidFill>
+              </a:defRPr>
+            </a:lvl9pPr>
+          </a:lstStyle>
+          <a:p>
+            <a:r>
+              <a:rPr lang="fr-CA" sz="3000" dirty="0"/>
+              <a:t>Plan d’Assurance Qualité</a:t>
+            </a:r>
+            <a:endParaRPr lang="en-CA" sz="3000" dirty="0"/>
+          </a:p>
+        </p:txBody>
+      </p:sp>
+      <p:sp>
+        <p:nvSpPr>
+          <p:cNvPr id="5" name="Title 1"/>
+          <p:cNvSpPr txBox="1">
+            <a:spLocks/>
+          </p:cNvSpPr>
+          <p:nvPr/>
+        </p:nvSpPr>
+        <p:spPr>
+          <a:xfrm>
+            <a:off x="445698" y="948905"/>
+            <a:ext cx="11589875" cy="725142"/>
+          </a:xfrm>
+          <a:prstGeom prst="rect">
+            <a:avLst/>
+          </a:prstGeom>
+        </p:spPr>
+        <p:txBody>
+          <a:bodyPr vert="horz" lIns="91440" tIns="45720" rIns="91440" bIns="45720" rtlCol="0" anchor="t">
+            <a:normAutofit/>
+          </a:bodyPr>
+          <a:lstStyle>
+            <a:lvl1pPr algn="l" defTabSz="457200" rtl="0" eaLnBrk="1" latinLnBrk="0" hangingPunct="1">
+              <a:spcBef>
+                <a:spcPct val="0"/>
+              </a:spcBef>
+              <a:buNone/>
+              <a:defRPr sz="3600" kern="1200">
+                <a:solidFill>
+                  <a:schemeClr val="accent1"/>
+                </a:solidFill>
+                <a:latin typeface="+mj-lt"/>
+                <a:ea typeface="+mj-ea"/>
+                <a:cs typeface="+mj-cs"/>
+              </a:defRPr>
+            </a:lvl1pPr>
+            <a:lvl2pPr eaLnBrk="1" hangingPunct="1">
+              <a:defRPr>
+                <a:solidFill>
+                  <a:schemeClr val="tx2"/>
+                </a:solidFill>
+              </a:defRPr>
+            </a:lvl2pPr>
+            <a:lvl3pPr eaLnBrk="1" hangingPunct="1">
+              <a:defRPr>
+                <a:solidFill>
+                  <a:schemeClr val="tx2"/>
+                </a:solidFill>
+              </a:defRPr>
+            </a:lvl3pPr>
+            <a:lvl4pPr eaLnBrk="1" hangingPunct="1">
+              <a:defRPr>
+                <a:solidFill>
+                  <a:schemeClr val="tx2"/>
+                </a:solidFill>
+              </a:defRPr>
+            </a:lvl4pPr>
+            <a:lvl5pPr eaLnBrk="1" hangingPunct="1">
+              <a:defRPr>
+                <a:solidFill>
+                  <a:schemeClr val="tx2"/>
+                </a:solidFill>
+              </a:defRPr>
+            </a:lvl5pPr>
+            <a:lvl6pPr eaLnBrk="1" hangingPunct="1">
+              <a:defRPr>
+                <a:solidFill>
+                  <a:schemeClr val="tx2"/>
+                </a:solidFill>
+              </a:defRPr>
+            </a:lvl6pPr>
+            <a:lvl7pPr eaLnBrk="1" hangingPunct="1">
+              <a:defRPr>
+                <a:solidFill>
+                  <a:schemeClr val="tx2"/>
+                </a:solidFill>
+              </a:defRPr>
+            </a:lvl7pPr>
+            <a:lvl8pPr eaLnBrk="1" hangingPunct="1">
+              <a:defRPr>
+                <a:solidFill>
+                  <a:schemeClr val="tx2"/>
+                </a:solidFill>
+              </a:defRPr>
+            </a:lvl8pPr>
+            <a:lvl9pPr eaLnBrk="1" hangingPunct="1">
+              <a:defRPr>
+                <a:solidFill>
+                  <a:schemeClr val="tx2"/>
+                </a:solidFill>
+              </a:defRPr>
+            </a:lvl9pPr>
+          </a:lstStyle>
+          <a:p>
+            <a:r>
+              <a:rPr lang="fr-FR" sz="3000" dirty="0">
+                <a:solidFill>
+                  <a:srgbClr val="90C226"/>
+                </a:solidFill>
+                <a:latin typeface="Trebuchet MS"/>
+              </a:rPr>
+              <a:t>Plan de test pour chaque activité des diagrammes UML</a:t>
+            </a:r>
+            <a:endParaRPr lang="en-CA" sz="3000" dirty="0">
+              <a:solidFill>
+                <a:srgbClr val="90C226"/>
+              </a:solidFill>
+              <a:latin typeface="Trebuchet MS"/>
+            </a:endParaRPr>
+          </a:p>
+        </p:txBody>
+      </p:sp>
+      <p:sp>
+        <p:nvSpPr>
+          <p:cNvPr id="6" name="Title 1"/>
+          <p:cNvSpPr txBox="1">
+            <a:spLocks/>
+          </p:cNvSpPr>
+          <p:nvPr/>
+        </p:nvSpPr>
+        <p:spPr>
+          <a:xfrm>
+            <a:off x="704490" y="1552754"/>
+            <a:ext cx="11589875" cy="725142"/>
+          </a:xfrm>
+          <a:prstGeom prst="rect">
+            <a:avLst/>
+          </a:prstGeom>
+        </p:spPr>
+        <p:txBody>
+          <a:bodyPr vert="horz" lIns="91440" tIns="45720" rIns="91440" bIns="45720" rtlCol="0" anchor="t">
+            <a:normAutofit/>
+          </a:bodyPr>
+          <a:lstStyle>
+            <a:lvl1pPr algn="l" defTabSz="457200" rtl="0" eaLnBrk="1" latinLnBrk="0" hangingPunct="1">
+              <a:spcBef>
+                <a:spcPct val="0"/>
+              </a:spcBef>
+              <a:buNone/>
+              <a:defRPr sz="3600" kern="1200">
+                <a:solidFill>
+                  <a:schemeClr val="accent1"/>
+                </a:solidFill>
+                <a:latin typeface="+mj-lt"/>
+                <a:ea typeface="+mj-ea"/>
+                <a:cs typeface="+mj-cs"/>
+              </a:defRPr>
+            </a:lvl1pPr>
+            <a:lvl2pPr eaLnBrk="1" hangingPunct="1">
+              <a:defRPr>
+                <a:solidFill>
+                  <a:schemeClr val="tx2"/>
+                </a:solidFill>
+              </a:defRPr>
+            </a:lvl2pPr>
+            <a:lvl3pPr eaLnBrk="1" hangingPunct="1">
+              <a:defRPr>
+                <a:solidFill>
+                  <a:schemeClr val="tx2"/>
+                </a:solidFill>
+              </a:defRPr>
+            </a:lvl3pPr>
+            <a:lvl4pPr eaLnBrk="1" hangingPunct="1">
+              <a:defRPr>
+                <a:solidFill>
+                  <a:schemeClr val="tx2"/>
+                </a:solidFill>
+              </a:defRPr>
+            </a:lvl4pPr>
+            <a:lvl5pPr eaLnBrk="1" hangingPunct="1">
+              <a:defRPr>
+                <a:solidFill>
+                  <a:schemeClr val="tx2"/>
+                </a:solidFill>
+              </a:defRPr>
+            </a:lvl5pPr>
+            <a:lvl6pPr eaLnBrk="1" hangingPunct="1">
+              <a:defRPr>
+                <a:solidFill>
+                  <a:schemeClr val="tx2"/>
+                </a:solidFill>
+              </a:defRPr>
+            </a:lvl6pPr>
+            <a:lvl7pPr eaLnBrk="1" hangingPunct="1">
+              <a:defRPr>
+                <a:solidFill>
+                  <a:schemeClr val="tx2"/>
+                </a:solidFill>
+              </a:defRPr>
+            </a:lvl7pPr>
+            <a:lvl8pPr eaLnBrk="1" hangingPunct="1">
+              <a:defRPr>
+                <a:solidFill>
+                  <a:schemeClr val="tx2"/>
+                </a:solidFill>
+              </a:defRPr>
+            </a:lvl8pPr>
+            <a:lvl9pPr eaLnBrk="1" hangingPunct="1">
+              <a:defRPr>
+                <a:solidFill>
+                  <a:schemeClr val="tx2"/>
+                </a:solidFill>
+              </a:defRPr>
+            </a:lvl9pPr>
+          </a:lstStyle>
+          <a:p>
+            <a:r>
+              <a:rPr lang="fr-FR" sz="3000" dirty="0">
+                <a:solidFill>
+                  <a:schemeClr val="tx1"/>
+                </a:solidFill>
+              </a:rPr>
+              <a:t>Niveau 1</a:t>
+            </a:r>
+            <a:endParaRPr lang="en-CA" sz="3000" dirty="0">
+              <a:solidFill>
+                <a:schemeClr val="tx1"/>
+              </a:solidFill>
+            </a:endParaRPr>
+          </a:p>
+        </p:txBody>
+      </p:sp>
+    </p:spTree>
+    <p:extLst>
+      <p:ext uri="{BB962C8B-B14F-4D97-AF65-F5344CB8AC3E}">
+        <p14:creationId xmlns:p14="http://schemas.microsoft.com/office/powerpoint/2010/main" val="2679241110"/>
+      </p:ext>
+    </p:extLst>
+  </p:cSld>
+  <p:clrMapOvr>
+    <a:masterClrMapping/>
+  </p:clrMapOvr>
+</p:sld>
+</file>
+
+<file path=ppt/slides/slide17.xml><?xml version="1.0" encoding="utf-8"?>
+<p:sld xmlns:a="http://schemas.openxmlformats.org/drawingml/2006/main" xmlns:r="http://schemas.openxmlformats.org/officeDocument/2006/relationships" xmlns:p="http://schemas.openxmlformats.org/presentationml/2006/main">
+  <p:cSld>
+    <p:spTree>
+      <p:nvGrpSpPr>
+        <p:cNvPr id="1" name=""/>
+        <p:cNvGrpSpPr/>
+        <p:nvPr/>
+      </p:nvGrpSpPr>
+      <p:grpSpPr>
+        <a:xfrm>
+          <a:off x="0" y="0"/>
+          <a:ext cx="0" cy="0"/>
+          <a:chOff x="0" y="0"/>
+          <a:chExt cx="0" cy="0"/>
+        </a:xfrm>
+      </p:grpSpPr>
+      <p:sp>
+        <p:nvSpPr>
+          <p:cNvPr id="3" name="Espace réservé du contenu 2"/>
+          <p:cNvSpPr>
+            <a:spLocks noGrp="1"/>
+          </p:cNvSpPr>
+          <p:nvPr>
+            <p:ph idx="1"/>
+          </p:nvPr>
+        </p:nvSpPr>
+        <p:spPr/>
+        <p:txBody>
+          <a:bodyPr vert="horz" lIns="91440" tIns="45720" rIns="91440" bIns="45720" rtlCol="0" anchor="t">
+            <a:normAutofit fontScale="92500" lnSpcReduction="20000"/>
+          </a:bodyPr>
+          <a:lstStyle/>
+          <a:p>
+            <a:r>
+              <a:rPr lang="fr-FR" dirty="0"/>
+              <a:t>Contenir deux modules : la télécommande et le DSK</a:t>
+            </a:r>
+          </a:p>
+          <a:p>
+            <a:r>
+              <a:rPr lang="fr-FR" dirty="0">
+                <a:solidFill>
+                  <a:srgbClr val="404040"/>
+                </a:solidFill>
+                <a:latin typeface="Trebuchet MS"/>
+              </a:rPr>
+              <a:t>La télécommande doit comprendre un menu permettant à l'usager de lire sur un écran LCD les informations sur l'état du programme.</a:t>
+            </a:r>
+          </a:p>
+          <a:p>
+            <a:r>
+              <a:rPr lang="fr-FR" dirty="0">
+                <a:solidFill>
+                  <a:srgbClr val="404040"/>
+                </a:solidFill>
+                <a:latin typeface="Trebuchet MS"/>
+              </a:rPr>
+              <a:t>La télécommande doit contenir un clavier permettant à l'usager de changer de modes parmi ceux décrit dans le niveau 1</a:t>
+            </a:r>
+          </a:p>
+          <a:p>
+            <a:r>
+              <a:rPr lang="fr-FR" dirty="0">
+                <a:solidFill>
+                  <a:srgbClr val="404040"/>
+                </a:solidFill>
+                <a:latin typeface="Trebuchet MS"/>
+              </a:rPr>
+              <a:t>Le DSK doit s'assurer que l'information envoyé par l'usager à l'aide de la télécommande soit convenablement reçu.</a:t>
+            </a:r>
+          </a:p>
+          <a:p>
+            <a:r>
+              <a:rPr lang="fr-FR" dirty="0">
+                <a:solidFill>
+                  <a:srgbClr val="404040"/>
+                </a:solidFill>
+                <a:latin typeface="Trebuchet MS"/>
+              </a:rPr>
+              <a:t>Le mode "Enregistrer" active le microphone qui écoute le son du piano joué par l'utilisateur.</a:t>
+            </a:r>
+          </a:p>
+          <a:p>
+            <a:r>
+              <a:rPr lang="fr-FR" dirty="0">
+                <a:solidFill>
+                  <a:srgbClr val="404040"/>
+                </a:solidFill>
+                <a:latin typeface="Trebuchet MS"/>
+              </a:rPr>
+              <a:t>Le son est amplifié et convertit en signal numérique par l'ADC puis enregistrer dans la SDRAM</a:t>
+            </a:r>
+          </a:p>
+          <a:p>
+            <a:r>
+              <a:rPr lang="fr-FR" dirty="0">
+                <a:solidFill>
+                  <a:srgbClr val="404040"/>
+                </a:solidFill>
+                <a:latin typeface="Trebuchet MS"/>
+              </a:rPr>
+              <a:t>Le mode "Rejoué partition" prend ce qui est sauvegardé dans la SDRAM et le convertit en analogique à l'aide du CODEC pour qu'il soit par la suite entendu par l'usager.</a:t>
+            </a:r>
+          </a:p>
+        </p:txBody>
+      </p:sp>
+      <p:sp>
+        <p:nvSpPr>
+          <p:cNvPr id="4" name="Title 1"/>
+          <p:cNvSpPr txBox="1">
+            <a:spLocks/>
+          </p:cNvSpPr>
+          <p:nvPr/>
+        </p:nvSpPr>
+        <p:spPr>
+          <a:xfrm>
+            <a:off x="258792" y="330679"/>
+            <a:ext cx="11589875" cy="725142"/>
+          </a:xfrm>
+          <a:prstGeom prst="rect">
+            <a:avLst/>
+          </a:prstGeom>
+        </p:spPr>
+        <p:txBody>
+          <a:bodyPr vert="horz" lIns="91440" tIns="45720" rIns="91440" bIns="45720" rtlCol="0" anchor="t">
+            <a:normAutofit/>
+          </a:bodyPr>
+          <a:lstStyle>
+            <a:lvl1pPr algn="l" defTabSz="457200" rtl="0" eaLnBrk="1" latinLnBrk="0" hangingPunct="1">
+              <a:spcBef>
+                <a:spcPct val="0"/>
+              </a:spcBef>
+              <a:buNone/>
+              <a:defRPr sz="3600" kern="1200">
+                <a:solidFill>
+                  <a:schemeClr val="accent1"/>
+                </a:solidFill>
+                <a:latin typeface="+mj-lt"/>
+                <a:ea typeface="+mj-ea"/>
+                <a:cs typeface="+mj-cs"/>
+              </a:defRPr>
+            </a:lvl1pPr>
+            <a:lvl2pPr eaLnBrk="1" hangingPunct="1">
+              <a:defRPr>
+                <a:solidFill>
+                  <a:schemeClr val="tx2"/>
+                </a:solidFill>
+              </a:defRPr>
+            </a:lvl2pPr>
+            <a:lvl3pPr eaLnBrk="1" hangingPunct="1">
+              <a:defRPr>
+                <a:solidFill>
+                  <a:schemeClr val="tx2"/>
+                </a:solidFill>
+              </a:defRPr>
+            </a:lvl3pPr>
+            <a:lvl4pPr eaLnBrk="1" hangingPunct="1">
+              <a:defRPr>
+                <a:solidFill>
+                  <a:schemeClr val="tx2"/>
+                </a:solidFill>
+              </a:defRPr>
+            </a:lvl4pPr>
+            <a:lvl5pPr eaLnBrk="1" hangingPunct="1">
+              <a:defRPr>
+                <a:solidFill>
+                  <a:schemeClr val="tx2"/>
+                </a:solidFill>
+              </a:defRPr>
+            </a:lvl5pPr>
+            <a:lvl6pPr eaLnBrk="1" hangingPunct="1">
+              <a:defRPr>
+                <a:solidFill>
+                  <a:schemeClr val="tx2"/>
+                </a:solidFill>
+              </a:defRPr>
+            </a:lvl6pPr>
+            <a:lvl7pPr eaLnBrk="1" hangingPunct="1">
+              <a:defRPr>
+                <a:solidFill>
+                  <a:schemeClr val="tx2"/>
+                </a:solidFill>
+              </a:defRPr>
+            </a:lvl7pPr>
+            <a:lvl8pPr eaLnBrk="1" hangingPunct="1">
+              <a:defRPr>
+                <a:solidFill>
+                  <a:schemeClr val="tx2"/>
+                </a:solidFill>
+              </a:defRPr>
+            </a:lvl8pPr>
+            <a:lvl9pPr eaLnBrk="1" hangingPunct="1">
+              <a:defRPr>
+                <a:solidFill>
+                  <a:schemeClr val="tx2"/>
+                </a:solidFill>
+              </a:defRPr>
+            </a:lvl9pPr>
+          </a:lstStyle>
+          <a:p>
+            <a:r>
+              <a:rPr lang="fr-CA" sz="3000" dirty="0"/>
+              <a:t>Plan d’Assurance Qualité</a:t>
+            </a:r>
+            <a:endParaRPr lang="en-CA" sz="3000" dirty="0"/>
+          </a:p>
+        </p:txBody>
+      </p:sp>
+      <p:sp>
+        <p:nvSpPr>
+          <p:cNvPr id="5" name="Title 1"/>
+          <p:cNvSpPr txBox="1">
+            <a:spLocks/>
+          </p:cNvSpPr>
+          <p:nvPr/>
+        </p:nvSpPr>
+        <p:spPr>
+          <a:xfrm>
+            <a:off x="445698" y="948905"/>
+            <a:ext cx="11589875" cy="725142"/>
+          </a:xfrm>
+          <a:prstGeom prst="rect">
+            <a:avLst/>
+          </a:prstGeom>
+        </p:spPr>
+        <p:txBody>
+          <a:bodyPr vert="horz" lIns="91440" tIns="45720" rIns="91440" bIns="45720" rtlCol="0" anchor="t">
+            <a:normAutofit/>
+          </a:bodyPr>
+          <a:lstStyle>
+            <a:lvl1pPr algn="l" defTabSz="457200" rtl="0" eaLnBrk="1" latinLnBrk="0" hangingPunct="1">
+              <a:spcBef>
+                <a:spcPct val="0"/>
+              </a:spcBef>
+              <a:buNone/>
+              <a:defRPr sz="3600" kern="1200">
+                <a:solidFill>
+                  <a:schemeClr val="accent1"/>
+                </a:solidFill>
+                <a:latin typeface="+mj-lt"/>
+                <a:ea typeface="+mj-ea"/>
+                <a:cs typeface="+mj-cs"/>
+              </a:defRPr>
+            </a:lvl1pPr>
+            <a:lvl2pPr eaLnBrk="1" hangingPunct="1">
+              <a:defRPr>
+                <a:solidFill>
+                  <a:schemeClr val="tx2"/>
+                </a:solidFill>
+              </a:defRPr>
+            </a:lvl2pPr>
+            <a:lvl3pPr eaLnBrk="1" hangingPunct="1">
+              <a:defRPr>
+                <a:solidFill>
+                  <a:schemeClr val="tx2"/>
+                </a:solidFill>
+              </a:defRPr>
+            </a:lvl3pPr>
+            <a:lvl4pPr eaLnBrk="1" hangingPunct="1">
+              <a:defRPr>
+                <a:solidFill>
+                  <a:schemeClr val="tx2"/>
+                </a:solidFill>
+              </a:defRPr>
+            </a:lvl4pPr>
+            <a:lvl5pPr eaLnBrk="1" hangingPunct="1">
+              <a:defRPr>
+                <a:solidFill>
+                  <a:schemeClr val="tx2"/>
+                </a:solidFill>
+              </a:defRPr>
+            </a:lvl5pPr>
+            <a:lvl6pPr eaLnBrk="1" hangingPunct="1">
+              <a:defRPr>
+                <a:solidFill>
+                  <a:schemeClr val="tx2"/>
+                </a:solidFill>
+              </a:defRPr>
+            </a:lvl6pPr>
+            <a:lvl7pPr eaLnBrk="1" hangingPunct="1">
+              <a:defRPr>
+                <a:solidFill>
+                  <a:schemeClr val="tx2"/>
+                </a:solidFill>
+              </a:defRPr>
+            </a:lvl7pPr>
+            <a:lvl8pPr eaLnBrk="1" hangingPunct="1">
+              <a:defRPr>
+                <a:solidFill>
+                  <a:schemeClr val="tx2"/>
+                </a:solidFill>
+              </a:defRPr>
+            </a:lvl8pPr>
+            <a:lvl9pPr eaLnBrk="1" hangingPunct="1">
+              <a:defRPr>
+                <a:solidFill>
+                  <a:schemeClr val="tx2"/>
+                </a:solidFill>
+              </a:defRPr>
+            </a:lvl9pPr>
+          </a:lstStyle>
+          <a:p>
+            <a:r>
+              <a:rPr lang="fr-FR" sz="3000" dirty="0">
+                <a:solidFill>
+                  <a:srgbClr val="90C226"/>
+                </a:solidFill>
+                <a:latin typeface="Trebuchet MS"/>
+              </a:rPr>
+              <a:t>Plan de test pour chaque activité des diagrammes UML</a:t>
+            </a:r>
+            <a:endParaRPr lang="en-CA" sz="3000" dirty="0">
+              <a:solidFill>
+                <a:srgbClr val="90C226"/>
+              </a:solidFill>
+              <a:latin typeface="Trebuchet MS"/>
+            </a:endParaRPr>
+          </a:p>
+        </p:txBody>
+      </p:sp>
+      <p:sp>
+        <p:nvSpPr>
+          <p:cNvPr id="6" name="Title 1"/>
+          <p:cNvSpPr txBox="1">
+            <a:spLocks/>
+          </p:cNvSpPr>
+          <p:nvPr/>
+        </p:nvSpPr>
+        <p:spPr>
+          <a:xfrm>
+            <a:off x="704490" y="1552754"/>
+            <a:ext cx="11589875" cy="725142"/>
+          </a:xfrm>
+          <a:prstGeom prst="rect">
+            <a:avLst/>
+          </a:prstGeom>
+        </p:spPr>
+        <p:txBody>
+          <a:bodyPr vert="horz" lIns="91440" tIns="45720" rIns="91440" bIns="45720" rtlCol="0" anchor="t">
+            <a:normAutofit/>
+          </a:bodyPr>
+          <a:lstStyle>
+            <a:lvl1pPr algn="l" defTabSz="457200" rtl="0" eaLnBrk="1" latinLnBrk="0" hangingPunct="1">
+              <a:spcBef>
+                <a:spcPct val="0"/>
+              </a:spcBef>
+              <a:buNone/>
+              <a:defRPr sz="3600" kern="1200">
+                <a:solidFill>
+                  <a:schemeClr val="accent1"/>
+                </a:solidFill>
+                <a:latin typeface="+mj-lt"/>
+                <a:ea typeface="+mj-ea"/>
+                <a:cs typeface="+mj-cs"/>
+              </a:defRPr>
+            </a:lvl1pPr>
+            <a:lvl2pPr eaLnBrk="1" hangingPunct="1">
+              <a:defRPr>
+                <a:solidFill>
+                  <a:schemeClr val="tx2"/>
+                </a:solidFill>
+              </a:defRPr>
+            </a:lvl2pPr>
+            <a:lvl3pPr eaLnBrk="1" hangingPunct="1">
+              <a:defRPr>
+                <a:solidFill>
+                  <a:schemeClr val="tx2"/>
+                </a:solidFill>
+              </a:defRPr>
+            </a:lvl3pPr>
+            <a:lvl4pPr eaLnBrk="1" hangingPunct="1">
+              <a:defRPr>
+                <a:solidFill>
+                  <a:schemeClr val="tx2"/>
+                </a:solidFill>
+              </a:defRPr>
+            </a:lvl4pPr>
+            <a:lvl5pPr eaLnBrk="1" hangingPunct="1">
+              <a:defRPr>
+                <a:solidFill>
+                  <a:schemeClr val="tx2"/>
+                </a:solidFill>
+              </a:defRPr>
+            </a:lvl5pPr>
+            <a:lvl6pPr eaLnBrk="1" hangingPunct="1">
+              <a:defRPr>
+                <a:solidFill>
+                  <a:schemeClr val="tx2"/>
+                </a:solidFill>
+              </a:defRPr>
+            </a:lvl6pPr>
+            <a:lvl7pPr eaLnBrk="1" hangingPunct="1">
+              <a:defRPr>
+                <a:solidFill>
+                  <a:schemeClr val="tx2"/>
+                </a:solidFill>
+              </a:defRPr>
+            </a:lvl7pPr>
+            <a:lvl8pPr eaLnBrk="1" hangingPunct="1">
+              <a:defRPr>
+                <a:solidFill>
+                  <a:schemeClr val="tx2"/>
+                </a:solidFill>
+              </a:defRPr>
+            </a:lvl8pPr>
+            <a:lvl9pPr eaLnBrk="1" hangingPunct="1">
+              <a:defRPr>
+                <a:solidFill>
+                  <a:schemeClr val="tx2"/>
+                </a:solidFill>
+              </a:defRPr>
+            </a:lvl9pPr>
+          </a:lstStyle>
+          <a:p>
+            <a:r>
+              <a:rPr lang="fr-FR" sz="3000" dirty="0">
+                <a:solidFill>
+                  <a:schemeClr val="tx1"/>
+                </a:solidFill>
+              </a:rPr>
+              <a:t>Niveau 2</a:t>
+            </a:r>
+            <a:endParaRPr lang="en-CA" sz="3000" dirty="0">
+              <a:solidFill>
+                <a:schemeClr val="tx1"/>
+              </a:solidFill>
+            </a:endParaRPr>
+          </a:p>
+        </p:txBody>
+      </p:sp>
+    </p:spTree>
+    <p:extLst>
+      <p:ext uri="{BB962C8B-B14F-4D97-AF65-F5344CB8AC3E}">
+        <p14:creationId xmlns:p14="http://schemas.microsoft.com/office/powerpoint/2010/main" val="3327255500"/>
+      </p:ext>
+    </p:extLst>
+  </p:cSld>
+  <p:clrMapOvr>
+    <a:masterClrMapping/>
+  </p:clrMapOvr>
+</p:sld>
+</file>
+
+<file path=ppt/slides/slide18.xml><?xml version="1.0" encoding="utf-8"?>
+<p:sld xmlns:a="http://schemas.openxmlformats.org/drawingml/2006/main" xmlns:r="http://schemas.openxmlformats.org/officeDocument/2006/relationships" xmlns:p="http://schemas.openxmlformats.org/presentationml/2006/main">
+  <p:cSld>
+    <p:spTree>
+      <p:nvGrpSpPr>
+        <p:cNvPr id="1" name=""/>
+        <p:cNvGrpSpPr/>
+        <p:nvPr/>
+      </p:nvGrpSpPr>
+      <p:grpSpPr>
+        <a:xfrm>
+          <a:off x="0" y="0"/>
+          <a:ext cx="0" cy="0"/>
+          <a:chOff x="0" y="0"/>
+          <a:chExt cx="0" cy="0"/>
+        </a:xfrm>
+      </p:grpSpPr>
+      <p:sp>
+        <p:nvSpPr>
+          <p:cNvPr id="2" name="Title 1"/>
+          <p:cNvSpPr>
+            <a:spLocks noGrp="1"/>
+          </p:cNvSpPr>
+          <p:nvPr>
+            <p:ph type="title"/>
+          </p:nvPr>
+        </p:nvSpPr>
+        <p:spPr>
+          <a:xfrm>
+            <a:off x="265426" y="333375"/>
+            <a:ext cx="11589875" cy="725142"/>
+          </a:xfrm>
+        </p:spPr>
+        <p:txBody>
+          <a:bodyPr>
+            <a:normAutofit/>
+          </a:bodyPr>
+          <a:lstStyle/>
+          <a:p>
+            <a:r>
+              <a:rPr lang="fr-CA" sz="3000" dirty="0"/>
+              <a:t>Cahier des charges</a:t>
             </a:r>
             <a:endParaRPr lang="en-CA" sz="3000" dirty="0"/>
           </a:p>
@@ -6367,14 +9703,230 @@
           <a:bodyPr/>
           <a:lstStyle/>
           <a:p>
+            <a:pPr marL="0" indent="0">
+              <a:buNone/>
+            </a:pPr>
+            <a:r>
+              <a:rPr lang="fr-CA" sz="2400" b="1" dirty="0"/>
+              <a:t>Objectif:</a:t>
+            </a:r>
+          </a:p>
+          <a:p>
+            <a:pPr marL="0" indent="0">
+              <a:buNone/>
+            </a:pPr>
+            <a:r>
+              <a:rPr lang="fr-CA" sz="2000" dirty="0"/>
+              <a:t>Concevoir et créer un système robuste de détection de notes de musique et d'accords avec une équipe de 8 personnes, en apprenant le fonctionnement des systèmes embarqués et le fonctionnement d'une gestion efficace incorporant l'assurance qualité.</a:t>
+            </a:r>
+          </a:p>
+          <a:p>
             <a:endParaRPr lang="fr-CA" dirty="0"/>
+          </a:p>
+        </p:txBody>
+      </p:sp>
+      <p:sp>
+        <p:nvSpPr>
+          <p:cNvPr id="7" name="Slide Number Placeholder 9"/>
+          <p:cNvSpPr>
+            <a:spLocks noGrp="1"/>
+          </p:cNvSpPr>
+          <p:nvPr>
+            <p:ph type="sldNum" sz="quarter" idx="12"/>
+          </p:nvPr>
+        </p:nvSpPr>
+        <p:spPr>
+          <a:xfrm>
+            <a:off x="8590663" y="6041362"/>
+            <a:ext cx="683339" cy="365125"/>
+          </a:xfrm>
+        </p:spPr>
+        <p:txBody>
+          <a:bodyPr/>
+          <a:lstStyle/>
+          <a:p>
+            <a:fld id="{E733B697-11A6-4686-A4B0-BC7222BD8556}" type="slidenum">
+              <a:rPr lang="en-CA" smtClean="0"/>
+              <a:t>18</a:t>
+            </a:fld>
+            <a:endParaRPr lang="en-CA" dirty="0"/>
           </a:p>
         </p:txBody>
       </p:sp>
     </p:spTree>
     <p:extLst>
       <p:ext uri="{BB962C8B-B14F-4D97-AF65-F5344CB8AC3E}">
-        <p14:creationId xmlns:p14="http://schemas.microsoft.com/office/powerpoint/2010/main" val="1212715968"/>
+        <p14:creationId xmlns:p14="http://schemas.microsoft.com/office/powerpoint/2010/main" val="2947288721"/>
+      </p:ext>
+    </p:extLst>
+  </p:cSld>
+  <p:clrMapOvr>
+    <a:masterClrMapping/>
+  </p:clrMapOvr>
+</p:sld>
+</file>
+
+<file path=ppt/slides/slide19.xml><?xml version="1.0" encoding="utf-8"?>
+<p:sld xmlns:a="http://schemas.openxmlformats.org/drawingml/2006/main" xmlns:r="http://schemas.openxmlformats.org/officeDocument/2006/relationships" xmlns:p="http://schemas.openxmlformats.org/presentationml/2006/main">
+  <p:cSld>
+    <p:spTree>
+      <p:nvGrpSpPr>
+        <p:cNvPr id="1" name=""/>
+        <p:cNvGrpSpPr/>
+        <p:nvPr/>
+      </p:nvGrpSpPr>
+      <p:grpSpPr>
+        <a:xfrm>
+          <a:off x="0" y="0"/>
+          <a:ext cx="0" cy="0"/>
+          <a:chOff x="0" y="0"/>
+          <a:chExt cx="0" cy="0"/>
+        </a:xfrm>
+      </p:grpSpPr>
+      <p:sp>
+        <p:nvSpPr>
+          <p:cNvPr id="2" name="Title 1"/>
+          <p:cNvSpPr>
+            <a:spLocks noGrp="1"/>
+          </p:cNvSpPr>
+          <p:nvPr>
+            <p:ph type="title"/>
+          </p:nvPr>
+        </p:nvSpPr>
+        <p:spPr>
+          <a:xfrm>
+            <a:off x="265426" y="333375"/>
+            <a:ext cx="11589875" cy="725142"/>
+          </a:xfrm>
+        </p:spPr>
+        <p:txBody>
+          <a:bodyPr>
+            <a:normAutofit/>
+          </a:bodyPr>
+          <a:lstStyle/>
+          <a:p>
+            <a:r>
+              <a:rPr lang="fr-CA" sz="3000" dirty="0"/>
+              <a:t>Cahier des charges (suite)</a:t>
+            </a:r>
+            <a:endParaRPr lang="en-CA" sz="3000" dirty="0"/>
+          </a:p>
+        </p:txBody>
+      </p:sp>
+      <p:sp>
+        <p:nvSpPr>
+          <p:cNvPr id="5" name="Espace réservé du contenu 4"/>
+          <p:cNvSpPr>
+            <a:spLocks noGrp="1"/>
+          </p:cNvSpPr>
+          <p:nvPr>
+            <p:ph idx="1"/>
+          </p:nvPr>
+        </p:nvSpPr>
+        <p:spPr>
+          <a:xfrm>
+            <a:off x="708157" y="2088669"/>
+            <a:ext cx="8596668" cy="3880773"/>
+          </a:xfrm>
+        </p:spPr>
+        <p:txBody>
+          <a:bodyPr/>
+          <a:lstStyle/>
+          <a:p>
+            <a:pPr>
+              <a:buFont typeface="Wingdings" panose="05000000000000000000" pitchFamily="2" charset="2"/>
+              <a:buChar char="Ø"/>
+            </a:pPr>
+            <a:r>
+              <a:rPr lang="fr-CA" dirty="0"/>
+              <a:t>Aspect technique et gestion divisé</a:t>
+            </a:r>
+          </a:p>
+          <a:p>
+            <a:pPr>
+              <a:buFont typeface="Wingdings" panose="05000000000000000000" pitchFamily="2" charset="2"/>
+              <a:buChar char="Ø"/>
+            </a:pPr>
+            <a:endParaRPr lang="fr-CA" dirty="0"/>
+          </a:p>
+          <a:p>
+            <a:pPr>
+              <a:buFont typeface="Wingdings" panose="05000000000000000000" pitchFamily="2" charset="2"/>
+              <a:buChar char="Ø"/>
+            </a:pPr>
+            <a:r>
+              <a:rPr lang="fr-CA" dirty="0"/>
+              <a:t>Hiérarchie descriptive des aspects du projets, des spécifications et des critères</a:t>
+            </a:r>
+          </a:p>
+          <a:p>
+            <a:pPr>
+              <a:buFont typeface="Wingdings" panose="05000000000000000000" pitchFamily="2" charset="2"/>
+              <a:buChar char="Ø"/>
+            </a:pPr>
+            <a:endParaRPr lang="fr-CA" dirty="0"/>
+          </a:p>
+          <a:p>
+            <a:pPr>
+              <a:buFont typeface="Wingdings" panose="05000000000000000000" pitchFamily="2" charset="2"/>
+              <a:buChar char="Ø"/>
+            </a:pPr>
+            <a:r>
+              <a:rPr lang="fr-CA" dirty="0"/>
+              <a:t>Critères précis avec une flexibilité sur les critères</a:t>
+            </a:r>
+          </a:p>
+          <a:p>
+            <a:pPr>
+              <a:buFont typeface="Wingdings" panose="05000000000000000000" pitchFamily="2" charset="2"/>
+              <a:buChar char="Ø"/>
+            </a:pPr>
+            <a:endParaRPr lang="fr-CA" dirty="0"/>
+          </a:p>
+          <a:p>
+            <a:pPr>
+              <a:buFont typeface="Wingdings" panose="05000000000000000000" pitchFamily="2" charset="2"/>
+              <a:buChar char="Ø"/>
+            </a:pPr>
+            <a:r>
+              <a:rPr lang="fr-CA" dirty="0"/>
+              <a:t>Responsable et nombre d’heure pris en compte pour les étapes</a:t>
+            </a:r>
+          </a:p>
+        </p:txBody>
+      </p:sp>
+      <p:sp>
+        <p:nvSpPr>
+          <p:cNvPr id="4" name="Slide Number Placeholder 9"/>
+          <p:cNvSpPr>
+            <a:spLocks noGrp="1"/>
+          </p:cNvSpPr>
+          <p:nvPr>
+            <p:ph type="sldNum" sz="quarter" idx="12"/>
+          </p:nvPr>
+        </p:nvSpPr>
+        <p:spPr>
+          <a:xfrm>
+            <a:off x="8590663" y="6041362"/>
+            <a:ext cx="683339" cy="365125"/>
+          </a:xfrm>
+        </p:spPr>
+        <p:txBody>
+          <a:bodyPr/>
+          <a:lstStyle/>
+          <a:p>
+            <a:fld id="{E733B697-11A6-4686-A4B0-BC7222BD8556}" type="slidenum">
+              <a:rPr lang="en-CA" smtClean="0"/>
+              <a:t>19</a:t>
+            </a:fld>
+            <a:endParaRPr lang="en-CA" dirty="0"/>
+          </a:p>
+        </p:txBody>
+      </p:sp>
+    </p:spTree>
+    <p:extLst>
+      <p:ext uri="{BB962C8B-B14F-4D97-AF65-F5344CB8AC3E}">
+        <p14:creationId xmlns:p14="http://schemas.microsoft.com/office/powerpoint/2010/main" val="318128404"/>
       </p:ext>
     </p:extLst>
   </p:cSld>
@@ -6448,9 +10000,49 @@
           </a:xfrm>
         </p:spPr>
         <p:txBody>
-          <a:bodyPr/>
+          <a:bodyPr vert="horz" lIns="91440" tIns="45720" rIns="91440" bIns="45720" rtlCol="0" anchor="t">
+            <a:normAutofit/>
+          </a:bodyPr>
           <a:lstStyle/>
           <a:p>
+            <a:r>
+              <a:rPr lang="fr-CA"/>
+              <a:t>Pratiques d’équipe établies</a:t>
+            </a:r>
+          </a:p>
+          <a:p>
+            <a:endParaRPr lang="fr-CA"/>
+          </a:p>
+          <a:p>
+            <a:r>
+              <a:rPr lang="fr-CA"/>
+              <a:t>Règles choisies et vues par tout les membres</a:t>
+            </a:r>
+          </a:p>
+          <a:p>
+            <a:pPr lvl="1"/>
+            <a:r>
+              <a:rPr lang="fr-CA"/>
+              <a:t>Sanctions choisi de façon démocratique (on est des adultes)</a:t>
+            </a:r>
+          </a:p>
+          <a:p>
+            <a:endParaRPr lang="fr-CA"/>
+          </a:p>
+          <a:p>
+            <a:r>
+              <a:rPr lang="fr-CA"/>
+              <a:t>Rôles de chaque membres décris </a:t>
+            </a:r>
+          </a:p>
+          <a:p>
+            <a:endParaRPr lang="fr-CA"/>
+          </a:p>
+          <a:p>
+            <a:r>
+              <a:rPr lang="fr-CA"/>
+              <a:t>Fonctionnement de la séparation des tâches expliqué</a:t>
+            </a:r>
             <a:endParaRPr lang="fr-CA" dirty="0"/>
           </a:p>
         </p:txBody>
@@ -6459,6 +10051,3641 @@
     <p:extLst>
       <p:ext uri="{BB962C8B-B14F-4D97-AF65-F5344CB8AC3E}">
         <p14:creationId xmlns:p14="http://schemas.microsoft.com/office/powerpoint/2010/main" val="3152700604"/>
+      </p:ext>
+    </p:extLst>
+  </p:cSld>
+  <p:clrMapOvr>
+    <a:masterClrMapping/>
+  </p:clrMapOvr>
+</p:sld>
+</file>
+
+<file path=ppt/slides/slide20.xml><?xml version="1.0" encoding="utf-8"?>
+<p:sld xmlns:a="http://schemas.openxmlformats.org/drawingml/2006/main" xmlns:r="http://schemas.openxmlformats.org/officeDocument/2006/relationships" xmlns:p="http://schemas.openxmlformats.org/presentationml/2006/main">
+  <p:cSld>
+    <p:spTree>
+      <p:nvGrpSpPr>
+        <p:cNvPr id="1" name=""/>
+        <p:cNvGrpSpPr/>
+        <p:nvPr/>
+      </p:nvGrpSpPr>
+      <p:grpSpPr>
+        <a:xfrm>
+          <a:off x="0" y="0"/>
+          <a:ext cx="0" cy="0"/>
+          <a:chOff x="0" y="0"/>
+          <a:chExt cx="0" cy="0"/>
+        </a:xfrm>
+      </p:grpSpPr>
+      <p:sp>
+        <p:nvSpPr>
+          <p:cNvPr id="2" name="Title 1"/>
+          <p:cNvSpPr>
+            <a:spLocks noGrp="1"/>
+          </p:cNvSpPr>
+          <p:nvPr>
+            <p:ph type="title"/>
+          </p:nvPr>
+        </p:nvSpPr>
+        <p:spPr>
+          <a:xfrm>
+            <a:off x="265426" y="333375"/>
+            <a:ext cx="11589875" cy="725142"/>
+          </a:xfrm>
+        </p:spPr>
+        <p:txBody>
+          <a:bodyPr>
+            <a:normAutofit/>
+          </a:bodyPr>
+          <a:lstStyle/>
+          <a:p>
+            <a:r>
+              <a:rPr lang="fr-CA" sz="3000" dirty="0"/>
+              <a:t>Cahier des charges (suite) - Technique</a:t>
+            </a:r>
+            <a:endParaRPr lang="en-CA" sz="3000" dirty="0"/>
+          </a:p>
+        </p:txBody>
+      </p:sp>
+      <p:sp>
+        <p:nvSpPr>
+          <p:cNvPr id="5" name="Espace réservé du contenu 4"/>
+          <p:cNvSpPr>
+            <a:spLocks noGrp="1"/>
+          </p:cNvSpPr>
+          <p:nvPr>
+            <p:ph idx="1"/>
+          </p:nvPr>
+        </p:nvSpPr>
+        <p:spPr>
+          <a:xfrm>
+            <a:off x="708157" y="2088669"/>
+            <a:ext cx="8596668" cy="3880773"/>
+          </a:xfrm>
+        </p:spPr>
+        <p:txBody>
+          <a:bodyPr/>
+          <a:lstStyle/>
+          <a:p>
+            <a:pPr>
+              <a:buFont typeface="Wingdings" panose="05000000000000000000" pitchFamily="2" charset="2"/>
+              <a:buChar char="Ø"/>
+            </a:pPr>
+            <a:r>
+              <a:rPr lang="fr-CA" dirty="0"/>
+              <a:t>Aspect technique et gestion divisé</a:t>
+            </a:r>
+          </a:p>
+          <a:p>
+            <a:pPr>
+              <a:buFont typeface="Wingdings" panose="05000000000000000000" pitchFamily="2" charset="2"/>
+              <a:buChar char="Ø"/>
+            </a:pPr>
+            <a:endParaRPr lang="fr-CA" dirty="0"/>
+          </a:p>
+          <a:p>
+            <a:pPr>
+              <a:buFont typeface="Wingdings" panose="05000000000000000000" pitchFamily="2" charset="2"/>
+              <a:buChar char="Ø"/>
+            </a:pPr>
+            <a:r>
+              <a:rPr lang="fr-CA" dirty="0"/>
+              <a:t>Hiérarchie descriptive des aspects du projets, des spécifications et des critères</a:t>
+            </a:r>
+          </a:p>
+          <a:p>
+            <a:pPr>
+              <a:buFont typeface="Wingdings" panose="05000000000000000000" pitchFamily="2" charset="2"/>
+              <a:buChar char="Ø"/>
+            </a:pPr>
+            <a:endParaRPr lang="fr-CA" dirty="0"/>
+          </a:p>
+          <a:p>
+            <a:pPr>
+              <a:buFont typeface="Wingdings" panose="05000000000000000000" pitchFamily="2" charset="2"/>
+              <a:buChar char="Ø"/>
+            </a:pPr>
+            <a:r>
+              <a:rPr lang="fr-CA" dirty="0"/>
+              <a:t>Critères précis avec une flexibilité sur les critères</a:t>
+            </a:r>
+          </a:p>
+          <a:p>
+            <a:pPr>
+              <a:buFont typeface="Wingdings" panose="05000000000000000000" pitchFamily="2" charset="2"/>
+              <a:buChar char="Ø"/>
+            </a:pPr>
+            <a:endParaRPr lang="fr-CA" dirty="0"/>
+          </a:p>
+          <a:p>
+            <a:pPr>
+              <a:buFont typeface="Wingdings" panose="05000000000000000000" pitchFamily="2" charset="2"/>
+              <a:buChar char="Ø"/>
+            </a:pPr>
+            <a:r>
+              <a:rPr lang="fr-CA" dirty="0"/>
+              <a:t>Responsable et nombre d’heure pris en compte pour les étapes</a:t>
+            </a:r>
+          </a:p>
+        </p:txBody>
+      </p:sp>
+      <p:pic>
+        <p:nvPicPr>
+          <p:cNvPr id="4" name="Image 3"/>
+          <p:cNvPicPr>
+            <a:picLocks noChangeAspect="1"/>
+          </p:cNvPicPr>
+          <p:nvPr/>
+        </p:nvPicPr>
+        <p:blipFill>
+          <a:blip r:embed="rId2"/>
+          <a:stretch>
+            <a:fillRect/>
+          </a:stretch>
+        </p:blipFill>
+        <p:spPr>
+          <a:xfrm>
+            <a:off x="-1" y="1574298"/>
+            <a:ext cx="12192001" cy="3709403"/>
+          </a:xfrm>
+          <a:prstGeom prst="rect">
+            <a:avLst/>
+          </a:prstGeom>
+        </p:spPr>
+      </p:pic>
+      <p:sp>
+        <p:nvSpPr>
+          <p:cNvPr id="6" name="Slide Number Placeholder 9"/>
+          <p:cNvSpPr>
+            <a:spLocks noGrp="1"/>
+          </p:cNvSpPr>
+          <p:nvPr>
+            <p:ph type="sldNum" sz="quarter" idx="12"/>
+          </p:nvPr>
+        </p:nvSpPr>
+        <p:spPr>
+          <a:xfrm>
+            <a:off x="8590663" y="6041362"/>
+            <a:ext cx="683339" cy="365125"/>
+          </a:xfrm>
+        </p:spPr>
+        <p:txBody>
+          <a:bodyPr/>
+          <a:lstStyle/>
+          <a:p>
+            <a:fld id="{E733B697-11A6-4686-A4B0-BC7222BD8556}" type="slidenum">
+              <a:rPr lang="en-CA" smtClean="0"/>
+              <a:t>20</a:t>
+            </a:fld>
+            <a:endParaRPr lang="en-CA" dirty="0"/>
+          </a:p>
+        </p:txBody>
+      </p:sp>
+    </p:spTree>
+    <p:extLst>
+      <p:ext uri="{BB962C8B-B14F-4D97-AF65-F5344CB8AC3E}">
+        <p14:creationId xmlns:p14="http://schemas.microsoft.com/office/powerpoint/2010/main" val="2009404808"/>
+      </p:ext>
+    </p:extLst>
+  </p:cSld>
+  <p:clrMapOvr>
+    <a:masterClrMapping/>
+  </p:clrMapOvr>
+</p:sld>
+</file>
+
+<file path=ppt/slides/slide21.xml><?xml version="1.0" encoding="utf-8"?>
+<p:sld xmlns:a="http://schemas.openxmlformats.org/drawingml/2006/main" xmlns:r="http://schemas.openxmlformats.org/officeDocument/2006/relationships" xmlns:p="http://schemas.openxmlformats.org/presentationml/2006/main">
+  <p:cSld>
+    <p:spTree>
+      <p:nvGrpSpPr>
+        <p:cNvPr id="1" name=""/>
+        <p:cNvGrpSpPr/>
+        <p:nvPr/>
+      </p:nvGrpSpPr>
+      <p:grpSpPr>
+        <a:xfrm>
+          <a:off x="0" y="0"/>
+          <a:ext cx="0" cy="0"/>
+          <a:chOff x="0" y="0"/>
+          <a:chExt cx="0" cy="0"/>
+        </a:xfrm>
+      </p:grpSpPr>
+      <p:sp>
+        <p:nvSpPr>
+          <p:cNvPr id="2" name="Title 1"/>
+          <p:cNvSpPr>
+            <a:spLocks noGrp="1"/>
+          </p:cNvSpPr>
+          <p:nvPr>
+            <p:ph type="title"/>
+          </p:nvPr>
+        </p:nvSpPr>
+        <p:spPr>
+          <a:xfrm>
+            <a:off x="265426" y="333375"/>
+            <a:ext cx="11589875" cy="725142"/>
+          </a:xfrm>
+        </p:spPr>
+        <p:txBody>
+          <a:bodyPr>
+            <a:normAutofit/>
+          </a:bodyPr>
+          <a:lstStyle/>
+          <a:p>
+            <a:r>
+              <a:rPr lang="fr-CA" sz="3000" dirty="0"/>
+              <a:t>Cahier des charges (suite) - Gestion</a:t>
+            </a:r>
+            <a:endParaRPr lang="en-CA" sz="3000" dirty="0"/>
+          </a:p>
+        </p:txBody>
+      </p:sp>
+      <p:sp>
+        <p:nvSpPr>
+          <p:cNvPr id="5" name="Espace réservé du contenu 4"/>
+          <p:cNvSpPr>
+            <a:spLocks noGrp="1"/>
+          </p:cNvSpPr>
+          <p:nvPr>
+            <p:ph idx="1"/>
+          </p:nvPr>
+        </p:nvSpPr>
+        <p:spPr>
+          <a:xfrm>
+            <a:off x="708157" y="2088669"/>
+            <a:ext cx="8596668" cy="3880773"/>
+          </a:xfrm>
+        </p:spPr>
+        <p:txBody>
+          <a:bodyPr/>
+          <a:lstStyle/>
+          <a:p>
+            <a:pPr>
+              <a:buFont typeface="Wingdings" panose="05000000000000000000" pitchFamily="2" charset="2"/>
+              <a:buChar char="Ø"/>
+            </a:pPr>
+            <a:endParaRPr lang="fr-CA" dirty="0"/>
+          </a:p>
+        </p:txBody>
+      </p:sp>
+      <p:pic>
+        <p:nvPicPr>
+          <p:cNvPr id="4" name="Image 3"/>
+          <p:cNvPicPr>
+            <a:picLocks noChangeAspect="1"/>
+          </p:cNvPicPr>
+          <p:nvPr/>
+        </p:nvPicPr>
+        <p:blipFill>
+          <a:blip r:embed="rId2"/>
+          <a:stretch>
+            <a:fillRect/>
+          </a:stretch>
+        </p:blipFill>
+        <p:spPr>
+          <a:xfrm>
+            <a:off x="0" y="1862138"/>
+            <a:ext cx="12192000" cy="3016718"/>
+          </a:xfrm>
+          <a:prstGeom prst="rect">
+            <a:avLst/>
+          </a:prstGeom>
+        </p:spPr>
+      </p:pic>
+      <p:sp>
+        <p:nvSpPr>
+          <p:cNvPr id="6" name="Slide Number Placeholder 9"/>
+          <p:cNvSpPr>
+            <a:spLocks noGrp="1"/>
+          </p:cNvSpPr>
+          <p:nvPr>
+            <p:ph type="sldNum" sz="quarter" idx="12"/>
+          </p:nvPr>
+        </p:nvSpPr>
+        <p:spPr>
+          <a:xfrm>
+            <a:off x="8590663" y="6041362"/>
+            <a:ext cx="683339" cy="365125"/>
+          </a:xfrm>
+        </p:spPr>
+        <p:txBody>
+          <a:bodyPr/>
+          <a:lstStyle/>
+          <a:p>
+            <a:fld id="{E733B697-11A6-4686-A4B0-BC7222BD8556}" type="slidenum">
+              <a:rPr lang="en-CA" smtClean="0"/>
+              <a:t>21</a:t>
+            </a:fld>
+            <a:endParaRPr lang="en-CA" dirty="0"/>
+          </a:p>
+        </p:txBody>
+      </p:sp>
+    </p:spTree>
+    <p:extLst>
+      <p:ext uri="{BB962C8B-B14F-4D97-AF65-F5344CB8AC3E}">
+        <p14:creationId xmlns:p14="http://schemas.microsoft.com/office/powerpoint/2010/main" val="402625826"/>
+      </p:ext>
+    </p:extLst>
+  </p:cSld>
+  <p:clrMapOvr>
+    <a:masterClrMapping/>
+  </p:clrMapOvr>
+</p:sld>
+</file>
+
+<file path=ppt/slides/slide22.xml><?xml version="1.0" encoding="utf-8"?>
+<p:sld xmlns:a="http://schemas.openxmlformats.org/drawingml/2006/main" xmlns:r="http://schemas.openxmlformats.org/officeDocument/2006/relationships" xmlns:p="http://schemas.openxmlformats.org/presentationml/2006/main">
+  <p:cSld>
+    <p:spTree>
+      <p:nvGrpSpPr>
+        <p:cNvPr id="1" name=""/>
+        <p:cNvGrpSpPr/>
+        <p:nvPr/>
+      </p:nvGrpSpPr>
+      <p:grpSpPr>
+        <a:xfrm>
+          <a:off x="0" y="0"/>
+          <a:ext cx="0" cy="0"/>
+          <a:chOff x="0" y="0"/>
+          <a:chExt cx="0" cy="0"/>
+        </a:xfrm>
+      </p:grpSpPr>
+      <p:sp>
+        <p:nvSpPr>
+          <p:cNvPr id="2" name="Title 1"/>
+          <p:cNvSpPr>
+            <a:spLocks noGrp="1"/>
+          </p:cNvSpPr>
+          <p:nvPr>
+            <p:ph type="title"/>
+          </p:nvPr>
+        </p:nvSpPr>
+        <p:spPr>
+          <a:xfrm>
+            <a:off x="265426" y="333375"/>
+            <a:ext cx="11589875" cy="725142"/>
+          </a:xfrm>
+        </p:spPr>
+        <p:txBody>
+          <a:bodyPr>
+            <a:normAutofit/>
+          </a:bodyPr>
+          <a:lstStyle/>
+          <a:p>
+            <a:r>
+              <a:rPr lang="fr-CA" sz="3000" dirty="0"/>
+              <a:t>Diagramme de Gantt</a:t>
+            </a:r>
+            <a:endParaRPr lang="en-CA" sz="3000" dirty="0"/>
+          </a:p>
+        </p:txBody>
+      </p:sp>
+      <p:pic>
+        <p:nvPicPr>
+          <p:cNvPr id="4" name="Image 3"/>
+          <p:cNvPicPr>
+            <a:picLocks noChangeAspect="1"/>
+          </p:cNvPicPr>
+          <p:nvPr/>
+        </p:nvPicPr>
+        <p:blipFill>
+          <a:blip r:embed="rId2"/>
+          <a:stretch>
+            <a:fillRect/>
+          </a:stretch>
+        </p:blipFill>
+        <p:spPr>
+          <a:xfrm>
+            <a:off x="712395" y="1058517"/>
+            <a:ext cx="9006958" cy="5434750"/>
+          </a:xfrm>
+          <a:prstGeom prst="rect">
+            <a:avLst/>
+          </a:prstGeom>
+        </p:spPr>
+      </p:pic>
+      <p:sp>
+        <p:nvSpPr>
+          <p:cNvPr id="5" name="Slide Number Placeholder 9"/>
+          <p:cNvSpPr>
+            <a:spLocks noGrp="1"/>
+          </p:cNvSpPr>
+          <p:nvPr>
+            <p:ph type="sldNum" sz="quarter" idx="12"/>
+          </p:nvPr>
+        </p:nvSpPr>
+        <p:spPr>
+          <a:xfrm>
+            <a:off x="8590663" y="6041362"/>
+            <a:ext cx="683339" cy="365125"/>
+          </a:xfrm>
+        </p:spPr>
+        <p:txBody>
+          <a:bodyPr/>
+          <a:lstStyle/>
+          <a:p>
+            <a:fld id="{E733B697-11A6-4686-A4B0-BC7222BD8556}" type="slidenum">
+              <a:rPr lang="en-CA" smtClean="0"/>
+              <a:t>22</a:t>
+            </a:fld>
+            <a:endParaRPr lang="en-CA" dirty="0"/>
+          </a:p>
+        </p:txBody>
+      </p:sp>
+    </p:spTree>
+    <p:extLst>
+      <p:ext uri="{BB962C8B-B14F-4D97-AF65-F5344CB8AC3E}">
+        <p14:creationId xmlns:p14="http://schemas.microsoft.com/office/powerpoint/2010/main" val="881386810"/>
+      </p:ext>
+    </p:extLst>
+  </p:cSld>
+  <p:clrMapOvr>
+    <a:masterClrMapping/>
+  </p:clrMapOvr>
+</p:sld>
+</file>
+
+<file path=ppt/slides/slide23.xml><?xml version="1.0" encoding="utf-8"?>
+<p:sld xmlns:a="http://schemas.openxmlformats.org/drawingml/2006/main" xmlns:r="http://schemas.openxmlformats.org/officeDocument/2006/relationships" xmlns:p="http://schemas.openxmlformats.org/presentationml/2006/main" showMasterSp="0">
+  <p:cSld>
+    <p:bg>
+      <p:bgPr>
+        <a:solidFill>
+          <a:schemeClr val="bg1"/>
+        </a:solidFill>
+        <a:effectLst/>
+      </p:bgPr>
+    </p:bg>
+    <p:spTree>
+      <p:nvGrpSpPr>
+        <p:cNvPr id="1" name=""/>
+        <p:cNvGrpSpPr/>
+        <p:nvPr/>
+      </p:nvGrpSpPr>
+      <p:grpSpPr>
+        <a:xfrm>
+          <a:off x="0" y="0"/>
+          <a:ext cx="0" cy="0"/>
+          <a:chOff x="0" y="0"/>
+          <a:chExt cx="0" cy="0"/>
+        </a:xfrm>
+      </p:grpSpPr>
+      <p:sp>
+        <p:nvSpPr>
+          <p:cNvPr id="2" name="Title 1"/>
+          <p:cNvSpPr>
+            <a:spLocks noGrp="1"/>
+          </p:cNvSpPr>
+          <p:nvPr>
+            <p:ph type="title"/>
+          </p:nvPr>
+        </p:nvSpPr>
+        <p:spPr>
+          <a:xfrm>
+            <a:off x="265426" y="333375"/>
+            <a:ext cx="11589875" cy="725142"/>
+          </a:xfrm>
+        </p:spPr>
+        <p:txBody>
+          <a:bodyPr>
+            <a:normAutofit/>
+          </a:bodyPr>
+          <a:lstStyle/>
+          <a:p>
+            <a:r>
+              <a:rPr lang="fr-CA" sz="3000" dirty="0"/>
+              <a:t>Courbe en S</a:t>
+            </a:r>
+            <a:endParaRPr lang="en-CA" sz="3000" dirty="0"/>
+          </a:p>
+        </p:txBody>
+      </p:sp>
+      <p:pic>
+        <p:nvPicPr>
+          <p:cNvPr id="4" name="Espace réservé du contenu 3"/>
+          <p:cNvPicPr>
+            <a:picLocks noGrp="1" noChangeAspect="1"/>
+          </p:cNvPicPr>
+          <p:nvPr>
+            <p:ph idx="1"/>
+          </p:nvPr>
+        </p:nvPicPr>
+        <p:blipFill>
+          <a:blip r:embed="rId2">
+            <a:extLst>
+              <a:ext uri="{28A0092B-C50C-407E-A947-70E740481C1C}">
+                <a14:useLocalDpi xmlns:a14="http://schemas.microsoft.com/office/drawing/2010/main" val="0"/>
+              </a:ext>
+            </a:extLst>
+          </a:blip>
+          <a:stretch>
+            <a:fillRect/>
+          </a:stretch>
+        </p:blipFill>
+        <p:spPr>
+          <a:xfrm>
+            <a:off x="265426" y="1423602"/>
+            <a:ext cx="11541865" cy="4015095"/>
+          </a:xfrm>
+        </p:spPr>
+      </p:pic>
+      <p:sp>
+        <p:nvSpPr>
+          <p:cNvPr id="5" name="Slide Number Placeholder 9"/>
+          <p:cNvSpPr>
+            <a:spLocks noGrp="1"/>
+          </p:cNvSpPr>
+          <p:nvPr>
+            <p:ph type="sldNum" sz="quarter" idx="12"/>
+          </p:nvPr>
+        </p:nvSpPr>
+        <p:spPr>
+          <a:xfrm>
+            <a:off x="8590663" y="6041362"/>
+            <a:ext cx="683339" cy="365125"/>
+          </a:xfrm>
+        </p:spPr>
+        <p:txBody>
+          <a:bodyPr/>
+          <a:lstStyle/>
+          <a:p>
+            <a:fld id="{E733B697-11A6-4686-A4B0-BC7222BD8556}" type="slidenum">
+              <a:rPr lang="en-CA" smtClean="0"/>
+              <a:t>23</a:t>
+            </a:fld>
+            <a:endParaRPr lang="en-CA" dirty="0"/>
+          </a:p>
+        </p:txBody>
+      </p:sp>
+    </p:spTree>
+    <p:extLst>
+      <p:ext uri="{BB962C8B-B14F-4D97-AF65-F5344CB8AC3E}">
+        <p14:creationId xmlns:p14="http://schemas.microsoft.com/office/powerpoint/2010/main" val="2097853508"/>
+      </p:ext>
+    </p:extLst>
+  </p:cSld>
+  <p:clrMapOvr>
+    <a:masterClrMapping/>
+  </p:clrMapOvr>
+</p:sld>
+</file>
+
+<file path=ppt/slides/slide24.xml><?xml version="1.0" encoding="utf-8"?>
+<p:sld xmlns:a="http://schemas.openxmlformats.org/drawingml/2006/main" xmlns:r="http://schemas.openxmlformats.org/officeDocument/2006/relationships" xmlns:p="http://schemas.openxmlformats.org/presentationml/2006/main">
+  <p:cSld>
+    <p:spTree>
+      <p:nvGrpSpPr>
+        <p:cNvPr id="1" name=""/>
+        <p:cNvGrpSpPr/>
+        <p:nvPr/>
+      </p:nvGrpSpPr>
+      <p:grpSpPr>
+        <a:xfrm>
+          <a:off x="0" y="0"/>
+          <a:ext cx="0" cy="0"/>
+          <a:chOff x="0" y="0"/>
+          <a:chExt cx="0" cy="0"/>
+        </a:xfrm>
+      </p:grpSpPr>
+      <p:sp>
+        <p:nvSpPr>
+          <p:cNvPr id="2" name="Titre 1"/>
+          <p:cNvSpPr>
+            <a:spLocks noGrp="1"/>
+          </p:cNvSpPr>
+          <p:nvPr>
+            <p:ph type="title"/>
+          </p:nvPr>
+        </p:nvSpPr>
+        <p:spPr/>
+        <p:txBody>
+          <a:bodyPr>
+            <a:normAutofit/>
+          </a:bodyPr>
+          <a:lstStyle/>
+          <a:p>
+            <a:r>
+              <a:rPr lang="fr-CA" sz="2400" dirty="0"/>
+              <a:t>Temps travaillé vs restant</a:t>
+            </a:r>
+          </a:p>
+        </p:txBody>
+      </p:sp>
+      <p:pic>
+        <p:nvPicPr>
+          <p:cNvPr id="10" name="Espace réservé du contenu 9"/>
+          <p:cNvPicPr>
+            <a:picLocks noGrp="1" noChangeAspect="1"/>
+          </p:cNvPicPr>
+          <p:nvPr>
+            <p:ph idx="1"/>
+          </p:nvPr>
+        </p:nvPicPr>
+        <p:blipFill rotWithShape="1">
+          <a:blip r:embed="rId2">
+            <a:extLst>
+              <a:ext uri="{28A0092B-C50C-407E-A947-70E740481C1C}">
+                <a14:useLocalDpi xmlns:a14="http://schemas.microsoft.com/office/drawing/2010/main" val="0"/>
+              </a:ext>
+            </a:extLst>
+          </a:blip>
+          <a:srcRect l="1" r="49821" b="57819"/>
+          <a:stretch/>
+        </p:blipFill>
+        <p:spPr>
+          <a:xfrm>
+            <a:off x="2471361" y="522051"/>
+            <a:ext cx="6158200" cy="6083030"/>
+          </a:xfrm>
+        </p:spPr>
+      </p:pic>
+      <p:sp>
+        <p:nvSpPr>
+          <p:cNvPr id="4" name="Slide Number Placeholder 9"/>
+          <p:cNvSpPr>
+            <a:spLocks noGrp="1"/>
+          </p:cNvSpPr>
+          <p:nvPr>
+            <p:ph type="sldNum" sz="quarter" idx="12"/>
+          </p:nvPr>
+        </p:nvSpPr>
+        <p:spPr>
+          <a:xfrm>
+            <a:off x="8590663" y="6041362"/>
+            <a:ext cx="683339" cy="365125"/>
+          </a:xfrm>
+        </p:spPr>
+        <p:txBody>
+          <a:bodyPr/>
+          <a:lstStyle/>
+          <a:p>
+            <a:fld id="{E733B697-11A6-4686-A4B0-BC7222BD8556}" type="slidenum">
+              <a:rPr lang="en-CA" smtClean="0"/>
+              <a:t>24</a:t>
+            </a:fld>
+            <a:endParaRPr lang="en-CA" dirty="0"/>
+          </a:p>
+        </p:txBody>
+      </p:sp>
+    </p:spTree>
+    <p:extLst>
+      <p:ext uri="{BB962C8B-B14F-4D97-AF65-F5344CB8AC3E}">
+        <p14:creationId xmlns:p14="http://schemas.microsoft.com/office/powerpoint/2010/main" val="2702820501"/>
+      </p:ext>
+    </p:extLst>
+  </p:cSld>
+  <p:clrMapOvr>
+    <a:masterClrMapping/>
+  </p:clrMapOvr>
+</p:sld>
+</file>
+
+<file path=ppt/slides/slide25.xml><?xml version="1.0" encoding="utf-8"?>
+<p:sld xmlns:a="http://schemas.openxmlformats.org/drawingml/2006/main" xmlns:r="http://schemas.openxmlformats.org/officeDocument/2006/relationships" xmlns:p="http://schemas.openxmlformats.org/presentationml/2006/main">
+  <p:cSld>
+    <p:spTree>
+      <p:nvGrpSpPr>
+        <p:cNvPr id="1" name=""/>
+        <p:cNvGrpSpPr/>
+        <p:nvPr/>
+      </p:nvGrpSpPr>
+      <p:grpSpPr>
+        <a:xfrm>
+          <a:off x="0" y="0"/>
+          <a:ext cx="0" cy="0"/>
+          <a:chOff x="0" y="0"/>
+          <a:chExt cx="0" cy="0"/>
+        </a:xfrm>
+      </p:grpSpPr>
+      <p:sp>
+        <p:nvSpPr>
+          <p:cNvPr id="2" name="Title 1"/>
+          <p:cNvSpPr>
+            <a:spLocks noGrp="1"/>
+          </p:cNvSpPr>
+          <p:nvPr>
+            <p:ph type="title"/>
+          </p:nvPr>
+        </p:nvSpPr>
+        <p:spPr>
+          <a:xfrm>
+            <a:off x="265426" y="333375"/>
+            <a:ext cx="11589875" cy="725142"/>
+          </a:xfrm>
+        </p:spPr>
+        <p:txBody>
+          <a:bodyPr>
+            <a:normAutofit/>
+          </a:bodyPr>
+          <a:lstStyle/>
+          <a:p>
+            <a:r>
+              <a:rPr lang="fr-CA" sz="3000" dirty="0"/>
+              <a:t>Gestion des risques</a:t>
+            </a:r>
+            <a:endParaRPr lang="en-CA" sz="3000" dirty="0"/>
+          </a:p>
+        </p:txBody>
+      </p:sp>
+      <p:sp>
+        <p:nvSpPr>
+          <p:cNvPr id="4" name="Slide Number Placeholder 9"/>
+          <p:cNvSpPr>
+            <a:spLocks noGrp="1"/>
+          </p:cNvSpPr>
+          <p:nvPr>
+            <p:ph type="sldNum" sz="quarter" idx="12"/>
+          </p:nvPr>
+        </p:nvSpPr>
+        <p:spPr>
+          <a:xfrm>
+            <a:off x="8590663" y="6041362"/>
+            <a:ext cx="683339" cy="365125"/>
+          </a:xfrm>
+        </p:spPr>
+        <p:txBody>
+          <a:bodyPr/>
+          <a:lstStyle/>
+          <a:p>
+            <a:fld id="{E733B697-11A6-4686-A4B0-BC7222BD8556}" type="slidenum">
+              <a:rPr lang="en-CA" smtClean="0"/>
+              <a:t>25</a:t>
+            </a:fld>
+            <a:endParaRPr lang="en-CA" dirty="0"/>
+          </a:p>
+        </p:txBody>
+      </p:sp>
+      <p:graphicFrame>
+        <p:nvGraphicFramePr>
+          <p:cNvPr id="9" name="Espace réservé du contenu 8"/>
+          <p:cNvGraphicFramePr>
+            <a:graphicFrameLocks noGrp="1"/>
+          </p:cNvGraphicFramePr>
+          <p:nvPr>
+            <p:ph idx="1"/>
+            <p:extLst>
+              <p:ext uri="{D42A27DB-BD31-4B8C-83A1-F6EECF244321}">
+                <p14:modId xmlns:p14="http://schemas.microsoft.com/office/powerpoint/2010/main" val="543560269"/>
+              </p:ext>
+            </p:extLst>
+          </p:nvPr>
+        </p:nvGraphicFramePr>
+        <p:xfrm>
+          <a:off x="579723" y="1058516"/>
+          <a:ext cx="10032591" cy="4982846"/>
+        </p:xfrm>
+        <a:graphic>
+          <a:graphicData uri="http://schemas.openxmlformats.org/drawingml/2006/table">
+            <a:tbl>
+              <a:tblPr/>
+              <a:tblGrid>
+                <a:gridCol w="1920169">
+                  <a:extLst>
+                    <a:ext uri="{9D8B030D-6E8A-4147-A177-3AD203B41FA5}">
+                      <a16:colId xmlns:a16="http://schemas.microsoft.com/office/drawing/2014/main" val="3177509815"/>
+                    </a:ext>
+                  </a:extLst>
+                </a:gridCol>
+                <a:gridCol w="658992">
+                  <a:extLst>
+                    <a:ext uri="{9D8B030D-6E8A-4147-A177-3AD203B41FA5}">
+                      <a16:colId xmlns:a16="http://schemas.microsoft.com/office/drawing/2014/main" val="2530632820"/>
+                    </a:ext>
+                  </a:extLst>
+                </a:gridCol>
+                <a:gridCol w="658992">
+                  <a:extLst>
+                    <a:ext uri="{9D8B030D-6E8A-4147-A177-3AD203B41FA5}">
+                      <a16:colId xmlns:a16="http://schemas.microsoft.com/office/drawing/2014/main" val="73933602"/>
+                    </a:ext>
+                  </a:extLst>
+                </a:gridCol>
+                <a:gridCol w="658992">
+                  <a:extLst>
+                    <a:ext uri="{9D8B030D-6E8A-4147-A177-3AD203B41FA5}">
+                      <a16:colId xmlns:a16="http://schemas.microsoft.com/office/drawing/2014/main" val="3849324711"/>
+                    </a:ext>
+                  </a:extLst>
+                </a:gridCol>
+                <a:gridCol w="658992">
+                  <a:extLst>
+                    <a:ext uri="{9D8B030D-6E8A-4147-A177-3AD203B41FA5}">
+                      <a16:colId xmlns:a16="http://schemas.microsoft.com/office/drawing/2014/main" val="1144970702"/>
+                    </a:ext>
+                  </a:extLst>
+                </a:gridCol>
+                <a:gridCol w="2749589">
+                  <a:extLst>
+                    <a:ext uri="{9D8B030D-6E8A-4147-A177-3AD203B41FA5}">
+                      <a16:colId xmlns:a16="http://schemas.microsoft.com/office/drawing/2014/main" val="1584928518"/>
+                    </a:ext>
+                  </a:extLst>
+                </a:gridCol>
+                <a:gridCol w="2726865">
+                  <a:extLst>
+                    <a:ext uri="{9D8B030D-6E8A-4147-A177-3AD203B41FA5}">
+                      <a16:colId xmlns:a16="http://schemas.microsoft.com/office/drawing/2014/main" val="4026341793"/>
+                    </a:ext>
+                  </a:extLst>
+                </a:gridCol>
+              </a:tblGrid>
+              <a:tr h="179293">
+                <a:tc gridSpan="7">
+                  <a:txBody>
+                    <a:bodyPr/>
+                    <a:lstStyle/>
+                    <a:p>
+                      <a:pPr algn="ctr" fontAlgn="b"/>
+                      <a:r>
+                        <a:rPr lang="fr-CA" sz="800" b="0" i="0" u="none" strike="noStrike">
+                          <a:solidFill>
+                            <a:srgbClr val="000000"/>
+                          </a:solidFill>
+                          <a:effectLst/>
+                          <a:latin typeface="Calibri" panose="020F0502020204030204" pitchFamily="34" charset="0"/>
+                        </a:rPr>
+                        <a:t>Risques de gestion</a:t>
+                      </a:r>
+                    </a:p>
+                  </a:txBody>
+                  <a:tcPr marL="5819" marR="5819" marT="5819" marB="0" anchor="b">
+                    <a:lnL>
+                      <a:noFill/>
+                    </a:lnL>
+                    <a:lnR>
+                      <a:noFill/>
+                    </a:lnR>
+                    <a:lnT>
+                      <a:noFill/>
+                    </a:lnT>
+                    <a:lnB>
+                      <a:noFill/>
+                    </a:lnB>
+                  </a:tcPr>
+                </a:tc>
+                <a:tc hMerge="1">
+                  <a:txBody>
+                    <a:bodyPr/>
+                    <a:lstStyle/>
+                    <a:p>
+                      <a:endParaRPr lang="fr-CA"/>
+                    </a:p>
+                  </a:txBody>
+                  <a:tcPr/>
+                </a:tc>
+                <a:tc hMerge="1">
+                  <a:txBody>
+                    <a:bodyPr/>
+                    <a:lstStyle/>
+                    <a:p>
+                      <a:endParaRPr lang="fr-CA"/>
+                    </a:p>
+                  </a:txBody>
+                  <a:tcPr/>
+                </a:tc>
+                <a:tc hMerge="1">
+                  <a:txBody>
+                    <a:bodyPr/>
+                    <a:lstStyle/>
+                    <a:p>
+                      <a:endParaRPr lang="fr-CA"/>
+                    </a:p>
+                  </a:txBody>
+                  <a:tcPr/>
+                </a:tc>
+                <a:tc hMerge="1">
+                  <a:txBody>
+                    <a:bodyPr/>
+                    <a:lstStyle/>
+                    <a:p>
+                      <a:endParaRPr lang="fr-CA"/>
+                    </a:p>
+                  </a:txBody>
+                  <a:tcPr/>
+                </a:tc>
+                <a:tc hMerge="1">
+                  <a:txBody>
+                    <a:bodyPr/>
+                    <a:lstStyle/>
+                    <a:p>
+                      <a:endParaRPr lang="fr-CA"/>
+                    </a:p>
+                  </a:txBody>
+                  <a:tcPr/>
+                </a:tc>
+                <a:tc hMerge="1">
+                  <a:txBody>
+                    <a:bodyPr/>
+                    <a:lstStyle/>
+                    <a:p>
+                      <a:endParaRPr lang="fr-CA"/>
+                    </a:p>
+                  </a:txBody>
+                  <a:tcPr/>
+                </a:tc>
+                <a:extLst>
+                  <a:ext uri="{0D108BD9-81ED-4DB2-BD59-A6C34878D82A}">
+                    <a16:rowId xmlns:a16="http://schemas.microsoft.com/office/drawing/2014/main" val="3010525625"/>
+                  </a:ext>
+                </a:extLst>
+              </a:tr>
+              <a:tr h="358586">
+                <a:tc>
+                  <a:txBody>
+                    <a:bodyPr/>
+                    <a:lstStyle/>
+                    <a:p>
+                      <a:pPr algn="l" fontAlgn="b"/>
+                      <a:r>
+                        <a:rPr lang="fr-CA" sz="800" b="1" i="0" u="none" strike="noStrike">
+                          <a:solidFill>
+                            <a:srgbClr val="000000"/>
+                          </a:solidFill>
+                          <a:effectLst/>
+                          <a:latin typeface="Calibri" panose="020F0502020204030204" pitchFamily="34" charset="0"/>
+                        </a:rPr>
+                        <a:t>Risque</a:t>
+                      </a:r>
+                    </a:p>
+                  </a:txBody>
+                  <a:tcPr marL="5819" marR="5819" marT="5819" marB="0" anchor="b">
+                    <a:lnL>
+                      <a:noFill/>
+                    </a:lnL>
+                    <a:lnR>
+                      <a:noFill/>
+                    </a:lnR>
+                    <a:lnT>
+                      <a:noFill/>
+                    </a:lnT>
+                    <a:lnB>
+                      <a:noFill/>
+                    </a:lnB>
+                  </a:tcPr>
+                </a:tc>
+                <a:tc>
+                  <a:txBody>
+                    <a:bodyPr/>
+                    <a:lstStyle/>
+                    <a:p>
+                      <a:pPr algn="l" fontAlgn="b"/>
+                      <a:r>
+                        <a:rPr lang="fr-CA" sz="800" b="1" i="0" u="none" strike="noStrike">
+                          <a:solidFill>
+                            <a:srgbClr val="000000"/>
+                          </a:solidFill>
+                          <a:effectLst/>
+                          <a:latin typeface="Calibri" panose="020F0502020204030204" pitchFamily="34" charset="0"/>
+                        </a:rPr>
+                        <a:t>Fréquence</a:t>
+                      </a:r>
+                    </a:p>
+                  </a:txBody>
+                  <a:tcPr marL="5819" marR="5819" marT="5819" marB="0" anchor="b">
+                    <a:lnL>
+                      <a:noFill/>
+                    </a:lnL>
+                    <a:lnR>
+                      <a:noFill/>
+                    </a:lnR>
+                    <a:lnT>
+                      <a:noFill/>
+                    </a:lnT>
+                    <a:lnB>
+                      <a:noFill/>
+                    </a:lnB>
+                  </a:tcPr>
+                </a:tc>
+                <a:tc>
+                  <a:txBody>
+                    <a:bodyPr/>
+                    <a:lstStyle/>
+                    <a:p>
+                      <a:pPr algn="l" fontAlgn="b"/>
+                      <a:r>
+                        <a:rPr lang="fr-CA" sz="800" b="1" i="0" u="none" strike="noStrike">
+                          <a:solidFill>
+                            <a:srgbClr val="000000"/>
+                          </a:solidFill>
+                          <a:effectLst/>
+                          <a:latin typeface="Calibri" panose="020F0502020204030204" pitchFamily="34" charset="0"/>
+                        </a:rPr>
+                        <a:t>Gravité</a:t>
+                      </a:r>
+                    </a:p>
+                  </a:txBody>
+                  <a:tcPr marL="5819" marR="5819" marT="5819" marB="0" anchor="b">
+                    <a:lnL>
+                      <a:noFill/>
+                    </a:lnL>
+                    <a:lnR>
+                      <a:noFill/>
+                    </a:lnR>
+                    <a:lnT>
+                      <a:noFill/>
+                    </a:lnT>
+                    <a:lnB>
+                      <a:noFill/>
+                    </a:lnB>
+                  </a:tcPr>
+                </a:tc>
+                <a:tc>
+                  <a:txBody>
+                    <a:bodyPr/>
+                    <a:lstStyle/>
+                    <a:p>
+                      <a:pPr algn="l" fontAlgn="b"/>
+                      <a:r>
+                        <a:rPr lang="fr-CA" sz="800" b="1" i="0" u="none" strike="noStrike">
+                          <a:solidFill>
+                            <a:srgbClr val="000000"/>
+                          </a:solidFill>
+                          <a:effectLst/>
+                          <a:latin typeface="Calibri" panose="020F0502020204030204" pitchFamily="34" charset="0"/>
+                        </a:rPr>
+                        <a:t>Détection</a:t>
+                      </a:r>
+                    </a:p>
+                  </a:txBody>
+                  <a:tcPr marL="5819" marR="5819" marT="5819" marB="0" anchor="b">
+                    <a:lnL>
+                      <a:noFill/>
+                    </a:lnL>
+                    <a:lnR>
+                      <a:noFill/>
+                    </a:lnR>
+                    <a:lnT>
+                      <a:noFill/>
+                    </a:lnT>
+                    <a:lnB>
+                      <a:noFill/>
+                    </a:lnB>
+                  </a:tcPr>
+                </a:tc>
+                <a:tc>
+                  <a:txBody>
+                    <a:bodyPr/>
+                    <a:lstStyle/>
+                    <a:p>
+                      <a:pPr algn="l" fontAlgn="b"/>
+                      <a:r>
+                        <a:rPr lang="fr-CA" sz="800" b="1" i="0" u="none" strike="noStrike">
+                          <a:solidFill>
+                            <a:srgbClr val="000000"/>
+                          </a:solidFill>
+                          <a:effectLst/>
+                          <a:latin typeface="Calibri" panose="020F0502020204030204" pitchFamily="34" charset="0"/>
+                        </a:rPr>
+                        <a:t>Indice de risque</a:t>
+                      </a:r>
+                    </a:p>
+                  </a:txBody>
+                  <a:tcPr marL="5819" marR="5819" marT="5819" marB="0" anchor="b">
+                    <a:lnL>
+                      <a:noFill/>
+                    </a:lnL>
+                    <a:lnR>
+                      <a:noFill/>
+                    </a:lnR>
+                    <a:lnT>
+                      <a:noFill/>
+                    </a:lnT>
+                    <a:lnB>
+                      <a:noFill/>
+                    </a:lnB>
+                  </a:tcPr>
+                </a:tc>
+                <a:tc>
+                  <a:txBody>
+                    <a:bodyPr/>
+                    <a:lstStyle/>
+                    <a:p>
+                      <a:pPr algn="l" fontAlgn="b"/>
+                      <a:r>
+                        <a:rPr lang="fr-CA" sz="800" b="1" i="0" u="none" strike="noStrike">
+                          <a:solidFill>
+                            <a:srgbClr val="000000"/>
+                          </a:solidFill>
+                          <a:effectLst/>
+                          <a:latin typeface="Calibri" panose="020F0502020204030204" pitchFamily="34" charset="0"/>
+                        </a:rPr>
+                        <a:t>Conséquence</a:t>
+                      </a:r>
+                    </a:p>
+                  </a:txBody>
+                  <a:tcPr marL="5819" marR="5819" marT="5819" marB="0" anchor="b">
+                    <a:lnL>
+                      <a:noFill/>
+                    </a:lnL>
+                    <a:lnR>
+                      <a:noFill/>
+                    </a:lnR>
+                    <a:lnT>
+                      <a:noFill/>
+                    </a:lnT>
+                    <a:lnB>
+                      <a:noFill/>
+                    </a:lnB>
+                  </a:tcPr>
+                </a:tc>
+                <a:tc>
+                  <a:txBody>
+                    <a:bodyPr/>
+                    <a:lstStyle/>
+                    <a:p>
+                      <a:pPr algn="l" fontAlgn="b"/>
+                      <a:r>
+                        <a:rPr lang="fr-CA" sz="800" b="1" i="0" u="none" strike="noStrike">
+                          <a:solidFill>
+                            <a:srgbClr val="000000"/>
+                          </a:solidFill>
+                          <a:effectLst/>
+                          <a:latin typeface="Calibri" panose="020F0502020204030204" pitchFamily="34" charset="0"/>
+                        </a:rPr>
+                        <a:t>Mitigation</a:t>
+                      </a:r>
+                    </a:p>
+                  </a:txBody>
+                  <a:tcPr marL="5819" marR="5819" marT="5819" marB="0" anchor="b">
+                    <a:lnL>
+                      <a:noFill/>
+                    </a:lnL>
+                    <a:lnR>
+                      <a:noFill/>
+                    </a:lnR>
+                    <a:lnT>
+                      <a:noFill/>
+                    </a:lnT>
+                    <a:lnB>
+                      <a:noFill/>
+                    </a:lnB>
+                  </a:tcPr>
+                </a:tc>
+                <a:extLst>
+                  <a:ext uri="{0D108BD9-81ED-4DB2-BD59-A6C34878D82A}">
+                    <a16:rowId xmlns:a16="http://schemas.microsoft.com/office/drawing/2014/main" val="3643540374"/>
+                  </a:ext>
+                </a:extLst>
+              </a:tr>
+              <a:tr h="500525">
+                <a:tc>
+                  <a:txBody>
+                    <a:bodyPr/>
+                    <a:lstStyle/>
+                    <a:p>
+                      <a:pPr algn="l" fontAlgn="b"/>
+                      <a:r>
+                        <a:rPr lang="fr-CA" sz="800" b="0" i="0" u="none" strike="noStrike">
+                          <a:solidFill>
+                            <a:srgbClr val="000000"/>
+                          </a:solidFill>
+                          <a:effectLst/>
+                          <a:latin typeface="Calibri" panose="020F0502020204030204" pitchFamily="34" charset="0"/>
+                        </a:rPr>
+                        <a:t>Oubli de mettre une tâche dans son bon état (terminé, en cours, etc.)</a:t>
+                      </a:r>
+                    </a:p>
+                  </a:txBody>
+                  <a:tcPr marL="5819" marR="5819" marT="5819" marB="0" anchor="b">
+                    <a:lnL>
+                      <a:noFill/>
+                    </a:lnL>
+                    <a:lnR>
+                      <a:noFill/>
+                    </a:lnR>
+                    <a:lnT>
+                      <a:noFill/>
+                    </a:lnT>
+                    <a:lnB>
+                      <a:noFill/>
+                    </a:lnB>
+                  </a:tcPr>
+                </a:tc>
+                <a:tc>
+                  <a:txBody>
+                    <a:bodyPr/>
+                    <a:lstStyle/>
+                    <a:p>
+                      <a:pPr algn="ctr" fontAlgn="b"/>
+                      <a:r>
+                        <a:rPr lang="fr-CA" sz="800" b="0" i="0" u="none" strike="noStrike">
+                          <a:solidFill>
+                            <a:srgbClr val="000000"/>
+                          </a:solidFill>
+                          <a:effectLst/>
+                          <a:latin typeface="Calibri" panose="020F0502020204030204" pitchFamily="34" charset="0"/>
+                        </a:rPr>
+                        <a:t>4</a:t>
+                      </a:r>
+                    </a:p>
+                  </a:txBody>
+                  <a:tcPr marL="5819" marR="5819" marT="5819" marB="0" anchor="b">
+                    <a:lnL>
+                      <a:noFill/>
+                    </a:lnL>
+                    <a:lnR>
+                      <a:noFill/>
+                    </a:lnR>
+                    <a:lnT>
+                      <a:noFill/>
+                    </a:lnT>
+                    <a:lnB>
+                      <a:noFill/>
+                    </a:lnB>
+                  </a:tcPr>
+                </a:tc>
+                <a:tc>
+                  <a:txBody>
+                    <a:bodyPr/>
+                    <a:lstStyle/>
+                    <a:p>
+                      <a:pPr algn="ctr" fontAlgn="b"/>
+                      <a:r>
+                        <a:rPr lang="fr-CA" sz="800" b="0" i="0" u="none" strike="noStrike">
+                          <a:solidFill>
+                            <a:srgbClr val="000000"/>
+                          </a:solidFill>
+                          <a:effectLst/>
+                          <a:latin typeface="Calibri" panose="020F0502020204030204" pitchFamily="34" charset="0"/>
+                        </a:rPr>
+                        <a:t>5</a:t>
+                      </a:r>
+                    </a:p>
+                  </a:txBody>
+                  <a:tcPr marL="5819" marR="5819" marT="5819" marB="0" anchor="b">
+                    <a:lnL>
+                      <a:noFill/>
+                    </a:lnL>
+                    <a:lnR>
+                      <a:noFill/>
+                    </a:lnR>
+                    <a:lnT>
+                      <a:noFill/>
+                    </a:lnT>
+                    <a:lnB>
+                      <a:noFill/>
+                    </a:lnB>
+                  </a:tcPr>
+                </a:tc>
+                <a:tc>
+                  <a:txBody>
+                    <a:bodyPr/>
+                    <a:lstStyle/>
+                    <a:p>
+                      <a:pPr algn="ctr" fontAlgn="b"/>
+                      <a:r>
+                        <a:rPr lang="fr-CA" sz="800" b="0" i="0" u="none" strike="noStrike">
+                          <a:solidFill>
+                            <a:srgbClr val="000000"/>
+                          </a:solidFill>
+                          <a:effectLst/>
+                          <a:latin typeface="Calibri" panose="020F0502020204030204" pitchFamily="34" charset="0"/>
+                        </a:rPr>
+                        <a:t>5</a:t>
+                      </a:r>
+                    </a:p>
+                  </a:txBody>
+                  <a:tcPr marL="5819" marR="5819" marT="5819" marB="0" anchor="b">
+                    <a:lnL>
+                      <a:noFill/>
+                    </a:lnL>
+                    <a:lnR>
+                      <a:noFill/>
+                    </a:lnR>
+                    <a:lnT>
+                      <a:noFill/>
+                    </a:lnT>
+                    <a:lnB>
+                      <a:noFill/>
+                    </a:lnB>
+                  </a:tcPr>
+                </a:tc>
+                <a:tc>
+                  <a:txBody>
+                    <a:bodyPr/>
+                    <a:lstStyle/>
+                    <a:p>
+                      <a:pPr algn="ctr" fontAlgn="b"/>
+                      <a:r>
+                        <a:rPr lang="fr-CA" sz="800" b="0" i="0" u="none" strike="noStrike">
+                          <a:solidFill>
+                            <a:srgbClr val="000000"/>
+                          </a:solidFill>
+                          <a:effectLst/>
+                          <a:latin typeface="Calibri" panose="020F0502020204030204" pitchFamily="34" charset="0"/>
+                        </a:rPr>
+                        <a:t>100</a:t>
+                      </a:r>
+                    </a:p>
+                  </a:txBody>
+                  <a:tcPr marL="5819" marR="5819" marT="5819" marB="0" anchor="b">
+                    <a:lnL>
+                      <a:noFill/>
+                    </a:lnL>
+                    <a:lnR>
+                      <a:noFill/>
+                    </a:lnR>
+                    <a:lnT>
+                      <a:noFill/>
+                    </a:lnT>
+                    <a:lnB>
+                      <a:noFill/>
+                    </a:lnB>
+                    <a:solidFill>
+                      <a:srgbClr val="F8696B"/>
+                    </a:solidFill>
+                  </a:tcPr>
+                </a:tc>
+                <a:tc>
+                  <a:txBody>
+                    <a:bodyPr/>
+                    <a:lstStyle/>
+                    <a:p>
+                      <a:pPr algn="l" fontAlgn="b"/>
+                      <a:r>
+                        <a:rPr lang="fr-CA" sz="800" b="0" i="0" u="none" strike="noStrike">
+                          <a:solidFill>
+                            <a:srgbClr val="000000"/>
+                          </a:solidFill>
+                          <a:effectLst/>
+                          <a:latin typeface="Calibri" panose="020F0502020204030204" pitchFamily="34" charset="0"/>
+                        </a:rPr>
+                        <a:t>Dans le cas où une tâche est mise par erreur dans la section "terminé", peut causer un oubli lors de la remise de travaux. Perte de points</a:t>
+                      </a:r>
+                    </a:p>
+                  </a:txBody>
+                  <a:tcPr marL="5819" marR="5819" marT="5819" marB="0" anchor="b">
+                    <a:lnL>
+                      <a:noFill/>
+                    </a:lnL>
+                    <a:lnR>
+                      <a:noFill/>
+                    </a:lnR>
+                    <a:lnT>
+                      <a:noFill/>
+                    </a:lnT>
+                    <a:lnB>
+                      <a:noFill/>
+                    </a:lnB>
+                  </a:tcPr>
+                </a:tc>
+                <a:tc>
+                  <a:txBody>
+                    <a:bodyPr/>
+                    <a:lstStyle/>
+                    <a:p>
+                      <a:pPr algn="l" fontAlgn="b"/>
+                      <a:r>
+                        <a:rPr lang="fr-CA" sz="800" b="0" i="0" u="none" strike="noStrike" dirty="0">
+                          <a:solidFill>
+                            <a:srgbClr val="000000"/>
+                          </a:solidFill>
+                          <a:effectLst/>
+                          <a:latin typeface="Calibri" panose="020F0502020204030204" pitchFamily="34" charset="0"/>
+                        </a:rPr>
+                        <a:t>Toujours se rapporter au </a:t>
+                      </a:r>
+                      <a:r>
+                        <a:rPr lang="fr-CA" sz="800" b="0" i="0" u="none" strike="noStrike" dirty="0" err="1">
+                          <a:solidFill>
+                            <a:srgbClr val="000000"/>
+                          </a:solidFill>
+                          <a:effectLst/>
+                          <a:latin typeface="Calibri" panose="020F0502020204030204" pitchFamily="34" charset="0"/>
+                        </a:rPr>
+                        <a:t>barême</a:t>
+                      </a:r>
+                      <a:r>
+                        <a:rPr lang="fr-CA" sz="800" b="0" i="0" u="none" strike="noStrike" dirty="0">
+                          <a:solidFill>
+                            <a:srgbClr val="000000"/>
+                          </a:solidFill>
+                          <a:effectLst/>
+                          <a:latin typeface="Calibri" panose="020F0502020204030204" pitchFamily="34" charset="0"/>
+                        </a:rPr>
+                        <a:t> lors du dépôt de travaux</a:t>
+                      </a:r>
+                    </a:p>
+                  </a:txBody>
+                  <a:tcPr marL="5819" marR="5819" marT="5819" marB="0" anchor="b">
+                    <a:lnL>
+                      <a:noFill/>
+                    </a:lnL>
+                    <a:lnR>
+                      <a:noFill/>
+                    </a:lnR>
+                    <a:lnT>
+                      <a:noFill/>
+                    </a:lnT>
+                    <a:lnB>
+                      <a:noFill/>
+                    </a:lnB>
+                  </a:tcPr>
+                </a:tc>
+                <a:extLst>
+                  <a:ext uri="{0D108BD9-81ED-4DB2-BD59-A6C34878D82A}">
+                    <a16:rowId xmlns:a16="http://schemas.microsoft.com/office/drawing/2014/main" val="786059687"/>
+                  </a:ext>
+                </a:extLst>
+              </a:tr>
+              <a:tr h="358586">
+                <a:tc>
+                  <a:txBody>
+                    <a:bodyPr/>
+                    <a:lstStyle/>
+                    <a:p>
+                      <a:pPr algn="l" fontAlgn="b"/>
+                      <a:r>
+                        <a:rPr lang="fr-CA" sz="800" b="0" i="0" u="none" strike="noStrike">
+                          <a:solidFill>
+                            <a:srgbClr val="000000"/>
+                          </a:solidFill>
+                          <a:effectLst/>
+                          <a:latin typeface="Calibri" panose="020F0502020204030204" pitchFamily="34" charset="0"/>
+                        </a:rPr>
+                        <a:t>Revue la 2e semaine d'APP</a:t>
+                      </a:r>
+                    </a:p>
+                  </a:txBody>
+                  <a:tcPr marL="5819" marR="5819" marT="5819" marB="0" anchor="b">
+                    <a:lnL>
+                      <a:noFill/>
+                    </a:lnL>
+                    <a:lnR>
+                      <a:noFill/>
+                    </a:lnR>
+                    <a:lnT>
+                      <a:noFill/>
+                    </a:lnT>
+                    <a:lnB>
+                      <a:noFill/>
+                    </a:lnB>
+                  </a:tcPr>
+                </a:tc>
+                <a:tc>
+                  <a:txBody>
+                    <a:bodyPr/>
+                    <a:lstStyle/>
+                    <a:p>
+                      <a:pPr algn="ctr" fontAlgn="b"/>
+                      <a:r>
+                        <a:rPr lang="fr-CA" sz="800" b="0" i="0" u="none" strike="noStrike">
+                          <a:solidFill>
+                            <a:srgbClr val="000000"/>
+                          </a:solidFill>
+                          <a:effectLst/>
+                          <a:latin typeface="Calibri" panose="020F0502020204030204" pitchFamily="34" charset="0"/>
+                        </a:rPr>
+                        <a:t>5</a:t>
+                      </a:r>
+                    </a:p>
+                  </a:txBody>
+                  <a:tcPr marL="5819" marR="5819" marT="5819" marB="0" anchor="b">
+                    <a:lnL>
+                      <a:noFill/>
+                    </a:lnL>
+                    <a:lnR>
+                      <a:noFill/>
+                    </a:lnR>
+                    <a:lnT>
+                      <a:noFill/>
+                    </a:lnT>
+                    <a:lnB>
+                      <a:noFill/>
+                    </a:lnB>
+                  </a:tcPr>
+                </a:tc>
+                <a:tc>
+                  <a:txBody>
+                    <a:bodyPr/>
+                    <a:lstStyle/>
+                    <a:p>
+                      <a:pPr algn="ctr" fontAlgn="b"/>
+                      <a:r>
+                        <a:rPr lang="fr-CA" sz="800" b="0" i="0" u="none" strike="noStrike">
+                          <a:solidFill>
+                            <a:srgbClr val="000000"/>
+                          </a:solidFill>
+                          <a:effectLst/>
+                          <a:latin typeface="Calibri" panose="020F0502020204030204" pitchFamily="34" charset="0"/>
+                        </a:rPr>
+                        <a:t>3</a:t>
+                      </a:r>
+                    </a:p>
+                  </a:txBody>
+                  <a:tcPr marL="5819" marR="5819" marT="5819" marB="0" anchor="b">
+                    <a:lnL>
+                      <a:noFill/>
+                    </a:lnL>
+                    <a:lnR>
+                      <a:noFill/>
+                    </a:lnR>
+                    <a:lnT>
+                      <a:noFill/>
+                    </a:lnT>
+                    <a:lnB>
+                      <a:noFill/>
+                    </a:lnB>
+                  </a:tcPr>
+                </a:tc>
+                <a:tc>
+                  <a:txBody>
+                    <a:bodyPr/>
+                    <a:lstStyle/>
+                    <a:p>
+                      <a:pPr algn="ctr" fontAlgn="b"/>
+                      <a:r>
+                        <a:rPr lang="fr-CA" sz="800" b="0" i="0" u="none" strike="noStrike">
+                          <a:solidFill>
+                            <a:srgbClr val="000000"/>
+                          </a:solidFill>
+                          <a:effectLst/>
+                          <a:latin typeface="Calibri" panose="020F0502020204030204" pitchFamily="34" charset="0"/>
+                        </a:rPr>
+                        <a:t>2</a:t>
+                      </a:r>
+                    </a:p>
+                  </a:txBody>
+                  <a:tcPr marL="5819" marR="5819" marT="5819" marB="0" anchor="b">
+                    <a:lnL>
+                      <a:noFill/>
+                    </a:lnL>
+                    <a:lnR>
+                      <a:noFill/>
+                    </a:lnR>
+                    <a:lnT>
+                      <a:noFill/>
+                    </a:lnT>
+                    <a:lnB>
+                      <a:noFill/>
+                    </a:lnB>
+                  </a:tcPr>
+                </a:tc>
+                <a:tc>
+                  <a:txBody>
+                    <a:bodyPr/>
+                    <a:lstStyle/>
+                    <a:p>
+                      <a:pPr algn="ctr" fontAlgn="b"/>
+                      <a:r>
+                        <a:rPr lang="fr-CA" sz="800" b="0" i="0" u="none" strike="noStrike">
+                          <a:solidFill>
+                            <a:srgbClr val="000000"/>
+                          </a:solidFill>
+                          <a:effectLst/>
+                          <a:latin typeface="Calibri" panose="020F0502020204030204" pitchFamily="34" charset="0"/>
+                        </a:rPr>
+                        <a:t>30</a:t>
+                      </a:r>
+                    </a:p>
+                  </a:txBody>
+                  <a:tcPr marL="5819" marR="5819" marT="5819" marB="0" anchor="b">
+                    <a:lnL>
+                      <a:noFill/>
+                    </a:lnL>
+                    <a:lnR>
+                      <a:noFill/>
+                    </a:lnR>
+                    <a:lnT>
+                      <a:noFill/>
+                    </a:lnT>
+                    <a:lnB>
+                      <a:noFill/>
+                    </a:lnB>
+                    <a:solidFill>
+                      <a:srgbClr val="FFDA81"/>
+                    </a:solidFill>
+                  </a:tcPr>
+                </a:tc>
+                <a:tc>
+                  <a:txBody>
+                    <a:bodyPr/>
+                    <a:lstStyle/>
+                    <a:p>
+                      <a:pPr algn="l" fontAlgn="b"/>
+                      <a:r>
+                        <a:rPr lang="fr-CA" sz="800" b="0" i="0" u="none" strike="noStrike">
+                          <a:solidFill>
+                            <a:srgbClr val="000000"/>
+                          </a:solidFill>
+                          <a:effectLst/>
+                          <a:latin typeface="Calibri" panose="020F0502020204030204" pitchFamily="34" charset="0"/>
+                        </a:rPr>
+                        <a:t>Peut causer des rushs si trop de tâches sont faites à la dernière minute.</a:t>
+                      </a:r>
+                    </a:p>
+                  </a:txBody>
+                  <a:tcPr marL="5819" marR="5819" marT="5819" marB="0" anchor="b">
+                    <a:lnL>
+                      <a:noFill/>
+                    </a:lnL>
+                    <a:lnR>
+                      <a:noFill/>
+                    </a:lnR>
+                    <a:lnT>
+                      <a:noFill/>
+                    </a:lnT>
+                    <a:lnB>
+                      <a:noFill/>
+                    </a:lnB>
+                  </a:tcPr>
+                </a:tc>
+                <a:tc>
+                  <a:txBody>
+                    <a:bodyPr/>
+                    <a:lstStyle/>
+                    <a:p>
+                      <a:pPr algn="l" fontAlgn="b"/>
+                      <a:r>
+                        <a:rPr lang="fr-CA" sz="800" b="0" i="0" u="none" strike="noStrike">
+                          <a:solidFill>
+                            <a:srgbClr val="000000"/>
+                          </a:solidFill>
+                          <a:effectLst/>
+                          <a:latin typeface="Calibri" panose="020F0502020204030204" pitchFamily="34" charset="0"/>
+                        </a:rPr>
+                        <a:t>Bonne gestion de projet + bonne communication entre les membres de l'équipe</a:t>
+                      </a:r>
+                    </a:p>
+                  </a:txBody>
+                  <a:tcPr marL="5819" marR="5819" marT="5819" marB="0" anchor="b">
+                    <a:lnL>
+                      <a:noFill/>
+                    </a:lnL>
+                    <a:lnR>
+                      <a:noFill/>
+                    </a:lnR>
+                    <a:lnT>
+                      <a:noFill/>
+                    </a:lnT>
+                    <a:lnB>
+                      <a:noFill/>
+                    </a:lnB>
+                  </a:tcPr>
+                </a:tc>
+                <a:extLst>
+                  <a:ext uri="{0D108BD9-81ED-4DB2-BD59-A6C34878D82A}">
+                    <a16:rowId xmlns:a16="http://schemas.microsoft.com/office/drawing/2014/main" val="1561019784"/>
+                  </a:ext>
+                </a:extLst>
+              </a:tr>
+              <a:tr h="537878">
+                <a:tc>
+                  <a:txBody>
+                    <a:bodyPr/>
+                    <a:lstStyle/>
+                    <a:p>
+                      <a:pPr algn="l" fontAlgn="b"/>
+                      <a:r>
+                        <a:rPr lang="fr-CA" sz="800" b="0" i="0" u="none" strike="noStrike">
+                          <a:solidFill>
+                            <a:srgbClr val="000000"/>
+                          </a:solidFill>
+                          <a:effectLst/>
+                          <a:latin typeface="Calibri" panose="020F0502020204030204" pitchFamily="34" charset="0"/>
+                        </a:rPr>
+                        <a:t>Problèmes lors de l'intégration du travail des membres</a:t>
+                      </a:r>
+                    </a:p>
+                  </a:txBody>
+                  <a:tcPr marL="5819" marR="5819" marT="5819" marB="0" anchor="b">
+                    <a:lnL>
+                      <a:noFill/>
+                    </a:lnL>
+                    <a:lnR>
+                      <a:noFill/>
+                    </a:lnR>
+                    <a:lnT>
+                      <a:noFill/>
+                    </a:lnT>
+                    <a:lnB>
+                      <a:noFill/>
+                    </a:lnB>
+                  </a:tcPr>
+                </a:tc>
+                <a:tc>
+                  <a:txBody>
+                    <a:bodyPr/>
+                    <a:lstStyle/>
+                    <a:p>
+                      <a:pPr algn="ctr" fontAlgn="b"/>
+                      <a:r>
+                        <a:rPr lang="fr-CA" sz="800" b="0" i="0" u="none" strike="noStrike">
+                          <a:solidFill>
+                            <a:srgbClr val="000000"/>
+                          </a:solidFill>
+                          <a:effectLst/>
+                          <a:latin typeface="Calibri" panose="020F0502020204030204" pitchFamily="34" charset="0"/>
+                        </a:rPr>
+                        <a:t>3</a:t>
+                      </a:r>
+                    </a:p>
+                  </a:txBody>
+                  <a:tcPr marL="5819" marR="5819" marT="5819" marB="0" anchor="b">
+                    <a:lnL>
+                      <a:noFill/>
+                    </a:lnL>
+                    <a:lnR>
+                      <a:noFill/>
+                    </a:lnR>
+                    <a:lnT>
+                      <a:noFill/>
+                    </a:lnT>
+                    <a:lnB>
+                      <a:noFill/>
+                    </a:lnB>
+                  </a:tcPr>
+                </a:tc>
+                <a:tc>
+                  <a:txBody>
+                    <a:bodyPr/>
+                    <a:lstStyle/>
+                    <a:p>
+                      <a:pPr algn="ctr" fontAlgn="b"/>
+                      <a:r>
+                        <a:rPr lang="fr-CA" sz="800" b="0" i="0" u="none" strike="noStrike">
+                          <a:solidFill>
+                            <a:srgbClr val="000000"/>
+                          </a:solidFill>
+                          <a:effectLst/>
+                          <a:latin typeface="Calibri" panose="020F0502020204030204" pitchFamily="34" charset="0"/>
+                        </a:rPr>
+                        <a:t>3</a:t>
+                      </a:r>
+                    </a:p>
+                  </a:txBody>
+                  <a:tcPr marL="5819" marR="5819" marT="5819" marB="0" anchor="b">
+                    <a:lnL>
+                      <a:noFill/>
+                    </a:lnL>
+                    <a:lnR>
+                      <a:noFill/>
+                    </a:lnR>
+                    <a:lnT>
+                      <a:noFill/>
+                    </a:lnT>
+                    <a:lnB>
+                      <a:noFill/>
+                    </a:lnB>
+                  </a:tcPr>
+                </a:tc>
+                <a:tc>
+                  <a:txBody>
+                    <a:bodyPr/>
+                    <a:lstStyle/>
+                    <a:p>
+                      <a:pPr algn="ctr" fontAlgn="b"/>
+                      <a:r>
+                        <a:rPr lang="fr-CA" sz="800" b="0" i="0" u="none" strike="noStrike">
+                          <a:solidFill>
+                            <a:srgbClr val="000000"/>
+                          </a:solidFill>
+                          <a:effectLst/>
+                          <a:latin typeface="Calibri" panose="020F0502020204030204" pitchFamily="34" charset="0"/>
+                        </a:rPr>
+                        <a:t>3</a:t>
+                      </a:r>
+                    </a:p>
+                  </a:txBody>
+                  <a:tcPr marL="5819" marR="5819" marT="5819" marB="0" anchor="b">
+                    <a:lnL>
+                      <a:noFill/>
+                    </a:lnL>
+                    <a:lnR>
+                      <a:noFill/>
+                    </a:lnR>
+                    <a:lnT>
+                      <a:noFill/>
+                    </a:lnT>
+                    <a:lnB>
+                      <a:noFill/>
+                    </a:lnB>
+                  </a:tcPr>
+                </a:tc>
+                <a:tc>
+                  <a:txBody>
+                    <a:bodyPr/>
+                    <a:lstStyle/>
+                    <a:p>
+                      <a:pPr algn="ctr" fontAlgn="b"/>
+                      <a:r>
+                        <a:rPr lang="fr-CA" sz="800" b="0" i="0" u="none" strike="noStrike">
+                          <a:solidFill>
+                            <a:srgbClr val="000000"/>
+                          </a:solidFill>
+                          <a:effectLst/>
+                          <a:latin typeface="Calibri" panose="020F0502020204030204" pitchFamily="34" charset="0"/>
+                        </a:rPr>
+                        <a:t>27</a:t>
+                      </a:r>
+                    </a:p>
+                  </a:txBody>
+                  <a:tcPr marL="5819" marR="5819" marT="5819" marB="0" anchor="b">
+                    <a:lnL>
+                      <a:noFill/>
+                    </a:lnL>
+                    <a:lnR>
+                      <a:noFill/>
+                    </a:lnR>
+                    <a:lnT>
+                      <a:noFill/>
+                    </a:lnT>
+                    <a:lnB>
+                      <a:noFill/>
+                    </a:lnB>
+                    <a:solidFill>
+                      <a:srgbClr val="FFDF82"/>
+                    </a:solidFill>
+                  </a:tcPr>
+                </a:tc>
+                <a:tc>
+                  <a:txBody>
+                    <a:bodyPr/>
+                    <a:lstStyle/>
+                    <a:p>
+                      <a:pPr algn="l" fontAlgn="b"/>
+                      <a:r>
+                        <a:rPr lang="fr-CA" sz="800" b="0" i="0" u="none" strike="noStrike">
+                          <a:solidFill>
+                            <a:srgbClr val="000000"/>
+                          </a:solidFill>
+                          <a:effectLst/>
+                          <a:latin typeface="Calibri" panose="020F0502020204030204" pitchFamily="34" charset="0"/>
+                        </a:rPr>
+                        <a:t>Cause des délais</a:t>
+                      </a:r>
+                    </a:p>
+                  </a:txBody>
+                  <a:tcPr marL="5819" marR="5819" marT="5819" marB="0" anchor="b">
+                    <a:lnL>
+                      <a:noFill/>
+                    </a:lnL>
+                    <a:lnR>
+                      <a:noFill/>
+                    </a:lnR>
+                    <a:lnT>
+                      <a:noFill/>
+                    </a:lnT>
+                    <a:lnB>
+                      <a:noFill/>
+                    </a:lnB>
+                  </a:tcPr>
+                </a:tc>
+                <a:tc>
+                  <a:txBody>
+                    <a:bodyPr/>
+                    <a:lstStyle/>
+                    <a:p>
+                      <a:pPr algn="l" fontAlgn="b"/>
+                      <a:r>
+                        <a:rPr lang="fr-CA" sz="800" b="0" i="0" u="none" strike="noStrike">
+                          <a:solidFill>
+                            <a:srgbClr val="000000"/>
+                          </a:solidFill>
+                          <a:effectLst/>
+                          <a:latin typeface="Calibri" panose="020F0502020204030204" pitchFamily="34" charset="0"/>
+                        </a:rPr>
+                        <a:t>Intégrer partie par partie en utilisant le mécanisme de pull-requests. S'assurer d'avoir constamment un code en état fonctionnel</a:t>
+                      </a:r>
+                    </a:p>
+                  </a:txBody>
+                  <a:tcPr marL="5819" marR="5819" marT="5819" marB="0" anchor="b">
+                    <a:lnL>
+                      <a:noFill/>
+                    </a:lnL>
+                    <a:lnR>
+                      <a:noFill/>
+                    </a:lnR>
+                    <a:lnT>
+                      <a:noFill/>
+                    </a:lnT>
+                    <a:lnB>
+                      <a:noFill/>
+                    </a:lnB>
+                  </a:tcPr>
+                </a:tc>
+                <a:extLst>
+                  <a:ext uri="{0D108BD9-81ED-4DB2-BD59-A6C34878D82A}">
+                    <a16:rowId xmlns:a16="http://schemas.microsoft.com/office/drawing/2014/main" val="3822031904"/>
+                  </a:ext>
+                </a:extLst>
+              </a:tr>
+              <a:tr h="179293">
+                <a:tc>
+                  <a:txBody>
+                    <a:bodyPr/>
+                    <a:lstStyle/>
+                    <a:p>
+                      <a:pPr algn="l" fontAlgn="b"/>
+                      <a:r>
+                        <a:rPr lang="fr-CA" sz="800" b="0" i="0" u="none" strike="noStrike">
+                          <a:solidFill>
+                            <a:srgbClr val="000000"/>
+                          </a:solidFill>
+                          <a:effectLst/>
+                          <a:latin typeface="Calibri" panose="020F0502020204030204" pitchFamily="34" charset="0"/>
+                        </a:rPr>
+                        <a:t>Requis oubliés / pas vus</a:t>
+                      </a:r>
+                    </a:p>
+                  </a:txBody>
+                  <a:tcPr marL="5819" marR="5819" marT="5819" marB="0" anchor="b">
+                    <a:lnL>
+                      <a:noFill/>
+                    </a:lnL>
+                    <a:lnR>
+                      <a:noFill/>
+                    </a:lnR>
+                    <a:lnT>
+                      <a:noFill/>
+                    </a:lnT>
+                    <a:lnB>
+                      <a:noFill/>
+                    </a:lnB>
+                  </a:tcPr>
+                </a:tc>
+                <a:tc>
+                  <a:txBody>
+                    <a:bodyPr/>
+                    <a:lstStyle/>
+                    <a:p>
+                      <a:pPr algn="ctr" fontAlgn="b"/>
+                      <a:r>
+                        <a:rPr lang="fr-CA" sz="800" b="0" i="0" u="none" strike="noStrike">
+                          <a:solidFill>
+                            <a:srgbClr val="000000"/>
+                          </a:solidFill>
+                          <a:effectLst/>
+                          <a:latin typeface="Calibri" panose="020F0502020204030204" pitchFamily="34" charset="0"/>
+                        </a:rPr>
+                        <a:t>2</a:t>
+                      </a:r>
+                    </a:p>
+                  </a:txBody>
+                  <a:tcPr marL="5819" marR="5819" marT="5819" marB="0" anchor="b">
+                    <a:lnL>
+                      <a:noFill/>
+                    </a:lnL>
+                    <a:lnR>
+                      <a:noFill/>
+                    </a:lnR>
+                    <a:lnT>
+                      <a:noFill/>
+                    </a:lnT>
+                    <a:lnB>
+                      <a:noFill/>
+                    </a:lnB>
+                  </a:tcPr>
+                </a:tc>
+                <a:tc>
+                  <a:txBody>
+                    <a:bodyPr/>
+                    <a:lstStyle/>
+                    <a:p>
+                      <a:pPr algn="ctr" fontAlgn="b"/>
+                      <a:r>
+                        <a:rPr lang="fr-CA" sz="800" b="0" i="0" u="none" strike="noStrike">
+                          <a:solidFill>
+                            <a:srgbClr val="000000"/>
+                          </a:solidFill>
+                          <a:effectLst/>
+                          <a:latin typeface="Calibri" panose="020F0502020204030204" pitchFamily="34" charset="0"/>
+                        </a:rPr>
+                        <a:t>5</a:t>
+                      </a:r>
+                    </a:p>
+                  </a:txBody>
+                  <a:tcPr marL="5819" marR="5819" marT="5819" marB="0" anchor="b">
+                    <a:lnL>
+                      <a:noFill/>
+                    </a:lnL>
+                    <a:lnR>
+                      <a:noFill/>
+                    </a:lnR>
+                    <a:lnT>
+                      <a:noFill/>
+                    </a:lnT>
+                    <a:lnB>
+                      <a:noFill/>
+                    </a:lnB>
+                  </a:tcPr>
+                </a:tc>
+                <a:tc>
+                  <a:txBody>
+                    <a:bodyPr/>
+                    <a:lstStyle/>
+                    <a:p>
+                      <a:pPr algn="ctr" fontAlgn="b"/>
+                      <a:r>
+                        <a:rPr lang="fr-CA" sz="800" b="0" i="0" u="none" strike="noStrike">
+                          <a:solidFill>
+                            <a:srgbClr val="000000"/>
+                          </a:solidFill>
+                          <a:effectLst/>
+                          <a:latin typeface="Calibri" panose="020F0502020204030204" pitchFamily="34" charset="0"/>
+                        </a:rPr>
+                        <a:t>2</a:t>
+                      </a:r>
+                    </a:p>
+                  </a:txBody>
+                  <a:tcPr marL="5819" marR="5819" marT="5819" marB="0" anchor="b">
+                    <a:lnL>
+                      <a:noFill/>
+                    </a:lnL>
+                    <a:lnR>
+                      <a:noFill/>
+                    </a:lnR>
+                    <a:lnT>
+                      <a:noFill/>
+                    </a:lnT>
+                    <a:lnB>
+                      <a:noFill/>
+                    </a:lnB>
+                  </a:tcPr>
+                </a:tc>
+                <a:tc>
+                  <a:txBody>
+                    <a:bodyPr/>
+                    <a:lstStyle/>
+                    <a:p>
+                      <a:pPr algn="ctr" fontAlgn="b"/>
+                      <a:r>
+                        <a:rPr lang="fr-CA" sz="800" b="0" i="0" u="none" strike="noStrike">
+                          <a:solidFill>
+                            <a:srgbClr val="000000"/>
+                          </a:solidFill>
+                          <a:effectLst/>
+                          <a:latin typeface="Calibri" panose="020F0502020204030204" pitchFamily="34" charset="0"/>
+                        </a:rPr>
+                        <a:t>20</a:t>
+                      </a:r>
+                    </a:p>
+                  </a:txBody>
+                  <a:tcPr marL="5819" marR="5819" marT="5819" marB="0" anchor="b">
+                    <a:lnL>
+                      <a:noFill/>
+                    </a:lnL>
+                    <a:lnR>
+                      <a:noFill/>
+                    </a:lnR>
+                    <a:lnT>
+                      <a:noFill/>
+                    </a:lnT>
+                    <a:lnB>
+                      <a:noFill/>
+                    </a:lnB>
+                    <a:solidFill>
+                      <a:srgbClr val="FFEA84"/>
+                    </a:solidFill>
+                  </a:tcPr>
+                </a:tc>
+                <a:tc>
+                  <a:txBody>
+                    <a:bodyPr/>
+                    <a:lstStyle/>
+                    <a:p>
+                      <a:pPr algn="l" fontAlgn="b"/>
+                      <a:r>
+                        <a:rPr lang="fr-CA" sz="800" b="0" i="0" u="none" strike="noStrike">
+                          <a:solidFill>
+                            <a:srgbClr val="000000"/>
+                          </a:solidFill>
+                          <a:effectLst/>
+                          <a:latin typeface="Calibri" panose="020F0502020204030204" pitchFamily="34" charset="0"/>
+                        </a:rPr>
+                        <a:t>Perte de points</a:t>
+                      </a:r>
+                    </a:p>
+                  </a:txBody>
+                  <a:tcPr marL="5819" marR="5819" marT="5819" marB="0" anchor="b">
+                    <a:lnL>
+                      <a:noFill/>
+                    </a:lnL>
+                    <a:lnR>
+                      <a:noFill/>
+                    </a:lnR>
+                    <a:lnT>
+                      <a:noFill/>
+                    </a:lnT>
+                    <a:lnB>
+                      <a:noFill/>
+                    </a:lnB>
+                  </a:tcPr>
+                </a:tc>
+                <a:tc>
+                  <a:txBody>
+                    <a:bodyPr/>
+                    <a:lstStyle/>
+                    <a:p>
+                      <a:pPr algn="l" fontAlgn="b"/>
+                      <a:r>
+                        <a:rPr lang="fr-CA" sz="800" b="0" i="0" u="none" strike="noStrike">
+                          <a:solidFill>
+                            <a:srgbClr val="000000"/>
+                          </a:solidFill>
+                          <a:effectLst/>
+                          <a:latin typeface="Calibri" panose="020F0502020204030204" pitchFamily="34" charset="0"/>
+                        </a:rPr>
+                        <a:t>Se rapporter </a:t>
+                      </a:r>
+                    </a:p>
+                  </a:txBody>
+                  <a:tcPr marL="5819" marR="5819" marT="5819" marB="0" anchor="b">
+                    <a:lnL>
+                      <a:noFill/>
+                    </a:lnL>
+                    <a:lnR>
+                      <a:noFill/>
+                    </a:lnR>
+                    <a:lnT>
+                      <a:noFill/>
+                    </a:lnT>
+                    <a:lnB>
+                      <a:noFill/>
+                    </a:lnB>
+                  </a:tcPr>
+                </a:tc>
+                <a:extLst>
+                  <a:ext uri="{0D108BD9-81ED-4DB2-BD59-A6C34878D82A}">
+                    <a16:rowId xmlns:a16="http://schemas.microsoft.com/office/drawing/2014/main" val="21741341"/>
+                  </a:ext>
+                </a:extLst>
+              </a:tr>
+              <a:tr h="537878">
+                <a:tc>
+                  <a:txBody>
+                    <a:bodyPr/>
+                    <a:lstStyle/>
+                    <a:p>
+                      <a:pPr algn="l" fontAlgn="b"/>
+                      <a:r>
+                        <a:rPr lang="fr-CA" sz="800" b="0" i="0" u="none" strike="noStrike">
+                          <a:solidFill>
+                            <a:srgbClr val="000000"/>
+                          </a:solidFill>
+                          <a:effectLst/>
+                          <a:latin typeface="Calibri" panose="020F0502020204030204" pitchFamily="34" charset="0"/>
+                        </a:rPr>
+                        <a:t>Oubli d'entrer des heures</a:t>
+                      </a:r>
+                    </a:p>
+                  </a:txBody>
+                  <a:tcPr marL="5819" marR="5819" marT="5819" marB="0" anchor="b">
+                    <a:lnL>
+                      <a:noFill/>
+                    </a:lnL>
+                    <a:lnR>
+                      <a:noFill/>
+                    </a:lnR>
+                    <a:lnT>
+                      <a:noFill/>
+                    </a:lnT>
+                    <a:lnB>
+                      <a:noFill/>
+                    </a:lnB>
+                  </a:tcPr>
+                </a:tc>
+                <a:tc>
+                  <a:txBody>
+                    <a:bodyPr/>
+                    <a:lstStyle/>
+                    <a:p>
+                      <a:pPr algn="ctr" fontAlgn="b"/>
+                      <a:r>
+                        <a:rPr lang="fr-CA" sz="800" b="0" i="0" u="none" strike="noStrike">
+                          <a:solidFill>
+                            <a:srgbClr val="000000"/>
+                          </a:solidFill>
+                          <a:effectLst/>
+                          <a:latin typeface="Calibri" panose="020F0502020204030204" pitchFamily="34" charset="0"/>
+                        </a:rPr>
+                        <a:t>5</a:t>
+                      </a:r>
+                    </a:p>
+                  </a:txBody>
+                  <a:tcPr marL="5819" marR="5819" marT="5819" marB="0" anchor="b">
+                    <a:lnL>
+                      <a:noFill/>
+                    </a:lnL>
+                    <a:lnR>
+                      <a:noFill/>
+                    </a:lnR>
+                    <a:lnT>
+                      <a:noFill/>
+                    </a:lnT>
+                    <a:lnB>
+                      <a:noFill/>
+                    </a:lnB>
+                  </a:tcPr>
+                </a:tc>
+                <a:tc>
+                  <a:txBody>
+                    <a:bodyPr/>
+                    <a:lstStyle/>
+                    <a:p>
+                      <a:pPr algn="ctr" fontAlgn="b"/>
+                      <a:r>
+                        <a:rPr lang="fr-CA" sz="800" b="0" i="0" u="none" strike="noStrike">
+                          <a:solidFill>
+                            <a:srgbClr val="000000"/>
+                          </a:solidFill>
+                          <a:effectLst/>
+                          <a:latin typeface="Calibri" panose="020F0502020204030204" pitchFamily="34" charset="0"/>
+                        </a:rPr>
+                        <a:t>1</a:t>
+                      </a:r>
+                    </a:p>
+                  </a:txBody>
+                  <a:tcPr marL="5819" marR="5819" marT="5819" marB="0" anchor="b">
+                    <a:lnL>
+                      <a:noFill/>
+                    </a:lnL>
+                    <a:lnR>
+                      <a:noFill/>
+                    </a:lnR>
+                    <a:lnT>
+                      <a:noFill/>
+                    </a:lnT>
+                    <a:lnB>
+                      <a:noFill/>
+                    </a:lnB>
+                  </a:tcPr>
+                </a:tc>
+                <a:tc>
+                  <a:txBody>
+                    <a:bodyPr/>
+                    <a:lstStyle/>
+                    <a:p>
+                      <a:pPr algn="ctr" fontAlgn="b"/>
+                      <a:r>
+                        <a:rPr lang="fr-CA" sz="800" b="0" i="0" u="none" strike="noStrike">
+                          <a:solidFill>
+                            <a:srgbClr val="000000"/>
+                          </a:solidFill>
+                          <a:effectLst/>
+                          <a:latin typeface="Calibri" panose="020F0502020204030204" pitchFamily="34" charset="0"/>
+                        </a:rPr>
+                        <a:t>4</a:t>
+                      </a:r>
+                    </a:p>
+                  </a:txBody>
+                  <a:tcPr marL="5819" marR="5819" marT="5819" marB="0" anchor="b">
+                    <a:lnL>
+                      <a:noFill/>
+                    </a:lnL>
+                    <a:lnR>
+                      <a:noFill/>
+                    </a:lnR>
+                    <a:lnT>
+                      <a:noFill/>
+                    </a:lnT>
+                    <a:lnB>
+                      <a:noFill/>
+                    </a:lnB>
+                  </a:tcPr>
+                </a:tc>
+                <a:tc>
+                  <a:txBody>
+                    <a:bodyPr/>
+                    <a:lstStyle/>
+                    <a:p>
+                      <a:pPr algn="ctr" fontAlgn="b"/>
+                      <a:r>
+                        <a:rPr lang="fr-CA" sz="800" b="0" i="0" u="none" strike="noStrike">
+                          <a:solidFill>
+                            <a:srgbClr val="000000"/>
+                          </a:solidFill>
+                          <a:effectLst/>
+                          <a:latin typeface="Calibri" panose="020F0502020204030204" pitchFamily="34" charset="0"/>
+                        </a:rPr>
+                        <a:t>20</a:t>
+                      </a:r>
+                    </a:p>
+                  </a:txBody>
+                  <a:tcPr marL="5819" marR="5819" marT="5819" marB="0" anchor="b">
+                    <a:lnL>
+                      <a:noFill/>
+                    </a:lnL>
+                    <a:lnR>
+                      <a:noFill/>
+                    </a:lnR>
+                    <a:lnT>
+                      <a:noFill/>
+                    </a:lnT>
+                    <a:lnB>
+                      <a:noFill/>
+                    </a:lnB>
+                    <a:solidFill>
+                      <a:srgbClr val="FFEA84"/>
+                    </a:solidFill>
+                  </a:tcPr>
+                </a:tc>
+                <a:tc>
+                  <a:txBody>
+                    <a:bodyPr/>
+                    <a:lstStyle/>
+                    <a:p>
+                      <a:pPr algn="l" fontAlgn="b"/>
+                      <a:r>
+                        <a:rPr lang="fr-CA" sz="800" b="0" i="0" u="none" strike="noStrike">
+                          <a:solidFill>
+                            <a:srgbClr val="000000"/>
+                          </a:solidFill>
+                          <a:effectLst/>
+                          <a:latin typeface="Calibri" panose="020F0502020204030204" pitchFamily="34" charset="0"/>
+                        </a:rPr>
+                        <a:t>Dans notre cas : affecte nos outils de gestion (courbes en s, etc). Dans la vraie vie : problèmes pour la facturation au client + payes</a:t>
+                      </a:r>
+                    </a:p>
+                  </a:txBody>
+                  <a:tcPr marL="5819" marR="5819" marT="5819" marB="0" anchor="b">
+                    <a:lnL>
+                      <a:noFill/>
+                    </a:lnL>
+                    <a:lnR>
+                      <a:noFill/>
+                    </a:lnR>
+                    <a:lnT>
+                      <a:noFill/>
+                    </a:lnT>
+                    <a:lnB>
+                      <a:noFill/>
+                    </a:lnB>
+                  </a:tcPr>
+                </a:tc>
+                <a:tc>
+                  <a:txBody>
+                    <a:bodyPr/>
+                    <a:lstStyle/>
+                    <a:p>
+                      <a:pPr algn="l" fontAlgn="b"/>
+                      <a:r>
+                        <a:rPr lang="fr-CA" sz="800" b="0" i="0" u="none" strike="noStrike">
+                          <a:solidFill>
+                            <a:srgbClr val="000000"/>
+                          </a:solidFill>
+                          <a:effectLst/>
+                          <a:latin typeface="Calibri" panose="020F0502020204030204" pitchFamily="34" charset="0"/>
+                        </a:rPr>
+                        <a:t>Intégrer le mécanisme de poinçonage aux outils de gestion pour que les deux outils soient utilisés en simultané</a:t>
+                      </a:r>
+                    </a:p>
+                  </a:txBody>
+                  <a:tcPr marL="5819" marR="5819" marT="5819" marB="0" anchor="b">
+                    <a:lnL>
+                      <a:noFill/>
+                    </a:lnL>
+                    <a:lnR>
+                      <a:noFill/>
+                    </a:lnR>
+                    <a:lnT>
+                      <a:noFill/>
+                    </a:lnT>
+                    <a:lnB>
+                      <a:noFill/>
+                    </a:lnB>
+                  </a:tcPr>
+                </a:tc>
+                <a:extLst>
+                  <a:ext uri="{0D108BD9-81ED-4DB2-BD59-A6C34878D82A}">
+                    <a16:rowId xmlns:a16="http://schemas.microsoft.com/office/drawing/2014/main" val="2993733353"/>
+                  </a:ext>
+                </a:extLst>
+              </a:tr>
+              <a:tr h="358586">
+                <a:tc>
+                  <a:txBody>
+                    <a:bodyPr/>
+                    <a:lstStyle/>
+                    <a:p>
+                      <a:pPr algn="l" fontAlgn="b"/>
+                      <a:r>
+                        <a:rPr lang="fr-CA" sz="800" b="0" i="0" u="none" strike="noStrike">
+                          <a:solidFill>
+                            <a:srgbClr val="000000"/>
+                          </a:solidFill>
+                          <a:effectLst/>
+                          <a:latin typeface="Calibri" panose="020F0502020204030204" pitchFamily="34" charset="0"/>
+                        </a:rPr>
+                        <a:t>Gestionnaires blasés du projet</a:t>
+                      </a:r>
+                    </a:p>
+                  </a:txBody>
+                  <a:tcPr marL="5819" marR="5819" marT="5819" marB="0" anchor="b">
+                    <a:lnL>
+                      <a:noFill/>
+                    </a:lnL>
+                    <a:lnR>
+                      <a:noFill/>
+                    </a:lnR>
+                    <a:lnT>
+                      <a:noFill/>
+                    </a:lnT>
+                    <a:lnB>
+                      <a:noFill/>
+                    </a:lnB>
+                  </a:tcPr>
+                </a:tc>
+                <a:tc>
+                  <a:txBody>
+                    <a:bodyPr/>
+                    <a:lstStyle/>
+                    <a:p>
+                      <a:pPr algn="ctr" fontAlgn="b"/>
+                      <a:r>
+                        <a:rPr lang="fr-CA" sz="800" b="0" i="0" u="none" strike="noStrike">
+                          <a:solidFill>
+                            <a:srgbClr val="000000"/>
+                          </a:solidFill>
+                          <a:effectLst/>
+                          <a:latin typeface="Calibri" panose="020F0502020204030204" pitchFamily="34" charset="0"/>
+                        </a:rPr>
+                        <a:t>2</a:t>
+                      </a:r>
+                    </a:p>
+                  </a:txBody>
+                  <a:tcPr marL="5819" marR="5819" marT="5819" marB="0" anchor="b">
+                    <a:lnL>
+                      <a:noFill/>
+                    </a:lnL>
+                    <a:lnR>
+                      <a:noFill/>
+                    </a:lnR>
+                    <a:lnT>
+                      <a:noFill/>
+                    </a:lnT>
+                    <a:lnB>
+                      <a:noFill/>
+                    </a:lnB>
+                  </a:tcPr>
+                </a:tc>
+                <a:tc>
+                  <a:txBody>
+                    <a:bodyPr/>
+                    <a:lstStyle/>
+                    <a:p>
+                      <a:pPr algn="ctr" fontAlgn="b"/>
+                      <a:r>
+                        <a:rPr lang="fr-CA" sz="800" b="0" i="0" u="none" strike="noStrike">
+                          <a:solidFill>
+                            <a:srgbClr val="000000"/>
+                          </a:solidFill>
+                          <a:effectLst/>
+                          <a:latin typeface="Calibri" panose="020F0502020204030204" pitchFamily="34" charset="0"/>
+                        </a:rPr>
+                        <a:t>3</a:t>
+                      </a:r>
+                    </a:p>
+                  </a:txBody>
+                  <a:tcPr marL="5819" marR="5819" marT="5819" marB="0" anchor="b">
+                    <a:lnL>
+                      <a:noFill/>
+                    </a:lnL>
+                    <a:lnR>
+                      <a:noFill/>
+                    </a:lnR>
+                    <a:lnT>
+                      <a:noFill/>
+                    </a:lnT>
+                    <a:lnB>
+                      <a:noFill/>
+                    </a:lnB>
+                  </a:tcPr>
+                </a:tc>
+                <a:tc>
+                  <a:txBody>
+                    <a:bodyPr/>
+                    <a:lstStyle/>
+                    <a:p>
+                      <a:pPr algn="ctr" fontAlgn="b"/>
+                      <a:r>
+                        <a:rPr lang="fr-CA" sz="800" b="0" i="0" u="none" strike="noStrike">
+                          <a:solidFill>
+                            <a:srgbClr val="000000"/>
+                          </a:solidFill>
+                          <a:effectLst/>
+                          <a:latin typeface="Calibri" panose="020F0502020204030204" pitchFamily="34" charset="0"/>
+                        </a:rPr>
+                        <a:t>3</a:t>
+                      </a:r>
+                    </a:p>
+                  </a:txBody>
+                  <a:tcPr marL="5819" marR="5819" marT="5819" marB="0" anchor="b">
+                    <a:lnL>
+                      <a:noFill/>
+                    </a:lnL>
+                    <a:lnR>
+                      <a:noFill/>
+                    </a:lnR>
+                    <a:lnT>
+                      <a:noFill/>
+                    </a:lnT>
+                    <a:lnB>
+                      <a:noFill/>
+                    </a:lnB>
+                  </a:tcPr>
+                </a:tc>
+                <a:tc>
+                  <a:txBody>
+                    <a:bodyPr/>
+                    <a:lstStyle/>
+                    <a:p>
+                      <a:pPr algn="ctr" fontAlgn="b"/>
+                      <a:r>
+                        <a:rPr lang="fr-CA" sz="800" b="0" i="0" u="none" strike="noStrike">
+                          <a:solidFill>
+                            <a:srgbClr val="000000"/>
+                          </a:solidFill>
+                          <a:effectLst/>
+                          <a:latin typeface="Calibri" panose="020F0502020204030204" pitchFamily="34" charset="0"/>
+                        </a:rPr>
+                        <a:t>18</a:t>
+                      </a:r>
+                    </a:p>
+                  </a:txBody>
+                  <a:tcPr marL="5819" marR="5819" marT="5819" marB="0" anchor="b">
+                    <a:lnL>
+                      <a:noFill/>
+                    </a:lnL>
+                    <a:lnR>
+                      <a:noFill/>
+                    </a:lnR>
+                    <a:lnT>
+                      <a:noFill/>
+                    </a:lnT>
+                    <a:lnB>
+                      <a:noFill/>
+                    </a:lnB>
+                    <a:solidFill>
+                      <a:srgbClr val="F4E883"/>
+                    </a:solidFill>
+                  </a:tcPr>
+                </a:tc>
+                <a:tc>
+                  <a:txBody>
+                    <a:bodyPr/>
+                    <a:lstStyle/>
+                    <a:p>
+                      <a:pPr algn="l" fontAlgn="b"/>
+                      <a:r>
+                        <a:rPr lang="fr-CA" sz="800" b="0" i="0" u="none" strike="noStrike">
+                          <a:solidFill>
+                            <a:srgbClr val="000000"/>
+                          </a:solidFill>
+                          <a:effectLst/>
+                          <a:latin typeface="Calibri" panose="020F0502020204030204" pitchFamily="34" charset="0"/>
+                        </a:rPr>
+                        <a:t>Peut causer une mauvaise gestion du projet</a:t>
+                      </a:r>
+                    </a:p>
+                  </a:txBody>
+                  <a:tcPr marL="5819" marR="5819" marT="5819" marB="0" anchor="b">
+                    <a:lnL>
+                      <a:noFill/>
+                    </a:lnL>
+                    <a:lnR>
+                      <a:noFill/>
+                    </a:lnR>
+                    <a:lnT>
+                      <a:noFill/>
+                    </a:lnT>
+                    <a:lnB>
+                      <a:noFill/>
+                    </a:lnB>
+                  </a:tcPr>
+                </a:tc>
+                <a:tc>
+                  <a:txBody>
+                    <a:bodyPr/>
+                    <a:lstStyle/>
+                    <a:p>
+                      <a:pPr algn="l" fontAlgn="b"/>
+                      <a:r>
+                        <a:rPr lang="fr-CA" sz="800" b="0" i="0" u="none" strike="noStrike">
+                          <a:solidFill>
+                            <a:srgbClr val="000000"/>
+                          </a:solidFill>
+                          <a:effectLst/>
+                          <a:latin typeface="Calibri" panose="020F0502020204030204" pitchFamily="34" charset="0"/>
+                        </a:rPr>
+                        <a:t>Avoir plus qu'un gestionnaire et d'avoir de la communication entre-eux</a:t>
+                      </a:r>
+                    </a:p>
+                  </a:txBody>
+                  <a:tcPr marL="5819" marR="5819" marT="5819" marB="0" anchor="b">
+                    <a:lnL>
+                      <a:noFill/>
+                    </a:lnL>
+                    <a:lnR>
+                      <a:noFill/>
+                    </a:lnR>
+                    <a:lnT>
+                      <a:noFill/>
+                    </a:lnT>
+                    <a:lnB>
+                      <a:noFill/>
+                    </a:lnB>
+                  </a:tcPr>
+                </a:tc>
+                <a:extLst>
+                  <a:ext uri="{0D108BD9-81ED-4DB2-BD59-A6C34878D82A}">
+                    <a16:rowId xmlns:a16="http://schemas.microsoft.com/office/drawing/2014/main" val="2556318634"/>
+                  </a:ext>
+                </a:extLst>
+              </a:tr>
+              <a:tr h="717171">
+                <a:tc>
+                  <a:txBody>
+                    <a:bodyPr/>
+                    <a:lstStyle/>
+                    <a:p>
+                      <a:pPr algn="l" fontAlgn="b"/>
+                      <a:r>
+                        <a:rPr lang="fr-CA" sz="800" b="0" i="0" u="none" strike="noStrike">
+                          <a:solidFill>
+                            <a:srgbClr val="000000"/>
+                          </a:solidFill>
+                          <a:effectLst/>
+                          <a:latin typeface="Calibri" panose="020F0502020204030204" pitchFamily="34" charset="0"/>
+                        </a:rPr>
+                        <a:t>Problêmes de douanes lors du shipping de pièces</a:t>
+                      </a:r>
+                    </a:p>
+                  </a:txBody>
+                  <a:tcPr marL="5819" marR="5819" marT="5819" marB="0" anchor="b">
+                    <a:lnL>
+                      <a:noFill/>
+                    </a:lnL>
+                    <a:lnR>
+                      <a:noFill/>
+                    </a:lnR>
+                    <a:lnT>
+                      <a:noFill/>
+                    </a:lnT>
+                    <a:lnB>
+                      <a:noFill/>
+                    </a:lnB>
+                  </a:tcPr>
+                </a:tc>
+                <a:tc>
+                  <a:txBody>
+                    <a:bodyPr/>
+                    <a:lstStyle/>
+                    <a:p>
+                      <a:pPr algn="ctr" fontAlgn="b"/>
+                      <a:r>
+                        <a:rPr lang="fr-CA" sz="800" b="0" i="0" u="none" strike="noStrike">
+                          <a:solidFill>
+                            <a:srgbClr val="000000"/>
+                          </a:solidFill>
+                          <a:effectLst/>
+                          <a:latin typeface="Calibri" panose="020F0502020204030204" pitchFamily="34" charset="0"/>
+                        </a:rPr>
+                        <a:t>3</a:t>
+                      </a:r>
+                    </a:p>
+                  </a:txBody>
+                  <a:tcPr marL="5819" marR="5819" marT="5819" marB="0" anchor="b">
+                    <a:lnL>
+                      <a:noFill/>
+                    </a:lnL>
+                    <a:lnR>
+                      <a:noFill/>
+                    </a:lnR>
+                    <a:lnT>
+                      <a:noFill/>
+                    </a:lnT>
+                    <a:lnB>
+                      <a:noFill/>
+                    </a:lnB>
+                  </a:tcPr>
+                </a:tc>
+                <a:tc>
+                  <a:txBody>
+                    <a:bodyPr/>
+                    <a:lstStyle/>
+                    <a:p>
+                      <a:pPr algn="ctr" fontAlgn="b"/>
+                      <a:r>
+                        <a:rPr lang="fr-CA" sz="800" b="0" i="0" u="none" strike="noStrike">
+                          <a:solidFill>
+                            <a:srgbClr val="000000"/>
+                          </a:solidFill>
+                          <a:effectLst/>
+                          <a:latin typeface="Calibri" panose="020F0502020204030204" pitchFamily="34" charset="0"/>
+                        </a:rPr>
+                        <a:t>2</a:t>
+                      </a:r>
+                    </a:p>
+                  </a:txBody>
+                  <a:tcPr marL="5819" marR="5819" marT="5819" marB="0" anchor="b">
+                    <a:lnL>
+                      <a:noFill/>
+                    </a:lnL>
+                    <a:lnR>
+                      <a:noFill/>
+                    </a:lnR>
+                    <a:lnT>
+                      <a:noFill/>
+                    </a:lnT>
+                    <a:lnB>
+                      <a:noFill/>
+                    </a:lnB>
+                  </a:tcPr>
+                </a:tc>
+                <a:tc>
+                  <a:txBody>
+                    <a:bodyPr/>
+                    <a:lstStyle/>
+                    <a:p>
+                      <a:pPr algn="ctr" fontAlgn="b"/>
+                      <a:r>
+                        <a:rPr lang="fr-CA" sz="800" b="0" i="0" u="none" strike="noStrike">
+                          <a:solidFill>
+                            <a:srgbClr val="000000"/>
+                          </a:solidFill>
+                          <a:effectLst/>
+                          <a:latin typeface="Calibri" panose="020F0502020204030204" pitchFamily="34" charset="0"/>
+                        </a:rPr>
+                        <a:t>3</a:t>
+                      </a:r>
+                    </a:p>
+                  </a:txBody>
+                  <a:tcPr marL="5819" marR="5819" marT="5819" marB="0" anchor="b">
+                    <a:lnL>
+                      <a:noFill/>
+                    </a:lnL>
+                    <a:lnR>
+                      <a:noFill/>
+                    </a:lnR>
+                    <a:lnT>
+                      <a:noFill/>
+                    </a:lnT>
+                    <a:lnB>
+                      <a:noFill/>
+                    </a:lnB>
+                  </a:tcPr>
+                </a:tc>
+                <a:tc>
+                  <a:txBody>
+                    <a:bodyPr/>
+                    <a:lstStyle/>
+                    <a:p>
+                      <a:pPr algn="ctr" fontAlgn="b"/>
+                      <a:r>
+                        <a:rPr lang="fr-CA" sz="800" b="0" i="0" u="none" strike="noStrike">
+                          <a:solidFill>
+                            <a:srgbClr val="000000"/>
+                          </a:solidFill>
+                          <a:effectLst/>
+                          <a:latin typeface="Calibri" panose="020F0502020204030204" pitchFamily="34" charset="0"/>
+                        </a:rPr>
+                        <a:t>18</a:t>
+                      </a:r>
+                    </a:p>
+                  </a:txBody>
+                  <a:tcPr marL="5819" marR="5819" marT="5819" marB="0" anchor="b">
+                    <a:lnL>
+                      <a:noFill/>
+                    </a:lnL>
+                    <a:lnR>
+                      <a:noFill/>
+                    </a:lnR>
+                    <a:lnT>
+                      <a:noFill/>
+                    </a:lnT>
+                    <a:lnB>
+                      <a:noFill/>
+                    </a:lnB>
+                    <a:solidFill>
+                      <a:srgbClr val="F4E883"/>
+                    </a:solidFill>
+                  </a:tcPr>
+                </a:tc>
+                <a:tc>
+                  <a:txBody>
+                    <a:bodyPr/>
+                    <a:lstStyle/>
+                    <a:p>
+                      <a:pPr algn="l" fontAlgn="b"/>
+                      <a:r>
+                        <a:rPr lang="fr-CA" sz="800" b="0" i="0" u="none" strike="noStrike">
+                          <a:solidFill>
+                            <a:srgbClr val="000000"/>
+                          </a:solidFill>
+                          <a:effectLst/>
+                          <a:latin typeface="Calibri" panose="020F0502020204030204" pitchFamily="34" charset="0"/>
+                        </a:rPr>
+                        <a:t>Peut causer des délais de developpement</a:t>
+                      </a:r>
+                    </a:p>
+                  </a:txBody>
+                  <a:tcPr marL="5819" marR="5819" marT="5819" marB="0" anchor="b">
+                    <a:lnL>
+                      <a:noFill/>
+                    </a:lnL>
+                    <a:lnR>
+                      <a:noFill/>
+                    </a:lnR>
+                    <a:lnT>
+                      <a:noFill/>
+                    </a:lnT>
+                    <a:lnB>
+                      <a:noFill/>
+                    </a:lnB>
+                  </a:tcPr>
+                </a:tc>
+                <a:tc>
+                  <a:txBody>
+                    <a:bodyPr/>
+                    <a:lstStyle/>
+                    <a:p>
+                      <a:pPr algn="l" fontAlgn="b"/>
+                      <a:r>
+                        <a:rPr lang="fr-CA" sz="800" b="0" i="0" u="none" strike="noStrike">
+                          <a:solidFill>
+                            <a:srgbClr val="000000"/>
+                          </a:solidFill>
+                          <a:effectLst/>
+                          <a:latin typeface="Calibri" panose="020F0502020204030204" pitchFamily="34" charset="0"/>
+                        </a:rPr>
+                        <a:t>Choisir un projet réaliste qui emploie autant que possible de l'équipement fourni par l'école. Aussi, essayer de commander les pièces de distributeurs canadiens</a:t>
+                      </a:r>
+                    </a:p>
+                  </a:txBody>
+                  <a:tcPr marL="5819" marR="5819" marT="5819" marB="0" anchor="b">
+                    <a:lnL>
+                      <a:noFill/>
+                    </a:lnL>
+                    <a:lnR>
+                      <a:noFill/>
+                    </a:lnR>
+                    <a:lnT>
+                      <a:noFill/>
+                    </a:lnT>
+                    <a:lnB>
+                      <a:noFill/>
+                    </a:lnB>
+                  </a:tcPr>
+                </a:tc>
+                <a:extLst>
+                  <a:ext uri="{0D108BD9-81ED-4DB2-BD59-A6C34878D82A}">
+                    <a16:rowId xmlns:a16="http://schemas.microsoft.com/office/drawing/2014/main" val="1735457678"/>
+                  </a:ext>
+                </a:extLst>
+              </a:tr>
+              <a:tr h="537878">
+                <a:tc>
+                  <a:txBody>
+                    <a:bodyPr/>
+                    <a:lstStyle/>
+                    <a:p>
+                      <a:pPr algn="l" fontAlgn="b"/>
+                      <a:r>
+                        <a:rPr lang="fr-CA" sz="800" b="0" i="0" u="none" strike="noStrike">
+                          <a:solidFill>
+                            <a:srgbClr val="000000"/>
+                          </a:solidFill>
+                          <a:effectLst/>
+                          <a:latin typeface="Calibri" panose="020F0502020204030204" pitchFamily="34" charset="0"/>
+                        </a:rPr>
+                        <a:t>Oubli d'assigner une tâche à un responsable</a:t>
+                      </a:r>
+                    </a:p>
+                  </a:txBody>
+                  <a:tcPr marL="5819" marR="5819" marT="5819" marB="0" anchor="b">
+                    <a:lnL>
+                      <a:noFill/>
+                    </a:lnL>
+                    <a:lnR>
+                      <a:noFill/>
+                    </a:lnR>
+                    <a:lnT>
+                      <a:noFill/>
+                    </a:lnT>
+                    <a:lnB>
+                      <a:noFill/>
+                    </a:lnB>
+                  </a:tcPr>
+                </a:tc>
+                <a:tc>
+                  <a:txBody>
+                    <a:bodyPr/>
+                    <a:lstStyle/>
+                    <a:p>
+                      <a:pPr algn="ctr" fontAlgn="b"/>
+                      <a:r>
+                        <a:rPr lang="fr-CA" sz="800" b="0" i="0" u="none" strike="noStrike">
+                          <a:solidFill>
+                            <a:srgbClr val="000000"/>
+                          </a:solidFill>
+                          <a:effectLst/>
+                          <a:latin typeface="Calibri" panose="020F0502020204030204" pitchFamily="34" charset="0"/>
+                        </a:rPr>
+                        <a:t>3</a:t>
+                      </a:r>
+                    </a:p>
+                  </a:txBody>
+                  <a:tcPr marL="5819" marR="5819" marT="5819" marB="0" anchor="b">
+                    <a:lnL>
+                      <a:noFill/>
+                    </a:lnL>
+                    <a:lnR>
+                      <a:noFill/>
+                    </a:lnR>
+                    <a:lnT>
+                      <a:noFill/>
+                    </a:lnT>
+                    <a:lnB>
+                      <a:noFill/>
+                    </a:lnB>
+                  </a:tcPr>
+                </a:tc>
+                <a:tc>
+                  <a:txBody>
+                    <a:bodyPr/>
+                    <a:lstStyle/>
+                    <a:p>
+                      <a:pPr algn="ctr" fontAlgn="b"/>
+                      <a:r>
+                        <a:rPr lang="fr-CA" sz="800" b="0" i="0" u="none" strike="noStrike">
+                          <a:solidFill>
+                            <a:srgbClr val="000000"/>
+                          </a:solidFill>
+                          <a:effectLst/>
+                          <a:latin typeface="Calibri" panose="020F0502020204030204" pitchFamily="34" charset="0"/>
+                        </a:rPr>
+                        <a:t>1</a:t>
+                      </a:r>
+                    </a:p>
+                  </a:txBody>
+                  <a:tcPr marL="5819" marR="5819" marT="5819" marB="0" anchor="b">
+                    <a:lnL>
+                      <a:noFill/>
+                    </a:lnL>
+                    <a:lnR>
+                      <a:noFill/>
+                    </a:lnR>
+                    <a:lnT>
+                      <a:noFill/>
+                    </a:lnT>
+                    <a:lnB>
+                      <a:noFill/>
+                    </a:lnB>
+                  </a:tcPr>
+                </a:tc>
+                <a:tc>
+                  <a:txBody>
+                    <a:bodyPr/>
+                    <a:lstStyle/>
+                    <a:p>
+                      <a:pPr algn="ctr" fontAlgn="b"/>
+                      <a:r>
+                        <a:rPr lang="fr-CA" sz="800" b="0" i="0" u="none" strike="noStrike">
+                          <a:solidFill>
+                            <a:srgbClr val="000000"/>
+                          </a:solidFill>
+                          <a:effectLst/>
+                          <a:latin typeface="Calibri" panose="020F0502020204030204" pitchFamily="34" charset="0"/>
+                        </a:rPr>
+                        <a:t>2</a:t>
+                      </a:r>
+                    </a:p>
+                  </a:txBody>
+                  <a:tcPr marL="5819" marR="5819" marT="5819" marB="0" anchor="b">
+                    <a:lnL>
+                      <a:noFill/>
+                    </a:lnL>
+                    <a:lnR>
+                      <a:noFill/>
+                    </a:lnR>
+                    <a:lnT>
+                      <a:noFill/>
+                    </a:lnT>
+                    <a:lnB>
+                      <a:noFill/>
+                    </a:lnB>
+                  </a:tcPr>
+                </a:tc>
+                <a:tc>
+                  <a:txBody>
+                    <a:bodyPr/>
+                    <a:lstStyle/>
+                    <a:p>
+                      <a:pPr algn="ctr" fontAlgn="b"/>
+                      <a:r>
+                        <a:rPr lang="fr-CA" sz="800" b="0" i="0" u="none" strike="noStrike">
+                          <a:solidFill>
+                            <a:srgbClr val="000000"/>
+                          </a:solidFill>
+                          <a:effectLst/>
+                          <a:latin typeface="Calibri" panose="020F0502020204030204" pitchFamily="34" charset="0"/>
+                        </a:rPr>
+                        <a:t>6</a:t>
+                      </a:r>
+                    </a:p>
+                  </a:txBody>
+                  <a:tcPr marL="5819" marR="5819" marT="5819" marB="0" anchor="b">
+                    <a:lnL>
+                      <a:noFill/>
+                    </a:lnL>
+                    <a:lnR>
+                      <a:noFill/>
+                    </a:lnR>
+                    <a:lnT>
+                      <a:noFill/>
+                    </a:lnT>
+                    <a:lnB>
+                      <a:noFill/>
+                    </a:lnB>
+                    <a:solidFill>
+                      <a:srgbClr val="77C47C"/>
+                    </a:solidFill>
+                  </a:tcPr>
+                </a:tc>
+                <a:tc>
+                  <a:txBody>
+                    <a:bodyPr/>
+                    <a:lstStyle/>
+                    <a:p>
+                      <a:pPr algn="l" fontAlgn="b"/>
+                      <a:r>
+                        <a:rPr lang="fr-CA" sz="800" b="0" i="0" u="none" strike="noStrike">
+                          <a:solidFill>
+                            <a:srgbClr val="000000"/>
+                          </a:solidFill>
+                          <a:effectLst/>
+                          <a:latin typeface="Calibri" panose="020F0502020204030204" pitchFamily="34" charset="0"/>
+                        </a:rPr>
+                        <a:t>Peut être détecté un peu trop tard et causer des rush de dernière minute</a:t>
+                      </a:r>
+                    </a:p>
+                  </a:txBody>
+                  <a:tcPr marL="5819" marR="5819" marT="5819" marB="0" anchor="b">
+                    <a:lnL>
+                      <a:noFill/>
+                    </a:lnL>
+                    <a:lnR>
+                      <a:noFill/>
+                    </a:lnR>
+                    <a:lnT>
+                      <a:noFill/>
+                    </a:lnT>
+                    <a:lnB>
+                      <a:noFill/>
+                    </a:lnB>
+                  </a:tcPr>
+                </a:tc>
+                <a:tc>
+                  <a:txBody>
+                    <a:bodyPr/>
+                    <a:lstStyle/>
+                    <a:p>
+                      <a:pPr algn="l" fontAlgn="b"/>
+                      <a:r>
+                        <a:rPr lang="fr-CA" sz="800" b="0" i="0" u="none" strike="noStrike">
+                          <a:solidFill>
+                            <a:srgbClr val="000000"/>
+                          </a:solidFill>
+                          <a:effectLst/>
+                          <a:latin typeface="Calibri" panose="020F0502020204030204" pitchFamily="34" charset="0"/>
+                        </a:rPr>
+                        <a:t>Utilisation d'outils de gestion. Il devient évident qui est responsable de quelle tâche. Aussi, se référer fréquemment au barême</a:t>
+                      </a:r>
+                    </a:p>
+                  </a:txBody>
+                  <a:tcPr marL="5819" marR="5819" marT="5819" marB="0" anchor="b">
+                    <a:lnL>
+                      <a:noFill/>
+                    </a:lnL>
+                    <a:lnR>
+                      <a:noFill/>
+                    </a:lnR>
+                    <a:lnT>
+                      <a:noFill/>
+                    </a:lnT>
+                    <a:lnB>
+                      <a:noFill/>
+                    </a:lnB>
+                  </a:tcPr>
+                </a:tc>
+                <a:extLst>
+                  <a:ext uri="{0D108BD9-81ED-4DB2-BD59-A6C34878D82A}">
+                    <a16:rowId xmlns:a16="http://schemas.microsoft.com/office/drawing/2014/main" val="1853428344"/>
+                  </a:ext>
+                </a:extLst>
+              </a:tr>
+              <a:tr h="358586">
+                <a:tc>
+                  <a:txBody>
+                    <a:bodyPr/>
+                    <a:lstStyle/>
+                    <a:p>
+                      <a:pPr algn="l" fontAlgn="b"/>
+                      <a:r>
+                        <a:rPr lang="fr-CA" sz="800" b="0" i="0" u="none" strike="noStrike">
+                          <a:solidFill>
+                            <a:srgbClr val="000000"/>
+                          </a:solidFill>
+                          <a:effectLst/>
+                          <a:latin typeface="Calibri" panose="020F0502020204030204" pitchFamily="34" charset="0"/>
+                        </a:rPr>
+                        <a:t>Coûts de développement trop élevés</a:t>
+                      </a:r>
+                    </a:p>
+                  </a:txBody>
+                  <a:tcPr marL="5819" marR="5819" marT="5819" marB="0" anchor="b">
+                    <a:lnL>
+                      <a:noFill/>
+                    </a:lnL>
+                    <a:lnR>
+                      <a:noFill/>
+                    </a:lnR>
+                    <a:lnT>
+                      <a:noFill/>
+                    </a:lnT>
+                    <a:lnB>
+                      <a:noFill/>
+                    </a:lnB>
+                  </a:tcPr>
+                </a:tc>
+                <a:tc>
+                  <a:txBody>
+                    <a:bodyPr/>
+                    <a:lstStyle/>
+                    <a:p>
+                      <a:pPr algn="ctr" fontAlgn="b"/>
+                      <a:r>
+                        <a:rPr lang="fr-CA" sz="800" b="0" i="0" u="none" strike="noStrike">
+                          <a:solidFill>
+                            <a:srgbClr val="000000"/>
+                          </a:solidFill>
+                          <a:effectLst/>
+                          <a:latin typeface="Calibri" panose="020F0502020204030204" pitchFamily="34" charset="0"/>
+                        </a:rPr>
+                        <a:t>2</a:t>
+                      </a:r>
+                    </a:p>
+                  </a:txBody>
+                  <a:tcPr marL="5819" marR="5819" marT="5819" marB="0" anchor="b">
+                    <a:lnL>
+                      <a:noFill/>
+                    </a:lnL>
+                    <a:lnR>
+                      <a:noFill/>
+                    </a:lnR>
+                    <a:lnT>
+                      <a:noFill/>
+                    </a:lnT>
+                    <a:lnB>
+                      <a:noFill/>
+                    </a:lnB>
+                  </a:tcPr>
+                </a:tc>
+                <a:tc>
+                  <a:txBody>
+                    <a:bodyPr/>
+                    <a:lstStyle/>
+                    <a:p>
+                      <a:pPr algn="ctr" fontAlgn="b"/>
+                      <a:r>
+                        <a:rPr lang="fr-CA" sz="800" b="0" i="0" u="none" strike="noStrike">
+                          <a:solidFill>
+                            <a:srgbClr val="000000"/>
+                          </a:solidFill>
+                          <a:effectLst/>
+                          <a:latin typeface="Calibri" panose="020F0502020204030204" pitchFamily="34" charset="0"/>
+                        </a:rPr>
+                        <a:t>3</a:t>
+                      </a:r>
+                    </a:p>
+                  </a:txBody>
+                  <a:tcPr marL="5819" marR="5819" marT="5819" marB="0" anchor="b">
+                    <a:lnL>
+                      <a:noFill/>
+                    </a:lnL>
+                    <a:lnR>
+                      <a:noFill/>
+                    </a:lnR>
+                    <a:lnT>
+                      <a:noFill/>
+                    </a:lnT>
+                    <a:lnB>
+                      <a:noFill/>
+                    </a:lnB>
+                  </a:tcPr>
+                </a:tc>
+                <a:tc>
+                  <a:txBody>
+                    <a:bodyPr/>
+                    <a:lstStyle/>
+                    <a:p>
+                      <a:pPr algn="ctr" fontAlgn="b"/>
+                      <a:r>
+                        <a:rPr lang="fr-CA" sz="800" b="0" i="0" u="none" strike="noStrike">
+                          <a:solidFill>
+                            <a:srgbClr val="000000"/>
+                          </a:solidFill>
+                          <a:effectLst/>
+                          <a:latin typeface="Calibri" panose="020F0502020204030204" pitchFamily="34" charset="0"/>
+                        </a:rPr>
+                        <a:t>1</a:t>
+                      </a:r>
+                    </a:p>
+                  </a:txBody>
+                  <a:tcPr marL="5819" marR="5819" marT="5819" marB="0" anchor="b">
+                    <a:lnL>
+                      <a:noFill/>
+                    </a:lnL>
+                    <a:lnR>
+                      <a:noFill/>
+                    </a:lnR>
+                    <a:lnT>
+                      <a:noFill/>
+                    </a:lnT>
+                    <a:lnB>
+                      <a:noFill/>
+                    </a:lnB>
+                  </a:tcPr>
+                </a:tc>
+                <a:tc>
+                  <a:txBody>
+                    <a:bodyPr/>
+                    <a:lstStyle/>
+                    <a:p>
+                      <a:pPr algn="ctr" fontAlgn="b"/>
+                      <a:r>
+                        <a:rPr lang="fr-CA" sz="800" b="0" i="0" u="none" strike="noStrike">
+                          <a:solidFill>
+                            <a:srgbClr val="000000"/>
+                          </a:solidFill>
+                          <a:effectLst/>
+                          <a:latin typeface="Calibri" panose="020F0502020204030204" pitchFamily="34" charset="0"/>
+                        </a:rPr>
+                        <a:t>6</a:t>
+                      </a:r>
+                    </a:p>
+                  </a:txBody>
+                  <a:tcPr marL="5819" marR="5819" marT="5819" marB="0" anchor="b">
+                    <a:lnL>
+                      <a:noFill/>
+                    </a:lnL>
+                    <a:lnR>
+                      <a:noFill/>
+                    </a:lnR>
+                    <a:lnT>
+                      <a:noFill/>
+                    </a:lnT>
+                    <a:lnB>
+                      <a:noFill/>
+                    </a:lnB>
+                    <a:solidFill>
+                      <a:srgbClr val="77C47C"/>
+                    </a:solidFill>
+                  </a:tcPr>
+                </a:tc>
+                <a:tc>
+                  <a:txBody>
+                    <a:bodyPr/>
+                    <a:lstStyle/>
+                    <a:p>
+                      <a:pPr algn="l" fontAlgn="b"/>
+                      <a:r>
+                        <a:rPr lang="fr-CA" sz="800" b="0" i="0" u="none" strike="noStrike">
+                          <a:solidFill>
+                            <a:srgbClr val="000000"/>
+                          </a:solidFill>
+                          <a:effectLst/>
+                          <a:latin typeface="Calibri" panose="020F0502020204030204" pitchFamily="34" charset="0"/>
+                        </a:rPr>
+                        <a:t>Peut causer de la frustration auprès des membres qui paient</a:t>
+                      </a:r>
+                    </a:p>
+                  </a:txBody>
+                  <a:tcPr marL="5819" marR="5819" marT="5819" marB="0" anchor="b">
+                    <a:lnL>
+                      <a:noFill/>
+                    </a:lnL>
+                    <a:lnR>
+                      <a:noFill/>
+                    </a:lnR>
+                    <a:lnT>
+                      <a:noFill/>
+                    </a:lnT>
+                    <a:lnB>
+                      <a:noFill/>
+                    </a:lnB>
+                  </a:tcPr>
+                </a:tc>
+                <a:tc>
+                  <a:txBody>
+                    <a:bodyPr/>
+                    <a:lstStyle/>
+                    <a:p>
+                      <a:pPr algn="l" fontAlgn="b"/>
+                      <a:r>
+                        <a:rPr lang="fr-CA" sz="800" b="0" i="0" u="none" strike="noStrike">
+                          <a:solidFill>
+                            <a:srgbClr val="000000"/>
+                          </a:solidFill>
+                          <a:effectLst/>
+                          <a:latin typeface="Calibri" panose="020F0502020204030204" pitchFamily="34" charset="0"/>
+                        </a:rPr>
+                        <a:t>Choisir un projet réaliste qui emploie autant que possible de l'équipement fourni par l'école</a:t>
+                      </a:r>
+                    </a:p>
+                  </a:txBody>
+                  <a:tcPr marL="5819" marR="5819" marT="5819" marB="0" anchor="b">
+                    <a:lnL>
+                      <a:noFill/>
+                    </a:lnL>
+                    <a:lnR>
+                      <a:noFill/>
+                    </a:lnR>
+                    <a:lnT>
+                      <a:noFill/>
+                    </a:lnT>
+                    <a:lnB>
+                      <a:noFill/>
+                    </a:lnB>
+                  </a:tcPr>
+                </a:tc>
+                <a:extLst>
+                  <a:ext uri="{0D108BD9-81ED-4DB2-BD59-A6C34878D82A}">
+                    <a16:rowId xmlns:a16="http://schemas.microsoft.com/office/drawing/2014/main" val="1321173152"/>
+                  </a:ext>
+                </a:extLst>
+              </a:tr>
+              <a:tr h="358586">
+                <a:tc>
+                  <a:txBody>
+                    <a:bodyPr/>
+                    <a:lstStyle/>
+                    <a:p>
+                      <a:pPr algn="l" fontAlgn="b"/>
+                      <a:r>
+                        <a:rPr lang="fr-CA" sz="800" b="0" i="0" u="none" strike="noStrike">
+                          <a:solidFill>
+                            <a:srgbClr val="000000"/>
+                          </a:solidFill>
+                          <a:effectLst/>
+                          <a:latin typeface="Calibri" panose="020F0502020204030204" pitchFamily="34" charset="0"/>
+                        </a:rPr>
+                        <a:t>Code mal documenté</a:t>
+                      </a:r>
+                    </a:p>
+                  </a:txBody>
+                  <a:tcPr marL="5819" marR="5819" marT="5819" marB="0" anchor="b">
+                    <a:lnL>
+                      <a:noFill/>
+                    </a:lnL>
+                    <a:lnR>
+                      <a:noFill/>
+                    </a:lnR>
+                    <a:lnT>
+                      <a:noFill/>
+                    </a:lnT>
+                    <a:lnB>
+                      <a:noFill/>
+                    </a:lnB>
+                  </a:tcPr>
+                </a:tc>
+                <a:tc>
+                  <a:txBody>
+                    <a:bodyPr/>
+                    <a:lstStyle/>
+                    <a:p>
+                      <a:pPr algn="ctr" fontAlgn="b"/>
+                      <a:r>
+                        <a:rPr lang="fr-CA" sz="800" b="0" i="0" u="none" strike="noStrike">
+                          <a:solidFill>
+                            <a:srgbClr val="000000"/>
+                          </a:solidFill>
+                          <a:effectLst/>
+                          <a:latin typeface="Calibri" panose="020F0502020204030204" pitchFamily="34" charset="0"/>
+                        </a:rPr>
+                        <a:t>2</a:t>
+                      </a:r>
+                    </a:p>
+                  </a:txBody>
+                  <a:tcPr marL="5819" marR="5819" marT="5819" marB="0" anchor="b">
+                    <a:lnL>
+                      <a:noFill/>
+                    </a:lnL>
+                    <a:lnR>
+                      <a:noFill/>
+                    </a:lnR>
+                    <a:lnT>
+                      <a:noFill/>
+                    </a:lnT>
+                    <a:lnB>
+                      <a:noFill/>
+                    </a:lnB>
+                  </a:tcPr>
+                </a:tc>
+                <a:tc>
+                  <a:txBody>
+                    <a:bodyPr/>
+                    <a:lstStyle/>
+                    <a:p>
+                      <a:pPr algn="ctr" fontAlgn="b"/>
+                      <a:r>
+                        <a:rPr lang="fr-CA" sz="800" b="0" i="0" u="none" strike="noStrike">
+                          <a:solidFill>
+                            <a:srgbClr val="000000"/>
+                          </a:solidFill>
+                          <a:effectLst/>
+                          <a:latin typeface="Calibri" panose="020F0502020204030204" pitchFamily="34" charset="0"/>
+                        </a:rPr>
+                        <a:t>2</a:t>
+                      </a:r>
+                    </a:p>
+                  </a:txBody>
+                  <a:tcPr marL="5819" marR="5819" marT="5819" marB="0" anchor="b">
+                    <a:lnL>
+                      <a:noFill/>
+                    </a:lnL>
+                    <a:lnR>
+                      <a:noFill/>
+                    </a:lnR>
+                    <a:lnT>
+                      <a:noFill/>
+                    </a:lnT>
+                    <a:lnB>
+                      <a:noFill/>
+                    </a:lnB>
+                  </a:tcPr>
+                </a:tc>
+                <a:tc>
+                  <a:txBody>
+                    <a:bodyPr/>
+                    <a:lstStyle/>
+                    <a:p>
+                      <a:pPr algn="ctr" fontAlgn="b"/>
+                      <a:r>
+                        <a:rPr lang="fr-CA" sz="800" b="0" i="0" u="none" strike="noStrike">
+                          <a:solidFill>
+                            <a:srgbClr val="000000"/>
+                          </a:solidFill>
+                          <a:effectLst/>
+                          <a:latin typeface="Calibri" panose="020F0502020204030204" pitchFamily="34" charset="0"/>
+                        </a:rPr>
+                        <a:t>1</a:t>
+                      </a:r>
+                    </a:p>
+                  </a:txBody>
+                  <a:tcPr marL="5819" marR="5819" marT="5819" marB="0" anchor="b">
+                    <a:lnL>
+                      <a:noFill/>
+                    </a:lnL>
+                    <a:lnR>
+                      <a:noFill/>
+                    </a:lnR>
+                    <a:lnT>
+                      <a:noFill/>
+                    </a:lnT>
+                    <a:lnB>
+                      <a:noFill/>
+                    </a:lnB>
+                  </a:tcPr>
+                </a:tc>
+                <a:tc>
+                  <a:txBody>
+                    <a:bodyPr/>
+                    <a:lstStyle/>
+                    <a:p>
+                      <a:pPr algn="ctr" fontAlgn="b"/>
+                      <a:r>
+                        <a:rPr lang="fr-CA" sz="800" b="0" i="0" u="none" strike="noStrike">
+                          <a:solidFill>
+                            <a:srgbClr val="000000"/>
+                          </a:solidFill>
+                          <a:effectLst/>
+                          <a:latin typeface="Calibri" panose="020F0502020204030204" pitchFamily="34" charset="0"/>
+                        </a:rPr>
+                        <a:t>4</a:t>
+                      </a:r>
+                    </a:p>
+                  </a:txBody>
+                  <a:tcPr marL="5819" marR="5819" marT="5819" marB="0" anchor="b">
+                    <a:lnL>
+                      <a:noFill/>
+                    </a:lnL>
+                    <a:lnR>
+                      <a:noFill/>
+                    </a:lnR>
+                    <a:lnT>
+                      <a:noFill/>
+                    </a:lnT>
+                    <a:lnB>
+                      <a:noFill/>
+                    </a:lnB>
+                    <a:solidFill>
+                      <a:srgbClr val="63BE7B"/>
+                    </a:solidFill>
+                  </a:tcPr>
+                </a:tc>
+                <a:tc>
+                  <a:txBody>
+                    <a:bodyPr/>
+                    <a:lstStyle/>
+                    <a:p>
+                      <a:pPr algn="l" fontAlgn="b"/>
+                      <a:r>
+                        <a:rPr lang="fr-CA" sz="800" b="0" i="0" u="none" strike="noStrike">
+                          <a:solidFill>
+                            <a:srgbClr val="000000"/>
+                          </a:solidFill>
+                          <a:effectLst/>
+                          <a:latin typeface="Calibri" panose="020F0502020204030204" pitchFamily="34" charset="0"/>
+                        </a:rPr>
+                        <a:t>Peut causer de la confusion</a:t>
+                      </a:r>
+                    </a:p>
+                  </a:txBody>
+                  <a:tcPr marL="5819" marR="5819" marT="5819" marB="0" anchor="b">
+                    <a:lnL>
+                      <a:noFill/>
+                    </a:lnL>
+                    <a:lnR>
+                      <a:noFill/>
+                    </a:lnR>
+                    <a:lnT>
+                      <a:noFill/>
+                    </a:lnT>
+                    <a:lnB>
+                      <a:noFill/>
+                    </a:lnB>
+                  </a:tcPr>
+                </a:tc>
+                <a:tc>
+                  <a:txBody>
+                    <a:bodyPr/>
+                    <a:lstStyle/>
+                    <a:p>
+                      <a:pPr algn="l" fontAlgn="b"/>
+                      <a:r>
+                        <a:rPr lang="fr-CA" sz="800" b="0" i="0" u="none" strike="noStrike" dirty="0">
+                          <a:solidFill>
+                            <a:srgbClr val="000000"/>
+                          </a:solidFill>
+                          <a:effectLst/>
+                          <a:latin typeface="Calibri" panose="020F0502020204030204" pitchFamily="34" charset="0"/>
+                        </a:rPr>
+                        <a:t>Pull-</a:t>
+                      </a:r>
+                      <a:r>
+                        <a:rPr lang="fr-CA" sz="800" b="0" i="0" u="none" strike="noStrike" dirty="0" err="1">
+                          <a:solidFill>
+                            <a:srgbClr val="000000"/>
+                          </a:solidFill>
+                          <a:effectLst/>
+                          <a:latin typeface="Calibri" panose="020F0502020204030204" pitchFamily="34" charset="0"/>
+                        </a:rPr>
+                        <a:t>requests</a:t>
+                      </a:r>
+                      <a:r>
+                        <a:rPr lang="fr-CA" sz="800" b="0" i="0" u="none" strike="noStrike" dirty="0">
+                          <a:solidFill>
+                            <a:srgbClr val="000000"/>
+                          </a:solidFill>
+                          <a:effectLst/>
+                          <a:latin typeface="Calibri" panose="020F0502020204030204" pitchFamily="34" charset="0"/>
+                        </a:rPr>
+                        <a:t> qui s'assurent que le code soit révisé avant de le considérer comme final</a:t>
+                      </a:r>
+                    </a:p>
+                  </a:txBody>
+                  <a:tcPr marL="5819" marR="5819" marT="5819" marB="0" anchor="b">
+                    <a:lnL>
+                      <a:noFill/>
+                    </a:lnL>
+                    <a:lnR>
+                      <a:noFill/>
+                    </a:lnR>
+                    <a:lnT>
+                      <a:noFill/>
+                    </a:lnT>
+                    <a:lnB>
+                      <a:noFill/>
+                    </a:lnB>
+                  </a:tcPr>
+                </a:tc>
+                <a:extLst>
+                  <a:ext uri="{0D108BD9-81ED-4DB2-BD59-A6C34878D82A}">
+                    <a16:rowId xmlns:a16="http://schemas.microsoft.com/office/drawing/2014/main" val="2039959520"/>
+                  </a:ext>
+                </a:extLst>
+              </a:tr>
+            </a:tbl>
+          </a:graphicData>
+        </a:graphic>
+      </p:graphicFrame>
+    </p:spTree>
+    <p:extLst>
+      <p:ext uri="{BB962C8B-B14F-4D97-AF65-F5344CB8AC3E}">
+        <p14:creationId xmlns:p14="http://schemas.microsoft.com/office/powerpoint/2010/main" val="3737034658"/>
       </p:ext>
     </p:extLst>
   </p:cSld>
@@ -6509,7 +13736,7 @@
           <a:p>
             <a:r>
               <a:rPr lang="fr-CA" sz="3000" dirty="0"/>
-              <a:t>Présentation du produit</a:t>
+              <a:t>Présentation du produit – idée générale</a:t>
             </a:r>
             <a:endParaRPr lang="en-CA" sz="3000" dirty="0"/>
           </a:p>
@@ -6535,7 +13762,28 @@
           <a:bodyPr/>
           <a:lstStyle/>
           <a:p>
-            <a:endParaRPr lang="fr-CA" dirty="0"/>
+            <a:r>
+              <a:rPr lang="fr-CA" dirty="0"/>
+              <a:t>Notre produit est une plateforme embarqué qui fait la détection de notes de musique avec leurs divisions temporelle et leur endroit dans une mesure ainsi que des accords. </a:t>
+            </a:r>
+          </a:p>
+          <a:p>
+            <a:r>
+              <a:rPr lang="fr-CA" dirty="0"/>
+              <a:t>Plateforme d’apprentissage intégré</a:t>
+            </a:r>
+          </a:p>
+          <a:p>
+            <a:r>
+              <a:rPr lang="fr-CA" dirty="0"/>
+              <a:t>Produit permettant la pratique musical</a:t>
+            </a:r>
+          </a:p>
+          <a:p>
+            <a:r>
+              <a:rPr lang="fr-CA" dirty="0"/>
+              <a:t>Axé pour les compositeurs autant que les élèves</a:t>
+            </a:r>
           </a:p>
         </p:txBody>
       </p:sp>
@@ -6593,7 +13841,7 @@
           <a:p>
             <a:r>
               <a:rPr lang="fr-CA" sz="3000" dirty="0"/>
-              <a:t>Utilisateur cible et concurrence existante</a:t>
+              <a:t>Présentation du produit – fonctions principales</a:t>
             </a:r>
             <a:endParaRPr lang="en-CA" sz="3000" dirty="0"/>
           </a:p>
@@ -6618,6 +13866,55 @@
         <p:txBody>
           <a:bodyPr/>
           <a:lstStyle/>
+          <a:p>
+            <a:pPr lvl="0"/>
+            <a:r>
+              <a:rPr lang="fr-CA" dirty="0"/>
+              <a:t>L’affichage temps réel de notes et accord joués au piano</a:t>
+            </a:r>
+          </a:p>
+          <a:p>
+            <a:pPr lvl="0"/>
+            <a:r>
+              <a:rPr lang="fr-CA" dirty="0"/>
+              <a:t> L’affichage temps réel d’une partition joué (composée seulement de notes singulières)</a:t>
+            </a:r>
+          </a:p>
+          <a:p>
+            <a:pPr lvl="0"/>
+            <a:r>
+              <a:rPr lang="fr-CA" dirty="0"/>
+              <a:t>L’enregistrement des partitions que l’on joue;</a:t>
+            </a:r>
+          </a:p>
+          <a:p>
+            <a:pPr lvl="0"/>
+            <a:r>
+              <a:rPr lang="fr-CA" dirty="0"/>
+              <a:t>Rejouer les partitions enregistrées en mémoire;</a:t>
+            </a:r>
+          </a:p>
+          <a:p>
+            <a:pPr lvl="0"/>
+            <a:r>
+              <a:rPr lang="fr-CA" dirty="0"/>
+              <a:t>Générer et jouer un solo généré aléatoirement composé des notes et accords joués préalablement;</a:t>
+            </a:r>
+          </a:p>
+          <a:p>
+            <a:pPr lvl="0"/>
+            <a:r>
+              <a:rPr lang="fr-CA" dirty="0"/>
+              <a:t>Génération du son d’un métronome (tempo);</a:t>
+            </a:r>
+          </a:p>
+          <a:p>
+            <a:pPr lvl="0"/>
+            <a:r>
+              <a:rPr lang="fr-CA" dirty="0"/>
+              <a:t>Réglage de la vitesse du métronome (tempo);</a:t>
+            </a:r>
+          </a:p>
           <a:p>
             <a:endParaRPr lang="fr-CA" dirty="0"/>
           </a:p>
@@ -6683,30 +13980,30 @@
           </a:p>
         </p:txBody>
       </p:sp>
-      <p:sp>
-        <p:nvSpPr>
-          <p:cNvPr id="5" name="Espace réservé du contenu 4"/>
-          <p:cNvSpPr>
-            <a:spLocks noGrp="1"/>
-          </p:cNvSpPr>
-          <p:nvPr>
-            <p:ph idx="1"/>
-          </p:nvPr>
-        </p:nvSpPr>
+      <p:pic>
+        <p:nvPicPr>
+          <p:cNvPr id="3" name="Image 2"/>
+          <p:cNvPicPr>
+            <a:picLocks noChangeAspect="1"/>
+          </p:cNvPicPr>
+          <p:nvPr/>
+        </p:nvPicPr>
+        <p:blipFill>
+          <a:blip r:embed="rId2"/>
+          <a:stretch>
+            <a:fillRect/>
+          </a:stretch>
+        </p:blipFill>
         <p:spPr>
           <a:xfrm>
-            <a:off x="708157" y="2088669"/>
-            <a:ext cx="8596668" cy="3880773"/>
+            <a:off x="943365" y="1116979"/>
+            <a:ext cx="7645831" cy="5199506"/>
           </a:xfrm>
+          <a:prstGeom prst="rect">
+            <a:avLst/>
+          </a:prstGeom>
         </p:spPr>
-        <p:txBody>
-          <a:bodyPr/>
-          <a:lstStyle/>
-          <a:p>
-            <a:endParaRPr lang="fr-CA" dirty="0"/>
-          </a:p>
-        </p:txBody>
-      </p:sp>
+      </p:pic>
     </p:spTree>
     <p:extLst>
       <p:ext uri="{BB962C8B-B14F-4D97-AF65-F5344CB8AC3E}">
@@ -6761,40 +14058,40 @@
           <a:p>
             <a:r>
               <a:rPr lang="fr-CA" sz="3000" dirty="0"/>
-              <a:t>Schéma bloc du prototype</a:t>
+              <a:t>Diagramme d’interaction (UML 2)</a:t>
             </a:r>
             <a:endParaRPr lang="en-CA" sz="3000" dirty="0"/>
           </a:p>
         </p:txBody>
       </p:sp>
-      <p:sp>
-        <p:nvSpPr>
-          <p:cNvPr id="5" name="Espace réservé du contenu 4"/>
-          <p:cNvSpPr>
-            <a:spLocks noGrp="1"/>
-          </p:cNvSpPr>
-          <p:nvPr>
-            <p:ph idx="1"/>
-          </p:nvPr>
-        </p:nvSpPr>
+      <p:pic>
+        <p:nvPicPr>
+          <p:cNvPr id="3" name="Image 2"/>
+          <p:cNvPicPr>
+            <a:picLocks noChangeAspect="1"/>
+          </p:cNvPicPr>
+          <p:nvPr/>
+        </p:nvPicPr>
+        <p:blipFill>
+          <a:blip r:embed="rId2"/>
+          <a:stretch>
+            <a:fillRect/>
+          </a:stretch>
+        </p:blipFill>
         <p:spPr>
           <a:xfrm>
-            <a:off x="708157" y="2088669"/>
-            <a:ext cx="8596668" cy="3880773"/>
+            <a:off x="1387432" y="1058517"/>
+            <a:ext cx="7027103" cy="5531028"/>
           </a:xfrm>
+          <a:prstGeom prst="rect">
+            <a:avLst/>
+          </a:prstGeom>
         </p:spPr>
-        <p:txBody>
-          <a:bodyPr/>
-          <a:lstStyle/>
-          <a:p>
-            <a:endParaRPr lang="fr-CA" dirty="0"/>
-          </a:p>
-        </p:txBody>
-      </p:sp>
+      </p:pic>
     </p:spTree>
     <p:extLst>
       <p:ext uri="{BB962C8B-B14F-4D97-AF65-F5344CB8AC3E}">
-        <p14:creationId xmlns:p14="http://schemas.microsoft.com/office/powerpoint/2010/main" val="1154435782"/>
+        <p14:creationId xmlns:p14="http://schemas.microsoft.com/office/powerpoint/2010/main" val="1189319538"/>
       </p:ext>
     </p:extLst>
   </p:cSld>
@@ -6845,40 +14142,40 @@
           <a:p>
             <a:r>
               <a:rPr lang="fr-CA" sz="3000" dirty="0"/>
-              <a:t>Plan d’Assurance Qualité</a:t>
+              <a:t>Diagramme d’état-transition/activité (UML 2)</a:t>
             </a:r>
             <a:endParaRPr lang="en-CA" sz="3000" dirty="0"/>
           </a:p>
         </p:txBody>
       </p:sp>
-      <p:sp>
-        <p:nvSpPr>
-          <p:cNvPr id="5" name="Espace réservé du contenu 4"/>
-          <p:cNvSpPr>
-            <a:spLocks noGrp="1"/>
-          </p:cNvSpPr>
-          <p:nvPr>
-            <p:ph idx="1"/>
-          </p:nvPr>
-        </p:nvSpPr>
+      <p:pic>
+        <p:nvPicPr>
+          <p:cNvPr id="6" name="Image 5"/>
+          <p:cNvPicPr>
+            <a:picLocks noChangeAspect="1"/>
+          </p:cNvPicPr>
+          <p:nvPr/>
+        </p:nvPicPr>
+        <p:blipFill>
+          <a:blip r:embed="rId2"/>
+          <a:stretch>
+            <a:fillRect/>
+          </a:stretch>
+        </p:blipFill>
         <p:spPr>
           <a:xfrm>
-            <a:off x="708157" y="2088669"/>
-            <a:ext cx="8596668" cy="3880773"/>
+            <a:off x="265426" y="1318581"/>
+            <a:ext cx="15703338" cy="4425300"/>
           </a:xfrm>
+          <a:prstGeom prst="rect">
+            <a:avLst/>
+          </a:prstGeom>
         </p:spPr>
-        <p:txBody>
-          <a:bodyPr/>
-          <a:lstStyle/>
-          <a:p>
-            <a:endParaRPr lang="fr-CA" dirty="0"/>
-          </a:p>
-        </p:txBody>
-      </p:sp>
+      </p:pic>
     </p:spTree>
     <p:extLst>
       <p:ext uri="{BB962C8B-B14F-4D97-AF65-F5344CB8AC3E}">
-        <p14:creationId xmlns:p14="http://schemas.microsoft.com/office/powerpoint/2010/main" val="2602696042"/>
+        <p14:creationId xmlns:p14="http://schemas.microsoft.com/office/powerpoint/2010/main" val="2021187838"/>
       </p:ext>
     </p:extLst>
   </p:cSld>
@@ -6929,40 +14226,40 @@
           <a:p>
             <a:r>
               <a:rPr lang="fr-CA" sz="3000" dirty="0"/>
-              <a:t>Cahier des charges</a:t>
+              <a:t>Schéma bloc du prototype</a:t>
             </a:r>
             <a:endParaRPr lang="en-CA" sz="3000" dirty="0"/>
           </a:p>
         </p:txBody>
       </p:sp>
-      <p:sp>
-        <p:nvSpPr>
-          <p:cNvPr id="5" name="Espace réservé du contenu 4"/>
-          <p:cNvSpPr>
-            <a:spLocks noGrp="1"/>
-          </p:cNvSpPr>
-          <p:nvPr>
-            <p:ph idx="1"/>
-          </p:nvPr>
-        </p:nvSpPr>
+      <p:pic>
+        <p:nvPicPr>
+          <p:cNvPr id="3" name="Picture 2"/>
+          <p:cNvPicPr>
+            <a:picLocks noChangeAspect="1"/>
+          </p:cNvPicPr>
+          <p:nvPr/>
+        </p:nvPicPr>
+        <p:blipFill>
+          <a:blip r:embed="rId2"/>
+          <a:stretch>
+            <a:fillRect/>
+          </a:stretch>
+        </p:blipFill>
         <p:spPr>
           <a:xfrm>
-            <a:off x="708157" y="2088669"/>
-            <a:ext cx="8596668" cy="3880773"/>
+            <a:off x="709486" y="1058517"/>
+            <a:ext cx="7491086" cy="5130775"/>
           </a:xfrm>
+          <a:prstGeom prst="rect">
+            <a:avLst/>
+          </a:prstGeom>
         </p:spPr>
-        <p:txBody>
-          <a:bodyPr/>
-          <a:lstStyle/>
-          <a:p>
-            <a:endParaRPr lang="fr-CA" dirty="0"/>
-          </a:p>
-        </p:txBody>
-      </p:sp>
+      </p:pic>
     </p:spTree>
     <p:extLst>
       <p:ext uri="{BB962C8B-B14F-4D97-AF65-F5344CB8AC3E}">
-        <p14:creationId xmlns:p14="http://schemas.microsoft.com/office/powerpoint/2010/main" val="2947288721"/>
+        <p14:creationId xmlns:p14="http://schemas.microsoft.com/office/powerpoint/2010/main" val="1154435782"/>
       </p:ext>
     </p:extLst>
   </p:cSld>
@@ -7013,7 +14310,7 @@
           <a:p>
             <a:r>
               <a:rPr lang="fr-CA" sz="3000" dirty="0"/>
-              <a:t>Diagramme d’état-transition du prototype</a:t>
+              <a:t>Montage matériel</a:t>
             </a:r>
             <a:endParaRPr lang="en-CA" sz="3000" dirty="0"/>
           </a:p>
@@ -7039,6 +14336,58 @@
           <a:bodyPr/>
           <a:lstStyle/>
           <a:p>
+            <a:pPr lvl="0"/>
+            <a:r>
+              <a:rPr lang="fr-CA" dirty="0"/>
+              <a:t>Micro connecté à l’aide d’un jack audio;</a:t>
+            </a:r>
+          </a:p>
+          <a:p>
+            <a:pPr lvl="0"/>
+            <a:r>
+              <a:rPr lang="fr-CA" dirty="0"/>
+              <a:t>PCB du PIC;</a:t>
+            </a:r>
+          </a:p>
+          <a:p>
+            <a:pPr lvl="0"/>
+            <a:r>
+              <a:rPr lang="fr-CA" dirty="0"/>
+              <a:t>PCB du DSK;</a:t>
+            </a:r>
+          </a:p>
+          <a:p>
+            <a:pPr lvl="0"/>
+            <a:r>
+              <a:rPr lang="fr-CA" dirty="0"/>
+              <a:t>Clavier connecté à l’aide du PCB de projet;</a:t>
+            </a:r>
+          </a:p>
+          <a:p>
+            <a:pPr lvl="0"/>
+            <a:r>
+              <a:rPr lang="fr-CA" dirty="0"/>
+              <a:t>6 connecteurs plats 40 pins;</a:t>
+            </a:r>
+          </a:p>
+          <a:p>
+            <a:pPr lvl="0"/>
+            <a:r>
+              <a:rPr lang="fr-CA" dirty="0"/>
+              <a:t>Header femelle 100 mil pour la communication entre les PCB, et</a:t>
+            </a:r>
+          </a:p>
+          <a:p>
+            <a:pPr lvl="0"/>
+            <a:r>
+              <a:rPr lang="fr-CA" dirty="0"/>
+              <a:t>Haut-parleur connecté à l’aide d’un jack audio pour le métronome généré avec le DSK</a:t>
+            </a:r>
+          </a:p>
+          <a:p>
+            <a:pPr marL="0" indent="0">
+              <a:buNone/>
+            </a:pPr>
             <a:endParaRPr lang="fr-CA" dirty="0"/>
           </a:p>
         </p:txBody>
@@ -7046,7 +14395,7 @@
     </p:spTree>
     <p:extLst>
       <p:ext uri="{BB962C8B-B14F-4D97-AF65-F5344CB8AC3E}">
-        <p14:creationId xmlns:p14="http://schemas.microsoft.com/office/powerpoint/2010/main" val="2021187838"/>
+        <p14:creationId xmlns:p14="http://schemas.microsoft.com/office/powerpoint/2010/main" val="1212715968"/>
       </p:ext>
     </p:extLst>
   </p:cSld>
@@ -7311,4 +14660,299 @@
     </a:ext>
   </a:extLst>
 </a:theme>
+</file>
+
+<file path=ppt/theme/theme2.xml><?xml version="1.0" encoding="utf-8"?>
+<a:theme xmlns:a="http://schemas.openxmlformats.org/drawingml/2006/main" name="Thème Office">
+  <a:themeElements>
+    <a:clrScheme name="Office">
+      <a:dk1>
+        <a:sysClr val="windowText" lastClr="000000"/>
+      </a:dk1>
+      <a:lt1>
+        <a:sysClr val="window" lastClr="FFFFFF"/>
+      </a:lt1>
+      <a:dk2>
+        <a:srgbClr val="44546A"/>
+      </a:dk2>
+      <a:lt2>
+        <a:srgbClr val="E7E6E6"/>
+      </a:lt2>
+      <a:accent1>
+        <a:srgbClr val="4472C4"/>
+      </a:accent1>
+      <a:accent2>
+        <a:srgbClr val="ED7D31"/>
+      </a:accent2>
+      <a:accent3>
+        <a:srgbClr val="A5A5A5"/>
+      </a:accent3>
+      <a:accent4>
+        <a:srgbClr val="FFC000"/>
+      </a:accent4>
+      <a:accent5>
+        <a:srgbClr val="5B9BD5"/>
+      </a:accent5>
+      <a:accent6>
+        <a:srgbClr val="70AD47"/>
+      </a:accent6>
+      <a:hlink>
+        <a:srgbClr val="0563C1"/>
+      </a:hlink>
+      <a:folHlink>
+        <a:srgbClr val="954F72"/>
+      </a:folHlink>
+    </a:clrScheme>
+    <a:fontScheme name="Office">
+      <a:majorFont>
+        <a:latin typeface="Calibri Light" panose="020F0302020204030204"/>
+        <a:ea typeface=""/>
+        <a:cs typeface=""/>
+        <a:font script="Jpan" typeface="游ゴシック Light"/>
+        <a:font script="Hang" typeface="맑은 고딕"/>
+        <a:font script="Hans" typeface="等线 Light"/>
+        <a:font script="Hant" typeface="新細明體"/>
+        <a:font script="Arab" typeface="Times New Roman"/>
+        <a:font script="Hebr" typeface="Times New Roman"/>
+        <a:font script="Thai" typeface="Angsana New"/>
+        <a:font script="Ethi" typeface="Nyala"/>
+        <a:font script="Beng" typeface="Vrinda"/>
+        <a:font script="Gujr" typeface="Shruti"/>
+        <a:font script="Khmr" typeface="MoolBoran"/>
+        <a:font script="Knda" typeface="Tunga"/>
+        <a:font script="Guru" typeface="Raavi"/>
+        <a:font script="Cans" typeface="Euphemia"/>
+        <a:font script="Cher" typeface="Plantagenet Cherokee"/>
+        <a:font script="Yiii" typeface="Microsoft Yi Baiti"/>
+        <a:font script="Tibt" typeface="Microsoft Himalaya"/>
+        <a:font script="Thaa" typeface="MV Boli"/>
+        <a:font script="Deva" typeface="Mangal"/>
+        <a:font script="Telu" typeface="Gautami"/>
+        <a:font script="Taml" typeface="Latha"/>
+        <a:font script="Syrc" typeface="Estrangelo Edessa"/>
+        <a:font script="Orya" typeface="Kalinga"/>
+        <a:font script="Mlym" typeface="Kartika"/>
+        <a:font script="Laoo" typeface="DokChampa"/>
+        <a:font script="Sinh" typeface="Iskoola Pota"/>
+        <a:font script="Mong" typeface="Mongolian Baiti"/>
+        <a:font script="Viet" typeface="Times New Roman"/>
+        <a:font script="Uigh" typeface="Microsoft Uighur"/>
+        <a:font script="Geor" typeface="Sylfaen"/>
+        <a:font script="Armn" typeface="Arial"/>
+        <a:font script="Bugi" typeface="Leelawadee UI"/>
+        <a:font script="Bopo" typeface="Microsoft JhengHei"/>
+        <a:font script="Java" typeface="Javanese Text"/>
+        <a:font script="Lisu" typeface="Segoe UI"/>
+        <a:font script="Mymr" typeface="Myanmar Text"/>
+        <a:font script="Nkoo" typeface="Ebrima"/>
+        <a:font script="Olck" typeface="Nirmala UI"/>
+        <a:font script="Osma" typeface="Ebrima"/>
+        <a:font script="Phag" typeface="Phagspa"/>
+        <a:font script="Syrn" typeface="Estrangelo Edessa"/>
+        <a:font script="Syrj" typeface="Estrangelo Edessa"/>
+        <a:font script="Syre" typeface="Estrangelo Edessa"/>
+        <a:font script="Sora" typeface="Nirmala UI"/>
+        <a:font script="Tale" typeface="Microsoft Tai Le"/>
+        <a:font script="Talu" typeface="Microsoft New Tai Lue"/>
+        <a:font script="Tfng" typeface="Ebrima"/>
+      </a:majorFont>
+      <a:minorFont>
+        <a:latin typeface="Calibri" panose="020F0502020204030204"/>
+        <a:ea typeface=""/>
+        <a:cs typeface=""/>
+        <a:font script="Jpan" typeface="游ゴシック"/>
+        <a:font script="Hang" typeface="맑은 고딕"/>
+        <a:font script="Hans" typeface="等线"/>
+        <a:font script="Hant" typeface="新細明體"/>
+        <a:font script="Arab" typeface="Arial"/>
+        <a:font script="Hebr" typeface="Arial"/>
+        <a:font script="Thai" typeface="Cordia New"/>
+        <a:font script="Ethi" typeface="Nyala"/>
+        <a:font script="Beng" typeface="Vrinda"/>
+        <a:font script="Gujr" typeface="Shruti"/>
+        <a:font script="Khmr" typeface="DaunPenh"/>
+        <a:font script="Knda" typeface="Tunga"/>
+        <a:font script="Guru" typeface="Raavi"/>
+        <a:font script="Cans" typeface="Euphemia"/>
+        <a:font script="Cher" typeface="Plantagenet Cherokee"/>
+        <a:font script="Yiii" typeface="Microsoft Yi Baiti"/>
+        <a:font script="Tibt" typeface="Microsoft Himalaya"/>
+        <a:font script="Thaa" typeface="MV Boli"/>
+        <a:font script="Deva" typeface="Mangal"/>
+        <a:font script="Telu" typeface="Gautami"/>
+        <a:font script="Taml" typeface="Latha"/>
+        <a:font script="Syrc" typeface="Estrangelo Edessa"/>
+        <a:font script="Orya" typeface="Kalinga"/>
+        <a:font script="Mlym" typeface="Kartika"/>
+        <a:font script="Laoo" typeface="DokChampa"/>
+        <a:font script="Sinh" typeface="Iskoola Pota"/>
+        <a:font script="Mong" typeface="Mongolian Baiti"/>
+        <a:font script="Viet" typeface="Arial"/>
+        <a:font script="Uigh" typeface="Microsoft Uighur"/>
+        <a:font script="Geor" typeface="Sylfaen"/>
+        <a:font script="Armn" typeface="Arial"/>
+        <a:font script="Bugi" typeface="Leelawadee UI"/>
+        <a:font script="Bopo" typeface="Microsoft JhengHei"/>
+        <a:font script="Java" typeface="Javanese Text"/>
+        <a:font script="Lisu" typeface="Segoe UI"/>
+        <a:font script="Mymr" typeface="Myanmar Text"/>
+        <a:font script="Nkoo" typeface="Ebrima"/>
+        <a:font script="Olck" typeface="Nirmala UI"/>
+        <a:font script="Osma" typeface="Ebrima"/>
+        <a:font script="Phag" typeface="Phagspa"/>
+        <a:font script="Syrn" typeface="Estrangelo Edessa"/>
+        <a:font script="Syrj" typeface="Estrangelo Edessa"/>
+        <a:font script="Syre" typeface="Estrangelo Edessa"/>
+        <a:font script="Sora" typeface="Nirmala UI"/>
+        <a:font script="Tale" typeface="Microsoft Tai Le"/>
+        <a:font script="Talu" typeface="Microsoft New Tai Lue"/>
+        <a:font script="Tfng" typeface="Ebrima"/>
+      </a:minorFont>
+    </a:fontScheme>
+    <a:fmtScheme name="Office">
+      <a:fillStyleLst>
+        <a:solidFill>
+          <a:schemeClr val="phClr"/>
+        </a:solidFill>
+        <a:gradFill rotWithShape="1">
+          <a:gsLst>
+            <a:gs pos="0">
+              <a:schemeClr val="phClr">
+                <a:lumMod val="110000"/>
+                <a:satMod val="105000"/>
+                <a:tint val="67000"/>
+              </a:schemeClr>
+            </a:gs>
+            <a:gs pos="50000">
+              <a:schemeClr val="phClr">
+                <a:lumMod val="105000"/>
+                <a:satMod val="103000"/>
+                <a:tint val="73000"/>
+              </a:schemeClr>
+            </a:gs>
+            <a:gs pos="100000">
+              <a:schemeClr val="phClr">
+                <a:lumMod val="105000"/>
+                <a:satMod val="109000"/>
+                <a:tint val="81000"/>
+              </a:schemeClr>
+            </a:gs>
+          </a:gsLst>
+          <a:lin ang="5400000" scaled="0"/>
+        </a:gradFill>
+        <a:gradFill rotWithShape="1">
+          <a:gsLst>
+            <a:gs pos="0">
+              <a:schemeClr val="phClr">
+                <a:satMod val="103000"/>
+                <a:lumMod val="102000"/>
+                <a:tint val="94000"/>
+              </a:schemeClr>
+            </a:gs>
+            <a:gs pos="50000">
+              <a:schemeClr val="phClr">
+                <a:satMod val="110000"/>
+                <a:lumMod val="100000"/>
+                <a:shade val="100000"/>
+              </a:schemeClr>
+            </a:gs>
+            <a:gs pos="100000">
+              <a:schemeClr val="phClr">
+                <a:lumMod val="99000"/>
+                <a:satMod val="120000"/>
+                <a:shade val="78000"/>
+              </a:schemeClr>
+            </a:gs>
+          </a:gsLst>
+          <a:lin ang="5400000" scaled="0"/>
+        </a:gradFill>
+      </a:fillStyleLst>
+      <a:lnStyleLst>
+        <a:ln w="6350" cap="flat" cmpd="sng" algn="ctr">
+          <a:solidFill>
+            <a:schemeClr val="phClr"/>
+          </a:solidFill>
+          <a:prstDash val="solid"/>
+          <a:miter lim="800000"/>
+        </a:ln>
+        <a:ln w="12700" cap="flat" cmpd="sng" algn="ctr">
+          <a:solidFill>
+            <a:schemeClr val="phClr"/>
+          </a:solidFill>
+          <a:prstDash val="solid"/>
+          <a:miter lim="800000"/>
+        </a:ln>
+        <a:ln w="19050" cap="flat" cmpd="sng" algn="ctr">
+          <a:solidFill>
+            <a:schemeClr val="phClr"/>
+          </a:solidFill>
+          <a:prstDash val="solid"/>
+          <a:miter lim="800000"/>
+        </a:ln>
+      </a:lnStyleLst>
+      <a:effectStyleLst>
+        <a:effectStyle>
+          <a:effectLst/>
+        </a:effectStyle>
+        <a:effectStyle>
+          <a:effectLst/>
+        </a:effectStyle>
+        <a:effectStyle>
+          <a:effectLst>
+            <a:outerShdw blurRad="57150" dist="19050" dir="5400000" algn="ctr" rotWithShape="0">
+              <a:srgbClr val="000000">
+                <a:alpha val="63000"/>
+              </a:srgbClr>
+            </a:outerShdw>
+          </a:effectLst>
+        </a:effectStyle>
+      </a:effectStyleLst>
+      <a:bgFillStyleLst>
+        <a:solidFill>
+          <a:schemeClr val="phClr"/>
+        </a:solidFill>
+        <a:solidFill>
+          <a:schemeClr val="phClr">
+            <a:tint val="95000"/>
+            <a:satMod val="170000"/>
+          </a:schemeClr>
+        </a:solidFill>
+        <a:gradFill rotWithShape="1">
+          <a:gsLst>
+            <a:gs pos="0">
+              <a:schemeClr val="phClr">
+                <a:tint val="93000"/>
+                <a:satMod val="150000"/>
+                <a:shade val="98000"/>
+                <a:lumMod val="102000"/>
+              </a:schemeClr>
+            </a:gs>
+            <a:gs pos="50000">
+              <a:schemeClr val="phClr">
+                <a:tint val="98000"/>
+                <a:satMod val="130000"/>
+                <a:shade val="90000"/>
+                <a:lumMod val="103000"/>
+              </a:schemeClr>
+            </a:gs>
+            <a:gs pos="100000">
+              <a:schemeClr val="phClr">
+                <a:shade val="63000"/>
+                <a:satMod val="120000"/>
+              </a:schemeClr>
+            </a:gs>
+          </a:gsLst>
+          <a:lin ang="5400000" scaled="0"/>
+        </a:gradFill>
+      </a:bgFillStyleLst>
+    </a:fmtScheme>
+  </a:themeElements>
+  <a:objectDefaults/>
+  <a:extraClrSchemeLst/>
+  <a:extLst>
+    <a:ext uri="{05A4C25C-085E-4340-85A3-A5531E510DB2}">
+      <thm15:themeFamily xmlns:thm15="http://schemas.microsoft.com/office/thememl/2012/main" name="Office Theme" id="{62F939B6-93AF-4DB8-9C6B-D6C7DFDC589F}" vid="{4A3C46E8-61CC-4603-A589-7422A47A8E4A}"/>
+    </a:ext>
+  </a:extLst>
+</a:theme>
 </file>
--- a/Gestion/L1 Présentation.pptx
+++ b/Gestion/L1 Présentation.pptx
@@ -5,7 +5,7 @@
     <p:sldMasterId id="2147483754" r:id="rId1"/>
   </p:sldMasterIdLst>
   <p:notesMasterIdLst>
-    <p:notesMasterId r:id="rId27"/>
+    <p:notesMasterId r:id="rId29"/>
   </p:notesMasterIdLst>
   <p:sldIdLst>
     <p:sldId id="256" r:id="rId2"/>
@@ -25,14 +25,16 @@
     <p:sldId id="316" r:id="rId16"/>
     <p:sldId id="321" r:id="rId17"/>
     <p:sldId id="322" r:id="rId18"/>
-    <p:sldId id="301" r:id="rId19"/>
-    <p:sldId id="318" r:id="rId20"/>
-    <p:sldId id="319" r:id="rId21"/>
-    <p:sldId id="320" r:id="rId22"/>
-    <p:sldId id="303" r:id="rId23"/>
-    <p:sldId id="310" r:id="rId24"/>
-    <p:sldId id="317" r:id="rId25"/>
-    <p:sldId id="304" r:id="rId26"/>
+    <p:sldId id="323" r:id="rId19"/>
+    <p:sldId id="301" r:id="rId20"/>
+    <p:sldId id="318" r:id="rId21"/>
+    <p:sldId id="319" r:id="rId22"/>
+    <p:sldId id="320" r:id="rId23"/>
+    <p:sldId id="303" r:id="rId24"/>
+    <p:sldId id="310" r:id="rId25"/>
+    <p:sldId id="317" r:id="rId26"/>
+    <p:sldId id="304" r:id="rId27"/>
+    <p:sldId id="324" r:id="rId28"/>
   </p:sldIdLst>
   <p:sldSz cx="12192000" cy="6858000"/>
   <p:notesSz cx="6858000" cy="9144000"/>
@@ -221,7 +223,7 @@
           <a:p>
             <a:fld id="{29740D4E-F9FF-4EA1-A38A-170DAFD3415C}" type="datetimeFigureOut">
               <a:rPr lang="fr-FR"/>
-              <a:t>21/02/2017</a:t>
+              <a:t>22/02/2017</a:t>
             </a:fld>
             <a:endParaRPr lang="fr-FR"/>
           </a:p>
@@ -647,6 +649,90 @@
     <p:extLst>
       <p:ext uri="{BB962C8B-B14F-4D97-AF65-F5344CB8AC3E}">
         <p14:creationId xmlns:p14="http://schemas.microsoft.com/office/powerpoint/2010/main" val="449719417"/>
+      </p:ext>
+    </p:extLst>
+  </p:cSld>
+  <p:clrMapOvr>
+    <a:masterClrMapping/>
+  </p:clrMapOvr>
+</p:notes>
+</file>
+
+<file path=ppt/notesSlides/notesSlide3.xml><?xml version="1.0" encoding="utf-8"?>
+<p:notes xmlns:a="http://schemas.openxmlformats.org/drawingml/2006/main" xmlns:r="http://schemas.openxmlformats.org/officeDocument/2006/relationships" xmlns:p="http://schemas.openxmlformats.org/presentationml/2006/main">
+  <p:cSld>
+    <p:spTree>
+      <p:nvGrpSpPr>
+        <p:cNvPr id="1" name=""/>
+        <p:cNvGrpSpPr/>
+        <p:nvPr/>
+      </p:nvGrpSpPr>
+      <p:grpSpPr>
+        <a:xfrm>
+          <a:off x="0" y="0"/>
+          <a:ext cx="0" cy="0"/>
+          <a:chOff x="0" y="0"/>
+          <a:chExt cx="0" cy="0"/>
+        </a:xfrm>
+      </p:grpSpPr>
+      <p:sp>
+        <p:nvSpPr>
+          <p:cNvPr id="2" name="Espace réservé de l'image des diapositives 1"/>
+          <p:cNvSpPr>
+            <a:spLocks noGrp="1" noRot="1" noChangeAspect="1"/>
+          </p:cNvSpPr>
+          <p:nvPr>
+            <p:ph type="sldImg"/>
+          </p:nvPr>
+        </p:nvSpPr>
+        <p:spPr/>
+      </p:sp>
+      <p:sp>
+        <p:nvSpPr>
+          <p:cNvPr id="3" name="Espace réservé des notes 2"/>
+          <p:cNvSpPr>
+            <a:spLocks noGrp="1"/>
+          </p:cNvSpPr>
+          <p:nvPr>
+            <p:ph type="body" idx="1"/>
+          </p:nvPr>
+        </p:nvSpPr>
+        <p:spPr/>
+        <p:txBody>
+          <a:bodyPr/>
+          <a:lstStyle/>
+          <a:p>
+            <a:endParaRPr lang="fr-FR"/>
+          </a:p>
+        </p:txBody>
+      </p:sp>
+      <p:sp>
+        <p:nvSpPr>
+          <p:cNvPr id="4" name="Espace réservé du numéro de diapositive 3"/>
+          <p:cNvSpPr>
+            <a:spLocks noGrp="1"/>
+          </p:cNvSpPr>
+          <p:nvPr>
+            <p:ph type="sldNum" sz="quarter" idx="10"/>
+          </p:nvPr>
+        </p:nvSpPr>
+        <p:spPr/>
+        <p:txBody>
+          <a:bodyPr/>
+          <a:lstStyle/>
+          <a:p>
+            <a:fld id="{78B34485-F086-465C-AC7C-52556F6810CD}" type="slidenum">
+              <a:rPr lang="fr-FR"/>
+              <a:t>‹N°›</a:t>
+            </a:fld>
+            <a:endParaRPr lang="fr-FR"/>
+          </a:p>
+        </p:txBody>
+      </p:sp>
+    </p:spTree>
+    <p:extLst>
+      <p:ext uri="{BB962C8B-B14F-4D97-AF65-F5344CB8AC3E}">
+        <p14:creationId xmlns:p14="http://schemas.microsoft.com/office/powerpoint/2010/main" val="3343243137"/>
       </p:ext>
     </p:extLst>
   </p:cSld>
@@ -1378,7 +1464,7 @@
           <a:p>
             <a:fld id="{BE28C888-FE49-4D7A-8A13-DC359419DA98}" type="datetimeFigureOut">
               <a:rPr lang="en-CA" smtClean="0"/>
-              <a:t>2017-02-21</a:t>
+              <a:t>2017-02-22</a:t>
             </a:fld>
             <a:endParaRPr lang="en-CA"/>
           </a:p>
@@ -1629,7 +1715,7 @@
           <a:p>
             <a:fld id="{BE28C888-FE49-4D7A-8A13-DC359419DA98}" type="datetimeFigureOut">
               <a:rPr lang="en-CA" smtClean="0"/>
-              <a:t>2017-02-21</a:t>
+              <a:t>2017-02-22</a:t>
             </a:fld>
             <a:endParaRPr lang="en-CA"/>
           </a:p>
@@ -1943,7 +2029,7 @@
           <a:p>
             <a:fld id="{BE28C888-FE49-4D7A-8A13-DC359419DA98}" type="datetimeFigureOut">
               <a:rPr lang="en-CA" smtClean="0"/>
-              <a:t>2017-02-21</a:t>
+              <a:t>2017-02-22</a:t>
             </a:fld>
             <a:endParaRPr lang="en-CA"/>
           </a:p>
@@ -2284,7 +2370,7 @@
           <a:p>
             <a:fld id="{BE28C888-FE49-4D7A-8A13-DC359419DA98}" type="datetimeFigureOut">
               <a:rPr lang="en-CA" smtClean="0"/>
-              <a:t>2017-02-21</a:t>
+              <a:t>2017-02-22</a:t>
             </a:fld>
             <a:endParaRPr lang="en-CA"/>
           </a:p>
@@ -2598,7 +2684,7 @@
           <a:p>
             <a:fld id="{BE28C888-FE49-4D7A-8A13-DC359419DA98}" type="datetimeFigureOut">
               <a:rPr lang="en-CA" smtClean="0"/>
-              <a:t>2017-02-21</a:t>
+              <a:t>2017-02-22</a:t>
             </a:fld>
             <a:endParaRPr lang="en-CA"/>
           </a:p>
@@ -2991,7 +3077,7 @@
           <a:p>
             <a:fld id="{BE28C888-FE49-4D7A-8A13-DC359419DA98}" type="datetimeFigureOut">
               <a:rPr lang="en-CA" smtClean="0"/>
-              <a:t>2017-02-21</a:t>
+              <a:t>2017-02-22</a:t>
             </a:fld>
             <a:endParaRPr lang="en-CA"/>
           </a:p>
@@ -3161,7 +3247,7 @@
           <a:p>
             <a:fld id="{BE28C888-FE49-4D7A-8A13-DC359419DA98}" type="datetimeFigureOut">
               <a:rPr lang="en-CA" smtClean="0"/>
-              <a:t>2017-02-21</a:t>
+              <a:t>2017-02-22</a:t>
             </a:fld>
             <a:endParaRPr lang="en-CA"/>
           </a:p>
@@ -3341,7 +3427,7 @@
           <a:p>
             <a:fld id="{BE28C888-FE49-4D7A-8A13-DC359419DA98}" type="datetimeFigureOut">
               <a:rPr lang="en-CA" smtClean="0"/>
-              <a:t>2017-02-21</a:t>
+              <a:t>2017-02-22</a:t>
             </a:fld>
             <a:endParaRPr lang="en-CA"/>
           </a:p>
@@ -3517,7 +3603,7 @@
           <a:p>
             <a:fld id="{BE28C888-FE49-4D7A-8A13-DC359419DA98}" type="datetimeFigureOut">
               <a:rPr lang="en-CA" smtClean="0"/>
-              <a:t>2017-02-21</a:t>
+              <a:t>2017-02-22</a:t>
             </a:fld>
             <a:endParaRPr lang="en-CA"/>
           </a:p>
@@ -3764,7 +3850,7 @@
           <a:p>
             <a:fld id="{BE28C888-FE49-4D7A-8A13-DC359419DA98}" type="datetimeFigureOut">
               <a:rPr lang="en-CA" smtClean="0"/>
-              <a:t>2017-02-21</a:t>
+              <a:t>2017-02-22</a:t>
             </a:fld>
             <a:endParaRPr lang="en-CA"/>
           </a:p>
@@ -3996,7 +4082,7 @@
           <a:p>
             <a:fld id="{BE28C888-FE49-4D7A-8A13-DC359419DA98}" type="datetimeFigureOut">
               <a:rPr lang="en-CA" smtClean="0"/>
-              <a:t>2017-02-21</a:t>
+              <a:t>2017-02-22</a:t>
             </a:fld>
             <a:endParaRPr lang="en-CA"/>
           </a:p>
@@ -4370,7 +4456,7 @@
           <a:p>
             <a:fld id="{BE28C888-FE49-4D7A-8A13-DC359419DA98}" type="datetimeFigureOut">
               <a:rPr lang="en-CA" smtClean="0"/>
-              <a:t>2017-02-21</a:t>
+              <a:t>2017-02-22</a:t>
             </a:fld>
             <a:endParaRPr lang="en-CA"/>
           </a:p>
@@ -4493,7 +4579,7 @@
           <a:p>
             <a:fld id="{BE28C888-FE49-4D7A-8A13-DC359419DA98}" type="datetimeFigureOut">
               <a:rPr lang="en-CA" smtClean="0"/>
-              <a:t>2017-02-21</a:t>
+              <a:t>2017-02-22</a:t>
             </a:fld>
             <a:endParaRPr lang="en-CA"/>
           </a:p>
@@ -4588,7 +4674,7 @@
           <a:p>
             <a:fld id="{BE28C888-FE49-4D7A-8A13-DC359419DA98}" type="datetimeFigureOut">
               <a:rPr lang="en-CA" smtClean="0"/>
-              <a:t>2017-02-21</a:t>
+              <a:t>2017-02-22</a:t>
             </a:fld>
             <a:endParaRPr lang="en-CA"/>
           </a:p>
@@ -4843,7 +4929,7 @@
           <a:p>
             <a:fld id="{BE28C888-FE49-4D7A-8A13-DC359419DA98}" type="datetimeFigureOut">
               <a:rPr lang="en-CA" smtClean="0"/>
-              <a:t>2017-02-21</a:t>
+              <a:t>2017-02-22</a:t>
             </a:fld>
             <a:endParaRPr lang="en-CA"/>
           </a:p>
@@ -5106,7 +5192,7 @@
           <a:p>
             <a:fld id="{BE28C888-FE49-4D7A-8A13-DC359419DA98}" type="datetimeFigureOut">
               <a:rPr lang="en-CA" smtClean="0"/>
-              <a:t>2017-02-21</a:t>
+              <a:t>2017-02-22</a:t>
             </a:fld>
             <a:endParaRPr lang="en-CA"/>
           </a:p>
@@ -5849,7 +5935,7 @@
           <a:p>
             <a:fld id="{BE28C888-FE49-4D7A-8A13-DC359419DA98}" type="datetimeFigureOut">
               <a:rPr lang="en-CA" smtClean="0"/>
-              <a:t>2017-02-21</a:t>
+              <a:t>2017-02-22</a:t>
             </a:fld>
             <a:endParaRPr lang="en-CA"/>
           </a:p>
@@ -9655,7 +9741,7 @@
       </p:grpSpPr>
       <p:sp>
         <p:nvSpPr>
-          <p:cNvPr id="2" name="Title 1"/>
+          <p:cNvPr id="2" name="Titre 1"/>
           <p:cNvSpPr>
             <a:spLocks noGrp="1"/>
           </p:cNvSpPr>
@@ -9663,92 +9749,90 @@
             <p:ph type="title"/>
           </p:nvPr>
         </p:nvSpPr>
-        <p:spPr>
-          <a:xfrm>
-            <a:off x="265426" y="333375"/>
-            <a:ext cx="11589875" cy="725142"/>
-          </a:xfrm>
-        </p:spPr>
-        <p:txBody>
-          <a:bodyPr>
-            <a:normAutofit/>
-          </a:bodyPr>
-          <a:lstStyle/>
-          <a:p>
-            <a:r>
-              <a:rPr lang="fr-CA" sz="3000" dirty="0"/>
-              <a:t>Cahier des charges</a:t>
-            </a:r>
-            <a:endParaRPr lang="en-CA" sz="3000" dirty="0"/>
-          </a:p>
-        </p:txBody>
-      </p:sp>
-      <p:sp>
-        <p:nvSpPr>
-          <p:cNvPr id="5" name="Espace réservé du contenu 4"/>
-          <p:cNvSpPr>
-            <a:spLocks noGrp="1"/>
-          </p:cNvSpPr>
-          <p:nvPr>
-            <p:ph idx="1"/>
-          </p:nvPr>
-        </p:nvSpPr>
-        <p:spPr>
-          <a:xfrm>
-            <a:off x="708157" y="2088669"/>
-            <a:ext cx="8596668" cy="3880773"/>
-          </a:xfrm>
-        </p:spPr>
+        <p:spPr/>
         <p:txBody>
           <a:bodyPr/>
           <a:lstStyle/>
           <a:p>
-            <a:pPr marL="0" indent="0">
-              <a:buNone/>
-            </a:pPr>
-            <a:r>
-              <a:rPr lang="fr-CA" sz="2400" b="1" dirty="0"/>
-              <a:t>Objectif:</a:t>
-            </a:r>
-          </a:p>
-          <a:p>
-            <a:pPr marL="0" indent="0">
-              <a:buNone/>
-            </a:pPr>
-            <a:r>
-              <a:rPr lang="fr-CA" sz="2000" dirty="0"/>
-              <a:t>Concevoir et créer un système robuste de détection de notes de musique et d'accords avec une équipe de 8 personnes, en apprenant le fonctionnement des systèmes embarqués et le fonctionnement d'une gestion efficace incorporant l'assurance qualité.</a:t>
-            </a:r>
-          </a:p>
-          <a:p>
-            <a:endParaRPr lang="fr-CA" dirty="0"/>
-          </a:p>
-        </p:txBody>
-      </p:sp>
-      <p:sp>
-        <p:nvSpPr>
-          <p:cNvPr id="7" name="Slide Number Placeholder 9"/>
-          <p:cNvSpPr>
-            <a:spLocks noGrp="1"/>
-          </p:cNvSpPr>
-          <p:nvPr>
-            <p:ph type="sldNum" sz="quarter" idx="12"/>
-          </p:nvPr>
-        </p:nvSpPr>
-        <p:spPr>
-          <a:xfrm>
-            <a:off x="8590663" y="6041362"/>
-            <a:ext cx="683339" cy="365125"/>
-          </a:xfrm>
-        </p:spPr>
+            <a:r>
+              <a:rPr lang="fr-CA" dirty="0"/>
+              <a:t>Assurance qualité </a:t>
+            </a:r>
+            <a:br>
+              <a:rPr lang="fr-CA" dirty="0"/>
+            </a:br>
+            <a:r>
+              <a:rPr lang="fr-CA" dirty="0"/>
+              <a:t>	Test de l’autocorrélation</a:t>
+            </a:r>
+            <a:endParaRPr lang="en-CA" dirty="0"/>
+          </a:p>
+        </p:txBody>
+      </p:sp>
+      <p:sp>
+        <p:nvSpPr>
+          <p:cNvPr id="3" name="Espace réservé du contenu 2"/>
+          <p:cNvSpPr>
+            <a:spLocks noGrp="1"/>
+          </p:cNvSpPr>
+          <p:nvPr>
+            <p:ph idx="1"/>
+          </p:nvPr>
+        </p:nvSpPr>
+        <p:spPr/>
         <p:txBody>
           <a:bodyPr/>
           <a:lstStyle/>
           <a:p>
-            <a:fld id="{E733B697-11A6-4686-A4B0-BC7222BD8556}" type="slidenum">
-              <a:rPr lang="en-CA" smtClean="0"/>
-              <a:t>18</a:t>
-            </a:fld>
+            <a:r>
+              <a:rPr lang="fr-CA" dirty="0"/>
+              <a:t>Tester avec un signal périodique</a:t>
+            </a:r>
+          </a:p>
+          <a:p>
+            <a:endParaRPr lang="fr-CA" dirty="0"/>
+          </a:p>
+          <a:p>
+            <a:r>
+              <a:rPr lang="fr-CA" dirty="0"/>
+              <a:t>Tester avec un signal bruité périodique</a:t>
+            </a:r>
+          </a:p>
+          <a:p>
+            <a:endParaRPr lang="fr-CA" dirty="0"/>
+          </a:p>
+          <a:p>
+            <a:r>
+              <a:rPr lang="fr-CA" dirty="0"/>
+              <a:t>Tester un signal non périodique</a:t>
+            </a:r>
+          </a:p>
+          <a:p>
+            <a:endParaRPr lang="fr-CA" dirty="0"/>
+          </a:p>
+          <a:p>
+            <a:r>
+              <a:rPr lang="fr-CA" dirty="0"/>
+              <a:t>Test d’intégration : </a:t>
+            </a:r>
+          </a:p>
+          <a:p>
+            <a:pPr lvl="2"/>
+            <a:r>
+              <a:rPr lang="fr-CA" dirty="0"/>
+              <a:t>différentes durée de signal</a:t>
+            </a:r>
+          </a:p>
+          <a:p>
+            <a:pPr lvl="2"/>
+            <a:r>
+              <a:rPr lang="fr-CA" dirty="0"/>
+              <a:t>Tester des sons tel que des claquements </a:t>
+            </a:r>
+            <a:r>
+              <a:rPr lang="fr-CA"/>
+              <a:t>de doigts</a:t>
+            </a:r>
             <a:endParaRPr lang="en-CA" dirty="0"/>
           </a:p>
         </p:txBody>
@@ -9756,7 +9840,7 @@
     </p:spTree>
     <p:extLst>
       <p:ext uri="{BB962C8B-B14F-4D97-AF65-F5344CB8AC3E}">
-        <p14:creationId xmlns:p14="http://schemas.microsoft.com/office/powerpoint/2010/main" val="2947288721"/>
+        <p14:creationId xmlns:p14="http://schemas.microsoft.com/office/powerpoint/2010/main" val="487780562"/>
       </p:ext>
     </p:extLst>
   </p:cSld>
@@ -9807,7 +9891,7 @@
           <a:p>
             <a:r>
               <a:rPr lang="fr-CA" sz="3000" dirty="0"/>
-              <a:t>Cahier des charges (suite)</a:t>
+              <a:t>Cahier des charges</a:t>
             </a:r>
             <a:endParaRPr lang="en-CA" sz="3000" dirty="0"/>
           </a:p>
@@ -9833,71 +9917,31 @@
           <a:bodyPr/>
           <a:lstStyle/>
           <a:p>
-            <a:pPr>
-              <a:buFont typeface="Wingdings" panose="05000000000000000000" pitchFamily="2" charset="2"/>
-              <a:buChar char="Ø"/>
+            <a:pPr marL="0" indent="0">
+              <a:buNone/>
             </a:pPr>
             <a:r>
-              <a:rPr lang="fr-CA" dirty="0"/>
-              <a:t>Aspect technique et gestion divisé</a:t>
-            </a:r>
-          </a:p>
-          <a:p>
-            <a:pPr>
-              <a:buFont typeface="Wingdings" panose="05000000000000000000" pitchFamily="2" charset="2"/>
-              <a:buChar char="Ø"/>
+              <a:rPr lang="fr-CA" sz="2400" b="1" dirty="0"/>
+              <a:t>Objectif:</a:t>
+            </a:r>
+          </a:p>
+          <a:p>
+            <a:pPr marL="0" indent="0">
+              <a:buNone/>
             </a:pPr>
+            <a:r>
+              <a:rPr lang="fr-CA" sz="2000" dirty="0"/>
+              <a:t>Concevoir et créer un système robuste de détection de notes de musique et d'accords avec une équipe de 8 personnes, en apprenant le fonctionnement des systèmes embarqués et le fonctionnement d'une gestion efficace incorporant l'assurance qualité.</a:t>
+            </a:r>
+          </a:p>
+          <a:p>
             <a:endParaRPr lang="fr-CA" dirty="0"/>
           </a:p>
-          <a:p>
-            <a:pPr>
-              <a:buFont typeface="Wingdings" panose="05000000000000000000" pitchFamily="2" charset="2"/>
-              <a:buChar char="Ø"/>
-            </a:pPr>
-            <a:r>
-              <a:rPr lang="fr-CA" dirty="0"/>
-              <a:t>Hiérarchie descriptive des aspects du projets, des spécifications et des critères</a:t>
-            </a:r>
-          </a:p>
-          <a:p>
-            <a:pPr>
-              <a:buFont typeface="Wingdings" panose="05000000000000000000" pitchFamily="2" charset="2"/>
-              <a:buChar char="Ø"/>
-            </a:pPr>
-            <a:endParaRPr lang="fr-CA" dirty="0"/>
-          </a:p>
-          <a:p>
-            <a:pPr>
-              <a:buFont typeface="Wingdings" panose="05000000000000000000" pitchFamily="2" charset="2"/>
-              <a:buChar char="Ø"/>
-            </a:pPr>
-            <a:r>
-              <a:rPr lang="fr-CA" dirty="0"/>
-              <a:t>Critères précis avec une flexibilité sur les critères</a:t>
-            </a:r>
-          </a:p>
-          <a:p>
-            <a:pPr>
-              <a:buFont typeface="Wingdings" panose="05000000000000000000" pitchFamily="2" charset="2"/>
-              <a:buChar char="Ø"/>
-            </a:pPr>
-            <a:endParaRPr lang="fr-CA" dirty="0"/>
-          </a:p>
-          <a:p>
-            <a:pPr>
-              <a:buFont typeface="Wingdings" panose="05000000000000000000" pitchFamily="2" charset="2"/>
-              <a:buChar char="Ø"/>
-            </a:pPr>
-            <a:r>
-              <a:rPr lang="fr-CA" dirty="0"/>
-              <a:t>Responsable et nombre d’heure pris en compte pour les étapes</a:t>
-            </a:r>
-          </a:p>
-        </p:txBody>
-      </p:sp>
-      <p:sp>
-        <p:nvSpPr>
-          <p:cNvPr id="4" name="Slide Number Placeholder 9"/>
+        </p:txBody>
+      </p:sp>
+      <p:sp>
+        <p:nvSpPr>
+          <p:cNvPr id="7" name="Slide Number Placeholder 9"/>
           <p:cNvSpPr>
             <a:spLocks noGrp="1"/>
           </p:cNvSpPr>
@@ -9926,7 +9970,7 @@
     </p:spTree>
     <p:extLst>
       <p:ext uri="{BB962C8B-B14F-4D97-AF65-F5344CB8AC3E}">
-        <p14:creationId xmlns:p14="http://schemas.microsoft.com/office/powerpoint/2010/main" val="318128404"/>
+        <p14:creationId xmlns:p14="http://schemas.microsoft.com/office/powerpoint/2010/main" val="2947288721"/>
       </p:ext>
     </p:extLst>
   </p:cSld>
@@ -10101,7 +10145,7 @@
           <a:p>
             <a:r>
               <a:rPr lang="fr-CA" sz="3000" dirty="0"/>
-              <a:t>Cahier des charges (suite) - Technique</a:t>
+              <a:t>Cahier des charges (suite)</a:t>
             </a:r>
             <a:endParaRPr lang="en-CA" sz="3000" dirty="0"/>
           </a:p>
@@ -10189,33 +10233,9 @@
           </a:p>
         </p:txBody>
       </p:sp>
-      <p:pic>
-        <p:nvPicPr>
-          <p:cNvPr id="4" name="Image 3"/>
-          <p:cNvPicPr>
-            <a:picLocks noChangeAspect="1"/>
-          </p:cNvPicPr>
-          <p:nvPr/>
-        </p:nvPicPr>
-        <p:blipFill>
-          <a:blip r:embed="rId2"/>
-          <a:stretch>
-            <a:fillRect/>
-          </a:stretch>
-        </p:blipFill>
-        <p:spPr>
-          <a:xfrm>
-            <a:off x="-1" y="1574298"/>
-            <a:ext cx="12192001" cy="3709403"/>
-          </a:xfrm>
-          <a:prstGeom prst="rect">
-            <a:avLst/>
-          </a:prstGeom>
-        </p:spPr>
-      </p:pic>
-      <p:sp>
-        <p:nvSpPr>
-          <p:cNvPr id="6" name="Slide Number Placeholder 9"/>
+      <p:sp>
+        <p:nvSpPr>
+          <p:cNvPr id="4" name="Slide Number Placeholder 9"/>
           <p:cNvSpPr>
             <a:spLocks noGrp="1"/>
           </p:cNvSpPr>
@@ -10244,7 +10264,7 @@
     </p:spTree>
     <p:extLst>
       <p:ext uri="{BB962C8B-B14F-4D97-AF65-F5344CB8AC3E}">
-        <p14:creationId xmlns:p14="http://schemas.microsoft.com/office/powerpoint/2010/main" val="2009404808"/>
+        <p14:creationId xmlns:p14="http://schemas.microsoft.com/office/powerpoint/2010/main" val="318128404"/>
       </p:ext>
     </p:extLst>
   </p:cSld>
@@ -10295,7 +10315,7 @@
           <a:p>
             <a:r>
               <a:rPr lang="fr-CA" sz="3000" dirty="0"/>
-              <a:t>Cahier des charges (suite) - Gestion</a:t>
+              <a:t>Cahier des charges (suite) - Technique</a:t>
             </a:r>
             <a:endParaRPr lang="en-CA" sz="3000" dirty="0"/>
           </a:p>
@@ -10325,7 +10345,61 @@
               <a:buFont typeface="Wingdings" panose="05000000000000000000" pitchFamily="2" charset="2"/>
               <a:buChar char="Ø"/>
             </a:pPr>
+            <a:r>
+              <a:rPr lang="fr-CA" dirty="0"/>
+              <a:t>Aspect technique et gestion divisé</a:t>
+            </a:r>
+          </a:p>
+          <a:p>
+            <a:pPr>
+              <a:buFont typeface="Wingdings" panose="05000000000000000000" pitchFamily="2" charset="2"/>
+              <a:buChar char="Ø"/>
+            </a:pPr>
             <a:endParaRPr lang="fr-CA" dirty="0"/>
+          </a:p>
+          <a:p>
+            <a:pPr>
+              <a:buFont typeface="Wingdings" panose="05000000000000000000" pitchFamily="2" charset="2"/>
+              <a:buChar char="Ø"/>
+            </a:pPr>
+            <a:r>
+              <a:rPr lang="fr-CA" dirty="0"/>
+              <a:t>Hiérarchie descriptive des aspects du projets, des spécifications et des critères</a:t>
+            </a:r>
+          </a:p>
+          <a:p>
+            <a:pPr>
+              <a:buFont typeface="Wingdings" panose="05000000000000000000" pitchFamily="2" charset="2"/>
+              <a:buChar char="Ø"/>
+            </a:pPr>
+            <a:endParaRPr lang="fr-CA" dirty="0"/>
+          </a:p>
+          <a:p>
+            <a:pPr>
+              <a:buFont typeface="Wingdings" panose="05000000000000000000" pitchFamily="2" charset="2"/>
+              <a:buChar char="Ø"/>
+            </a:pPr>
+            <a:r>
+              <a:rPr lang="fr-CA" dirty="0"/>
+              <a:t>Critères précis avec une flexibilité sur les critères</a:t>
+            </a:r>
+          </a:p>
+          <a:p>
+            <a:pPr>
+              <a:buFont typeface="Wingdings" panose="05000000000000000000" pitchFamily="2" charset="2"/>
+              <a:buChar char="Ø"/>
+            </a:pPr>
+            <a:endParaRPr lang="fr-CA" dirty="0"/>
+          </a:p>
+          <a:p>
+            <a:pPr>
+              <a:buFont typeface="Wingdings" panose="05000000000000000000" pitchFamily="2" charset="2"/>
+              <a:buChar char="Ø"/>
+            </a:pPr>
+            <a:r>
+              <a:rPr lang="fr-CA" dirty="0"/>
+              <a:t>Responsable et nombre d’heure pris en compte pour les étapes</a:t>
+            </a:r>
           </a:p>
         </p:txBody>
       </p:sp>
@@ -10345,8 +10419,8 @@
         </p:blipFill>
         <p:spPr>
           <a:xfrm>
-            <a:off x="0" y="1862138"/>
-            <a:ext cx="12192000" cy="3016718"/>
+            <a:off x="-1" y="1574298"/>
+            <a:ext cx="12192001" cy="3709403"/>
           </a:xfrm>
           <a:prstGeom prst="rect">
             <a:avLst/>
@@ -10384,7 +10458,7 @@
     </p:spTree>
     <p:extLst>
       <p:ext uri="{BB962C8B-B14F-4D97-AF65-F5344CB8AC3E}">
-        <p14:creationId xmlns:p14="http://schemas.microsoft.com/office/powerpoint/2010/main" val="402625826"/>
+        <p14:creationId xmlns:p14="http://schemas.microsoft.com/office/powerpoint/2010/main" val="2009404808"/>
       </p:ext>
     </p:extLst>
   </p:cSld>
@@ -10435,6 +10509,146 @@
           <a:p>
             <a:r>
               <a:rPr lang="fr-CA" sz="3000" dirty="0"/>
+              <a:t>Cahier des charges (suite) - Gestion</a:t>
+            </a:r>
+            <a:endParaRPr lang="en-CA" sz="3000" dirty="0"/>
+          </a:p>
+        </p:txBody>
+      </p:sp>
+      <p:sp>
+        <p:nvSpPr>
+          <p:cNvPr id="5" name="Espace réservé du contenu 4"/>
+          <p:cNvSpPr>
+            <a:spLocks noGrp="1"/>
+          </p:cNvSpPr>
+          <p:nvPr>
+            <p:ph idx="1"/>
+          </p:nvPr>
+        </p:nvSpPr>
+        <p:spPr>
+          <a:xfrm>
+            <a:off x="708157" y="2088669"/>
+            <a:ext cx="8596668" cy="3880773"/>
+          </a:xfrm>
+        </p:spPr>
+        <p:txBody>
+          <a:bodyPr/>
+          <a:lstStyle/>
+          <a:p>
+            <a:pPr>
+              <a:buFont typeface="Wingdings" panose="05000000000000000000" pitchFamily="2" charset="2"/>
+              <a:buChar char="Ø"/>
+            </a:pPr>
+            <a:endParaRPr lang="fr-CA" dirty="0"/>
+          </a:p>
+        </p:txBody>
+      </p:sp>
+      <p:pic>
+        <p:nvPicPr>
+          <p:cNvPr id="4" name="Image 3"/>
+          <p:cNvPicPr>
+            <a:picLocks noChangeAspect="1"/>
+          </p:cNvPicPr>
+          <p:nvPr/>
+        </p:nvPicPr>
+        <p:blipFill>
+          <a:blip r:embed="rId2"/>
+          <a:stretch>
+            <a:fillRect/>
+          </a:stretch>
+        </p:blipFill>
+        <p:spPr>
+          <a:xfrm>
+            <a:off x="0" y="1862138"/>
+            <a:ext cx="12192000" cy="3016718"/>
+          </a:xfrm>
+          <a:prstGeom prst="rect">
+            <a:avLst/>
+          </a:prstGeom>
+        </p:spPr>
+      </p:pic>
+      <p:sp>
+        <p:nvSpPr>
+          <p:cNvPr id="6" name="Slide Number Placeholder 9"/>
+          <p:cNvSpPr>
+            <a:spLocks noGrp="1"/>
+          </p:cNvSpPr>
+          <p:nvPr>
+            <p:ph type="sldNum" sz="quarter" idx="12"/>
+          </p:nvPr>
+        </p:nvSpPr>
+        <p:spPr>
+          <a:xfrm>
+            <a:off x="8590663" y="6041362"/>
+            <a:ext cx="683339" cy="365125"/>
+          </a:xfrm>
+        </p:spPr>
+        <p:txBody>
+          <a:bodyPr/>
+          <a:lstStyle/>
+          <a:p>
+            <a:fld id="{E733B697-11A6-4686-A4B0-BC7222BD8556}" type="slidenum">
+              <a:rPr lang="en-CA" smtClean="0"/>
+              <a:t>22</a:t>
+            </a:fld>
+            <a:endParaRPr lang="en-CA" dirty="0"/>
+          </a:p>
+        </p:txBody>
+      </p:sp>
+    </p:spTree>
+    <p:extLst>
+      <p:ext uri="{BB962C8B-B14F-4D97-AF65-F5344CB8AC3E}">
+        <p14:creationId xmlns:p14="http://schemas.microsoft.com/office/powerpoint/2010/main" val="402625826"/>
+      </p:ext>
+    </p:extLst>
+  </p:cSld>
+  <p:clrMapOvr>
+    <a:masterClrMapping/>
+  </p:clrMapOvr>
+</p:sld>
+</file>
+
+<file path=ppt/slides/slide23.xml><?xml version="1.0" encoding="utf-8"?>
+<p:sld xmlns:a="http://schemas.openxmlformats.org/drawingml/2006/main" xmlns:r="http://schemas.openxmlformats.org/officeDocument/2006/relationships" xmlns:p="http://schemas.openxmlformats.org/presentationml/2006/main">
+  <p:cSld>
+    <p:spTree>
+      <p:nvGrpSpPr>
+        <p:cNvPr id="1" name=""/>
+        <p:cNvGrpSpPr/>
+        <p:nvPr/>
+      </p:nvGrpSpPr>
+      <p:grpSpPr>
+        <a:xfrm>
+          <a:off x="0" y="0"/>
+          <a:ext cx="0" cy="0"/>
+          <a:chOff x="0" y="0"/>
+          <a:chExt cx="0" cy="0"/>
+        </a:xfrm>
+      </p:grpSpPr>
+      <p:sp>
+        <p:nvSpPr>
+          <p:cNvPr id="2" name="Title 1"/>
+          <p:cNvSpPr>
+            <a:spLocks noGrp="1"/>
+          </p:cNvSpPr>
+          <p:nvPr>
+            <p:ph type="title"/>
+          </p:nvPr>
+        </p:nvSpPr>
+        <p:spPr>
+          <a:xfrm>
+            <a:off x="265426" y="333375"/>
+            <a:ext cx="11589875" cy="725142"/>
+          </a:xfrm>
+        </p:spPr>
+        <p:txBody>
+          <a:bodyPr>
+            <a:normAutofit/>
+          </a:bodyPr>
+          <a:lstStyle/>
+          <a:p>
+            <a:r>
+              <a:rPr lang="fr-CA" sz="3000" dirty="0"/>
               <a:t>Diagramme de Gantt</a:t>
             </a:r>
             <a:endParaRPr lang="en-CA" sz="3000" dirty="0"/>
@@ -10487,7 +10701,7 @@
           <a:p>
             <a:fld id="{E733B697-11A6-4686-A4B0-BC7222BD8556}" type="slidenum">
               <a:rPr lang="en-CA" smtClean="0"/>
-              <a:t>22</a:t>
+              <a:t>23</a:t>
             </a:fld>
             <a:endParaRPr lang="en-CA" dirty="0"/>
           </a:p>
@@ -10506,7 +10720,7 @@
 </p:sld>
 </file>
 
-<file path=ppt/slides/slide23.xml><?xml version="1.0" encoding="utf-8"?>
+<file path=ppt/slides/slide24.xml><?xml version="1.0" encoding="utf-8"?>
 <p:sld xmlns:a="http://schemas.openxmlformats.org/drawingml/2006/main" xmlns:r="http://schemas.openxmlformats.org/officeDocument/2006/relationships" xmlns:p="http://schemas.openxmlformats.org/presentationml/2006/main" showMasterSp="0">
   <p:cSld>
     <p:bg>
@@ -10612,7 +10826,7 @@
           <a:p>
             <a:fld id="{E733B697-11A6-4686-A4B0-BC7222BD8556}" type="slidenum">
               <a:rPr lang="en-CA" smtClean="0"/>
-              <a:t>23</a:t>
+              <a:t>24</a:t>
             </a:fld>
             <a:endParaRPr lang="en-CA" dirty="0"/>
           </a:p>
@@ -10622,116 +10836,6 @@
     <p:extLst>
       <p:ext uri="{BB962C8B-B14F-4D97-AF65-F5344CB8AC3E}">
         <p14:creationId xmlns:p14="http://schemas.microsoft.com/office/powerpoint/2010/main" val="2097853508"/>
-      </p:ext>
-    </p:extLst>
-  </p:cSld>
-  <p:clrMapOvr>
-    <a:masterClrMapping/>
-  </p:clrMapOvr>
-</p:sld>
-</file>
-
-<file path=ppt/slides/slide24.xml><?xml version="1.0" encoding="utf-8"?>
-<p:sld xmlns:a="http://schemas.openxmlformats.org/drawingml/2006/main" xmlns:r="http://schemas.openxmlformats.org/officeDocument/2006/relationships" xmlns:p="http://schemas.openxmlformats.org/presentationml/2006/main">
-  <p:cSld>
-    <p:spTree>
-      <p:nvGrpSpPr>
-        <p:cNvPr id="1" name=""/>
-        <p:cNvGrpSpPr/>
-        <p:nvPr/>
-      </p:nvGrpSpPr>
-      <p:grpSpPr>
-        <a:xfrm>
-          <a:off x="0" y="0"/>
-          <a:ext cx="0" cy="0"/>
-          <a:chOff x="0" y="0"/>
-          <a:chExt cx="0" cy="0"/>
-        </a:xfrm>
-      </p:grpSpPr>
-      <p:sp>
-        <p:nvSpPr>
-          <p:cNvPr id="2" name="Titre 1"/>
-          <p:cNvSpPr>
-            <a:spLocks noGrp="1"/>
-          </p:cNvSpPr>
-          <p:nvPr>
-            <p:ph type="title"/>
-          </p:nvPr>
-        </p:nvSpPr>
-        <p:spPr/>
-        <p:txBody>
-          <a:bodyPr>
-            <a:normAutofit/>
-          </a:bodyPr>
-          <a:lstStyle/>
-          <a:p>
-            <a:r>
-              <a:rPr lang="fr-CA" sz="2400" dirty="0"/>
-              <a:t>Temps travaillé vs restant</a:t>
-            </a:r>
-          </a:p>
-        </p:txBody>
-      </p:sp>
-      <p:pic>
-        <p:nvPicPr>
-          <p:cNvPr id="10" name="Espace réservé du contenu 9"/>
-          <p:cNvPicPr>
-            <a:picLocks noGrp="1" noChangeAspect="1"/>
-          </p:cNvPicPr>
-          <p:nvPr>
-            <p:ph idx="1"/>
-          </p:nvPr>
-        </p:nvPicPr>
-        <p:blipFill rotWithShape="1">
-          <a:blip r:embed="rId2">
-            <a:extLst>
-              <a:ext uri="{28A0092B-C50C-407E-A947-70E740481C1C}">
-                <a14:useLocalDpi xmlns:a14="http://schemas.microsoft.com/office/drawing/2010/main" val="0"/>
-              </a:ext>
-            </a:extLst>
-          </a:blip>
-          <a:srcRect l="1" r="49821" b="57819"/>
-          <a:stretch/>
-        </p:blipFill>
-        <p:spPr>
-          <a:xfrm>
-            <a:off x="2471361" y="522051"/>
-            <a:ext cx="6158200" cy="6083030"/>
-          </a:xfrm>
-        </p:spPr>
-      </p:pic>
-      <p:sp>
-        <p:nvSpPr>
-          <p:cNvPr id="4" name="Slide Number Placeholder 9"/>
-          <p:cNvSpPr>
-            <a:spLocks noGrp="1"/>
-          </p:cNvSpPr>
-          <p:nvPr>
-            <p:ph type="sldNum" sz="quarter" idx="12"/>
-          </p:nvPr>
-        </p:nvSpPr>
-        <p:spPr>
-          <a:xfrm>
-            <a:off x="8590663" y="6041362"/>
-            <a:ext cx="683339" cy="365125"/>
-          </a:xfrm>
-        </p:spPr>
-        <p:txBody>
-          <a:bodyPr/>
-          <a:lstStyle/>
-          <a:p>
-            <a:fld id="{E733B697-11A6-4686-A4B0-BC7222BD8556}" type="slidenum">
-              <a:rPr lang="en-CA" smtClean="0"/>
-              <a:t>24</a:t>
-            </a:fld>
-            <a:endParaRPr lang="en-CA" dirty="0"/>
-          </a:p>
-        </p:txBody>
-      </p:sp>
-    </p:spTree>
-    <p:extLst>
-      <p:ext uri="{BB962C8B-B14F-4D97-AF65-F5344CB8AC3E}">
-        <p14:creationId xmlns:p14="http://schemas.microsoft.com/office/powerpoint/2010/main" val="2702820501"/>
       </p:ext>
     </p:extLst>
   </p:cSld>
@@ -10760,6 +10864,116 @@
       </p:grpSpPr>
       <p:sp>
         <p:nvSpPr>
+          <p:cNvPr id="2" name="Titre 1"/>
+          <p:cNvSpPr>
+            <a:spLocks noGrp="1"/>
+          </p:cNvSpPr>
+          <p:nvPr>
+            <p:ph type="title"/>
+          </p:nvPr>
+        </p:nvSpPr>
+        <p:spPr/>
+        <p:txBody>
+          <a:bodyPr>
+            <a:normAutofit/>
+          </a:bodyPr>
+          <a:lstStyle/>
+          <a:p>
+            <a:r>
+              <a:rPr lang="fr-CA" sz="2400" dirty="0"/>
+              <a:t>Temps travaillé vs restant</a:t>
+            </a:r>
+          </a:p>
+        </p:txBody>
+      </p:sp>
+      <p:pic>
+        <p:nvPicPr>
+          <p:cNvPr id="10" name="Espace réservé du contenu 9"/>
+          <p:cNvPicPr>
+            <a:picLocks noGrp="1" noChangeAspect="1"/>
+          </p:cNvPicPr>
+          <p:nvPr>
+            <p:ph idx="1"/>
+          </p:nvPr>
+        </p:nvPicPr>
+        <p:blipFill rotWithShape="1">
+          <a:blip r:embed="rId2">
+            <a:extLst>
+              <a:ext uri="{28A0092B-C50C-407E-A947-70E740481C1C}">
+                <a14:useLocalDpi xmlns:a14="http://schemas.microsoft.com/office/drawing/2010/main" val="0"/>
+              </a:ext>
+            </a:extLst>
+          </a:blip>
+          <a:srcRect l="1" r="49821" b="57819"/>
+          <a:stretch/>
+        </p:blipFill>
+        <p:spPr>
+          <a:xfrm>
+            <a:off x="2471361" y="522051"/>
+            <a:ext cx="6158200" cy="6083030"/>
+          </a:xfrm>
+        </p:spPr>
+      </p:pic>
+      <p:sp>
+        <p:nvSpPr>
+          <p:cNvPr id="4" name="Slide Number Placeholder 9"/>
+          <p:cNvSpPr>
+            <a:spLocks noGrp="1"/>
+          </p:cNvSpPr>
+          <p:nvPr>
+            <p:ph type="sldNum" sz="quarter" idx="12"/>
+          </p:nvPr>
+        </p:nvSpPr>
+        <p:spPr>
+          <a:xfrm>
+            <a:off x="8590663" y="6041362"/>
+            <a:ext cx="683339" cy="365125"/>
+          </a:xfrm>
+        </p:spPr>
+        <p:txBody>
+          <a:bodyPr/>
+          <a:lstStyle/>
+          <a:p>
+            <a:fld id="{E733B697-11A6-4686-A4B0-BC7222BD8556}" type="slidenum">
+              <a:rPr lang="en-CA" smtClean="0"/>
+              <a:t>25</a:t>
+            </a:fld>
+            <a:endParaRPr lang="en-CA" dirty="0"/>
+          </a:p>
+        </p:txBody>
+      </p:sp>
+    </p:spTree>
+    <p:extLst>
+      <p:ext uri="{BB962C8B-B14F-4D97-AF65-F5344CB8AC3E}">
+        <p14:creationId xmlns:p14="http://schemas.microsoft.com/office/powerpoint/2010/main" val="2702820501"/>
+      </p:ext>
+    </p:extLst>
+  </p:cSld>
+  <p:clrMapOvr>
+    <a:masterClrMapping/>
+  </p:clrMapOvr>
+</p:sld>
+</file>
+
+<file path=ppt/slides/slide26.xml><?xml version="1.0" encoding="utf-8"?>
+<p:sld xmlns:a="http://schemas.openxmlformats.org/drawingml/2006/main" xmlns:r="http://schemas.openxmlformats.org/officeDocument/2006/relationships" xmlns:p="http://schemas.openxmlformats.org/presentationml/2006/main">
+  <p:cSld>
+    <p:spTree>
+      <p:nvGrpSpPr>
+        <p:cNvPr id="1" name=""/>
+        <p:cNvGrpSpPr/>
+        <p:nvPr/>
+      </p:nvGrpSpPr>
+      <p:grpSpPr>
+        <a:xfrm>
+          <a:off x="0" y="0"/>
+          <a:ext cx="0" cy="0"/>
+          <a:chOff x="0" y="0"/>
+          <a:chExt cx="0" cy="0"/>
+        </a:xfrm>
+      </p:grpSpPr>
+      <p:sp>
+        <p:nvSpPr>
           <p:cNvPr id="2" name="Title 1"/>
           <p:cNvSpPr>
             <a:spLocks noGrp="1"/>
@@ -10810,7 +11024,7 @@
           <a:p>
             <a:fld id="{E733B697-11A6-4686-A4B0-BC7222BD8556}" type="slidenum">
               <a:rPr lang="en-CA" smtClean="0"/>
-              <a:t>25</a:t>
+              <a:t>26</a:t>
             </a:fld>
             <a:endParaRPr lang="en-CA" dirty="0"/>
           </a:p>
@@ -13686,6 +13900,119 @@
     <p:extLst>
       <p:ext uri="{BB962C8B-B14F-4D97-AF65-F5344CB8AC3E}">
         <p14:creationId xmlns:p14="http://schemas.microsoft.com/office/powerpoint/2010/main" val="3737034658"/>
+      </p:ext>
+    </p:extLst>
+  </p:cSld>
+  <p:clrMapOvr>
+    <a:masterClrMapping/>
+  </p:clrMapOvr>
+</p:sld>
+</file>
+
+<file path=ppt/slides/slide27.xml><?xml version="1.0" encoding="utf-8"?>
+<p:sld xmlns:a="http://schemas.openxmlformats.org/drawingml/2006/main" xmlns:r="http://schemas.openxmlformats.org/officeDocument/2006/relationships" xmlns:p="http://schemas.openxmlformats.org/presentationml/2006/main">
+  <p:cSld>
+    <p:spTree>
+      <p:nvGrpSpPr>
+        <p:cNvPr id="1" name=""/>
+        <p:cNvGrpSpPr/>
+        <p:nvPr/>
+      </p:nvGrpSpPr>
+      <p:grpSpPr>
+        <a:xfrm>
+          <a:off x="0" y="0"/>
+          <a:ext cx="0" cy="0"/>
+          <a:chOff x="0" y="0"/>
+          <a:chExt cx="0" cy="0"/>
+        </a:xfrm>
+      </p:grpSpPr>
+      <p:sp>
+        <p:nvSpPr>
+          <p:cNvPr id="2" name="Titre 1"/>
+          <p:cNvSpPr>
+            <a:spLocks noGrp="1"/>
+          </p:cNvSpPr>
+          <p:nvPr>
+            <p:ph type="title"/>
+          </p:nvPr>
+        </p:nvSpPr>
+        <p:spPr/>
+        <p:txBody>
+          <a:bodyPr/>
+          <a:lstStyle/>
+          <a:p>
+            <a:r>
+              <a:rPr lang="fr-FR" dirty="0"/>
+              <a:t>Gestion des risques</a:t>
+            </a:r>
+            <a:br>
+              <a:rPr lang="fr-FR" dirty="0">
+                <a:solidFill>
+                  <a:schemeClr val="tx1"/>
+                </a:solidFill>
+              </a:rPr>
+            </a:br>
+            <a:r>
+              <a:rPr lang="fr-FR" dirty="0">
+                <a:solidFill>
+                  <a:srgbClr val="90C226"/>
+                </a:solidFill>
+                <a:latin typeface="Trebuchet MS"/>
+              </a:rPr>
+              <a:t>Progression des risques</a:t>
+            </a:r>
+          </a:p>
+        </p:txBody>
+      </p:sp>
+      <p:sp>
+        <p:nvSpPr>
+          <p:cNvPr id="3" name="Espace réservé du contenu 2"/>
+          <p:cNvSpPr>
+            <a:spLocks noGrp="1"/>
+          </p:cNvSpPr>
+          <p:nvPr>
+            <p:ph idx="1"/>
+          </p:nvPr>
+        </p:nvSpPr>
+        <p:spPr/>
+        <p:txBody>
+          <a:bodyPr vert="horz" lIns="91440" tIns="45720" rIns="91440" bIns="45720" rtlCol="0" anchor="t">
+            <a:normAutofit/>
+          </a:bodyPr>
+          <a:lstStyle/>
+          <a:p>
+            <a:r>
+              <a:rPr lang="fr-FR" dirty="0"/>
+              <a:t>Risques fonctionnels</a:t>
+            </a:r>
+            <a:endParaRPr lang="fr-FR" dirty="0">
+              <a:solidFill>
+                <a:srgbClr val="404040"/>
+              </a:solidFill>
+              <a:latin typeface="Trebuchet MS"/>
+            </a:endParaRPr>
+          </a:p>
+          <a:p>
+            <a:r>
+              <a:rPr lang="fr-FR" dirty="0"/>
+              <a:t>Risques humains</a:t>
+            </a:r>
+          </a:p>
+          <a:p>
+            <a:r>
+              <a:rPr lang="fr-FR" dirty="0"/>
+              <a:t>Risques de gestion</a:t>
+            </a:r>
+          </a:p>
+          <a:p>
+            <a:endParaRPr lang="fr-FR" dirty="0"/>
+          </a:p>
+        </p:txBody>
+      </p:sp>
+    </p:spTree>
+    <p:extLst>
+      <p:ext uri="{BB962C8B-B14F-4D97-AF65-F5344CB8AC3E}">
+        <p14:creationId xmlns:p14="http://schemas.microsoft.com/office/powerpoint/2010/main" val="2679844909"/>
       </p:ext>
     </p:extLst>
   </p:cSld>

--- a/Gestion/L1 Présentation.pptx
+++ b/Gestion/L1 Présentation.pptx
@@ -141,6 +141,14 @@
 </p:presentation>
 </file>
 
+<file path=ppt/revisionInfo.xml><?xml version="1.0" encoding="utf-8"?>
+<p1510:revInfo xmlns:a="http://schemas.openxmlformats.org/drawingml/2006/main" xmlns:r="http://schemas.openxmlformats.org/officeDocument/2006/relationships" xmlns:p1510="http://schemas.microsoft.com/office/powerpoint/2015/10/main">
+  <p1510:revLst>
+    <p1510:client id="{43497F81-7A3F-4A8A-8C9D-85BF5C16E9A2}" v="1" dt="2017-02-23T14:32:57.600"/>
+  </p1510:revLst>
+</p1510:revInfo>
+</file>
+
 <file path=ppt/notesMasters/notesMaster1.xml><?xml version="1.0" encoding="utf-8"?>
 <p:notesMaster xmlns:a="http://schemas.openxmlformats.org/drawingml/2006/main" xmlns:r="http://schemas.openxmlformats.org/officeDocument/2006/relationships" xmlns:p="http://schemas.openxmlformats.org/presentationml/2006/main">
   <p:cSld>
@@ -223,7 +231,7 @@
           <a:p>
             <a:fld id="{29740D4E-F9FF-4EA1-A38A-170DAFD3415C}" type="datetimeFigureOut">
               <a:rPr lang="fr-FR"/>
-              <a:t>22/02/2017</a:t>
+              <a:t>23/02/2017</a:t>
             </a:fld>
             <a:endParaRPr lang="fr-FR"/>
           </a:p>
@@ -723,7 +731,7 @@
           <a:p>
             <a:fld id="{78B34485-F086-465C-AC7C-52556F6810CD}" type="slidenum">
               <a:rPr lang="fr-FR"/>
-              <a:t>‹N°›</a:t>
+              <a:t>27</a:t>
             </a:fld>
             <a:endParaRPr lang="fr-FR"/>
           </a:p>
@@ -1464,7 +1472,7 @@
           <a:p>
             <a:fld id="{BE28C888-FE49-4D7A-8A13-DC359419DA98}" type="datetimeFigureOut">
               <a:rPr lang="en-CA" smtClean="0"/>
-              <a:t>2017-02-22</a:t>
+              <a:t>2017-02-23</a:t>
             </a:fld>
             <a:endParaRPr lang="en-CA"/>
           </a:p>
@@ -1715,7 +1723,7 @@
           <a:p>
             <a:fld id="{BE28C888-FE49-4D7A-8A13-DC359419DA98}" type="datetimeFigureOut">
               <a:rPr lang="en-CA" smtClean="0"/>
-              <a:t>2017-02-22</a:t>
+              <a:t>2017-02-23</a:t>
             </a:fld>
             <a:endParaRPr lang="en-CA"/>
           </a:p>
@@ -2029,7 +2037,7 @@
           <a:p>
             <a:fld id="{BE28C888-FE49-4D7A-8A13-DC359419DA98}" type="datetimeFigureOut">
               <a:rPr lang="en-CA" smtClean="0"/>
-              <a:t>2017-02-22</a:t>
+              <a:t>2017-02-23</a:t>
             </a:fld>
             <a:endParaRPr lang="en-CA"/>
           </a:p>
@@ -2370,7 +2378,7 @@
           <a:p>
             <a:fld id="{BE28C888-FE49-4D7A-8A13-DC359419DA98}" type="datetimeFigureOut">
               <a:rPr lang="en-CA" smtClean="0"/>
-              <a:t>2017-02-22</a:t>
+              <a:t>2017-02-23</a:t>
             </a:fld>
             <a:endParaRPr lang="en-CA"/>
           </a:p>
@@ -2684,7 +2692,7 @@
           <a:p>
             <a:fld id="{BE28C888-FE49-4D7A-8A13-DC359419DA98}" type="datetimeFigureOut">
               <a:rPr lang="en-CA" smtClean="0"/>
-              <a:t>2017-02-22</a:t>
+              <a:t>2017-02-23</a:t>
             </a:fld>
             <a:endParaRPr lang="en-CA"/>
           </a:p>
@@ -3077,7 +3085,7 @@
           <a:p>
             <a:fld id="{BE28C888-FE49-4D7A-8A13-DC359419DA98}" type="datetimeFigureOut">
               <a:rPr lang="en-CA" smtClean="0"/>
-              <a:t>2017-02-22</a:t>
+              <a:t>2017-02-23</a:t>
             </a:fld>
             <a:endParaRPr lang="en-CA"/>
           </a:p>
@@ -3247,7 +3255,7 @@
           <a:p>
             <a:fld id="{BE28C888-FE49-4D7A-8A13-DC359419DA98}" type="datetimeFigureOut">
               <a:rPr lang="en-CA" smtClean="0"/>
-              <a:t>2017-02-22</a:t>
+              <a:t>2017-02-23</a:t>
             </a:fld>
             <a:endParaRPr lang="en-CA"/>
           </a:p>
@@ -3427,7 +3435,7 @@
           <a:p>
             <a:fld id="{BE28C888-FE49-4D7A-8A13-DC359419DA98}" type="datetimeFigureOut">
               <a:rPr lang="en-CA" smtClean="0"/>
-              <a:t>2017-02-22</a:t>
+              <a:t>2017-02-23</a:t>
             </a:fld>
             <a:endParaRPr lang="en-CA"/>
           </a:p>
@@ -3603,7 +3611,7 @@
           <a:p>
             <a:fld id="{BE28C888-FE49-4D7A-8A13-DC359419DA98}" type="datetimeFigureOut">
               <a:rPr lang="en-CA" smtClean="0"/>
-              <a:t>2017-02-22</a:t>
+              <a:t>2017-02-23</a:t>
             </a:fld>
             <a:endParaRPr lang="en-CA"/>
           </a:p>
@@ -3850,7 +3858,7 @@
           <a:p>
             <a:fld id="{BE28C888-FE49-4D7A-8A13-DC359419DA98}" type="datetimeFigureOut">
               <a:rPr lang="en-CA" smtClean="0"/>
-              <a:t>2017-02-22</a:t>
+              <a:t>2017-02-23</a:t>
             </a:fld>
             <a:endParaRPr lang="en-CA"/>
           </a:p>
@@ -4082,7 +4090,7 @@
           <a:p>
             <a:fld id="{BE28C888-FE49-4D7A-8A13-DC359419DA98}" type="datetimeFigureOut">
               <a:rPr lang="en-CA" smtClean="0"/>
-              <a:t>2017-02-22</a:t>
+              <a:t>2017-02-23</a:t>
             </a:fld>
             <a:endParaRPr lang="en-CA"/>
           </a:p>
@@ -4456,7 +4464,7 @@
           <a:p>
             <a:fld id="{BE28C888-FE49-4D7A-8A13-DC359419DA98}" type="datetimeFigureOut">
               <a:rPr lang="en-CA" smtClean="0"/>
-              <a:t>2017-02-22</a:t>
+              <a:t>2017-02-23</a:t>
             </a:fld>
             <a:endParaRPr lang="en-CA"/>
           </a:p>
@@ -4579,7 +4587,7 @@
           <a:p>
             <a:fld id="{BE28C888-FE49-4D7A-8A13-DC359419DA98}" type="datetimeFigureOut">
               <a:rPr lang="en-CA" smtClean="0"/>
-              <a:t>2017-02-22</a:t>
+              <a:t>2017-02-23</a:t>
             </a:fld>
             <a:endParaRPr lang="en-CA"/>
           </a:p>
@@ -4674,7 +4682,7 @@
           <a:p>
             <a:fld id="{BE28C888-FE49-4D7A-8A13-DC359419DA98}" type="datetimeFigureOut">
               <a:rPr lang="en-CA" smtClean="0"/>
-              <a:t>2017-02-22</a:t>
+              <a:t>2017-02-23</a:t>
             </a:fld>
             <a:endParaRPr lang="en-CA"/>
           </a:p>
@@ -4929,7 +4937,7 @@
           <a:p>
             <a:fld id="{BE28C888-FE49-4D7A-8A13-DC359419DA98}" type="datetimeFigureOut">
               <a:rPr lang="en-CA" smtClean="0"/>
-              <a:t>2017-02-22</a:t>
+              <a:t>2017-02-23</a:t>
             </a:fld>
             <a:endParaRPr lang="en-CA"/>
           </a:p>
@@ -5192,7 +5200,7 @@
           <a:p>
             <a:fld id="{BE28C888-FE49-4D7A-8A13-DC359419DA98}" type="datetimeFigureOut">
               <a:rPr lang="en-CA" smtClean="0"/>
-              <a:t>2017-02-22</a:t>
+              <a:t>2017-02-23</a:t>
             </a:fld>
             <a:endParaRPr lang="en-CA"/>
           </a:p>
@@ -5935,7 +5943,7 @@
           <a:p>
             <a:fld id="{BE28C888-FE49-4D7A-8A13-DC359419DA98}" type="datetimeFigureOut">
               <a:rPr lang="en-CA" smtClean="0"/>
-              <a:t>2017-02-22</a:t>
+              <a:t>2017-02-23</a:t>
             </a:fld>
             <a:endParaRPr lang="en-CA"/>
           </a:p>
@@ -6476,7 +6484,7 @@
         </p:nvSpPr>
         <p:spPr>
           <a:xfrm>
-            <a:off x="2416818" y="2556381"/>
+            <a:off x="2419974" y="3305175"/>
             <a:ext cx="6858000" cy="1456135"/>
           </a:xfrm>
         </p:spPr>
@@ -6509,7 +6517,7 @@
         </p:nvSpPr>
         <p:spPr>
           <a:xfrm>
-            <a:off x="2416818" y="4403906"/>
+            <a:off x="2419974" y="5153025"/>
             <a:ext cx="6858000" cy="1241822"/>
           </a:xfrm>
         </p:spPr>
@@ -6738,6 +6746,99 @@
           </a:p>
         </p:txBody>
       </p:sp>
+      <p:sp>
+        <p:nvSpPr>
+          <p:cNvPr id="2" name="ZoneTexte 1"/>
+          <p:cNvSpPr txBox="1"/>
+          <p:nvPr/>
+        </p:nvSpPr>
+        <p:spPr>
+          <a:xfrm>
+            <a:off x="4128315" y="2885541"/>
+            <a:ext cx="2743200" cy="1107996"/>
+          </a:xfrm>
+          <a:prstGeom prst="rect">
+            <a:avLst/>
+          </a:prstGeom>
+        </p:spPr>
+        <p:txBody>
+          <a:bodyPr rtlCol="0">
+            <a:spAutoFit/>
+          </a:bodyPr>
+          <a:lstStyle/>
+          <a:p>
+            <a:pPr algn="ctr"/>
+            <a:r>
+              <a:rPr lang="fr-FR" sz="6600" dirty="0">
+                <a:solidFill>
+                  <a:srgbClr val="000000"/>
+                </a:solidFill>
+                <a:latin typeface="Calibri" panose="020F0502020204030204" pitchFamily="34" charset="0"/>
+                <a:cs typeface="Calibri" panose="020F0502020204030204" pitchFamily="34" charset="0"/>
+              </a:rPr>
+              <a:t>π</a:t>
+            </a:r>
+            <a:r>
+              <a:rPr lang="fr-FR" sz="6600" dirty="0" err="1">
+                <a:solidFill>
+                  <a:srgbClr val="000000"/>
+                </a:solidFill>
+                <a:latin typeface="Calibri" panose="020F0502020204030204" pitchFamily="34" charset="0"/>
+                <a:cs typeface="Calibri" panose="020F0502020204030204" pitchFamily="34" charset="0"/>
+              </a:rPr>
+              <a:t>an-U</a:t>
+            </a:r>
+            <a:endParaRPr lang="fr-FR" sz="5400" dirty="0">
+              <a:solidFill>
+                <a:srgbClr val="000000"/>
+              </a:solidFill>
+              <a:latin typeface="Calibri" panose="020F0502020204030204" pitchFamily="34" charset="0"/>
+              <a:cs typeface="Calibri" panose="020F0502020204030204" pitchFamily="34" charset="0"/>
+            </a:endParaRPr>
+          </a:p>
+        </p:txBody>
+      </p:sp>
+      <p:pic>
+        <p:nvPicPr>
+          <p:cNvPr id="1026" name="Picture 2" descr="Image result for U de Sherbrooke"/>
+          <p:cNvPicPr>
+            <a:picLocks noChangeAspect="1" noChangeArrowheads="1"/>
+          </p:cNvPicPr>
+          <p:nvPr/>
+        </p:nvPicPr>
+        <p:blipFill>
+          <a:blip r:embed="rId3" cstate="print">
+            <a:extLst>
+              <a:ext uri="{28A0092B-C50C-407E-A947-70E740481C1C}">
+                <a14:useLocalDpi xmlns:a14="http://schemas.microsoft.com/office/drawing/2010/main" val="0"/>
+              </a:ext>
+            </a:extLst>
+          </a:blip>
+          <a:srcRect/>
+          <a:stretch>
+            <a:fillRect/>
+          </a:stretch>
+        </p:blipFill>
+        <p:spPr bwMode="auto">
+          <a:xfrm>
+            <a:off x="6556371" y="3084974"/>
+            <a:ext cx="709130" cy="709130"/>
+          </a:xfrm>
+          <a:prstGeom prst="rect">
+            <a:avLst/>
+          </a:prstGeom>
+          <a:noFill/>
+          <a:extLst>
+            <a:ext uri="{909E8E84-426E-40DD-AFC4-6F175D3DCCD1}">
+              <a14:hiddenFill xmlns:a14="http://schemas.microsoft.com/office/drawing/2010/main">
+                <a:solidFill>
+                  <a:srgbClr val="FFFFFF"/>
+                </a:solidFill>
+              </a14:hiddenFill>
+            </a:ext>
+          </a:extLst>
+        </p:spPr>
+      </p:pic>
     </p:spTree>
     <p:extLst>
       <p:ext uri="{BB962C8B-B14F-4D97-AF65-F5344CB8AC3E}">
@@ -6952,16 +7053,29 @@
             <p:ph type="sldNum" sz="quarter" idx="12"/>
           </p:nvPr>
         </p:nvSpPr>
-        <p:spPr/>
+        <p:spPr>
+          <a:xfrm>
+            <a:off x="11171962" y="6243585"/>
+            <a:ext cx="683339" cy="365125"/>
+          </a:xfrm>
+        </p:spPr>
         <p:txBody>
           <a:bodyPr/>
           <a:lstStyle/>
           <a:p>
             <a:fld id="{E733B697-11A6-4686-A4B0-BC7222BD8556}" type="slidenum">
-              <a:rPr lang="en-CA" smtClean="0"/>
+              <a:rPr lang="en-CA" sz="1200" smtClean="0">
+                <a:solidFill>
+                  <a:schemeClr val="tx1"/>
+                </a:solidFill>
+              </a:rPr>
               <a:t>10</a:t>
             </a:fld>
-            <a:endParaRPr lang="en-CA"/>
+            <a:endParaRPr lang="en-CA" sz="1200" dirty="0">
+              <a:solidFill>
+                <a:schemeClr val="tx1"/>
+              </a:solidFill>
+            </a:endParaRPr>
           </a:p>
         </p:txBody>
       </p:sp>
@@ -7366,24 +7480,133 @@
       </p:sp>
       <p:sp>
         <p:nvSpPr>
-          <p:cNvPr id="3" name="Slide Number Placeholder 2"/>
-          <p:cNvSpPr>
-            <a:spLocks noGrp="1"/>
-          </p:cNvSpPr>
-          <p:nvPr>
-            <p:ph type="sldNum" sz="quarter" idx="12"/>
-          </p:nvPr>
-        </p:nvSpPr>
-        <p:spPr/>
-        <p:txBody>
-          <a:bodyPr/>
-          <a:lstStyle/>
+          <p:cNvPr id="8" name="Slide Number Placeholder 2"/>
+          <p:cNvSpPr txBox="1">
+            <a:spLocks/>
+          </p:cNvSpPr>
+          <p:nvPr/>
+        </p:nvSpPr>
+        <p:spPr>
+          <a:xfrm>
+            <a:off x="11171962" y="6243585"/>
+            <a:ext cx="683339" cy="365125"/>
+          </a:xfrm>
+          <a:prstGeom prst="rect">
+            <a:avLst/>
+          </a:prstGeom>
+        </p:spPr>
+        <p:txBody>
+          <a:bodyPr vert="horz" lIns="91440" tIns="45720" rIns="91440" bIns="45720" rtlCol="0" anchor="ctr"/>
+          <a:lstStyle>
+            <a:defPPr>
+              <a:defRPr lang="en-US"/>
+            </a:defPPr>
+            <a:lvl1pPr marL="0" algn="r" defTabSz="914400" rtl="0" eaLnBrk="1" latinLnBrk="0" hangingPunct="1">
+              <a:defRPr sz="900" kern="1200">
+                <a:solidFill>
+                  <a:schemeClr val="accent1"/>
+                </a:solidFill>
+                <a:latin typeface="+mn-lt"/>
+                <a:ea typeface="+mn-ea"/>
+                <a:cs typeface="+mn-cs"/>
+              </a:defRPr>
+            </a:lvl1pPr>
+            <a:lvl2pPr marL="457200" algn="l" defTabSz="914400" rtl="0" eaLnBrk="1" latinLnBrk="0" hangingPunct="1">
+              <a:defRPr sz="1800" kern="1200">
+                <a:solidFill>
+                  <a:schemeClr val="tx1"/>
+                </a:solidFill>
+                <a:latin typeface="+mn-lt"/>
+                <a:ea typeface="+mn-ea"/>
+                <a:cs typeface="+mn-cs"/>
+              </a:defRPr>
+            </a:lvl2pPr>
+            <a:lvl3pPr marL="914400" algn="l" defTabSz="914400" rtl="0" eaLnBrk="1" latinLnBrk="0" hangingPunct="1">
+              <a:defRPr sz="1800" kern="1200">
+                <a:solidFill>
+                  <a:schemeClr val="tx1"/>
+                </a:solidFill>
+                <a:latin typeface="+mn-lt"/>
+                <a:ea typeface="+mn-ea"/>
+                <a:cs typeface="+mn-cs"/>
+              </a:defRPr>
+            </a:lvl3pPr>
+            <a:lvl4pPr marL="1371600" algn="l" defTabSz="914400" rtl="0" eaLnBrk="1" latinLnBrk="0" hangingPunct="1">
+              <a:defRPr sz="1800" kern="1200">
+                <a:solidFill>
+                  <a:schemeClr val="tx1"/>
+                </a:solidFill>
+                <a:latin typeface="+mn-lt"/>
+                <a:ea typeface="+mn-ea"/>
+                <a:cs typeface="+mn-cs"/>
+              </a:defRPr>
+            </a:lvl4pPr>
+            <a:lvl5pPr marL="1828800" algn="l" defTabSz="914400" rtl="0" eaLnBrk="1" latinLnBrk="0" hangingPunct="1">
+              <a:defRPr sz="1800" kern="1200">
+                <a:solidFill>
+                  <a:schemeClr val="tx1"/>
+                </a:solidFill>
+                <a:latin typeface="+mn-lt"/>
+                <a:ea typeface="+mn-ea"/>
+                <a:cs typeface="+mn-cs"/>
+              </a:defRPr>
+            </a:lvl5pPr>
+            <a:lvl6pPr marL="2286000" algn="l" defTabSz="914400" rtl="0" eaLnBrk="1" latinLnBrk="0" hangingPunct="1">
+              <a:defRPr sz="1800" kern="1200">
+                <a:solidFill>
+                  <a:schemeClr val="tx1"/>
+                </a:solidFill>
+                <a:latin typeface="+mn-lt"/>
+                <a:ea typeface="+mn-ea"/>
+                <a:cs typeface="+mn-cs"/>
+              </a:defRPr>
+            </a:lvl6pPr>
+            <a:lvl7pPr marL="2743200" algn="l" defTabSz="914400" rtl="0" eaLnBrk="1" latinLnBrk="0" hangingPunct="1">
+              <a:defRPr sz="1800" kern="1200">
+                <a:solidFill>
+                  <a:schemeClr val="tx1"/>
+                </a:solidFill>
+                <a:latin typeface="+mn-lt"/>
+                <a:ea typeface="+mn-ea"/>
+                <a:cs typeface="+mn-cs"/>
+              </a:defRPr>
+            </a:lvl7pPr>
+            <a:lvl8pPr marL="3200400" algn="l" defTabSz="914400" rtl="0" eaLnBrk="1" latinLnBrk="0" hangingPunct="1">
+              <a:defRPr sz="1800" kern="1200">
+                <a:solidFill>
+                  <a:schemeClr val="tx1"/>
+                </a:solidFill>
+                <a:latin typeface="+mn-lt"/>
+                <a:ea typeface="+mn-ea"/>
+                <a:cs typeface="+mn-cs"/>
+              </a:defRPr>
+            </a:lvl8pPr>
+            <a:lvl9pPr marL="3657600" algn="l" defTabSz="914400" rtl="0" eaLnBrk="1" latinLnBrk="0" hangingPunct="1">
+              <a:defRPr sz="1800" kern="1200">
+                <a:solidFill>
+                  <a:schemeClr val="tx1"/>
+                </a:solidFill>
+                <a:latin typeface="+mn-lt"/>
+                <a:ea typeface="+mn-ea"/>
+                <a:cs typeface="+mn-cs"/>
+              </a:defRPr>
+            </a:lvl9pPr>
+          </a:lstStyle>
           <a:p>
             <a:fld id="{E733B697-11A6-4686-A4B0-BC7222BD8556}" type="slidenum">
-              <a:rPr lang="en-CA" smtClean="0"/>
+              <a:rPr lang="en-CA" sz="1200" smtClean="0">
+                <a:solidFill>
+                  <a:schemeClr val="tx1"/>
+                </a:solidFill>
+              </a:rPr>
+              <a:pPr/>
               <a:t>11</a:t>
             </a:fld>
-            <a:endParaRPr lang="en-CA"/>
+            <a:endParaRPr lang="en-CA" sz="1200" dirty="0">
+              <a:solidFill>
+                <a:schemeClr val="tx1"/>
+              </a:solidFill>
+            </a:endParaRPr>
           </a:p>
         </p:txBody>
       </p:sp>
@@ -7708,24 +7931,133 @@
       </p:sp>
       <p:sp>
         <p:nvSpPr>
-          <p:cNvPr id="3" name="Slide Number Placeholder 2"/>
-          <p:cNvSpPr>
-            <a:spLocks noGrp="1"/>
-          </p:cNvSpPr>
-          <p:nvPr>
-            <p:ph type="sldNum" sz="quarter" idx="12"/>
-          </p:nvPr>
-        </p:nvSpPr>
-        <p:spPr/>
-        <p:txBody>
-          <a:bodyPr/>
-          <a:lstStyle/>
+          <p:cNvPr id="8" name="Slide Number Placeholder 2"/>
+          <p:cNvSpPr txBox="1">
+            <a:spLocks/>
+          </p:cNvSpPr>
+          <p:nvPr/>
+        </p:nvSpPr>
+        <p:spPr>
+          <a:xfrm>
+            <a:off x="11171962" y="6243585"/>
+            <a:ext cx="683339" cy="365125"/>
+          </a:xfrm>
+          <a:prstGeom prst="rect">
+            <a:avLst/>
+          </a:prstGeom>
+        </p:spPr>
+        <p:txBody>
+          <a:bodyPr vert="horz" lIns="91440" tIns="45720" rIns="91440" bIns="45720" rtlCol="0" anchor="ctr"/>
+          <a:lstStyle>
+            <a:defPPr>
+              <a:defRPr lang="en-US"/>
+            </a:defPPr>
+            <a:lvl1pPr marL="0" algn="r" defTabSz="914400" rtl="0" eaLnBrk="1" latinLnBrk="0" hangingPunct="1">
+              <a:defRPr sz="900" kern="1200">
+                <a:solidFill>
+                  <a:schemeClr val="accent1"/>
+                </a:solidFill>
+                <a:latin typeface="+mn-lt"/>
+                <a:ea typeface="+mn-ea"/>
+                <a:cs typeface="+mn-cs"/>
+              </a:defRPr>
+            </a:lvl1pPr>
+            <a:lvl2pPr marL="457200" algn="l" defTabSz="914400" rtl="0" eaLnBrk="1" latinLnBrk="0" hangingPunct="1">
+              <a:defRPr sz="1800" kern="1200">
+                <a:solidFill>
+                  <a:schemeClr val="tx1"/>
+                </a:solidFill>
+                <a:latin typeface="+mn-lt"/>
+                <a:ea typeface="+mn-ea"/>
+                <a:cs typeface="+mn-cs"/>
+              </a:defRPr>
+            </a:lvl2pPr>
+            <a:lvl3pPr marL="914400" algn="l" defTabSz="914400" rtl="0" eaLnBrk="1" latinLnBrk="0" hangingPunct="1">
+              <a:defRPr sz="1800" kern="1200">
+                <a:solidFill>
+                  <a:schemeClr val="tx1"/>
+                </a:solidFill>
+                <a:latin typeface="+mn-lt"/>
+                <a:ea typeface="+mn-ea"/>
+                <a:cs typeface="+mn-cs"/>
+              </a:defRPr>
+            </a:lvl3pPr>
+            <a:lvl4pPr marL="1371600" algn="l" defTabSz="914400" rtl="0" eaLnBrk="1" latinLnBrk="0" hangingPunct="1">
+              <a:defRPr sz="1800" kern="1200">
+                <a:solidFill>
+                  <a:schemeClr val="tx1"/>
+                </a:solidFill>
+                <a:latin typeface="+mn-lt"/>
+                <a:ea typeface="+mn-ea"/>
+                <a:cs typeface="+mn-cs"/>
+              </a:defRPr>
+            </a:lvl4pPr>
+            <a:lvl5pPr marL="1828800" algn="l" defTabSz="914400" rtl="0" eaLnBrk="1" latinLnBrk="0" hangingPunct="1">
+              <a:defRPr sz="1800" kern="1200">
+                <a:solidFill>
+                  <a:schemeClr val="tx1"/>
+                </a:solidFill>
+                <a:latin typeface="+mn-lt"/>
+                <a:ea typeface="+mn-ea"/>
+                <a:cs typeface="+mn-cs"/>
+              </a:defRPr>
+            </a:lvl5pPr>
+            <a:lvl6pPr marL="2286000" algn="l" defTabSz="914400" rtl="0" eaLnBrk="1" latinLnBrk="0" hangingPunct="1">
+              <a:defRPr sz="1800" kern="1200">
+                <a:solidFill>
+                  <a:schemeClr val="tx1"/>
+                </a:solidFill>
+                <a:latin typeface="+mn-lt"/>
+                <a:ea typeface="+mn-ea"/>
+                <a:cs typeface="+mn-cs"/>
+              </a:defRPr>
+            </a:lvl6pPr>
+            <a:lvl7pPr marL="2743200" algn="l" defTabSz="914400" rtl="0" eaLnBrk="1" latinLnBrk="0" hangingPunct="1">
+              <a:defRPr sz="1800" kern="1200">
+                <a:solidFill>
+                  <a:schemeClr val="tx1"/>
+                </a:solidFill>
+                <a:latin typeface="+mn-lt"/>
+                <a:ea typeface="+mn-ea"/>
+                <a:cs typeface="+mn-cs"/>
+              </a:defRPr>
+            </a:lvl7pPr>
+            <a:lvl8pPr marL="3200400" algn="l" defTabSz="914400" rtl="0" eaLnBrk="1" latinLnBrk="0" hangingPunct="1">
+              <a:defRPr sz="1800" kern="1200">
+                <a:solidFill>
+                  <a:schemeClr val="tx1"/>
+                </a:solidFill>
+                <a:latin typeface="+mn-lt"/>
+                <a:ea typeface="+mn-ea"/>
+                <a:cs typeface="+mn-cs"/>
+              </a:defRPr>
+            </a:lvl8pPr>
+            <a:lvl9pPr marL="3657600" algn="l" defTabSz="914400" rtl="0" eaLnBrk="1" latinLnBrk="0" hangingPunct="1">
+              <a:defRPr sz="1800" kern="1200">
+                <a:solidFill>
+                  <a:schemeClr val="tx1"/>
+                </a:solidFill>
+                <a:latin typeface="+mn-lt"/>
+                <a:ea typeface="+mn-ea"/>
+                <a:cs typeface="+mn-cs"/>
+              </a:defRPr>
+            </a:lvl9pPr>
+          </a:lstStyle>
           <a:p>
             <a:fld id="{E733B697-11A6-4686-A4B0-BC7222BD8556}" type="slidenum">
-              <a:rPr lang="en-CA" smtClean="0"/>
+              <a:rPr lang="en-CA" sz="1200" smtClean="0">
+                <a:solidFill>
+                  <a:schemeClr val="tx1"/>
+                </a:solidFill>
+              </a:rPr>
+              <a:pPr/>
               <a:t>12</a:t>
             </a:fld>
-            <a:endParaRPr lang="en-CA"/>
+            <a:endParaRPr lang="en-CA" sz="1200" dirty="0">
+              <a:solidFill>
+                <a:schemeClr val="tx1"/>
+              </a:solidFill>
+            </a:endParaRPr>
           </a:p>
         </p:txBody>
       </p:sp>
@@ -8102,7 +8434,7 @@
       </p:sp>
       <p:sp>
         <p:nvSpPr>
-          <p:cNvPr id="3" name="Slide Number Placeholder 2"/>
+          <p:cNvPr id="8" name="Slide Number Placeholder 2"/>
           <p:cNvSpPr>
             <a:spLocks noGrp="1"/>
           </p:cNvSpPr>
@@ -8110,16 +8442,29 @@
             <p:ph type="sldNum" sz="quarter" idx="12"/>
           </p:nvPr>
         </p:nvSpPr>
-        <p:spPr/>
+        <p:spPr>
+          <a:xfrm>
+            <a:off x="11171962" y="6243585"/>
+            <a:ext cx="683339" cy="365125"/>
+          </a:xfrm>
+        </p:spPr>
         <p:txBody>
           <a:bodyPr/>
           <a:lstStyle/>
           <a:p>
             <a:fld id="{E733B697-11A6-4686-A4B0-BC7222BD8556}" type="slidenum">
-              <a:rPr lang="en-CA" smtClean="0"/>
+              <a:rPr lang="en-CA" sz="1200" smtClean="0">
+                <a:solidFill>
+                  <a:schemeClr val="tx1"/>
+                </a:solidFill>
+              </a:rPr>
               <a:t>13</a:t>
             </a:fld>
-            <a:endParaRPr lang="en-CA"/>
+            <a:endParaRPr lang="en-CA" sz="1200" dirty="0">
+              <a:solidFill>
+                <a:schemeClr val="tx1"/>
+              </a:solidFill>
+            </a:endParaRPr>
           </a:p>
         </p:txBody>
       </p:sp>
@@ -8535,24 +8880,133 @@
       </p:sp>
       <p:sp>
         <p:nvSpPr>
-          <p:cNvPr id="3" name="Slide Number Placeholder 2"/>
-          <p:cNvSpPr>
-            <a:spLocks noGrp="1"/>
-          </p:cNvSpPr>
-          <p:nvPr>
-            <p:ph type="sldNum" sz="quarter" idx="12"/>
-          </p:nvPr>
-        </p:nvSpPr>
-        <p:spPr/>
-        <p:txBody>
-          <a:bodyPr/>
-          <a:lstStyle/>
+          <p:cNvPr id="8" name="Slide Number Placeholder 2"/>
+          <p:cNvSpPr txBox="1">
+            <a:spLocks/>
+          </p:cNvSpPr>
+          <p:nvPr/>
+        </p:nvSpPr>
+        <p:spPr>
+          <a:xfrm>
+            <a:off x="11171962" y="6243585"/>
+            <a:ext cx="683339" cy="365125"/>
+          </a:xfrm>
+          <a:prstGeom prst="rect">
+            <a:avLst/>
+          </a:prstGeom>
+        </p:spPr>
+        <p:txBody>
+          <a:bodyPr vert="horz" lIns="91440" tIns="45720" rIns="91440" bIns="45720" rtlCol="0" anchor="ctr"/>
+          <a:lstStyle>
+            <a:defPPr>
+              <a:defRPr lang="en-US"/>
+            </a:defPPr>
+            <a:lvl1pPr marL="0" algn="r" defTabSz="914400" rtl="0" eaLnBrk="1" latinLnBrk="0" hangingPunct="1">
+              <a:defRPr sz="900" kern="1200">
+                <a:solidFill>
+                  <a:schemeClr val="accent1"/>
+                </a:solidFill>
+                <a:latin typeface="+mn-lt"/>
+                <a:ea typeface="+mn-ea"/>
+                <a:cs typeface="+mn-cs"/>
+              </a:defRPr>
+            </a:lvl1pPr>
+            <a:lvl2pPr marL="457200" algn="l" defTabSz="914400" rtl="0" eaLnBrk="1" latinLnBrk="0" hangingPunct="1">
+              <a:defRPr sz="1800" kern="1200">
+                <a:solidFill>
+                  <a:schemeClr val="tx1"/>
+                </a:solidFill>
+                <a:latin typeface="+mn-lt"/>
+                <a:ea typeface="+mn-ea"/>
+                <a:cs typeface="+mn-cs"/>
+              </a:defRPr>
+            </a:lvl2pPr>
+            <a:lvl3pPr marL="914400" algn="l" defTabSz="914400" rtl="0" eaLnBrk="1" latinLnBrk="0" hangingPunct="1">
+              <a:defRPr sz="1800" kern="1200">
+                <a:solidFill>
+                  <a:schemeClr val="tx1"/>
+                </a:solidFill>
+                <a:latin typeface="+mn-lt"/>
+                <a:ea typeface="+mn-ea"/>
+                <a:cs typeface="+mn-cs"/>
+              </a:defRPr>
+            </a:lvl3pPr>
+            <a:lvl4pPr marL="1371600" algn="l" defTabSz="914400" rtl="0" eaLnBrk="1" latinLnBrk="0" hangingPunct="1">
+              <a:defRPr sz="1800" kern="1200">
+                <a:solidFill>
+                  <a:schemeClr val="tx1"/>
+                </a:solidFill>
+                <a:latin typeface="+mn-lt"/>
+                <a:ea typeface="+mn-ea"/>
+                <a:cs typeface="+mn-cs"/>
+              </a:defRPr>
+            </a:lvl4pPr>
+            <a:lvl5pPr marL="1828800" algn="l" defTabSz="914400" rtl="0" eaLnBrk="1" latinLnBrk="0" hangingPunct="1">
+              <a:defRPr sz="1800" kern="1200">
+                <a:solidFill>
+                  <a:schemeClr val="tx1"/>
+                </a:solidFill>
+                <a:latin typeface="+mn-lt"/>
+                <a:ea typeface="+mn-ea"/>
+                <a:cs typeface="+mn-cs"/>
+              </a:defRPr>
+            </a:lvl5pPr>
+            <a:lvl6pPr marL="2286000" algn="l" defTabSz="914400" rtl="0" eaLnBrk="1" latinLnBrk="0" hangingPunct="1">
+              <a:defRPr sz="1800" kern="1200">
+                <a:solidFill>
+                  <a:schemeClr val="tx1"/>
+                </a:solidFill>
+                <a:latin typeface="+mn-lt"/>
+                <a:ea typeface="+mn-ea"/>
+                <a:cs typeface="+mn-cs"/>
+              </a:defRPr>
+            </a:lvl6pPr>
+            <a:lvl7pPr marL="2743200" algn="l" defTabSz="914400" rtl="0" eaLnBrk="1" latinLnBrk="0" hangingPunct="1">
+              <a:defRPr sz="1800" kern="1200">
+                <a:solidFill>
+                  <a:schemeClr val="tx1"/>
+                </a:solidFill>
+                <a:latin typeface="+mn-lt"/>
+                <a:ea typeface="+mn-ea"/>
+                <a:cs typeface="+mn-cs"/>
+              </a:defRPr>
+            </a:lvl7pPr>
+            <a:lvl8pPr marL="3200400" algn="l" defTabSz="914400" rtl="0" eaLnBrk="1" latinLnBrk="0" hangingPunct="1">
+              <a:defRPr sz="1800" kern="1200">
+                <a:solidFill>
+                  <a:schemeClr val="tx1"/>
+                </a:solidFill>
+                <a:latin typeface="+mn-lt"/>
+                <a:ea typeface="+mn-ea"/>
+                <a:cs typeface="+mn-cs"/>
+              </a:defRPr>
+            </a:lvl8pPr>
+            <a:lvl9pPr marL="3657600" algn="l" defTabSz="914400" rtl="0" eaLnBrk="1" latinLnBrk="0" hangingPunct="1">
+              <a:defRPr sz="1800" kern="1200">
+                <a:solidFill>
+                  <a:schemeClr val="tx1"/>
+                </a:solidFill>
+                <a:latin typeface="+mn-lt"/>
+                <a:ea typeface="+mn-ea"/>
+                <a:cs typeface="+mn-cs"/>
+              </a:defRPr>
+            </a:lvl9pPr>
+          </a:lstStyle>
           <a:p>
             <a:fld id="{E733B697-11A6-4686-A4B0-BC7222BD8556}" type="slidenum">
-              <a:rPr lang="en-CA" smtClean="0"/>
+              <a:rPr lang="en-CA" sz="1200" smtClean="0">
+                <a:solidFill>
+                  <a:schemeClr val="tx1"/>
+                </a:solidFill>
+              </a:rPr>
+              <a:pPr/>
               <a:t>14</a:t>
             </a:fld>
-            <a:endParaRPr lang="en-CA"/>
+            <a:endParaRPr lang="en-CA" sz="1200" dirty="0">
+              <a:solidFill>
+                <a:schemeClr val="tx1"/>
+              </a:solidFill>
+            </a:endParaRPr>
           </a:p>
         </p:txBody>
       </p:sp>
@@ -8828,29 +9282,6 @@
           </a:p>
         </p:txBody>
       </p:sp>
-      <p:sp>
-        <p:nvSpPr>
-          <p:cNvPr id="10" name="Slide Number Placeholder 9"/>
-          <p:cNvSpPr>
-            <a:spLocks noGrp="1"/>
-          </p:cNvSpPr>
-          <p:nvPr>
-            <p:ph type="sldNum" sz="quarter" idx="12"/>
-          </p:nvPr>
-        </p:nvSpPr>
-        <p:spPr/>
-        <p:txBody>
-          <a:bodyPr/>
-          <a:lstStyle/>
-          <a:p>
-            <a:fld id="{E733B697-11A6-4686-A4B0-BC7222BD8556}" type="slidenum">
-              <a:rPr lang="en-CA" smtClean="0"/>
-              <a:t>15</a:t>
-            </a:fld>
-            <a:endParaRPr lang="en-CA" dirty="0"/>
-          </a:p>
-        </p:txBody>
-      </p:sp>
       <p:pic>
         <p:nvPicPr>
           <p:cNvPr id="12" name="Picture 11"/>
@@ -8875,6 +9306,138 @@
           </a:prstGeom>
         </p:spPr>
       </p:pic>
+      <p:sp>
+        <p:nvSpPr>
+          <p:cNvPr id="8" name="Slide Number Placeholder 2"/>
+          <p:cNvSpPr txBox="1">
+            <a:spLocks/>
+          </p:cNvSpPr>
+          <p:nvPr/>
+        </p:nvSpPr>
+        <p:spPr>
+          <a:xfrm>
+            <a:off x="11171962" y="6243585"/>
+            <a:ext cx="683339" cy="365125"/>
+          </a:xfrm>
+          <a:prstGeom prst="rect">
+            <a:avLst/>
+          </a:prstGeom>
+        </p:spPr>
+        <p:txBody>
+          <a:bodyPr vert="horz" lIns="91440" tIns="45720" rIns="91440" bIns="45720" rtlCol="0" anchor="ctr"/>
+          <a:lstStyle>
+            <a:defPPr>
+              <a:defRPr lang="en-US"/>
+            </a:defPPr>
+            <a:lvl1pPr marL="0" algn="r" defTabSz="914400" rtl="0" eaLnBrk="1" latinLnBrk="0" hangingPunct="1">
+              <a:defRPr sz="900" kern="1200">
+                <a:solidFill>
+                  <a:schemeClr val="accent1"/>
+                </a:solidFill>
+                <a:latin typeface="+mn-lt"/>
+                <a:ea typeface="+mn-ea"/>
+                <a:cs typeface="+mn-cs"/>
+              </a:defRPr>
+            </a:lvl1pPr>
+            <a:lvl2pPr marL="457200" algn="l" defTabSz="914400" rtl="0" eaLnBrk="1" latinLnBrk="0" hangingPunct="1">
+              <a:defRPr sz="1800" kern="1200">
+                <a:solidFill>
+                  <a:schemeClr val="tx1"/>
+                </a:solidFill>
+                <a:latin typeface="+mn-lt"/>
+                <a:ea typeface="+mn-ea"/>
+                <a:cs typeface="+mn-cs"/>
+              </a:defRPr>
+            </a:lvl2pPr>
+            <a:lvl3pPr marL="914400" algn="l" defTabSz="914400" rtl="0" eaLnBrk="1" latinLnBrk="0" hangingPunct="1">
+              <a:defRPr sz="1800" kern="1200">
+                <a:solidFill>
+                  <a:schemeClr val="tx1"/>
+                </a:solidFill>
+                <a:latin typeface="+mn-lt"/>
+                <a:ea typeface="+mn-ea"/>
+                <a:cs typeface="+mn-cs"/>
+              </a:defRPr>
+            </a:lvl3pPr>
+            <a:lvl4pPr marL="1371600" algn="l" defTabSz="914400" rtl="0" eaLnBrk="1" latinLnBrk="0" hangingPunct="1">
+              <a:defRPr sz="1800" kern="1200">
+                <a:solidFill>
+                  <a:schemeClr val="tx1"/>
+                </a:solidFill>
+                <a:latin typeface="+mn-lt"/>
+                <a:ea typeface="+mn-ea"/>
+                <a:cs typeface="+mn-cs"/>
+              </a:defRPr>
+            </a:lvl4pPr>
+            <a:lvl5pPr marL="1828800" algn="l" defTabSz="914400" rtl="0" eaLnBrk="1" latinLnBrk="0" hangingPunct="1">
+              <a:defRPr sz="1800" kern="1200">
+                <a:solidFill>
+                  <a:schemeClr val="tx1"/>
+                </a:solidFill>
+                <a:latin typeface="+mn-lt"/>
+                <a:ea typeface="+mn-ea"/>
+                <a:cs typeface="+mn-cs"/>
+              </a:defRPr>
+            </a:lvl5pPr>
+            <a:lvl6pPr marL="2286000" algn="l" defTabSz="914400" rtl="0" eaLnBrk="1" latinLnBrk="0" hangingPunct="1">
+              <a:defRPr sz="1800" kern="1200">
+                <a:solidFill>
+                  <a:schemeClr val="tx1"/>
+                </a:solidFill>
+                <a:latin typeface="+mn-lt"/>
+                <a:ea typeface="+mn-ea"/>
+                <a:cs typeface="+mn-cs"/>
+              </a:defRPr>
+            </a:lvl6pPr>
+            <a:lvl7pPr marL="2743200" algn="l" defTabSz="914400" rtl="0" eaLnBrk="1" latinLnBrk="0" hangingPunct="1">
+              <a:defRPr sz="1800" kern="1200">
+                <a:solidFill>
+                  <a:schemeClr val="tx1"/>
+                </a:solidFill>
+                <a:latin typeface="+mn-lt"/>
+                <a:ea typeface="+mn-ea"/>
+                <a:cs typeface="+mn-cs"/>
+              </a:defRPr>
+            </a:lvl7pPr>
+            <a:lvl8pPr marL="3200400" algn="l" defTabSz="914400" rtl="0" eaLnBrk="1" latinLnBrk="0" hangingPunct="1">
+              <a:defRPr sz="1800" kern="1200">
+                <a:solidFill>
+                  <a:schemeClr val="tx1"/>
+                </a:solidFill>
+                <a:latin typeface="+mn-lt"/>
+                <a:ea typeface="+mn-ea"/>
+                <a:cs typeface="+mn-cs"/>
+              </a:defRPr>
+            </a:lvl8pPr>
+            <a:lvl9pPr marL="3657600" algn="l" defTabSz="914400" rtl="0" eaLnBrk="1" latinLnBrk="0" hangingPunct="1">
+              <a:defRPr sz="1800" kern="1200">
+                <a:solidFill>
+                  <a:schemeClr val="tx1"/>
+                </a:solidFill>
+                <a:latin typeface="+mn-lt"/>
+                <a:ea typeface="+mn-ea"/>
+                <a:cs typeface="+mn-cs"/>
+              </a:defRPr>
+            </a:lvl9pPr>
+          </a:lstStyle>
+          <a:p>
+            <a:fld id="{E733B697-11A6-4686-A4B0-BC7222BD8556}" type="slidenum">
+              <a:rPr lang="en-CA" sz="1200" smtClean="0">
+                <a:solidFill>
+                  <a:schemeClr val="tx1"/>
+                </a:solidFill>
+              </a:rPr>
+              <a:pPr/>
+              <a:t>15</a:t>
+            </a:fld>
+            <a:endParaRPr lang="en-CA" sz="1200" dirty="0">
+              <a:solidFill>
+                <a:schemeClr val="tx1"/>
+              </a:solidFill>
+            </a:endParaRPr>
+          </a:p>
+        </p:txBody>
+      </p:sp>
     </p:spTree>
     <p:extLst>
       <p:ext uri="{BB962C8B-B14F-4D97-AF65-F5344CB8AC3E}">
@@ -9265,6 +9828,42 @@
           </a:p>
         </p:txBody>
       </p:sp>
+      <p:sp>
+        <p:nvSpPr>
+          <p:cNvPr id="7" name="Slide Number Placeholder 2"/>
+          <p:cNvSpPr>
+            <a:spLocks noGrp="1"/>
+          </p:cNvSpPr>
+          <p:nvPr>
+            <p:ph type="sldNum" sz="quarter" idx="12"/>
+          </p:nvPr>
+        </p:nvSpPr>
+        <p:spPr>
+          <a:xfrm>
+            <a:off x="11171962" y="6243585"/>
+            <a:ext cx="683339" cy="365125"/>
+          </a:xfrm>
+        </p:spPr>
+        <p:txBody>
+          <a:bodyPr/>
+          <a:lstStyle/>
+          <a:p>
+            <a:fld id="{E733B697-11A6-4686-A4B0-BC7222BD8556}" type="slidenum">
+              <a:rPr lang="en-CA" sz="1200" smtClean="0">
+                <a:solidFill>
+                  <a:schemeClr val="tx1"/>
+                </a:solidFill>
+              </a:rPr>
+              <a:t>16</a:t>
+            </a:fld>
+            <a:endParaRPr lang="en-CA" sz="1200" dirty="0">
+              <a:solidFill>
+                <a:schemeClr val="tx1"/>
+              </a:solidFill>
+            </a:endParaRPr>
+          </a:p>
+        </p:txBody>
+      </p:sp>
     </p:spTree>
     <p:extLst>
       <p:ext uri="{BB962C8B-B14F-4D97-AF65-F5344CB8AC3E}">
@@ -9709,6 +10308,42 @@
           </a:p>
         </p:txBody>
       </p:sp>
+      <p:sp>
+        <p:nvSpPr>
+          <p:cNvPr id="7" name="Slide Number Placeholder 2"/>
+          <p:cNvSpPr>
+            <a:spLocks noGrp="1"/>
+          </p:cNvSpPr>
+          <p:nvPr>
+            <p:ph type="sldNum" sz="quarter" idx="12"/>
+          </p:nvPr>
+        </p:nvSpPr>
+        <p:spPr>
+          <a:xfrm>
+            <a:off x="11171962" y="6243585"/>
+            <a:ext cx="683339" cy="365125"/>
+          </a:xfrm>
+        </p:spPr>
+        <p:txBody>
+          <a:bodyPr/>
+          <a:lstStyle/>
+          <a:p>
+            <a:fld id="{E733B697-11A6-4686-A4B0-BC7222BD8556}" type="slidenum">
+              <a:rPr lang="en-CA" sz="1200" smtClean="0">
+                <a:solidFill>
+                  <a:schemeClr val="tx1"/>
+                </a:solidFill>
+              </a:rPr>
+              <a:t>17</a:t>
+            </a:fld>
+            <a:endParaRPr lang="en-CA" sz="1200" dirty="0">
+              <a:solidFill>
+                <a:schemeClr val="tx1"/>
+              </a:solidFill>
+            </a:endParaRPr>
+          </a:p>
+        </p:txBody>
+      </p:sp>
     </p:spTree>
     <p:extLst>
       <p:ext uri="{BB962C8B-B14F-4D97-AF65-F5344CB8AC3E}">
@@ -9837,6 +10472,42 @@
           </a:p>
         </p:txBody>
       </p:sp>
+      <p:sp>
+        <p:nvSpPr>
+          <p:cNvPr id="4" name="Slide Number Placeholder 2"/>
+          <p:cNvSpPr>
+            <a:spLocks noGrp="1"/>
+          </p:cNvSpPr>
+          <p:nvPr>
+            <p:ph type="sldNum" sz="quarter" idx="12"/>
+          </p:nvPr>
+        </p:nvSpPr>
+        <p:spPr>
+          <a:xfrm>
+            <a:off x="11171962" y="6243585"/>
+            <a:ext cx="683339" cy="365125"/>
+          </a:xfrm>
+        </p:spPr>
+        <p:txBody>
+          <a:bodyPr/>
+          <a:lstStyle/>
+          <a:p>
+            <a:fld id="{E733B697-11A6-4686-A4B0-BC7222BD8556}" type="slidenum">
+              <a:rPr lang="en-CA" sz="1200" smtClean="0">
+                <a:solidFill>
+                  <a:schemeClr val="tx1"/>
+                </a:solidFill>
+              </a:rPr>
+              <a:t>18</a:t>
+            </a:fld>
+            <a:endParaRPr lang="en-CA" sz="1200" dirty="0">
+              <a:solidFill>
+                <a:schemeClr val="tx1"/>
+              </a:solidFill>
+            </a:endParaRPr>
+          </a:p>
+        </p:txBody>
+      </p:sp>
     </p:spTree>
     <p:extLst>
       <p:ext uri="{BB962C8B-B14F-4D97-AF65-F5344CB8AC3E}">
@@ -9941,29 +10612,133 @@
       </p:sp>
       <p:sp>
         <p:nvSpPr>
-          <p:cNvPr id="7" name="Slide Number Placeholder 9"/>
-          <p:cNvSpPr>
-            <a:spLocks noGrp="1"/>
-          </p:cNvSpPr>
-          <p:nvPr>
-            <p:ph type="sldNum" sz="quarter" idx="12"/>
-          </p:nvPr>
+          <p:cNvPr id="6" name="Slide Number Placeholder 2"/>
+          <p:cNvSpPr txBox="1">
+            <a:spLocks/>
+          </p:cNvSpPr>
+          <p:nvPr/>
         </p:nvSpPr>
         <p:spPr>
           <a:xfrm>
-            <a:off x="8590663" y="6041362"/>
+            <a:off x="11171962" y="6243585"/>
             <a:ext cx="683339" cy="365125"/>
           </a:xfrm>
+          <a:prstGeom prst="rect">
+            <a:avLst/>
+          </a:prstGeom>
         </p:spPr>
         <p:txBody>
-          <a:bodyPr/>
-          <a:lstStyle/>
+          <a:bodyPr vert="horz" lIns="91440" tIns="45720" rIns="91440" bIns="45720" rtlCol="0" anchor="ctr"/>
+          <a:lstStyle>
+            <a:defPPr>
+              <a:defRPr lang="en-US"/>
+            </a:defPPr>
+            <a:lvl1pPr marL="0" algn="r" defTabSz="914400" rtl="0" eaLnBrk="1" latinLnBrk="0" hangingPunct="1">
+              <a:defRPr sz="900" kern="1200">
+                <a:solidFill>
+                  <a:schemeClr val="accent1"/>
+                </a:solidFill>
+                <a:latin typeface="+mn-lt"/>
+                <a:ea typeface="+mn-ea"/>
+                <a:cs typeface="+mn-cs"/>
+              </a:defRPr>
+            </a:lvl1pPr>
+            <a:lvl2pPr marL="457200" algn="l" defTabSz="914400" rtl="0" eaLnBrk="1" latinLnBrk="0" hangingPunct="1">
+              <a:defRPr sz="1800" kern="1200">
+                <a:solidFill>
+                  <a:schemeClr val="tx1"/>
+                </a:solidFill>
+                <a:latin typeface="+mn-lt"/>
+                <a:ea typeface="+mn-ea"/>
+                <a:cs typeface="+mn-cs"/>
+              </a:defRPr>
+            </a:lvl2pPr>
+            <a:lvl3pPr marL="914400" algn="l" defTabSz="914400" rtl="0" eaLnBrk="1" latinLnBrk="0" hangingPunct="1">
+              <a:defRPr sz="1800" kern="1200">
+                <a:solidFill>
+                  <a:schemeClr val="tx1"/>
+                </a:solidFill>
+                <a:latin typeface="+mn-lt"/>
+                <a:ea typeface="+mn-ea"/>
+                <a:cs typeface="+mn-cs"/>
+              </a:defRPr>
+            </a:lvl3pPr>
+            <a:lvl4pPr marL="1371600" algn="l" defTabSz="914400" rtl="0" eaLnBrk="1" latinLnBrk="0" hangingPunct="1">
+              <a:defRPr sz="1800" kern="1200">
+                <a:solidFill>
+                  <a:schemeClr val="tx1"/>
+                </a:solidFill>
+                <a:latin typeface="+mn-lt"/>
+                <a:ea typeface="+mn-ea"/>
+                <a:cs typeface="+mn-cs"/>
+              </a:defRPr>
+            </a:lvl4pPr>
+            <a:lvl5pPr marL="1828800" algn="l" defTabSz="914400" rtl="0" eaLnBrk="1" latinLnBrk="0" hangingPunct="1">
+              <a:defRPr sz="1800" kern="1200">
+                <a:solidFill>
+                  <a:schemeClr val="tx1"/>
+                </a:solidFill>
+                <a:latin typeface="+mn-lt"/>
+                <a:ea typeface="+mn-ea"/>
+                <a:cs typeface="+mn-cs"/>
+              </a:defRPr>
+            </a:lvl5pPr>
+            <a:lvl6pPr marL="2286000" algn="l" defTabSz="914400" rtl="0" eaLnBrk="1" latinLnBrk="0" hangingPunct="1">
+              <a:defRPr sz="1800" kern="1200">
+                <a:solidFill>
+                  <a:schemeClr val="tx1"/>
+                </a:solidFill>
+                <a:latin typeface="+mn-lt"/>
+                <a:ea typeface="+mn-ea"/>
+                <a:cs typeface="+mn-cs"/>
+              </a:defRPr>
+            </a:lvl6pPr>
+            <a:lvl7pPr marL="2743200" algn="l" defTabSz="914400" rtl="0" eaLnBrk="1" latinLnBrk="0" hangingPunct="1">
+              <a:defRPr sz="1800" kern="1200">
+                <a:solidFill>
+                  <a:schemeClr val="tx1"/>
+                </a:solidFill>
+                <a:latin typeface="+mn-lt"/>
+                <a:ea typeface="+mn-ea"/>
+                <a:cs typeface="+mn-cs"/>
+              </a:defRPr>
+            </a:lvl7pPr>
+            <a:lvl8pPr marL="3200400" algn="l" defTabSz="914400" rtl="0" eaLnBrk="1" latinLnBrk="0" hangingPunct="1">
+              <a:defRPr sz="1800" kern="1200">
+                <a:solidFill>
+                  <a:schemeClr val="tx1"/>
+                </a:solidFill>
+                <a:latin typeface="+mn-lt"/>
+                <a:ea typeface="+mn-ea"/>
+                <a:cs typeface="+mn-cs"/>
+              </a:defRPr>
+            </a:lvl8pPr>
+            <a:lvl9pPr marL="3657600" algn="l" defTabSz="914400" rtl="0" eaLnBrk="1" latinLnBrk="0" hangingPunct="1">
+              <a:defRPr sz="1800" kern="1200">
+                <a:solidFill>
+                  <a:schemeClr val="tx1"/>
+                </a:solidFill>
+                <a:latin typeface="+mn-lt"/>
+                <a:ea typeface="+mn-ea"/>
+                <a:cs typeface="+mn-cs"/>
+              </a:defRPr>
+            </a:lvl9pPr>
+          </a:lstStyle>
           <a:p>
             <a:fld id="{E733B697-11A6-4686-A4B0-BC7222BD8556}" type="slidenum">
-              <a:rPr lang="en-CA" smtClean="0"/>
+              <a:rPr lang="en-CA" sz="1200" smtClean="0">
+                <a:solidFill>
+                  <a:schemeClr val="tx1"/>
+                </a:solidFill>
+              </a:rPr>
+              <a:pPr/>
               <a:t>19</a:t>
             </a:fld>
-            <a:endParaRPr lang="en-CA" dirty="0"/>
+            <a:endParaRPr lang="en-CA" sz="1200" dirty="0">
+              <a:solidFill>
+                <a:schemeClr val="tx1"/>
+              </a:solidFill>
+            </a:endParaRPr>
           </a:p>
         </p:txBody>
       </p:sp>
@@ -10091,6 +10866,42 @@
           </a:p>
         </p:txBody>
       </p:sp>
+      <p:sp>
+        <p:nvSpPr>
+          <p:cNvPr id="4" name="Slide Number Placeholder 2"/>
+          <p:cNvSpPr>
+            <a:spLocks noGrp="1"/>
+          </p:cNvSpPr>
+          <p:nvPr>
+            <p:ph type="sldNum" sz="quarter" idx="12"/>
+          </p:nvPr>
+        </p:nvSpPr>
+        <p:spPr>
+          <a:xfrm>
+            <a:off x="11171962" y="6243585"/>
+            <a:ext cx="683339" cy="365125"/>
+          </a:xfrm>
+        </p:spPr>
+        <p:txBody>
+          <a:bodyPr/>
+          <a:lstStyle/>
+          <a:p>
+            <a:fld id="{E733B697-11A6-4686-A4B0-BC7222BD8556}" type="slidenum">
+              <a:rPr lang="en-CA" sz="1200" smtClean="0">
+                <a:solidFill>
+                  <a:schemeClr val="tx1"/>
+                </a:solidFill>
+              </a:rPr>
+              <a:t>2</a:t>
+            </a:fld>
+            <a:endParaRPr lang="en-CA" sz="1200" dirty="0">
+              <a:solidFill>
+                <a:schemeClr val="tx1"/>
+              </a:solidFill>
+            </a:endParaRPr>
+          </a:p>
+        </p:txBody>
+      </p:sp>
     </p:spTree>
     <p:extLst>
       <p:ext uri="{BB962C8B-B14F-4D97-AF65-F5344CB8AC3E}">
@@ -10235,29 +11046,133 @@
       </p:sp>
       <p:sp>
         <p:nvSpPr>
-          <p:cNvPr id="4" name="Slide Number Placeholder 9"/>
-          <p:cNvSpPr>
-            <a:spLocks noGrp="1"/>
-          </p:cNvSpPr>
-          <p:nvPr>
-            <p:ph type="sldNum" sz="quarter" idx="12"/>
-          </p:nvPr>
+          <p:cNvPr id="6" name="Slide Number Placeholder 2"/>
+          <p:cNvSpPr txBox="1">
+            <a:spLocks/>
+          </p:cNvSpPr>
+          <p:nvPr/>
         </p:nvSpPr>
         <p:spPr>
           <a:xfrm>
-            <a:off x="8590663" y="6041362"/>
+            <a:off x="11171962" y="6243585"/>
             <a:ext cx="683339" cy="365125"/>
           </a:xfrm>
+          <a:prstGeom prst="rect">
+            <a:avLst/>
+          </a:prstGeom>
         </p:spPr>
         <p:txBody>
-          <a:bodyPr/>
-          <a:lstStyle/>
+          <a:bodyPr vert="horz" lIns="91440" tIns="45720" rIns="91440" bIns="45720" rtlCol="0" anchor="ctr"/>
+          <a:lstStyle>
+            <a:defPPr>
+              <a:defRPr lang="en-US"/>
+            </a:defPPr>
+            <a:lvl1pPr marL="0" algn="r" defTabSz="914400" rtl="0" eaLnBrk="1" latinLnBrk="0" hangingPunct="1">
+              <a:defRPr sz="900" kern="1200">
+                <a:solidFill>
+                  <a:schemeClr val="accent1"/>
+                </a:solidFill>
+                <a:latin typeface="+mn-lt"/>
+                <a:ea typeface="+mn-ea"/>
+                <a:cs typeface="+mn-cs"/>
+              </a:defRPr>
+            </a:lvl1pPr>
+            <a:lvl2pPr marL="457200" algn="l" defTabSz="914400" rtl="0" eaLnBrk="1" latinLnBrk="0" hangingPunct="1">
+              <a:defRPr sz="1800" kern="1200">
+                <a:solidFill>
+                  <a:schemeClr val="tx1"/>
+                </a:solidFill>
+                <a:latin typeface="+mn-lt"/>
+                <a:ea typeface="+mn-ea"/>
+                <a:cs typeface="+mn-cs"/>
+              </a:defRPr>
+            </a:lvl2pPr>
+            <a:lvl3pPr marL="914400" algn="l" defTabSz="914400" rtl="0" eaLnBrk="1" latinLnBrk="0" hangingPunct="1">
+              <a:defRPr sz="1800" kern="1200">
+                <a:solidFill>
+                  <a:schemeClr val="tx1"/>
+                </a:solidFill>
+                <a:latin typeface="+mn-lt"/>
+                <a:ea typeface="+mn-ea"/>
+                <a:cs typeface="+mn-cs"/>
+              </a:defRPr>
+            </a:lvl3pPr>
+            <a:lvl4pPr marL="1371600" algn="l" defTabSz="914400" rtl="0" eaLnBrk="1" latinLnBrk="0" hangingPunct="1">
+              <a:defRPr sz="1800" kern="1200">
+                <a:solidFill>
+                  <a:schemeClr val="tx1"/>
+                </a:solidFill>
+                <a:latin typeface="+mn-lt"/>
+                <a:ea typeface="+mn-ea"/>
+                <a:cs typeface="+mn-cs"/>
+              </a:defRPr>
+            </a:lvl4pPr>
+            <a:lvl5pPr marL="1828800" algn="l" defTabSz="914400" rtl="0" eaLnBrk="1" latinLnBrk="0" hangingPunct="1">
+              <a:defRPr sz="1800" kern="1200">
+                <a:solidFill>
+                  <a:schemeClr val="tx1"/>
+                </a:solidFill>
+                <a:latin typeface="+mn-lt"/>
+                <a:ea typeface="+mn-ea"/>
+                <a:cs typeface="+mn-cs"/>
+              </a:defRPr>
+            </a:lvl5pPr>
+            <a:lvl6pPr marL="2286000" algn="l" defTabSz="914400" rtl="0" eaLnBrk="1" latinLnBrk="0" hangingPunct="1">
+              <a:defRPr sz="1800" kern="1200">
+                <a:solidFill>
+                  <a:schemeClr val="tx1"/>
+                </a:solidFill>
+                <a:latin typeface="+mn-lt"/>
+                <a:ea typeface="+mn-ea"/>
+                <a:cs typeface="+mn-cs"/>
+              </a:defRPr>
+            </a:lvl6pPr>
+            <a:lvl7pPr marL="2743200" algn="l" defTabSz="914400" rtl="0" eaLnBrk="1" latinLnBrk="0" hangingPunct="1">
+              <a:defRPr sz="1800" kern="1200">
+                <a:solidFill>
+                  <a:schemeClr val="tx1"/>
+                </a:solidFill>
+                <a:latin typeface="+mn-lt"/>
+                <a:ea typeface="+mn-ea"/>
+                <a:cs typeface="+mn-cs"/>
+              </a:defRPr>
+            </a:lvl7pPr>
+            <a:lvl8pPr marL="3200400" algn="l" defTabSz="914400" rtl="0" eaLnBrk="1" latinLnBrk="0" hangingPunct="1">
+              <a:defRPr sz="1800" kern="1200">
+                <a:solidFill>
+                  <a:schemeClr val="tx1"/>
+                </a:solidFill>
+                <a:latin typeface="+mn-lt"/>
+                <a:ea typeface="+mn-ea"/>
+                <a:cs typeface="+mn-cs"/>
+              </a:defRPr>
+            </a:lvl8pPr>
+            <a:lvl9pPr marL="3657600" algn="l" defTabSz="914400" rtl="0" eaLnBrk="1" latinLnBrk="0" hangingPunct="1">
+              <a:defRPr sz="1800" kern="1200">
+                <a:solidFill>
+                  <a:schemeClr val="tx1"/>
+                </a:solidFill>
+                <a:latin typeface="+mn-lt"/>
+                <a:ea typeface="+mn-ea"/>
+                <a:cs typeface="+mn-cs"/>
+              </a:defRPr>
+            </a:lvl9pPr>
+          </a:lstStyle>
           <a:p>
             <a:fld id="{E733B697-11A6-4686-A4B0-BC7222BD8556}" type="slidenum">
-              <a:rPr lang="en-CA" smtClean="0"/>
+              <a:rPr lang="en-CA" sz="1200" smtClean="0">
+                <a:solidFill>
+                  <a:schemeClr val="tx1"/>
+                </a:solidFill>
+              </a:rPr>
+              <a:pPr/>
               <a:t>20</a:t>
             </a:fld>
-            <a:endParaRPr lang="en-CA" dirty="0"/>
+            <a:endParaRPr lang="en-CA" sz="1200" dirty="0">
+              <a:solidFill>
+                <a:schemeClr val="tx1"/>
+              </a:solidFill>
+            </a:endParaRPr>
           </a:p>
         </p:txBody>
       </p:sp>
@@ -10429,29 +11344,133 @@
       </p:pic>
       <p:sp>
         <p:nvSpPr>
-          <p:cNvPr id="6" name="Slide Number Placeholder 9"/>
-          <p:cNvSpPr>
-            <a:spLocks noGrp="1"/>
-          </p:cNvSpPr>
-          <p:nvPr>
-            <p:ph type="sldNum" sz="quarter" idx="12"/>
-          </p:nvPr>
+          <p:cNvPr id="7" name="Slide Number Placeholder 2"/>
+          <p:cNvSpPr txBox="1">
+            <a:spLocks/>
+          </p:cNvSpPr>
+          <p:nvPr/>
         </p:nvSpPr>
         <p:spPr>
           <a:xfrm>
-            <a:off x="8590663" y="6041362"/>
+            <a:off x="11171962" y="6243585"/>
             <a:ext cx="683339" cy="365125"/>
           </a:xfrm>
+          <a:prstGeom prst="rect">
+            <a:avLst/>
+          </a:prstGeom>
         </p:spPr>
         <p:txBody>
-          <a:bodyPr/>
-          <a:lstStyle/>
+          <a:bodyPr vert="horz" lIns="91440" tIns="45720" rIns="91440" bIns="45720" rtlCol="0" anchor="ctr"/>
+          <a:lstStyle>
+            <a:defPPr>
+              <a:defRPr lang="en-US"/>
+            </a:defPPr>
+            <a:lvl1pPr marL="0" algn="r" defTabSz="914400" rtl="0" eaLnBrk="1" latinLnBrk="0" hangingPunct="1">
+              <a:defRPr sz="900" kern="1200">
+                <a:solidFill>
+                  <a:schemeClr val="accent1"/>
+                </a:solidFill>
+                <a:latin typeface="+mn-lt"/>
+                <a:ea typeface="+mn-ea"/>
+                <a:cs typeface="+mn-cs"/>
+              </a:defRPr>
+            </a:lvl1pPr>
+            <a:lvl2pPr marL="457200" algn="l" defTabSz="914400" rtl="0" eaLnBrk="1" latinLnBrk="0" hangingPunct="1">
+              <a:defRPr sz="1800" kern="1200">
+                <a:solidFill>
+                  <a:schemeClr val="tx1"/>
+                </a:solidFill>
+                <a:latin typeface="+mn-lt"/>
+                <a:ea typeface="+mn-ea"/>
+                <a:cs typeface="+mn-cs"/>
+              </a:defRPr>
+            </a:lvl2pPr>
+            <a:lvl3pPr marL="914400" algn="l" defTabSz="914400" rtl="0" eaLnBrk="1" latinLnBrk="0" hangingPunct="1">
+              <a:defRPr sz="1800" kern="1200">
+                <a:solidFill>
+                  <a:schemeClr val="tx1"/>
+                </a:solidFill>
+                <a:latin typeface="+mn-lt"/>
+                <a:ea typeface="+mn-ea"/>
+                <a:cs typeface="+mn-cs"/>
+              </a:defRPr>
+            </a:lvl3pPr>
+            <a:lvl4pPr marL="1371600" algn="l" defTabSz="914400" rtl="0" eaLnBrk="1" latinLnBrk="0" hangingPunct="1">
+              <a:defRPr sz="1800" kern="1200">
+                <a:solidFill>
+                  <a:schemeClr val="tx1"/>
+                </a:solidFill>
+                <a:latin typeface="+mn-lt"/>
+                <a:ea typeface="+mn-ea"/>
+                <a:cs typeface="+mn-cs"/>
+              </a:defRPr>
+            </a:lvl4pPr>
+            <a:lvl5pPr marL="1828800" algn="l" defTabSz="914400" rtl="0" eaLnBrk="1" latinLnBrk="0" hangingPunct="1">
+              <a:defRPr sz="1800" kern="1200">
+                <a:solidFill>
+                  <a:schemeClr val="tx1"/>
+                </a:solidFill>
+                <a:latin typeface="+mn-lt"/>
+                <a:ea typeface="+mn-ea"/>
+                <a:cs typeface="+mn-cs"/>
+              </a:defRPr>
+            </a:lvl5pPr>
+            <a:lvl6pPr marL="2286000" algn="l" defTabSz="914400" rtl="0" eaLnBrk="1" latinLnBrk="0" hangingPunct="1">
+              <a:defRPr sz="1800" kern="1200">
+                <a:solidFill>
+                  <a:schemeClr val="tx1"/>
+                </a:solidFill>
+                <a:latin typeface="+mn-lt"/>
+                <a:ea typeface="+mn-ea"/>
+                <a:cs typeface="+mn-cs"/>
+              </a:defRPr>
+            </a:lvl6pPr>
+            <a:lvl7pPr marL="2743200" algn="l" defTabSz="914400" rtl="0" eaLnBrk="1" latinLnBrk="0" hangingPunct="1">
+              <a:defRPr sz="1800" kern="1200">
+                <a:solidFill>
+                  <a:schemeClr val="tx1"/>
+                </a:solidFill>
+                <a:latin typeface="+mn-lt"/>
+                <a:ea typeface="+mn-ea"/>
+                <a:cs typeface="+mn-cs"/>
+              </a:defRPr>
+            </a:lvl7pPr>
+            <a:lvl8pPr marL="3200400" algn="l" defTabSz="914400" rtl="0" eaLnBrk="1" latinLnBrk="0" hangingPunct="1">
+              <a:defRPr sz="1800" kern="1200">
+                <a:solidFill>
+                  <a:schemeClr val="tx1"/>
+                </a:solidFill>
+                <a:latin typeface="+mn-lt"/>
+                <a:ea typeface="+mn-ea"/>
+                <a:cs typeface="+mn-cs"/>
+              </a:defRPr>
+            </a:lvl8pPr>
+            <a:lvl9pPr marL="3657600" algn="l" defTabSz="914400" rtl="0" eaLnBrk="1" latinLnBrk="0" hangingPunct="1">
+              <a:defRPr sz="1800" kern="1200">
+                <a:solidFill>
+                  <a:schemeClr val="tx1"/>
+                </a:solidFill>
+                <a:latin typeface="+mn-lt"/>
+                <a:ea typeface="+mn-ea"/>
+                <a:cs typeface="+mn-cs"/>
+              </a:defRPr>
+            </a:lvl9pPr>
+          </a:lstStyle>
           <a:p>
             <a:fld id="{E733B697-11A6-4686-A4B0-BC7222BD8556}" type="slidenum">
-              <a:rPr lang="en-CA" smtClean="0"/>
+              <a:rPr lang="en-CA" sz="1200" smtClean="0">
+                <a:solidFill>
+                  <a:schemeClr val="tx1"/>
+                </a:solidFill>
+              </a:rPr>
+              <a:pPr/>
               <a:t>21</a:t>
             </a:fld>
-            <a:endParaRPr lang="en-CA" dirty="0"/>
+            <a:endParaRPr lang="en-CA" sz="1200" dirty="0">
+              <a:solidFill>
+                <a:schemeClr val="tx1"/>
+              </a:solidFill>
+            </a:endParaRPr>
           </a:p>
         </p:txBody>
       </p:sp>
@@ -10569,29 +11588,133 @@
       </p:pic>
       <p:sp>
         <p:nvSpPr>
-          <p:cNvPr id="6" name="Slide Number Placeholder 9"/>
-          <p:cNvSpPr>
-            <a:spLocks noGrp="1"/>
-          </p:cNvSpPr>
-          <p:nvPr>
-            <p:ph type="sldNum" sz="quarter" idx="12"/>
-          </p:nvPr>
+          <p:cNvPr id="7" name="Slide Number Placeholder 2"/>
+          <p:cNvSpPr txBox="1">
+            <a:spLocks/>
+          </p:cNvSpPr>
+          <p:nvPr/>
         </p:nvSpPr>
         <p:spPr>
           <a:xfrm>
-            <a:off x="8590663" y="6041362"/>
+            <a:off x="11171962" y="6243585"/>
             <a:ext cx="683339" cy="365125"/>
           </a:xfrm>
+          <a:prstGeom prst="rect">
+            <a:avLst/>
+          </a:prstGeom>
         </p:spPr>
         <p:txBody>
-          <a:bodyPr/>
-          <a:lstStyle/>
+          <a:bodyPr vert="horz" lIns="91440" tIns="45720" rIns="91440" bIns="45720" rtlCol="0" anchor="ctr"/>
+          <a:lstStyle>
+            <a:defPPr>
+              <a:defRPr lang="en-US"/>
+            </a:defPPr>
+            <a:lvl1pPr marL="0" algn="r" defTabSz="914400" rtl="0" eaLnBrk="1" latinLnBrk="0" hangingPunct="1">
+              <a:defRPr sz="900" kern="1200">
+                <a:solidFill>
+                  <a:schemeClr val="accent1"/>
+                </a:solidFill>
+                <a:latin typeface="+mn-lt"/>
+                <a:ea typeface="+mn-ea"/>
+                <a:cs typeface="+mn-cs"/>
+              </a:defRPr>
+            </a:lvl1pPr>
+            <a:lvl2pPr marL="457200" algn="l" defTabSz="914400" rtl="0" eaLnBrk="1" latinLnBrk="0" hangingPunct="1">
+              <a:defRPr sz="1800" kern="1200">
+                <a:solidFill>
+                  <a:schemeClr val="tx1"/>
+                </a:solidFill>
+                <a:latin typeface="+mn-lt"/>
+                <a:ea typeface="+mn-ea"/>
+                <a:cs typeface="+mn-cs"/>
+              </a:defRPr>
+            </a:lvl2pPr>
+            <a:lvl3pPr marL="914400" algn="l" defTabSz="914400" rtl="0" eaLnBrk="1" latinLnBrk="0" hangingPunct="1">
+              <a:defRPr sz="1800" kern="1200">
+                <a:solidFill>
+                  <a:schemeClr val="tx1"/>
+                </a:solidFill>
+                <a:latin typeface="+mn-lt"/>
+                <a:ea typeface="+mn-ea"/>
+                <a:cs typeface="+mn-cs"/>
+              </a:defRPr>
+            </a:lvl3pPr>
+            <a:lvl4pPr marL="1371600" algn="l" defTabSz="914400" rtl="0" eaLnBrk="1" latinLnBrk="0" hangingPunct="1">
+              <a:defRPr sz="1800" kern="1200">
+                <a:solidFill>
+                  <a:schemeClr val="tx1"/>
+                </a:solidFill>
+                <a:latin typeface="+mn-lt"/>
+                <a:ea typeface="+mn-ea"/>
+                <a:cs typeface="+mn-cs"/>
+              </a:defRPr>
+            </a:lvl4pPr>
+            <a:lvl5pPr marL="1828800" algn="l" defTabSz="914400" rtl="0" eaLnBrk="1" latinLnBrk="0" hangingPunct="1">
+              <a:defRPr sz="1800" kern="1200">
+                <a:solidFill>
+                  <a:schemeClr val="tx1"/>
+                </a:solidFill>
+                <a:latin typeface="+mn-lt"/>
+                <a:ea typeface="+mn-ea"/>
+                <a:cs typeface="+mn-cs"/>
+              </a:defRPr>
+            </a:lvl5pPr>
+            <a:lvl6pPr marL="2286000" algn="l" defTabSz="914400" rtl="0" eaLnBrk="1" latinLnBrk="0" hangingPunct="1">
+              <a:defRPr sz="1800" kern="1200">
+                <a:solidFill>
+                  <a:schemeClr val="tx1"/>
+                </a:solidFill>
+                <a:latin typeface="+mn-lt"/>
+                <a:ea typeface="+mn-ea"/>
+                <a:cs typeface="+mn-cs"/>
+              </a:defRPr>
+            </a:lvl6pPr>
+            <a:lvl7pPr marL="2743200" algn="l" defTabSz="914400" rtl="0" eaLnBrk="1" latinLnBrk="0" hangingPunct="1">
+              <a:defRPr sz="1800" kern="1200">
+                <a:solidFill>
+                  <a:schemeClr val="tx1"/>
+                </a:solidFill>
+                <a:latin typeface="+mn-lt"/>
+                <a:ea typeface="+mn-ea"/>
+                <a:cs typeface="+mn-cs"/>
+              </a:defRPr>
+            </a:lvl7pPr>
+            <a:lvl8pPr marL="3200400" algn="l" defTabSz="914400" rtl="0" eaLnBrk="1" latinLnBrk="0" hangingPunct="1">
+              <a:defRPr sz="1800" kern="1200">
+                <a:solidFill>
+                  <a:schemeClr val="tx1"/>
+                </a:solidFill>
+                <a:latin typeface="+mn-lt"/>
+                <a:ea typeface="+mn-ea"/>
+                <a:cs typeface="+mn-cs"/>
+              </a:defRPr>
+            </a:lvl8pPr>
+            <a:lvl9pPr marL="3657600" algn="l" defTabSz="914400" rtl="0" eaLnBrk="1" latinLnBrk="0" hangingPunct="1">
+              <a:defRPr sz="1800" kern="1200">
+                <a:solidFill>
+                  <a:schemeClr val="tx1"/>
+                </a:solidFill>
+                <a:latin typeface="+mn-lt"/>
+                <a:ea typeface="+mn-ea"/>
+                <a:cs typeface="+mn-cs"/>
+              </a:defRPr>
+            </a:lvl9pPr>
+          </a:lstStyle>
           <a:p>
             <a:fld id="{E733B697-11A6-4686-A4B0-BC7222BD8556}" type="slidenum">
-              <a:rPr lang="en-CA" smtClean="0"/>
+              <a:rPr lang="en-CA" sz="1200" smtClean="0">
+                <a:solidFill>
+                  <a:schemeClr val="tx1"/>
+                </a:solidFill>
+              </a:rPr>
+              <a:pPr/>
               <a:t>22</a:t>
             </a:fld>
-            <a:endParaRPr lang="en-CA" dirty="0"/>
+            <a:endParaRPr lang="en-CA" sz="1200" dirty="0">
+              <a:solidFill>
+                <a:schemeClr val="tx1"/>
+              </a:solidFill>
+            </a:endParaRPr>
           </a:p>
         </p:txBody>
       </p:sp>
@@ -10671,7 +11794,7 @@
         </p:blipFill>
         <p:spPr>
           <a:xfrm>
-            <a:off x="712395" y="1058517"/>
+            <a:off x="681512" y="1058517"/>
             <a:ext cx="9006958" cy="5434750"/>
           </a:xfrm>
           <a:prstGeom prst="rect">
@@ -10681,29 +11804,133 @@
       </p:pic>
       <p:sp>
         <p:nvSpPr>
-          <p:cNvPr id="5" name="Slide Number Placeholder 9"/>
-          <p:cNvSpPr>
-            <a:spLocks noGrp="1"/>
-          </p:cNvSpPr>
-          <p:nvPr>
-            <p:ph type="sldNum" sz="quarter" idx="12"/>
-          </p:nvPr>
+          <p:cNvPr id="6" name="Slide Number Placeholder 2"/>
+          <p:cNvSpPr txBox="1">
+            <a:spLocks/>
+          </p:cNvSpPr>
+          <p:nvPr/>
         </p:nvSpPr>
         <p:spPr>
           <a:xfrm>
-            <a:off x="8590663" y="6041362"/>
+            <a:off x="11171962" y="6243585"/>
             <a:ext cx="683339" cy="365125"/>
           </a:xfrm>
+          <a:prstGeom prst="rect">
+            <a:avLst/>
+          </a:prstGeom>
         </p:spPr>
         <p:txBody>
-          <a:bodyPr/>
-          <a:lstStyle/>
+          <a:bodyPr vert="horz" lIns="91440" tIns="45720" rIns="91440" bIns="45720" rtlCol="0" anchor="ctr"/>
+          <a:lstStyle>
+            <a:defPPr>
+              <a:defRPr lang="en-US"/>
+            </a:defPPr>
+            <a:lvl1pPr marL="0" algn="r" defTabSz="914400" rtl="0" eaLnBrk="1" latinLnBrk="0" hangingPunct="1">
+              <a:defRPr sz="900" kern="1200">
+                <a:solidFill>
+                  <a:schemeClr val="accent1"/>
+                </a:solidFill>
+                <a:latin typeface="+mn-lt"/>
+                <a:ea typeface="+mn-ea"/>
+                <a:cs typeface="+mn-cs"/>
+              </a:defRPr>
+            </a:lvl1pPr>
+            <a:lvl2pPr marL="457200" algn="l" defTabSz="914400" rtl="0" eaLnBrk="1" latinLnBrk="0" hangingPunct="1">
+              <a:defRPr sz="1800" kern="1200">
+                <a:solidFill>
+                  <a:schemeClr val="tx1"/>
+                </a:solidFill>
+                <a:latin typeface="+mn-lt"/>
+                <a:ea typeface="+mn-ea"/>
+                <a:cs typeface="+mn-cs"/>
+              </a:defRPr>
+            </a:lvl2pPr>
+            <a:lvl3pPr marL="914400" algn="l" defTabSz="914400" rtl="0" eaLnBrk="1" latinLnBrk="0" hangingPunct="1">
+              <a:defRPr sz="1800" kern="1200">
+                <a:solidFill>
+                  <a:schemeClr val="tx1"/>
+                </a:solidFill>
+                <a:latin typeface="+mn-lt"/>
+                <a:ea typeface="+mn-ea"/>
+                <a:cs typeface="+mn-cs"/>
+              </a:defRPr>
+            </a:lvl3pPr>
+            <a:lvl4pPr marL="1371600" algn="l" defTabSz="914400" rtl="0" eaLnBrk="1" latinLnBrk="0" hangingPunct="1">
+              <a:defRPr sz="1800" kern="1200">
+                <a:solidFill>
+                  <a:schemeClr val="tx1"/>
+                </a:solidFill>
+                <a:latin typeface="+mn-lt"/>
+                <a:ea typeface="+mn-ea"/>
+                <a:cs typeface="+mn-cs"/>
+              </a:defRPr>
+            </a:lvl4pPr>
+            <a:lvl5pPr marL="1828800" algn="l" defTabSz="914400" rtl="0" eaLnBrk="1" latinLnBrk="0" hangingPunct="1">
+              <a:defRPr sz="1800" kern="1200">
+                <a:solidFill>
+                  <a:schemeClr val="tx1"/>
+                </a:solidFill>
+                <a:latin typeface="+mn-lt"/>
+                <a:ea typeface="+mn-ea"/>
+                <a:cs typeface="+mn-cs"/>
+              </a:defRPr>
+            </a:lvl5pPr>
+            <a:lvl6pPr marL="2286000" algn="l" defTabSz="914400" rtl="0" eaLnBrk="1" latinLnBrk="0" hangingPunct="1">
+              <a:defRPr sz="1800" kern="1200">
+                <a:solidFill>
+                  <a:schemeClr val="tx1"/>
+                </a:solidFill>
+                <a:latin typeface="+mn-lt"/>
+                <a:ea typeface="+mn-ea"/>
+                <a:cs typeface="+mn-cs"/>
+              </a:defRPr>
+            </a:lvl6pPr>
+            <a:lvl7pPr marL="2743200" algn="l" defTabSz="914400" rtl="0" eaLnBrk="1" latinLnBrk="0" hangingPunct="1">
+              <a:defRPr sz="1800" kern="1200">
+                <a:solidFill>
+                  <a:schemeClr val="tx1"/>
+                </a:solidFill>
+                <a:latin typeface="+mn-lt"/>
+                <a:ea typeface="+mn-ea"/>
+                <a:cs typeface="+mn-cs"/>
+              </a:defRPr>
+            </a:lvl7pPr>
+            <a:lvl8pPr marL="3200400" algn="l" defTabSz="914400" rtl="0" eaLnBrk="1" latinLnBrk="0" hangingPunct="1">
+              <a:defRPr sz="1800" kern="1200">
+                <a:solidFill>
+                  <a:schemeClr val="tx1"/>
+                </a:solidFill>
+                <a:latin typeface="+mn-lt"/>
+                <a:ea typeface="+mn-ea"/>
+                <a:cs typeface="+mn-cs"/>
+              </a:defRPr>
+            </a:lvl8pPr>
+            <a:lvl9pPr marL="3657600" algn="l" defTabSz="914400" rtl="0" eaLnBrk="1" latinLnBrk="0" hangingPunct="1">
+              <a:defRPr sz="1800" kern="1200">
+                <a:solidFill>
+                  <a:schemeClr val="tx1"/>
+                </a:solidFill>
+                <a:latin typeface="+mn-lt"/>
+                <a:ea typeface="+mn-ea"/>
+                <a:cs typeface="+mn-cs"/>
+              </a:defRPr>
+            </a:lvl9pPr>
+          </a:lstStyle>
           <a:p>
             <a:fld id="{E733B697-11A6-4686-A4B0-BC7222BD8556}" type="slidenum">
-              <a:rPr lang="en-CA" smtClean="0"/>
+              <a:rPr lang="en-CA" sz="1200" smtClean="0">
+                <a:solidFill>
+                  <a:schemeClr val="tx1"/>
+                </a:solidFill>
+              </a:rPr>
+              <a:pPr/>
               <a:t>23</a:t>
             </a:fld>
-            <a:endParaRPr lang="en-CA" dirty="0"/>
+            <a:endParaRPr lang="en-CA" sz="1200" dirty="0">
+              <a:solidFill>
+                <a:schemeClr val="tx1"/>
+              </a:solidFill>
+            </a:endParaRPr>
           </a:p>
         </p:txBody>
       </p:sp>
@@ -10806,29 +12033,133 @@
       </p:pic>
       <p:sp>
         <p:nvSpPr>
-          <p:cNvPr id="5" name="Slide Number Placeholder 9"/>
-          <p:cNvSpPr>
-            <a:spLocks noGrp="1"/>
-          </p:cNvSpPr>
-          <p:nvPr>
-            <p:ph type="sldNum" sz="quarter" idx="12"/>
-          </p:nvPr>
+          <p:cNvPr id="6" name="Slide Number Placeholder 2"/>
+          <p:cNvSpPr txBox="1">
+            <a:spLocks/>
+          </p:cNvSpPr>
+          <p:nvPr/>
         </p:nvSpPr>
         <p:spPr>
           <a:xfrm>
-            <a:off x="8590663" y="6041362"/>
+            <a:off x="11171962" y="6243585"/>
             <a:ext cx="683339" cy="365125"/>
           </a:xfrm>
+          <a:prstGeom prst="rect">
+            <a:avLst/>
+          </a:prstGeom>
         </p:spPr>
         <p:txBody>
-          <a:bodyPr/>
-          <a:lstStyle/>
+          <a:bodyPr vert="horz" lIns="91440" tIns="45720" rIns="91440" bIns="45720" rtlCol="0" anchor="ctr"/>
+          <a:lstStyle>
+            <a:defPPr>
+              <a:defRPr lang="en-US"/>
+            </a:defPPr>
+            <a:lvl1pPr marL="0" algn="r" defTabSz="914400" rtl="0" eaLnBrk="1" latinLnBrk="0" hangingPunct="1">
+              <a:defRPr sz="900" kern="1200">
+                <a:solidFill>
+                  <a:schemeClr val="accent1"/>
+                </a:solidFill>
+                <a:latin typeface="+mn-lt"/>
+                <a:ea typeface="+mn-ea"/>
+                <a:cs typeface="+mn-cs"/>
+              </a:defRPr>
+            </a:lvl1pPr>
+            <a:lvl2pPr marL="457200" algn="l" defTabSz="914400" rtl="0" eaLnBrk="1" latinLnBrk="0" hangingPunct="1">
+              <a:defRPr sz="1800" kern="1200">
+                <a:solidFill>
+                  <a:schemeClr val="tx1"/>
+                </a:solidFill>
+                <a:latin typeface="+mn-lt"/>
+                <a:ea typeface="+mn-ea"/>
+                <a:cs typeface="+mn-cs"/>
+              </a:defRPr>
+            </a:lvl2pPr>
+            <a:lvl3pPr marL="914400" algn="l" defTabSz="914400" rtl="0" eaLnBrk="1" latinLnBrk="0" hangingPunct="1">
+              <a:defRPr sz="1800" kern="1200">
+                <a:solidFill>
+                  <a:schemeClr val="tx1"/>
+                </a:solidFill>
+                <a:latin typeface="+mn-lt"/>
+                <a:ea typeface="+mn-ea"/>
+                <a:cs typeface="+mn-cs"/>
+              </a:defRPr>
+            </a:lvl3pPr>
+            <a:lvl4pPr marL="1371600" algn="l" defTabSz="914400" rtl="0" eaLnBrk="1" latinLnBrk="0" hangingPunct="1">
+              <a:defRPr sz="1800" kern="1200">
+                <a:solidFill>
+                  <a:schemeClr val="tx1"/>
+                </a:solidFill>
+                <a:latin typeface="+mn-lt"/>
+                <a:ea typeface="+mn-ea"/>
+                <a:cs typeface="+mn-cs"/>
+              </a:defRPr>
+            </a:lvl4pPr>
+            <a:lvl5pPr marL="1828800" algn="l" defTabSz="914400" rtl="0" eaLnBrk="1" latinLnBrk="0" hangingPunct="1">
+              <a:defRPr sz="1800" kern="1200">
+                <a:solidFill>
+                  <a:schemeClr val="tx1"/>
+                </a:solidFill>
+                <a:latin typeface="+mn-lt"/>
+                <a:ea typeface="+mn-ea"/>
+                <a:cs typeface="+mn-cs"/>
+              </a:defRPr>
+            </a:lvl5pPr>
+            <a:lvl6pPr marL="2286000" algn="l" defTabSz="914400" rtl="0" eaLnBrk="1" latinLnBrk="0" hangingPunct="1">
+              <a:defRPr sz="1800" kern="1200">
+                <a:solidFill>
+                  <a:schemeClr val="tx1"/>
+                </a:solidFill>
+                <a:latin typeface="+mn-lt"/>
+                <a:ea typeface="+mn-ea"/>
+                <a:cs typeface="+mn-cs"/>
+              </a:defRPr>
+            </a:lvl6pPr>
+            <a:lvl7pPr marL="2743200" algn="l" defTabSz="914400" rtl="0" eaLnBrk="1" latinLnBrk="0" hangingPunct="1">
+              <a:defRPr sz="1800" kern="1200">
+                <a:solidFill>
+                  <a:schemeClr val="tx1"/>
+                </a:solidFill>
+                <a:latin typeface="+mn-lt"/>
+                <a:ea typeface="+mn-ea"/>
+                <a:cs typeface="+mn-cs"/>
+              </a:defRPr>
+            </a:lvl7pPr>
+            <a:lvl8pPr marL="3200400" algn="l" defTabSz="914400" rtl="0" eaLnBrk="1" latinLnBrk="0" hangingPunct="1">
+              <a:defRPr sz="1800" kern="1200">
+                <a:solidFill>
+                  <a:schemeClr val="tx1"/>
+                </a:solidFill>
+                <a:latin typeface="+mn-lt"/>
+                <a:ea typeface="+mn-ea"/>
+                <a:cs typeface="+mn-cs"/>
+              </a:defRPr>
+            </a:lvl8pPr>
+            <a:lvl9pPr marL="3657600" algn="l" defTabSz="914400" rtl="0" eaLnBrk="1" latinLnBrk="0" hangingPunct="1">
+              <a:defRPr sz="1800" kern="1200">
+                <a:solidFill>
+                  <a:schemeClr val="tx1"/>
+                </a:solidFill>
+                <a:latin typeface="+mn-lt"/>
+                <a:ea typeface="+mn-ea"/>
+                <a:cs typeface="+mn-cs"/>
+              </a:defRPr>
+            </a:lvl9pPr>
+          </a:lstStyle>
           <a:p>
             <a:fld id="{E733B697-11A6-4686-A4B0-BC7222BD8556}" type="slidenum">
-              <a:rPr lang="en-CA" smtClean="0"/>
+              <a:rPr lang="en-CA" sz="1200" smtClean="0">
+                <a:solidFill>
+                  <a:schemeClr val="tx1"/>
+                </a:solidFill>
+              </a:rPr>
+              <a:pPr/>
               <a:t>24</a:t>
             </a:fld>
-            <a:endParaRPr lang="en-CA" dirty="0"/>
+            <a:endParaRPr lang="en-CA" sz="1200" dirty="0">
+              <a:solidFill>
+                <a:schemeClr val="tx1"/>
+              </a:solidFill>
+            </a:endParaRPr>
           </a:p>
         </p:txBody>
       </p:sp>
@@ -10916,29 +12247,133 @@
       </p:pic>
       <p:sp>
         <p:nvSpPr>
-          <p:cNvPr id="4" name="Slide Number Placeholder 9"/>
-          <p:cNvSpPr>
-            <a:spLocks noGrp="1"/>
-          </p:cNvSpPr>
-          <p:nvPr>
-            <p:ph type="sldNum" sz="quarter" idx="12"/>
-          </p:nvPr>
+          <p:cNvPr id="5" name="Slide Number Placeholder 2"/>
+          <p:cNvSpPr txBox="1">
+            <a:spLocks/>
+          </p:cNvSpPr>
+          <p:nvPr/>
         </p:nvSpPr>
         <p:spPr>
           <a:xfrm>
-            <a:off x="8590663" y="6041362"/>
+            <a:off x="11171962" y="6243585"/>
             <a:ext cx="683339" cy="365125"/>
           </a:xfrm>
+          <a:prstGeom prst="rect">
+            <a:avLst/>
+          </a:prstGeom>
         </p:spPr>
         <p:txBody>
-          <a:bodyPr/>
-          <a:lstStyle/>
+          <a:bodyPr vert="horz" lIns="91440" tIns="45720" rIns="91440" bIns="45720" rtlCol="0" anchor="ctr"/>
+          <a:lstStyle>
+            <a:defPPr>
+              <a:defRPr lang="en-US"/>
+            </a:defPPr>
+            <a:lvl1pPr marL="0" algn="r" defTabSz="914400" rtl="0" eaLnBrk="1" latinLnBrk="0" hangingPunct="1">
+              <a:defRPr sz="900" kern="1200">
+                <a:solidFill>
+                  <a:schemeClr val="accent1"/>
+                </a:solidFill>
+                <a:latin typeface="+mn-lt"/>
+                <a:ea typeface="+mn-ea"/>
+                <a:cs typeface="+mn-cs"/>
+              </a:defRPr>
+            </a:lvl1pPr>
+            <a:lvl2pPr marL="457200" algn="l" defTabSz="914400" rtl="0" eaLnBrk="1" latinLnBrk="0" hangingPunct="1">
+              <a:defRPr sz="1800" kern="1200">
+                <a:solidFill>
+                  <a:schemeClr val="tx1"/>
+                </a:solidFill>
+                <a:latin typeface="+mn-lt"/>
+                <a:ea typeface="+mn-ea"/>
+                <a:cs typeface="+mn-cs"/>
+              </a:defRPr>
+            </a:lvl2pPr>
+            <a:lvl3pPr marL="914400" algn="l" defTabSz="914400" rtl="0" eaLnBrk="1" latinLnBrk="0" hangingPunct="1">
+              <a:defRPr sz="1800" kern="1200">
+                <a:solidFill>
+                  <a:schemeClr val="tx1"/>
+                </a:solidFill>
+                <a:latin typeface="+mn-lt"/>
+                <a:ea typeface="+mn-ea"/>
+                <a:cs typeface="+mn-cs"/>
+              </a:defRPr>
+            </a:lvl3pPr>
+            <a:lvl4pPr marL="1371600" algn="l" defTabSz="914400" rtl="0" eaLnBrk="1" latinLnBrk="0" hangingPunct="1">
+              <a:defRPr sz="1800" kern="1200">
+                <a:solidFill>
+                  <a:schemeClr val="tx1"/>
+                </a:solidFill>
+                <a:latin typeface="+mn-lt"/>
+                <a:ea typeface="+mn-ea"/>
+                <a:cs typeface="+mn-cs"/>
+              </a:defRPr>
+            </a:lvl4pPr>
+            <a:lvl5pPr marL="1828800" algn="l" defTabSz="914400" rtl="0" eaLnBrk="1" latinLnBrk="0" hangingPunct="1">
+              <a:defRPr sz="1800" kern="1200">
+                <a:solidFill>
+                  <a:schemeClr val="tx1"/>
+                </a:solidFill>
+                <a:latin typeface="+mn-lt"/>
+                <a:ea typeface="+mn-ea"/>
+                <a:cs typeface="+mn-cs"/>
+              </a:defRPr>
+            </a:lvl5pPr>
+            <a:lvl6pPr marL="2286000" algn="l" defTabSz="914400" rtl="0" eaLnBrk="1" latinLnBrk="0" hangingPunct="1">
+              <a:defRPr sz="1800" kern="1200">
+                <a:solidFill>
+                  <a:schemeClr val="tx1"/>
+                </a:solidFill>
+                <a:latin typeface="+mn-lt"/>
+                <a:ea typeface="+mn-ea"/>
+                <a:cs typeface="+mn-cs"/>
+              </a:defRPr>
+            </a:lvl6pPr>
+            <a:lvl7pPr marL="2743200" algn="l" defTabSz="914400" rtl="0" eaLnBrk="1" latinLnBrk="0" hangingPunct="1">
+              <a:defRPr sz="1800" kern="1200">
+                <a:solidFill>
+                  <a:schemeClr val="tx1"/>
+                </a:solidFill>
+                <a:latin typeface="+mn-lt"/>
+                <a:ea typeface="+mn-ea"/>
+                <a:cs typeface="+mn-cs"/>
+              </a:defRPr>
+            </a:lvl7pPr>
+            <a:lvl8pPr marL="3200400" algn="l" defTabSz="914400" rtl="0" eaLnBrk="1" latinLnBrk="0" hangingPunct="1">
+              <a:defRPr sz="1800" kern="1200">
+                <a:solidFill>
+                  <a:schemeClr val="tx1"/>
+                </a:solidFill>
+                <a:latin typeface="+mn-lt"/>
+                <a:ea typeface="+mn-ea"/>
+                <a:cs typeface="+mn-cs"/>
+              </a:defRPr>
+            </a:lvl8pPr>
+            <a:lvl9pPr marL="3657600" algn="l" defTabSz="914400" rtl="0" eaLnBrk="1" latinLnBrk="0" hangingPunct="1">
+              <a:defRPr sz="1800" kern="1200">
+                <a:solidFill>
+                  <a:schemeClr val="tx1"/>
+                </a:solidFill>
+                <a:latin typeface="+mn-lt"/>
+                <a:ea typeface="+mn-ea"/>
+                <a:cs typeface="+mn-cs"/>
+              </a:defRPr>
+            </a:lvl9pPr>
+          </a:lstStyle>
           <a:p>
             <a:fld id="{E733B697-11A6-4686-A4B0-BC7222BD8556}" type="slidenum">
-              <a:rPr lang="en-CA" smtClean="0"/>
+              <a:rPr lang="en-CA" sz="1200" smtClean="0">
+                <a:solidFill>
+                  <a:schemeClr val="tx1"/>
+                </a:solidFill>
+              </a:rPr>
+              <a:pPr/>
               <a:t>25</a:t>
             </a:fld>
-            <a:endParaRPr lang="en-CA" dirty="0"/>
+            <a:endParaRPr lang="en-CA" sz="1200" dirty="0">
+              <a:solidFill>
+                <a:schemeClr val="tx1"/>
+              </a:solidFill>
+            </a:endParaRPr>
           </a:p>
         </p:txBody>
       </p:sp>
@@ -10999,34 +12434,6 @@
               <a:t>Gestion des risques</a:t>
             </a:r>
             <a:endParaRPr lang="en-CA" sz="3000" dirty="0"/>
-          </a:p>
-        </p:txBody>
-      </p:sp>
-      <p:sp>
-        <p:nvSpPr>
-          <p:cNvPr id="4" name="Slide Number Placeholder 9"/>
-          <p:cNvSpPr>
-            <a:spLocks noGrp="1"/>
-          </p:cNvSpPr>
-          <p:nvPr>
-            <p:ph type="sldNum" sz="quarter" idx="12"/>
-          </p:nvPr>
-        </p:nvSpPr>
-        <p:spPr>
-          <a:xfrm>
-            <a:off x="8590663" y="6041362"/>
-            <a:ext cx="683339" cy="365125"/>
-          </a:xfrm>
-        </p:spPr>
-        <p:txBody>
-          <a:bodyPr/>
-          <a:lstStyle/>
-          <a:p>
-            <a:fld id="{E733B697-11A6-4686-A4B0-BC7222BD8556}" type="slidenum">
-              <a:rPr lang="en-CA" smtClean="0"/>
-              <a:t>26</a:t>
-            </a:fld>
-            <a:endParaRPr lang="en-CA" dirty="0"/>
           </a:p>
         </p:txBody>
       </p:sp>
@@ -13896,6 +15303,138 @@
           </a:graphicData>
         </a:graphic>
       </p:graphicFrame>
+      <p:sp>
+        <p:nvSpPr>
+          <p:cNvPr id="5" name="Slide Number Placeholder 2"/>
+          <p:cNvSpPr txBox="1">
+            <a:spLocks/>
+          </p:cNvSpPr>
+          <p:nvPr/>
+        </p:nvSpPr>
+        <p:spPr>
+          <a:xfrm>
+            <a:off x="11171962" y="6243585"/>
+            <a:ext cx="683339" cy="365125"/>
+          </a:xfrm>
+          <a:prstGeom prst="rect">
+            <a:avLst/>
+          </a:prstGeom>
+        </p:spPr>
+        <p:txBody>
+          <a:bodyPr vert="horz" lIns="91440" tIns="45720" rIns="91440" bIns="45720" rtlCol="0" anchor="ctr"/>
+          <a:lstStyle>
+            <a:defPPr>
+              <a:defRPr lang="en-US"/>
+            </a:defPPr>
+            <a:lvl1pPr marL="0" algn="r" defTabSz="914400" rtl="0" eaLnBrk="1" latinLnBrk="0" hangingPunct="1">
+              <a:defRPr sz="900" kern="1200">
+                <a:solidFill>
+                  <a:schemeClr val="accent1"/>
+                </a:solidFill>
+                <a:latin typeface="+mn-lt"/>
+                <a:ea typeface="+mn-ea"/>
+                <a:cs typeface="+mn-cs"/>
+              </a:defRPr>
+            </a:lvl1pPr>
+            <a:lvl2pPr marL="457200" algn="l" defTabSz="914400" rtl="0" eaLnBrk="1" latinLnBrk="0" hangingPunct="1">
+              <a:defRPr sz="1800" kern="1200">
+                <a:solidFill>
+                  <a:schemeClr val="tx1"/>
+                </a:solidFill>
+                <a:latin typeface="+mn-lt"/>
+                <a:ea typeface="+mn-ea"/>
+                <a:cs typeface="+mn-cs"/>
+              </a:defRPr>
+            </a:lvl2pPr>
+            <a:lvl3pPr marL="914400" algn="l" defTabSz="914400" rtl="0" eaLnBrk="1" latinLnBrk="0" hangingPunct="1">
+              <a:defRPr sz="1800" kern="1200">
+                <a:solidFill>
+                  <a:schemeClr val="tx1"/>
+                </a:solidFill>
+                <a:latin typeface="+mn-lt"/>
+                <a:ea typeface="+mn-ea"/>
+                <a:cs typeface="+mn-cs"/>
+              </a:defRPr>
+            </a:lvl3pPr>
+            <a:lvl4pPr marL="1371600" algn="l" defTabSz="914400" rtl="0" eaLnBrk="1" latinLnBrk="0" hangingPunct="1">
+              <a:defRPr sz="1800" kern="1200">
+                <a:solidFill>
+                  <a:schemeClr val="tx1"/>
+                </a:solidFill>
+                <a:latin typeface="+mn-lt"/>
+                <a:ea typeface="+mn-ea"/>
+                <a:cs typeface="+mn-cs"/>
+              </a:defRPr>
+            </a:lvl4pPr>
+            <a:lvl5pPr marL="1828800" algn="l" defTabSz="914400" rtl="0" eaLnBrk="1" latinLnBrk="0" hangingPunct="1">
+              <a:defRPr sz="1800" kern="1200">
+                <a:solidFill>
+                  <a:schemeClr val="tx1"/>
+                </a:solidFill>
+                <a:latin typeface="+mn-lt"/>
+                <a:ea typeface="+mn-ea"/>
+                <a:cs typeface="+mn-cs"/>
+              </a:defRPr>
+            </a:lvl5pPr>
+            <a:lvl6pPr marL="2286000" algn="l" defTabSz="914400" rtl="0" eaLnBrk="1" latinLnBrk="0" hangingPunct="1">
+              <a:defRPr sz="1800" kern="1200">
+                <a:solidFill>
+                  <a:schemeClr val="tx1"/>
+                </a:solidFill>
+                <a:latin typeface="+mn-lt"/>
+                <a:ea typeface="+mn-ea"/>
+                <a:cs typeface="+mn-cs"/>
+              </a:defRPr>
+            </a:lvl6pPr>
+            <a:lvl7pPr marL="2743200" algn="l" defTabSz="914400" rtl="0" eaLnBrk="1" latinLnBrk="0" hangingPunct="1">
+              <a:defRPr sz="1800" kern="1200">
+                <a:solidFill>
+                  <a:schemeClr val="tx1"/>
+                </a:solidFill>
+                <a:latin typeface="+mn-lt"/>
+                <a:ea typeface="+mn-ea"/>
+                <a:cs typeface="+mn-cs"/>
+              </a:defRPr>
+            </a:lvl7pPr>
+            <a:lvl8pPr marL="3200400" algn="l" defTabSz="914400" rtl="0" eaLnBrk="1" latinLnBrk="0" hangingPunct="1">
+              <a:defRPr sz="1800" kern="1200">
+                <a:solidFill>
+                  <a:schemeClr val="tx1"/>
+                </a:solidFill>
+                <a:latin typeface="+mn-lt"/>
+                <a:ea typeface="+mn-ea"/>
+                <a:cs typeface="+mn-cs"/>
+              </a:defRPr>
+            </a:lvl8pPr>
+            <a:lvl9pPr marL="3657600" algn="l" defTabSz="914400" rtl="0" eaLnBrk="1" latinLnBrk="0" hangingPunct="1">
+              <a:defRPr sz="1800" kern="1200">
+                <a:solidFill>
+                  <a:schemeClr val="tx1"/>
+                </a:solidFill>
+                <a:latin typeface="+mn-lt"/>
+                <a:ea typeface="+mn-ea"/>
+                <a:cs typeface="+mn-cs"/>
+              </a:defRPr>
+            </a:lvl9pPr>
+          </a:lstStyle>
+          <a:p>
+            <a:fld id="{E733B697-11A6-4686-A4B0-BC7222BD8556}" type="slidenum">
+              <a:rPr lang="en-CA" sz="1200" smtClean="0">
+                <a:solidFill>
+                  <a:schemeClr val="tx1"/>
+                </a:solidFill>
+              </a:rPr>
+              <a:pPr/>
+              <a:t>26</a:t>
+            </a:fld>
+            <a:endParaRPr lang="en-CA" sz="1200" dirty="0">
+              <a:solidFill>
+                <a:schemeClr val="tx1"/>
+              </a:solidFill>
+            </a:endParaRPr>
+          </a:p>
+        </p:txBody>
+      </p:sp>
     </p:spTree>
     <p:extLst>
       <p:ext uri="{BB962C8B-B14F-4D97-AF65-F5344CB8AC3E}">
@@ -14009,6 +15548,42 @@
           </a:p>
         </p:txBody>
       </p:sp>
+      <p:sp>
+        <p:nvSpPr>
+          <p:cNvPr id="4" name="Slide Number Placeholder 2"/>
+          <p:cNvSpPr>
+            <a:spLocks noGrp="1"/>
+          </p:cNvSpPr>
+          <p:nvPr>
+            <p:ph type="sldNum" sz="quarter" idx="12"/>
+          </p:nvPr>
+        </p:nvSpPr>
+        <p:spPr>
+          <a:xfrm>
+            <a:off x="11171962" y="6243585"/>
+            <a:ext cx="683339" cy="365125"/>
+          </a:xfrm>
+        </p:spPr>
+        <p:txBody>
+          <a:bodyPr/>
+          <a:lstStyle/>
+          <a:p>
+            <a:fld id="{E733B697-11A6-4686-A4B0-BC7222BD8556}" type="slidenum">
+              <a:rPr lang="en-CA" sz="1200" smtClean="0">
+                <a:solidFill>
+                  <a:schemeClr val="tx1"/>
+                </a:solidFill>
+              </a:rPr>
+              <a:t>27</a:t>
+            </a:fld>
+            <a:endParaRPr lang="en-CA" sz="1200" dirty="0">
+              <a:solidFill>
+                <a:schemeClr val="tx1"/>
+              </a:solidFill>
+            </a:endParaRPr>
+          </a:p>
+        </p:txBody>
+      </p:sp>
     </p:spTree>
     <p:extLst>
       <p:ext uri="{BB962C8B-B14F-4D97-AF65-F5344CB8AC3E}">
@@ -14114,6 +15689,42 @@
           </a:p>
         </p:txBody>
       </p:sp>
+      <p:sp>
+        <p:nvSpPr>
+          <p:cNvPr id="4" name="Slide Number Placeholder 2"/>
+          <p:cNvSpPr>
+            <a:spLocks noGrp="1"/>
+          </p:cNvSpPr>
+          <p:nvPr>
+            <p:ph type="sldNum" sz="quarter" idx="12"/>
+          </p:nvPr>
+        </p:nvSpPr>
+        <p:spPr>
+          <a:xfrm>
+            <a:off x="11171962" y="6243585"/>
+            <a:ext cx="683339" cy="365125"/>
+          </a:xfrm>
+        </p:spPr>
+        <p:txBody>
+          <a:bodyPr/>
+          <a:lstStyle/>
+          <a:p>
+            <a:fld id="{E733B697-11A6-4686-A4B0-BC7222BD8556}" type="slidenum">
+              <a:rPr lang="en-CA" sz="1200" smtClean="0">
+                <a:solidFill>
+                  <a:schemeClr val="tx1"/>
+                </a:solidFill>
+              </a:rPr>
+              <a:t>3</a:t>
+            </a:fld>
+            <a:endParaRPr lang="en-CA" sz="1200" dirty="0">
+              <a:solidFill>
+                <a:schemeClr val="tx1"/>
+              </a:solidFill>
+            </a:endParaRPr>
+          </a:p>
+        </p:txBody>
+      </p:sp>
     </p:spTree>
     <p:extLst>
       <p:ext uri="{BB962C8B-B14F-4D97-AF65-F5344CB8AC3E}">
@@ -14247,6 +15858,42 @@
           </a:p>
         </p:txBody>
       </p:sp>
+      <p:sp>
+        <p:nvSpPr>
+          <p:cNvPr id="4" name="Slide Number Placeholder 2"/>
+          <p:cNvSpPr>
+            <a:spLocks noGrp="1"/>
+          </p:cNvSpPr>
+          <p:nvPr>
+            <p:ph type="sldNum" sz="quarter" idx="12"/>
+          </p:nvPr>
+        </p:nvSpPr>
+        <p:spPr>
+          <a:xfrm>
+            <a:off x="11171962" y="6243585"/>
+            <a:ext cx="683339" cy="365125"/>
+          </a:xfrm>
+        </p:spPr>
+        <p:txBody>
+          <a:bodyPr/>
+          <a:lstStyle/>
+          <a:p>
+            <a:fld id="{E733B697-11A6-4686-A4B0-BC7222BD8556}" type="slidenum">
+              <a:rPr lang="en-CA" sz="1200" smtClean="0">
+                <a:solidFill>
+                  <a:schemeClr val="tx1"/>
+                </a:solidFill>
+              </a:rPr>
+              <a:t>4</a:t>
+            </a:fld>
+            <a:endParaRPr lang="en-CA" sz="1200" dirty="0">
+              <a:solidFill>
+                <a:schemeClr val="tx1"/>
+              </a:solidFill>
+            </a:endParaRPr>
+          </a:p>
+        </p:txBody>
+      </p:sp>
     </p:spTree>
     <p:extLst>
       <p:ext uri="{BB962C8B-B14F-4D97-AF65-F5344CB8AC3E}">
@@ -14331,6 +15978,42 @@
           </a:prstGeom>
         </p:spPr>
       </p:pic>
+      <p:sp>
+        <p:nvSpPr>
+          <p:cNvPr id="4" name="Slide Number Placeholder 2"/>
+          <p:cNvSpPr>
+            <a:spLocks noGrp="1"/>
+          </p:cNvSpPr>
+          <p:nvPr>
+            <p:ph type="sldNum" sz="quarter" idx="12"/>
+          </p:nvPr>
+        </p:nvSpPr>
+        <p:spPr>
+          <a:xfrm>
+            <a:off x="11171962" y="6243585"/>
+            <a:ext cx="683339" cy="365125"/>
+          </a:xfrm>
+        </p:spPr>
+        <p:txBody>
+          <a:bodyPr/>
+          <a:lstStyle/>
+          <a:p>
+            <a:fld id="{E733B697-11A6-4686-A4B0-BC7222BD8556}" type="slidenum">
+              <a:rPr lang="en-CA" sz="1200" smtClean="0">
+                <a:solidFill>
+                  <a:schemeClr val="tx1"/>
+                </a:solidFill>
+              </a:rPr>
+              <a:t>5</a:t>
+            </a:fld>
+            <a:endParaRPr lang="en-CA" sz="1200" dirty="0">
+              <a:solidFill>
+                <a:schemeClr val="tx1"/>
+              </a:solidFill>
+            </a:endParaRPr>
+          </a:p>
+        </p:txBody>
+      </p:sp>
     </p:spTree>
     <p:extLst>
       <p:ext uri="{BB962C8B-B14F-4D97-AF65-F5344CB8AC3E}">
@@ -14415,6 +16098,42 @@
           </a:prstGeom>
         </p:spPr>
       </p:pic>
+      <p:sp>
+        <p:nvSpPr>
+          <p:cNvPr id="4" name="Slide Number Placeholder 2"/>
+          <p:cNvSpPr>
+            <a:spLocks noGrp="1"/>
+          </p:cNvSpPr>
+          <p:nvPr>
+            <p:ph type="sldNum" sz="quarter" idx="12"/>
+          </p:nvPr>
+        </p:nvSpPr>
+        <p:spPr>
+          <a:xfrm>
+            <a:off x="11171962" y="6243585"/>
+            <a:ext cx="683339" cy="365125"/>
+          </a:xfrm>
+        </p:spPr>
+        <p:txBody>
+          <a:bodyPr/>
+          <a:lstStyle/>
+          <a:p>
+            <a:fld id="{E733B697-11A6-4686-A4B0-BC7222BD8556}" type="slidenum">
+              <a:rPr lang="en-CA" sz="1200" smtClean="0">
+                <a:solidFill>
+                  <a:schemeClr val="tx1"/>
+                </a:solidFill>
+              </a:rPr>
+              <a:t>6</a:t>
+            </a:fld>
+            <a:endParaRPr lang="en-CA" sz="1200" dirty="0">
+              <a:solidFill>
+                <a:schemeClr val="tx1"/>
+              </a:solidFill>
+            </a:endParaRPr>
+          </a:p>
+        </p:txBody>
+      </p:sp>
     </p:spTree>
     <p:extLst>
       <p:ext uri="{BB962C8B-B14F-4D97-AF65-F5344CB8AC3E}">
@@ -14499,6 +16218,42 @@
           </a:prstGeom>
         </p:spPr>
       </p:pic>
+      <p:sp>
+        <p:nvSpPr>
+          <p:cNvPr id="4" name="Slide Number Placeholder 2"/>
+          <p:cNvSpPr>
+            <a:spLocks noGrp="1"/>
+          </p:cNvSpPr>
+          <p:nvPr>
+            <p:ph type="sldNum" sz="quarter" idx="12"/>
+          </p:nvPr>
+        </p:nvSpPr>
+        <p:spPr>
+          <a:xfrm>
+            <a:off x="11171962" y="6243585"/>
+            <a:ext cx="683339" cy="365125"/>
+          </a:xfrm>
+        </p:spPr>
+        <p:txBody>
+          <a:bodyPr/>
+          <a:lstStyle/>
+          <a:p>
+            <a:fld id="{E733B697-11A6-4686-A4B0-BC7222BD8556}" type="slidenum">
+              <a:rPr lang="en-CA" sz="1200" smtClean="0">
+                <a:solidFill>
+                  <a:schemeClr val="tx1"/>
+                </a:solidFill>
+              </a:rPr>
+              <a:t>7</a:t>
+            </a:fld>
+            <a:endParaRPr lang="en-CA" sz="1200" dirty="0">
+              <a:solidFill>
+                <a:schemeClr val="tx1"/>
+              </a:solidFill>
+            </a:endParaRPr>
+          </a:p>
+        </p:txBody>
+      </p:sp>
     </p:spTree>
     <p:extLst>
       <p:ext uri="{BB962C8B-B14F-4D97-AF65-F5344CB8AC3E}">
@@ -14583,6 +16338,42 @@
           </a:prstGeom>
         </p:spPr>
       </p:pic>
+      <p:sp>
+        <p:nvSpPr>
+          <p:cNvPr id="4" name="Slide Number Placeholder 2"/>
+          <p:cNvSpPr>
+            <a:spLocks noGrp="1"/>
+          </p:cNvSpPr>
+          <p:nvPr>
+            <p:ph type="sldNum" sz="quarter" idx="12"/>
+          </p:nvPr>
+        </p:nvSpPr>
+        <p:spPr>
+          <a:xfrm>
+            <a:off x="11171962" y="6243585"/>
+            <a:ext cx="683339" cy="365125"/>
+          </a:xfrm>
+        </p:spPr>
+        <p:txBody>
+          <a:bodyPr/>
+          <a:lstStyle/>
+          <a:p>
+            <a:fld id="{E733B697-11A6-4686-A4B0-BC7222BD8556}" type="slidenum">
+              <a:rPr lang="en-CA" sz="1200" smtClean="0">
+                <a:solidFill>
+                  <a:schemeClr val="tx1"/>
+                </a:solidFill>
+              </a:rPr>
+              <a:t>8</a:t>
+            </a:fld>
+            <a:endParaRPr lang="en-CA" sz="1200" dirty="0">
+              <a:solidFill>
+                <a:schemeClr val="tx1"/>
+              </a:solidFill>
+            </a:endParaRPr>
+          </a:p>
+        </p:txBody>
+      </p:sp>
     </p:spTree>
     <p:extLst>
       <p:ext uri="{BB962C8B-B14F-4D97-AF65-F5344CB8AC3E}">
@@ -14716,6 +16507,42 @@
               <a:buNone/>
             </a:pPr>
             <a:endParaRPr lang="fr-CA" dirty="0"/>
+          </a:p>
+        </p:txBody>
+      </p:sp>
+      <p:sp>
+        <p:nvSpPr>
+          <p:cNvPr id="4" name="Slide Number Placeholder 2"/>
+          <p:cNvSpPr>
+            <a:spLocks noGrp="1"/>
+          </p:cNvSpPr>
+          <p:nvPr>
+            <p:ph type="sldNum" sz="quarter" idx="12"/>
+          </p:nvPr>
+        </p:nvSpPr>
+        <p:spPr>
+          <a:xfrm>
+            <a:off x="11171962" y="6243585"/>
+            <a:ext cx="683339" cy="365125"/>
+          </a:xfrm>
+        </p:spPr>
+        <p:txBody>
+          <a:bodyPr/>
+          <a:lstStyle/>
+          <a:p>
+            <a:fld id="{E733B697-11A6-4686-A4B0-BC7222BD8556}" type="slidenum">
+              <a:rPr lang="en-CA" sz="1200" smtClean="0">
+                <a:solidFill>
+                  <a:schemeClr val="tx1"/>
+                </a:solidFill>
+              </a:rPr>
+              <a:t>9</a:t>
+            </a:fld>
+            <a:endParaRPr lang="en-CA" sz="1200" dirty="0">
+              <a:solidFill>
+                <a:schemeClr val="tx1"/>
+              </a:solidFill>
+            </a:endParaRPr>
           </a:p>
         </p:txBody>
       </p:sp>

--- a/Gestion/L1 Présentation.pptx
+++ b/Gestion/L1 Présentation.pptx
@@ -12,11 +12,11 @@
     <p:sldId id="257" r:id="rId3"/>
     <p:sldId id="296" r:id="rId4"/>
     <p:sldId id="299" r:id="rId5"/>
-    <p:sldId id="297" r:id="rId6"/>
-    <p:sldId id="306" r:id="rId7"/>
-    <p:sldId id="302" r:id="rId8"/>
-    <p:sldId id="298" r:id="rId9"/>
-    <p:sldId id="305" r:id="rId10"/>
+    <p:sldId id="305" r:id="rId6"/>
+    <p:sldId id="298" r:id="rId7"/>
+    <p:sldId id="297" r:id="rId8"/>
+    <p:sldId id="306" r:id="rId9"/>
+    <p:sldId id="302" r:id="rId10"/>
     <p:sldId id="311" r:id="rId11"/>
     <p:sldId id="312" r:id="rId12"/>
     <p:sldId id="313" r:id="rId13"/>
@@ -144,7 +144,7 @@
 <file path=ppt/revisionInfo.xml><?xml version="1.0" encoding="utf-8"?>
 <p1510:revInfo xmlns:a="http://schemas.openxmlformats.org/drawingml/2006/main" xmlns:r="http://schemas.openxmlformats.org/officeDocument/2006/relationships" xmlns:p1510="http://schemas.microsoft.com/office/powerpoint/2015/10/main">
   <p1510:revLst>
-    <p1510:client id="{43497F81-7A3F-4A8A-8C9D-85BF5C16E9A2}" v="1" dt="2017-02-23T14:32:57.600"/>
+    <p1510:client id="{43497F81-7A3F-4A8A-8C9D-85BF5C16E9A2}" v="22" dt="2017-02-23T15:06:31.988"/>
   </p1510:revLst>
 </p1510:revInfo>
 </file>
@@ -562,8 +562,8 @@
           <a:lstStyle/>
           <a:p>
             <a:fld id="{78B34485-F086-465C-AC7C-52556F6810CD}" type="slidenum">
-              <a:rPr lang="fr-FR"/>
-              <a:t>16</a:t>
+              <a:rPr lang="fr-FR" smtClean="0"/>
+              <a:t>2</a:t>
             </a:fld>
             <a:endParaRPr lang="fr-FR"/>
           </a:p>
@@ -572,7 +572,7 @@
     </p:spTree>
     <p:extLst>
       <p:ext uri="{BB962C8B-B14F-4D97-AF65-F5344CB8AC3E}">
-        <p14:creationId xmlns:p14="http://schemas.microsoft.com/office/powerpoint/2010/main" val="158977580"/>
+        <p14:creationId xmlns:p14="http://schemas.microsoft.com/office/powerpoint/2010/main" val="2660558149"/>
       </p:ext>
     </p:extLst>
   </p:cSld>
@@ -647,6 +647,90 @@
           <a:p>
             <a:fld id="{78B34485-F086-465C-AC7C-52556F6810CD}" type="slidenum">
               <a:rPr lang="fr-FR"/>
+              <a:t>16</a:t>
+            </a:fld>
+            <a:endParaRPr lang="fr-FR"/>
+          </a:p>
+        </p:txBody>
+      </p:sp>
+    </p:spTree>
+    <p:extLst>
+      <p:ext uri="{BB962C8B-B14F-4D97-AF65-F5344CB8AC3E}">
+        <p14:creationId xmlns:p14="http://schemas.microsoft.com/office/powerpoint/2010/main" val="158977580"/>
+      </p:ext>
+    </p:extLst>
+  </p:cSld>
+  <p:clrMapOvr>
+    <a:masterClrMapping/>
+  </p:clrMapOvr>
+</p:notes>
+</file>
+
+<file path=ppt/notesSlides/notesSlide3.xml><?xml version="1.0" encoding="utf-8"?>
+<p:notes xmlns:a="http://schemas.openxmlformats.org/drawingml/2006/main" xmlns:r="http://schemas.openxmlformats.org/officeDocument/2006/relationships" xmlns:p="http://schemas.openxmlformats.org/presentationml/2006/main">
+  <p:cSld>
+    <p:spTree>
+      <p:nvGrpSpPr>
+        <p:cNvPr id="1" name=""/>
+        <p:cNvGrpSpPr/>
+        <p:nvPr/>
+      </p:nvGrpSpPr>
+      <p:grpSpPr>
+        <a:xfrm>
+          <a:off x="0" y="0"/>
+          <a:ext cx="0" cy="0"/>
+          <a:chOff x="0" y="0"/>
+          <a:chExt cx="0" cy="0"/>
+        </a:xfrm>
+      </p:grpSpPr>
+      <p:sp>
+        <p:nvSpPr>
+          <p:cNvPr id="2" name="Espace réservé de l'image des diapositives 1"/>
+          <p:cNvSpPr>
+            <a:spLocks noGrp="1" noRot="1" noChangeAspect="1"/>
+          </p:cNvSpPr>
+          <p:nvPr>
+            <p:ph type="sldImg"/>
+          </p:nvPr>
+        </p:nvSpPr>
+        <p:spPr/>
+      </p:sp>
+      <p:sp>
+        <p:nvSpPr>
+          <p:cNvPr id="3" name="Espace réservé des notes 2"/>
+          <p:cNvSpPr>
+            <a:spLocks noGrp="1"/>
+          </p:cNvSpPr>
+          <p:nvPr>
+            <p:ph type="body" idx="1"/>
+          </p:nvPr>
+        </p:nvSpPr>
+        <p:spPr/>
+        <p:txBody>
+          <a:bodyPr/>
+          <a:lstStyle/>
+          <a:p>
+            <a:endParaRPr lang="fr-FR"/>
+          </a:p>
+        </p:txBody>
+      </p:sp>
+      <p:sp>
+        <p:nvSpPr>
+          <p:cNvPr id="4" name="Espace réservé du numéro de diapositive 3"/>
+          <p:cNvSpPr>
+            <a:spLocks noGrp="1"/>
+          </p:cNvSpPr>
+          <p:nvPr>
+            <p:ph type="sldNum" sz="quarter" idx="10"/>
+          </p:nvPr>
+        </p:nvSpPr>
+        <p:spPr/>
+        <p:txBody>
+          <a:bodyPr/>
+          <a:lstStyle/>
+          <a:p>
+            <a:fld id="{78B34485-F086-465C-AC7C-52556F6810CD}" type="slidenum">
+              <a:rPr lang="fr-FR"/>
               <a:t>17</a:t>
             </a:fld>
             <a:endParaRPr lang="fr-FR"/>
@@ -666,7 +750,7 @@
 </p:notes>
 </file>
 
-<file path=ppt/notesSlides/notesSlide3.xml><?xml version="1.0" encoding="utf-8"?>
+<file path=ppt/notesSlides/notesSlide4.xml><?xml version="1.0" encoding="utf-8"?>
 <p:notes xmlns:a="http://schemas.openxmlformats.org/drawingml/2006/main" xmlns:r="http://schemas.openxmlformats.org/officeDocument/2006/relationships" xmlns:p="http://schemas.openxmlformats.org/presentationml/2006/main">
   <p:cSld>
     <p:spTree>
@@ -10814,7 +10898,7 @@
         </p:nvSpPr>
         <p:spPr>
           <a:xfrm>
-            <a:off x="708157" y="2088669"/>
+            <a:off x="644149" y="1058517"/>
             <a:ext cx="8596668" cy="3880773"/>
           </a:xfrm>
         </p:spPr>
@@ -10830,9 +10914,6 @@
             </a:r>
           </a:p>
           <a:p>
-            <a:endParaRPr lang="fr-CA"/>
-          </a:p>
-          <a:p>
             <a:r>
               <a:rPr lang="fr-CA"/>
               <a:t>Règles choisies et vues par tout les membres</a:t>
@@ -10846,15 +10927,14 @@
             </a:r>
           </a:p>
           <a:p>
-            <a:endParaRPr lang="fr-CA"/>
-          </a:p>
-          <a:p>
             <a:r>
               <a:rPr lang="fr-CA"/>
-              <a:t>Rôles de chaque membres décris </a:t>
-            </a:r>
-          </a:p>
-          <a:p>
+              <a:t>Rôles de chaque membres décris</a:t>
+            </a:r>
+            <a:r>
+              <a:rPr lang="fr-CA" dirty="0"/>
+              <a:t> </a:t>
+            </a:r>
             <a:endParaRPr lang="fr-CA"/>
           </a:p>
           <a:p>
@@ -10902,6 +10982,700 @@
           </a:p>
         </p:txBody>
       </p:sp>
+      <p:graphicFrame>
+        <p:nvGraphicFramePr>
+          <p:cNvPr id="3" name="Tableau 2"/>
+          <p:cNvGraphicFramePr>
+            <a:graphicFrameLocks noGrp="1"/>
+          </p:cNvGraphicFramePr>
+          <p:nvPr>
+            <p:extLst>
+              <p:ext uri="{D42A27DB-BD31-4B8C-83A1-F6EECF244321}">
+                <p14:modId xmlns:p14="http://schemas.microsoft.com/office/powerpoint/2010/main" val="4260115389"/>
+              </p:ext>
+            </p:extLst>
+          </p:nvPr>
+        </p:nvGraphicFramePr>
+        <p:xfrm>
+          <a:off x="718090" y="3145534"/>
+          <a:ext cx="7575518" cy="3128817"/>
+        </p:xfrm>
+        <a:graphic>
+          <a:graphicData uri="http://schemas.openxmlformats.org/drawingml/2006/table">
+            <a:tbl>
+              <a:tblPr firstRow="1" firstCol="1" bandRow="1">
+                <a:tableStyleId>{5C22544A-7EE6-4342-B048-85BDC9FD1C3A}</a:tableStyleId>
+              </a:tblPr>
+              <a:tblGrid>
+                <a:gridCol w="3787759">
+                  <a:extLst>
+                    <a:ext uri="{9D8B030D-6E8A-4147-A177-3AD203B41FA5}">
+                      <a16:colId xmlns:a16="http://schemas.microsoft.com/office/drawing/2014/main" val="2229066014"/>
+                    </a:ext>
+                  </a:extLst>
+                </a:gridCol>
+                <a:gridCol w="3787759">
+                  <a:extLst>
+                    <a:ext uri="{9D8B030D-6E8A-4147-A177-3AD203B41FA5}">
+                      <a16:colId xmlns:a16="http://schemas.microsoft.com/office/drawing/2014/main" val="1361508903"/>
+                    </a:ext>
+                  </a:extLst>
+                </a:gridCol>
+              </a:tblGrid>
+              <a:tr h="278782">
+                <a:tc>
+                  <a:txBody>
+                    <a:bodyPr/>
+                    <a:lstStyle/>
+                    <a:p>
+                      <a:pPr algn="just">
+                        <a:lnSpc>
+                          <a:spcPct val="107000"/>
+                        </a:lnSpc>
+                        <a:spcAft>
+                          <a:spcPts val="0"/>
+                        </a:spcAft>
+                      </a:pPr>
+                      <a:r>
+                        <a:rPr lang="fr-CA" sz="1400">
+                          <a:effectLst/>
+                        </a:rPr>
+                        <a:t>Rôles</a:t>
+                      </a:r>
+                      <a:endParaRPr lang="en-CA" sz="1400">
+                        <a:effectLst/>
+                        <a:latin typeface="Calibri" panose="020F0502020204030204" pitchFamily="34" charset="0"/>
+                        <a:ea typeface="Calibri" panose="020F0502020204030204" pitchFamily="34" charset="0"/>
+                        <a:cs typeface="Times New Roman" panose="02020603050405020304" pitchFamily="18" charset="0"/>
+                      </a:endParaRPr>
+                    </a:p>
+                  </a:txBody>
+                  <a:tcPr marL="68580" marR="68580" marT="0" marB="0"/>
+                </a:tc>
+                <a:tc>
+                  <a:txBody>
+                    <a:bodyPr/>
+                    <a:lstStyle/>
+                    <a:p>
+                      <a:pPr algn="just">
+                        <a:lnSpc>
+                          <a:spcPct val="107000"/>
+                        </a:lnSpc>
+                        <a:spcAft>
+                          <a:spcPts val="0"/>
+                        </a:spcAft>
+                      </a:pPr>
+                      <a:r>
+                        <a:rPr lang="fr-CA" sz="1400">
+                          <a:effectLst/>
+                        </a:rPr>
+                        <a:t>Membres</a:t>
+                      </a:r>
+                      <a:endParaRPr lang="en-CA" sz="1400">
+                        <a:effectLst/>
+                        <a:latin typeface="Calibri" panose="020F0502020204030204" pitchFamily="34" charset="0"/>
+                        <a:ea typeface="Calibri" panose="020F0502020204030204" pitchFamily="34" charset="0"/>
+                        <a:cs typeface="Times New Roman" panose="02020603050405020304" pitchFamily="18" charset="0"/>
+                      </a:endParaRPr>
+                    </a:p>
+                  </a:txBody>
+                  <a:tcPr marL="68580" marR="68580" marT="0" marB="0"/>
+                </a:tc>
+                <a:extLst>
+                  <a:ext uri="{0D108BD9-81ED-4DB2-BD59-A6C34878D82A}">
+                    <a16:rowId xmlns:a16="http://schemas.microsoft.com/office/drawing/2014/main" val="2776436658"/>
+                  </a:ext>
+                </a:extLst>
+              </a:tr>
+              <a:tr h="278782">
+                <a:tc>
+                  <a:txBody>
+                    <a:bodyPr/>
+                    <a:lstStyle/>
+                    <a:p>
+                      <a:pPr algn="just">
+                        <a:lnSpc>
+                          <a:spcPct val="107000"/>
+                        </a:lnSpc>
+                        <a:spcAft>
+                          <a:spcPts val="0"/>
+                        </a:spcAft>
+                      </a:pPr>
+                      <a:r>
+                        <a:rPr lang="fr-CA" sz="1400">
+                          <a:effectLst/>
+                        </a:rPr>
+                        <a:t>Médiateur</a:t>
+                      </a:r>
+                      <a:endParaRPr lang="en-CA" sz="1400">
+                        <a:effectLst/>
+                        <a:latin typeface="Calibri" panose="020F0502020204030204" pitchFamily="34" charset="0"/>
+                        <a:ea typeface="Calibri" panose="020F0502020204030204" pitchFamily="34" charset="0"/>
+                        <a:cs typeface="Times New Roman" panose="02020603050405020304" pitchFamily="18" charset="0"/>
+                      </a:endParaRPr>
+                    </a:p>
+                  </a:txBody>
+                  <a:tcPr marL="68580" marR="68580" marT="0" marB="0"/>
+                </a:tc>
+                <a:tc>
+                  <a:txBody>
+                    <a:bodyPr/>
+                    <a:lstStyle/>
+                    <a:p>
+                      <a:pPr algn="just">
+                        <a:lnSpc>
+                          <a:spcPct val="107000"/>
+                        </a:lnSpc>
+                        <a:spcAft>
+                          <a:spcPts val="0"/>
+                        </a:spcAft>
+                      </a:pPr>
+                      <a:r>
+                        <a:rPr lang="fr-CA" sz="1400">
+                          <a:effectLst/>
+                        </a:rPr>
+                        <a:t>Louis-Philippe Bardier</a:t>
+                      </a:r>
+                      <a:endParaRPr lang="en-CA" sz="1400">
+                        <a:effectLst/>
+                        <a:latin typeface="Calibri" panose="020F0502020204030204" pitchFamily="34" charset="0"/>
+                        <a:ea typeface="Calibri" panose="020F0502020204030204" pitchFamily="34" charset="0"/>
+                        <a:cs typeface="Times New Roman" panose="02020603050405020304" pitchFamily="18" charset="0"/>
+                      </a:endParaRPr>
+                    </a:p>
+                  </a:txBody>
+                  <a:tcPr marL="68580" marR="68580" marT="0" marB="0"/>
+                </a:tc>
+                <a:extLst>
+                  <a:ext uri="{0D108BD9-81ED-4DB2-BD59-A6C34878D82A}">
+                    <a16:rowId xmlns:a16="http://schemas.microsoft.com/office/drawing/2014/main" val="3641838686"/>
+                  </a:ext>
+                </a:extLst>
+              </a:tr>
+              <a:tr h="278782">
+                <a:tc>
+                  <a:txBody>
+                    <a:bodyPr/>
+                    <a:lstStyle/>
+                    <a:p>
+                      <a:pPr algn="just">
+                        <a:lnSpc>
+                          <a:spcPct val="107000"/>
+                        </a:lnSpc>
+                        <a:spcAft>
+                          <a:spcPts val="0"/>
+                        </a:spcAft>
+                      </a:pPr>
+                      <a:r>
+                        <a:rPr lang="fr-CA" sz="1400">
+                          <a:effectLst/>
+                        </a:rPr>
+                        <a:t>Animateur</a:t>
+                      </a:r>
+                      <a:endParaRPr lang="en-CA" sz="1400">
+                        <a:effectLst/>
+                        <a:latin typeface="Calibri" panose="020F0502020204030204" pitchFamily="34" charset="0"/>
+                        <a:ea typeface="Calibri" panose="020F0502020204030204" pitchFamily="34" charset="0"/>
+                        <a:cs typeface="Times New Roman" panose="02020603050405020304" pitchFamily="18" charset="0"/>
+                      </a:endParaRPr>
+                    </a:p>
+                  </a:txBody>
+                  <a:tcPr marL="68580" marR="68580" marT="0" marB="0"/>
+                </a:tc>
+                <a:tc>
+                  <a:txBody>
+                    <a:bodyPr/>
+                    <a:lstStyle/>
+                    <a:p>
+                      <a:pPr algn="just">
+                        <a:lnSpc>
+                          <a:spcPct val="107000"/>
+                        </a:lnSpc>
+                        <a:spcAft>
+                          <a:spcPts val="0"/>
+                        </a:spcAft>
+                      </a:pPr>
+                      <a:r>
+                        <a:rPr lang="fr-CA" sz="1400">
+                          <a:effectLst/>
+                        </a:rPr>
+                        <a:t>Alexandre Thibault</a:t>
+                      </a:r>
+                      <a:endParaRPr lang="en-CA" sz="1400">
+                        <a:effectLst/>
+                        <a:latin typeface="Calibri" panose="020F0502020204030204" pitchFamily="34" charset="0"/>
+                        <a:ea typeface="Calibri" panose="020F0502020204030204" pitchFamily="34" charset="0"/>
+                        <a:cs typeface="Times New Roman" panose="02020603050405020304" pitchFamily="18" charset="0"/>
+                      </a:endParaRPr>
+                    </a:p>
+                  </a:txBody>
+                  <a:tcPr marL="68580" marR="68580" marT="0" marB="0"/>
+                </a:tc>
+                <a:extLst>
+                  <a:ext uri="{0D108BD9-81ED-4DB2-BD59-A6C34878D82A}">
+                    <a16:rowId xmlns:a16="http://schemas.microsoft.com/office/drawing/2014/main" val="2884493519"/>
+                  </a:ext>
+                </a:extLst>
+              </a:tr>
+              <a:tr h="326351">
+                <a:tc>
+                  <a:txBody>
+                    <a:bodyPr/>
+                    <a:lstStyle/>
+                    <a:p>
+                      <a:pPr algn="just">
+                        <a:lnSpc>
+                          <a:spcPct val="107000"/>
+                        </a:lnSpc>
+                        <a:spcAft>
+                          <a:spcPts val="0"/>
+                        </a:spcAft>
+                      </a:pPr>
+                      <a:r>
+                        <a:rPr lang="fr-CA" sz="1400" dirty="0">
+                          <a:effectLst/>
+                        </a:rPr>
+                        <a:t>Responsable gestion</a:t>
+                      </a:r>
+                      <a:endParaRPr lang="en-CA" sz="1400" dirty="0">
+                        <a:effectLst/>
+                        <a:latin typeface="Calibri" panose="020F0502020204030204" pitchFamily="34" charset="0"/>
+                        <a:ea typeface="Calibri" panose="020F0502020204030204" pitchFamily="34" charset="0"/>
+                        <a:cs typeface="Times New Roman" panose="02020603050405020304" pitchFamily="18" charset="0"/>
+                      </a:endParaRPr>
+                    </a:p>
+                  </a:txBody>
+                  <a:tcPr marL="68580" marR="68580" marT="0" marB="0"/>
+                </a:tc>
+                <a:tc>
+                  <a:txBody>
+                    <a:bodyPr/>
+                    <a:lstStyle/>
+                    <a:p>
+                      <a:pPr algn="just">
+                        <a:lnSpc>
+                          <a:spcPct val="107000"/>
+                        </a:lnSpc>
+                        <a:spcAft>
+                          <a:spcPts val="0"/>
+                        </a:spcAft>
+                      </a:pPr>
+                      <a:r>
+                        <a:rPr lang="fr-CA" sz="1400" dirty="0">
+                          <a:effectLst/>
+                        </a:rPr>
+                        <a:t>Alexandre Girard et Alexandre Guay</a:t>
+                      </a:r>
+                      <a:endParaRPr lang="en-CA" sz="1400" dirty="0">
+                        <a:effectLst/>
+                        <a:latin typeface="Calibri" panose="020F0502020204030204" pitchFamily="34" charset="0"/>
+                        <a:ea typeface="Calibri" panose="020F0502020204030204" pitchFamily="34" charset="0"/>
+                        <a:cs typeface="Times New Roman" panose="02020603050405020304" pitchFamily="18" charset="0"/>
+                      </a:endParaRPr>
+                    </a:p>
+                  </a:txBody>
+                  <a:tcPr marL="68580" marR="68580" marT="0" marB="0"/>
+                </a:tc>
+                <a:extLst>
+                  <a:ext uri="{0D108BD9-81ED-4DB2-BD59-A6C34878D82A}">
+                    <a16:rowId xmlns:a16="http://schemas.microsoft.com/office/drawing/2014/main" val="1698534086"/>
+                  </a:ext>
+                </a:extLst>
+              </a:tr>
+              <a:tr h="278782">
+                <a:tc>
+                  <a:txBody>
+                    <a:bodyPr/>
+                    <a:lstStyle/>
+                    <a:p>
+                      <a:pPr algn="just">
+                        <a:lnSpc>
+                          <a:spcPct val="107000"/>
+                        </a:lnSpc>
+                        <a:spcAft>
+                          <a:spcPts val="0"/>
+                        </a:spcAft>
+                      </a:pPr>
+                      <a:r>
+                        <a:rPr lang="fr-CA" sz="1400">
+                          <a:effectLst/>
+                        </a:rPr>
+                        <a:t>Responsable technique</a:t>
+                      </a:r>
+                      <a:endParaRPr lang="en-CA" sz="1400">
+                        <a:effectLst/>
+                        <a:latin typeface="Calibri" panose="020F0502020204030204" pitchFamily="34" charset="0"/>
+                        <a:ea typeface="Calibri" panose="020F0502020204030204" pitchFamily="34" charset="0"/>
+                        <a:cs typeface="Times New Roman" panose="02020603050405020304" pitchFamily="18" charset="0"/>
+                      </a:endParaRPr>
+                    </a:p>
+                  </a:txBody>
+                  <a:tcPr marL="68580" marR="68580" marT="0" marB="0"/>
+                </a:tc>
+                <a:tc>
+                  <a:txBody>
+                    <a:bodyPr/>
+                    <a:lstStyle/>
+                    <a:p>
+                      <a:pPr algn="just">
+                        <a:lnSpc>
+                          <a:spcPct val="107000"/>
+                        </a:lnSpc>
+                        <a:spcAft>
+                          <a:spcPts val="0"/>
+                        </a:spcAft>
+                      </a:pPr>
+                      <a:r>
+                        <a:rPr lang="fr-CA" sz="1400">
+                          <a:effectLst/>
+                        </a:rPr>
+                        <a:t>Alexandre Guay</a:t>
+                      </a:r>
+                      <a:endParaRPr lang="en-CA" sz="1400">
+                        <a:effectLst/>
+                        <a:latin typeface="Calibri" panose="020F0502020204030204" pitchFamily="34" charset="0"/>
+                        <a:ea typeface="Calibri" panose="020F0502020204030204" pitchFamily="34" charset="0"/>
+                        <a:cs typeface="Times New Roman" panose="02020603050405020304" pitchFamily="18" charset="0"/>
+                      </a:endParaRPr>
+                    </a:p>
+                  </a:txBody>
+                  <a:tcPr marL="68580" marR="68580" marT="0" marB="0"/>
+                </a:tc>
+                <a:extLst>
+                  <a:ext uri="{0D108BD9-81ED-4DB2-BD59-A6C34878D82A}">
+                    <a16:rowId xmlns:a16="http://schemas.microsoft.com/office/drawing/2014/main" val="68018406"/>
+                  </a:ext>
+                </a:extLst>
+              </a:tr>
+              <a:tr h="278782">
+                <a:tc>
+                  <a:txBody>
+                    <a:bodyPr/>
+                    <a:lstStyle/>
+                    <a:p>
+                      <a:pPr algn="just">
+                        <a:lnSpc>
+                          <a:spcPct val="107000"/>
+                        </a:lnSpc>
+                        <a:spcAft>
+                          <a:spcPts val="0"/>
+                        </a:spcAft>
+                      </a:pPr>
+                      <a:r>
+                        <a:rPr lang="fr-CA" sz="1400">
+                          <a:effectLst/>
+                        </a:rPr>
+                        <a:t>Secrétaire</a:t>
+                      </a:r>
+                      <a:endParaRPr lang="en-CA" sz="1400">
+                        <a:effectLst/>
+                        <a:latin typeface="Calibri" panose="020F0502020204030204" pitchFamily="34" charset="0"/>
+                        <a:ea typeface="Calibri" panose="020F0502020204030204" pitchFamily="34" charset="0"/>
+                        <a:cs typeface="Times New Roman" panose="02020603050405020304" pitchFamily="18" charset="0"/>
+                      </a:endParaRPr>
+                    </a:p>
+                  </a:txBody>
+                  <a:tcPr marL="68580" marR="68580" marT="0" marB="0"/>
+                </a:tc>
+                <a:tc>
+                  <a:txBody>
+                    <a:bodyPr/>
+                    <a:lstStyle/>
+                    <a:p>
+                      <a:pPr algn="just">
+                        <a:lnSpc>
+                          <a:spcPct val="107000"/>
+                        </a:lnSpc>
+                        <a:spcAft>
+                          <a:spcPts val="0"/>
+                        </a:spcAft>
+                      </a:pPr>
+                      <a:r>
+                        <a:rPr lang="fr-CA" sz="1400">
+                          <a:effectLst/>
+                        </a:rPr>
+                        <a:t>Jean-Nicolas Crête</a:t>
+                      </a:r>
+                      <a:endParaRPr lang="en-CA" sz="1400">
+                        <a:effectLst/>
+                        <a:latin typeface="Calibri" panose="020F0502020204030204" pitchFamily="34" charset="0"/>
+                        <a:ea typeface="Calibri" panose="020F0502020204030204" pitchFamily="34" charset="0"/>
+                        <a:cs typeface="Times New Roman" panose="02020603050405020304" pitchFamily="18" charset="0"/>
+                      </a:endParaRPr>
+                    </a:p>
+                  </a:txBody>
+                  <a:tcPr marL="68580" marR="68580" marT="0" marB="0"/>
+                </a:tc>
+                <a:extLst>
+                  <a:ext uri="{0D108BD9-81ED-4DB2-BD59-A6C34878D82A}">
+                    <a16:rowId xmlns:a16="http://schemas.microsoft.com/office/drawing/2014/main" val="193821887"/>
+                  </a:ext>
+                </a:extLst>
+              </a:tr>
+              <a:tr h="278782">
+                <a:tc>
+                  <a:txBody>
+                    <a:bodyPr/>
+                    <a:lstStyle/>
+                    <a:p>
+                      <a:pPr algn="just">
+                        <a:lnSpc>
+                          <a:spcPct val="107000"/>
+                        </a:lnSpc>
+                        <a:spcAft>
+                          <a:spcPts val="0"/>
+                        </a:spcAft>
+                      </a:pPr>
+                      <a:r>
+                        <a:rPr lang="fr-CA" sz="1400">
+                          <a:effectLst/>
+                        </a:rPr>
+                        <a:t>Responsable Assurance qualité</a:t>
+                      </a:r>
+                      <a:endParaRPr lang="en-CA" sz="1400">
+                        <a:effectLst/>
+                        <a:latin typeface="Calibri" panose="020F0502020204030204" pitchFamily="34" charset="0"/>
+                        <a:ea typeface="Calibri" panose="020F0502020204030204" pitchFamily="34" charset="0"/>
+                        <a:cs typeface="Times New Roman" panose="02020603050405020304" pitchFamily="18" charset="0"/>
+                      </a:endParaRPr>
+                    </a:p>
+                  </a:txBody>
+                  <a:tcPr marL="68580" marR="68580" marT="0" marB="0"/>
+                </a:tc>
+                <a:tc>
+                  <a:txBody>
+                    <a:bodyPr/>
+                    <a:lstStyle/>
+                    <a:p>
+                      <a:pPr algn="just">
+                        <a:lnSpc>
+                          <a:spcPct val="107000"/>
+                        </a:lnSpc>
+                        <a:spcAft>
+                          <a:spcPts val="0"/>
+                        </a:spcAft>
+                      </a:pPr>
+                      <a:r>
+                        <a:rPr lang="fr-CA" sz="1400">
+                          <a:effectLst/>
+                        </a:rPr>
+                        <a:t>Luis Felipe Anillo</a:t>
+                      </a:r>
+                      <a:endParaRPr lang="en-CA" sz="1400">
+                        <a:effectLst/>
+                        <a:latin typeface="Calibri" panose="020F0502020204030204" pitchFamily="34" charset="0"/>
+                        <a:ea typeface="Calibri" panose="020F0502020204030204" pitchFamily="34" charset="0"/>
+                        <a:cs typeface="Times New Roman" panose="02020603050405020304" pitchFamily="18" charset="0"/>
+                      </a:endParaRPr>
+                    </a:p>
+                  </a:txBody>
+                  <a:tcPr marL="68580" marR="68580" marT="0" marB="0"/>
+                </a:tc>
+                <a:extLst>
+                  <a:ext uri="{0D108BD9-81ED-4DB2-BD59-A6C34878D82A}">
+                    <a16:rowId xmlns:a16="http://schemas.microsoft.com/office/drawing/2014/main" val="803704506"/>
+                  </a:ext>
+                </a:extLst>
+              </a:tr>
+              <a:tr h="278782">
+                <a:tc>
+                  <a:txBody>
+                    <a:bodyPr/>
+                    <a:lstStyle/>
+                    <a:p>
+                      <a:pPr algn="just">
+                        <a:lnSpc>
+                          <a:spcPct val="107000"/>
+                        </a:lnSpc>
+                        <a:spcAft>
+                          <a:spcPts val="0"/>
+                        </a:spcAft>
+                      </a:pPr>
+                      <a:r>
+                        <a:rPr lang="fr-CA" sz="1400">
+                          <a:effectLst/>
+                        </a:rPr>
+                        <a:t>Responsable gestion des datas</a:t>
+                      </a:r>
+                      <a:endParaRPr lang="en-CA" sz="1400">
+                        <a:effectLst/>
+                        <a:latin typeface="Calibri" panose="020F0502020204030204" pitchFamily="34" charset="0"/>
+                        <a:ea typeface="Calibri" panose="020F0502020204030204" pitchFamily="34" charset="0"/>
+                        <a:cs typeface="Times New Roman" panose="02020603050405020304" pitchFamily="18" charset="0"/>
+                      </a:endParaRPr>
+                    </a:p>
+                  </a:txBody>
+                  <a:tcPr marL="68580" marR="68580" marT="0" marB="0"/>
+                </a:tc>
+                <a:tc>
+                  <a:txBody>
+                    <a:bodyPr/>
+                    <a:lstStyle/>
+                    <a:p>
+                      <a:pPr algn="just">
+                        <a:lnSpc>
+                          <a:spcPct val="107000"/>
+                        </a:lnSpc>
+                        <a:spcAft>
+                          <a:spcPts val="0"/>
+                        </a:spcAft>
+                      </a:pPr>
+                      <a:r>
+                        <a:rPr lang="fr-CA" sz="1400">
+                          <a:effectLst/>
+                        </a:rPr>
+                        <a:t>Gabriel Guilmain</a:t>
+                      </a:r>
+                      <a:endParaRPr lang="en-CA" sz="1400">
+                        <a:effectLst/>
+                        <a:latin typeface="Calibri" panose="020F0502020204030204" pitchFamily="34" charset="0"/>
+                        <a:ea typeface="Calibri" panose="020F0502020204030204" pitchFamily="34" charset="0"/>
+                        <a:cs typeface="Times New Roman" panose="02020603050405020304" pitchFamily="18" charset="0"/>
+                      </a:endParaRPr>
+                    </a:p>
+                  </a:txBody>
+                  <a:tcPr marL="68580" marR="68580" marT="0" marB="0"/>
+                </a:tc>
+                <a:extLst>
+                  <a:ext uri="{0D108BD9-81ED-4DB2-BD59-A6C34878D82A}">
+                    <a16:rowId xmlns:a16="http://schemas.microsoft.com/office/drawing/2014/main" val="2697475824"/>
+                  </a:ext>
+                </a:extLst>
+              </a:tr>
+              <a:tr h="278782">
+                <a:tc>
+                  <a:txBody>
+                    <a:bodyPr/>
+                    <a:lstStyle/>
+                    <a:p>
+                      <a:pPr algn="just">
+                        <a:lnSpc>
+                          <a:spcPct val="107000"/>
+                        </a:lnSpc>
+                        <a:spcAft>
+                          <a:spcPts val="0"/>
+                        </a:spcAft>
+                      </a:pPr>
+                      <a:r>
+                        <a:rPr lang="fr-CA" sz="1400">
+                          <a:effectLst/>
+                        </a:rPr>
+                        <a:t>Responsable comité de PCB</a:t>
+                      </a:r>
+                      <a:endParaRPr lang="en-CA" sz="1400">
+                        <a:effectLst/>
+                        <a:latin typeface="Calibri" panose="020F0502020204030204" pitchFamily="34" charset="0"/>
+                        <a:ea typeface="Calibri" panose="020F0502020204030204" pitchFamily="34" charset="0"/>
+                        <a:cs typeface="Times New Roman" panose="02020603050405020304" pitchFamily="18" charset="0"/>
+                      </a:endParaRPr>
+                    </a:p>
+                  </a:txBody>
+                  <a:tcPr marL="68580" marR="68580" marT="0" marB="0"/>
+                </a:tc>
+                <a:tc>
+                  <a:txBody>
+                    <a:bodyPr/>
+                    <a:lstStyle/>
+                    <a:p>
+                      <a:pPr algn="just">
+                        <a:lnSpc>
+                          <a:spcPct val="107000"/>
+                        </a:lnSpc>
+                        <a:spcAft>
+                          <a:spcPts val="0"/>
+                        </a:spcAft>
+                      </a:pPr>
+                      <a:r>
+                        <a:rPr lang="fr-CA" sz="1400">
+                          <a:effectLst/>
+                        </a:rPr>
+                        <a:t>Alexandre Girard et Frédéric Berthelot</a:t>
+                      </a:r>
+                      <a:endParaRPr lang="en-CA" sz="1400">
+                        <a:effectLst/>
+                        <a:latin typeface="Calibri" panose="020F0502020204030204" pitchFamily="34" charset="0"/>
+                        <a:ea typeface="Calibri" panose="020F0502020204030204" pitchFamily="34" charset="0"/>
+                        <a:cs typeface="Times New Roman" panose="02020603050405020304" pitchFamily="18" charset="0"/>
+                      </a:endParaRPr>
+                    </a:p>
+                  </a:txBody>
+                  <a:tcPr marL="68580" marR="68580" marT="0" marB="0"/>
+                </a:tc>
+                <a:extLst>
+                  <a:ext uri="{0D108BD9-81ED-4DB2-BD59-A6C34878D82A}">
+                    <a16:rowId xmlns:a16="http://schemas.microsoft.com/office/drawing/2014/main" val="2675985885"/>
+                  </a:ext>
+                </a:extLst>
+              </a:tr>
+              <a:tr h="572210">
+                <a:tc>
+                  <a:txBody>
+                    <a:bodyPr/>
+                    <a:lstStyle/>
+                    <a:p>
+                      <a:pPr algn="just">
+                        <a:lnSpc>
+                          <a:spcPct val="107000"/>
+                        </a:lnSpc>
+                        <a:spcAft>
+                          <a:spcPts val="0"/>
+                        </a:spcAft>
+                      </a:pPr>
+                      <a:r>
+                        <a:rPr lang="fr-CA" sz="1400">
+                          <a:effectLst/>
+                        </a:rPr>
+                        <a:t>Responsable code et schémas électriques</a:t>
+                      </a:r>
+                      <a:endParaRPr lang="en-CA" sz="1400">
+                        <a:effectLst/>
+                        <a:latin typeface="Calibri" panose="020F0502020204030204" pitchFamily="34" charset="0"/>
+                        <a:ea typeface="Calibri" panose="020F0502020204030204" pitchFamily="34" charset="0"/>
+                        <a:cs typeface="Times New Roman" panose="02020603050405020304" pitchFamily="18" charset="0"/>
+                      </a:endParaRPr>
+                    </a:p>
+                  </a:txBody>
+                  <a:tcPr marL="68580" marR="68580" marT="0" marB="0"/>
+                </a:tc>
+                <a:tc>
+                  <a:txBody>
+                    <a:bodyPr/>
+                    <a:lstStyle/>
+                    <a:p>
+                      <a:pPr algn="just">
+                        <a:lnSpc>
+                          <a:spcPct val="107000"/>
+                        </a:lnSpc>
+                        <a:spcAft>
+                          <a:spcPts val="0"/>
+                        </a:spcAft>
+                      </a:pPr>
+                      <a:r>
+                        <a:rPr lang="fr-CA" sz="1400" dirty="0">
+                          <a:effectLst/>
+                        </a:rPr>
+                        <a:t>Frédéric Berthelot</a:t>
+                      </a:r>
+                      <a:endParaRPr lang="en-CA" sz="1400" dirty="0">
+                        <a:effectLst/>
+                        <a:latin typeface="Calibri" panose="020F0502020204030204" pitchFamily="34" charset="0"/>
+                        <a:ea typeface="Calibri" panose="020F0502020204030204" pitchFamily="34" charset="0"/>
+                        <a:cs typeface="Times New Roman" panose="02020603050405020304" pitchFamily="18" charset="0"/>
+                      </a:endParaRPr>
+                    </a:p>
+                  </a:txBody>
+                  <a:tcPr marL="68580" marR="68580" marT="0" marB="0"/>
+                </a:tc>
+                <a:extLst>
+                  <a:ext uri="{0D108BD9-81ED-4DB2-BD59-A6C34878D82A}">
+                    <a16:rowId xmlns:a16="http://schemas.microsoft.com/office/drawing/2014/main" val="2006120770"/>
+                  </a:ext>
+                </a:extLst>
+              </a:tr>
+            </a:tbl>
+          </a:graphicData>
+        </a:graphic>
+      </p:graphicFrame>
     </p:spTree>
     <p:extLst>
       <p:ext uri="{BB962C8B-B14F-4D97-AF65-F5344CB8AC3E}">
@@ -15948,36 +16722,88 @@
           <a:p>
             <a:r>
               <a:rPr lang="fr-CA" sz="3000" dirty="0"/>
-              <a:t>Diagramme de cas d’utilisation (UML 2)</a:t>
+              <a:t>Montage matériel</a:t>
             </a:r>
             <a:endParaRPr lang="en-CA" sz="3000" dirty="0"/>
           </a:p>
         </p:txBody>
       </p:sp>
-      <p:pic>
-        <p:nvPicPr>
-          <p:cNvPr id="3" name="Image 2"/>
-          <p:cNvPicPr>
-            <a:picLocks noChangeAspect="1"/>
-          </p:cNvPicPr>
-          <p:nvPr/>
-        </p:nvPicPr>
-        <p:blipFill>
-          <a:blip r:embed="rId2"/>
-          <a:stretch>
-            <a:fillRect/>
-          </a:stretch>
-        </p:blipFill>
+      <p:sp>
+        <p:nvSpPr>
+          <p:cNvPr id="5" name="Espace réservé du contenu 4"/>
+          <p:cNvSpPr>
+            <a:spLocks noGrp="1"/>
+          </p:cNvSpPr>
+          <p:nvPr>
+            <p:ph idx="1"/>
+          </p:nvPr>
+        </p:nvSpPr>
         <p:spPr>
           <a:xfrm>
-            <a:off x="943365" y="1116979"/>
-            <a:ext cx="7645831" cy="5199506"/>
+            <a:off x="708157" y="2088669"/>
+            <a:ext cx="8596668" cy="3880773"/>
           </a:xfrm>
-          <a:prstGeom prst="rect">
-            <a:avLst/>
-          </a:prstGeom>
         </p:spPr>
-      </p:pic>
+        <p:txBody>
+          <a:bodyPr/>
+          <a:lstStyle/>
+          <a:p>
+            <a:pPr lvl="0"/>
+            <a:r>
+              <a:rPr lang="fr-CA" dirty="0"/>
+              <a:t>Micro connecté à l’aide d’un jack audio;</a:t>
+            </a:r>
+          </a:p>
+          <a:p>
+            <a:pPr lvl="0"/>
+            <a:r>
+              <a:rPr lang="fr-CA" dirty="0"/>
+              <a:t>PCB du PIC;</a:t>
+            </a:r>
+          </a:p>
+          <a:p>
+            <a:pPr lvl="0"/>
+            <a:r>
+              <a:rPr lang="fr-CA" dirty="0"/>
+              <a:t>PCB du DSK;</a:t>
+            </a:r>
+          </a:p>
+          <a:p>
+            <a:pPr lvl="0"/>
+            <a:r>
+              <a:rPr lang="fr-CA" dirty="0"/>
+              <a:t>Clavier connecté à l’aide du PCB de projet;</a:t>
+            </a:r>
+          </a:p>
+          <a:p>
+            <a:pPr lvl="0"/>
+            <a:r>
+              <a:rPr lang="fr-CA" dirty="0"/>
+              <a:t>6 connecteurs plats 40 pins;</a:t>
+            </a:r>
+          </a:p>
+          <a:p>
+            <a:pPr lvl="0"/>
+            <a:r>
+              <a:rPr lang="fr-CA" dirty="0"/>
+              <a:t>Header femelle 100 mil pour la communication entre les PCB, et</a:t>
+            </a:r>
+          </a:p>
+          <a:p>
+            <a:pPr lvl="0"/>
+            <a:r>
+              <a:rPr lang="fr-CA" dirty="0"/>
+              <a:t>Haut-parleur connecté à l’aide d’un jack audio pour le métronome généré avec le DSK</a:t>
+            </a:r>
+          </a:p>
+          <a:p>
+            <a:pPr marL="0" indent="0">
+              <a:buNone/>
+            </a:pPr>
+            <a:endParaRPr lang="fr-CA" dirty="0"/>
+          </a:p>
+        </p:txBody>
+      </p:sp>
       <p:sp>
         <p:nvSpPr>
           <p:cNvPr id="4" name="Slide Number Placeholder 2"/>
@@ -16017,7 +16843,7 @@
     </p:spTree>
     <p:extLst>
       <p:ext uri="{BB962C8B-B14F-4D97-AF65-F5344CB8AC3E}">
-        <p14:creationId xmlns:p14="http://schemas.microsoft.com/office/powerpoint/2010/main" val="4116866788"/>
+        <p14:creationId xmlns:p14="http://schemas.microsoft.com/office/powerpoint/2010/main" val="1212715968"/>
       </p:ext>
     </p:extLst>
   </p:cSld>
@@ -16068,7 +16894,7 @@
           <a:p>
             <a:r>
               <a:rPr lang="fr-CA" sz="3000" dirty="0"/>
-              <a:t>Diagramme d’interaction (UML 2)</a:t>
+              <a:t>Schéma bloc du prototype</a:t>
             </a:r>
             <a:endParaRPr lang="en-CA" sz="3000" dirty="0"/>
           </a:p>
@@ -16076,7 +16902,7 @@
       </p:sp>
       <p:pic>
         <p:nvPicPr>
-          <p:cNvPr id="3" name="Image 2"/>
+          <p:cNvPr id="3" name="Picture 2"/>
           <p:cNvPicPr>
             <a:picLocks noChangeAspect="1"/>
           </p:cNvPicPr>
@@ -16090,8 +16916,8 @@
         </p:blipFill>
         <p:spPr>
           <a:xfrm>
-            <a:off x="1387432" y="1058517"/>
-            <a:ext cx="7027103" cy="5531028"/>
+            <a:off x="709486" y="1058517"/>
+            <a:ext cx="7491086" cy="5130775"/>
           </a:xfrm>
           <a:prstGeom prst="rect">
             <a:avLst/>
@@ -16137,7 +16963,7 @@
     </p:spTree>
     <p:extLst>
       <p:ext uri="{BB962C8B-B14F-4D97-AF65-F5344CB8AC3E}">
-        <p14:creationId xmlns:p14="http://schemas.microsoft.com/office/powerpoint/2010/main" val="1189319538"/>
+        <p14:creationId xmlns:p14="http://schemas.microsoft.com/office/powerpoint/2010/main" val="1154435782"/>
       </p:ext>
     </p:extLst>
   </p:cSld>
@@ -16188,7 +17014,7 @@
           <a:p>
             <a:r>
               <a:rPr lang="fr-CA" sz="3000" dirty="0"/>
-              <a:t>Diagramme d’état-transition/activité (UML 2)</a:t>
+              <a:t>Diagramme de cas d’utilisation (UML 2)</a:t>
             </a:r>
             <a:endParaRPr lang="en-CA" sz="3000" dirty="0"/>
           </a:p>
@@ -16196,7 +17022,7 @@
       </p:sp>
       <p:pic>
         <p:nvPicPr>
-          <p:cNvPr id="6" name="Image 5"/>
+          <p:cNvPr id="3" name="Image 2"/>
           <p:cNvPicPr>
             <a:picLocks noChangeAspect="1"/>
           </p:cNvPicPr>
@@ -16210,8 +17036,8 @@
         </p:blipFill>
         <p:spPr>
           <a:xfrm>
-            <a:off x="265426" y="1318581"/>
-            <a:ext cx="15703338" cy="4425300"/>
+            <a:off x="943365" y="1116979"/>
+            <a:ext cx="7645831" cy="5199506"/>
           </a:xfrm>
           <a:prstGeom prst="rect">
             <a:avLst/>
@@ -16257,7 +17083,7 @@
     </p:spTree>
     <p:extLst>
       <p:ext uri="{BB962C8B-B14F-4D97-AF65-F5344CB8AC3E}">
-        <p14:creationId xmlns:p14="http://schemas.microsoft.com/office/powerpoint/2010/main" val="2021187838"/>
+        <p14:creationId xmlns:p14="http://schemas.microsoft.com/office/powerpoint/2010/main" val="4116866788"/>
       </p:ext>
     </p:extLst>
   </p:cSld>
@@ -16308,7 +17134,7 @@
           <a:p>
             <a:r>
               <a:rPr lang="fr-CA" sz="3000" dirty="0"/>
-              <a:t>Schéma bloc du prototype</a:t>
+              <a:t>Diagramme d’interaction (UML 2)</a:t>
             </a:r>
             <a:endParaRPr lang="en-CA" sz="3000" dirty="0"/>
           </a:p>
@@ -16316,7 +17142,7 @@
       </p:sp>
       <p:pic>
         <p:nvPicPr>
-          <p:cNvPr id="3" name="Picture 2"/>
+          <p:cNvPr id="3" name="Image 2"/>
           <p:cNvPicPr>
             <a:picLocks noChangeAspect="1"/>
           </p:cNvPicPr>
@@ -16330,8 +17156,8 @@
         </p:blipFill>
         <p:spPr>
           <a:xfrm>
-            <a:off x="709486" y="1058517"/>
-            <a:ext cx="7491086" cy="5130775"/>
+            <a:off x="1387432" y="1058517"/>
+            <a:ext cx="7027103" cy="5531028"/>
           </a:xfrm>
           <a:prstGeom prst="rect">
             <a:avLst/>
@@ -16377,7 +17203,7 @@
     </p:spTree>
     <p:extLst>
       <p:ext uri="{BB962C8B-B14F-4D97-AF65-F5344CB8AC3E}">
-        <p14:creationId xmlns:p14="http://schemas.microsoft.com/office/powerpoint/2010/main" val="1154435782"/>
+        <p14:creationId xmlns:p14="http://schemas.microsoft.com/office/powerpoint/2010/main" val="1189319538"/>
       </p:ext>
     </p:extLst>
   </p:cSld>
@@ -16428,88 +17254,36 @@
           <a:p>
             <a:r>
               <a:rPr lang="fr-CA" sz="3000" dirty="0"/>
-              <a:t>Montage matériel</a:t>
+              <a:t>Diagramme d’état-transition/activité (UML 2)</a:t>
             </a:r>
             <a:endParaRPr lang="en-CA" sz="3000" dirty="0"/>
           </a:p>
         </p:txBody>
       </p:sp>
-      <p:sp>
-        <p:nvSpPr>
-          <p:cNvPr id="5" name="Espace réservé du contenu 4"/>
-          <p:cNvSpPr>
-            <a:spLocks noGrp="1"/>
-          </p:cNvSpPr>
-          <p:nvPr>
-            <p:ph idx="1"/>
-          </p:nvPr>
-        </p:nvSpPr>
+      <p:pic>
+        <p:nvPicPr>
+          <p:cNvPr id="6" name="Image 5"/>
+          <p:cNvPicPr>
+            <a:picLocks noChangeAspect="1"/>
+          </p:cNvPicPr>
+          <p:nvPr/>
+        </p:nvPicPr>
+        <p:blipFill>
+          <a:blip r:embed="rId2"/>
+          <a:stretch>
+            <a:fillRect/>
+          </a:stretch>
+        </p:blipFill>
         <p:spPr>
           <a:xfrm>
-            <a:off x="708157" y="2088669"/>
-            <a:ext cx="8596668" cy="3880773"/>
+            <a:off x="265426" y="1318581"/>
+            <a:ext cx="15703338" cy="4425300"/>
           </a:xfrm>
+          <a:prstGeom prst="rect">
+            <a:avLst/>
+          </a:prstGeom>
         </p:spPr>
-        <p:txBody>
-          <a:bodyPr/>
-          <a:lstStyle/>
-          <a:p>
-            <a:pPr lvl="0"/>
-            <a:r>
-              <a:rPr lang="fr-CA" dirty="0"/>
-              <a:t>Micro connecté à l’aide d’un jack audio;</a:t>
-            </a:r>
-          </a:p>
-          <a:p>
-            <a:pPr lvl="0"/>
-            <a:r>
-              <a:rPr lang="fr-CA" dirty="0"/>
-              <a:t>PCB du PIC;</a:t>
-            </a:r>
-          </a:p>
-          <a:p>
-            <a:pPr lvl="0"/>
-            <a:r>
-              <a:rPr lang="fr-CA" dirty="0"/>
-              <a:t>PCB du DSK;</a:t>
-            </a:r>
-          </a:p>
-          <a:p>
-            <a:pPr lvl="0"/>
-            <a:r>
-              <a:rPr lang="fr-CA" dirty="0"/>
-              <a:t>Clavier connecté à l’aide du PCB de projet;</a:t>
-            </a:r>
-          </a:p>
-          <a:p>
-            <a:pPr lvl="0"/>
-            <a:r>
-              <a:rPr lang="fr-CA" dirty="0"/>
-              <a:t>6 connecteurs plats 40 pins;</a:t>
-            </a:r>
-          </a:p>
-          <a:p>
-            <a:pPr lvl="0"/>
-            <a:r>
-              <a:rPr lang="fr-CA" dirty="0"/>
-              <a:t>Header femelle 100 mil pour la communication entre les PCB, et</a:t>
-            </a:r>
-          </a:p>
-          <a:p>
-            <a:pPr lvl="0"/>
-            <a:r>
-              <a:rPr lang="fr-CA" dirty="0"/>
-              <a:t>Haut-parleur connecté à l’aide d’un jack audio pour le métronome généré avec le DSK</a:t>
-            </a:r>
-          </a:p>
-          <a:p>
-            <a:pPr marL="0" indent="0">
-              <a:buNone/>
-            </a:pPr>
-            <a:endParaRPr lang="fr-CA" dirty="0"/>
-          </a:p>
-        </p:txBody>
-      </p:sp>
+      </p:pic>
       <p:sp>
         <p:nvSpPr>
           <p:cNvPr id="4" name="Slide Number Placeholder 2"/>
@@ -16549,7 +17323,7 @@
     </p:spTree>
     <p:extLst>
       <p:ext uri="{BB962C8B-B14F-4D97-AF65-F5344CB8AC3E}">
-        <p14:creationId xmlns:p14="http://schemas.microsoft.com/office/powerpoint/2010/main" val="1212715968"/>
+        <p14:creationId xmlns:p14="http://schemas.microsoft.com/office/powerpoint/2010/main" val="2021187838"/>
       </p:ext>
     </p:extLst>
   </p:cSld>
